--- a/MATH 509_Project Presentation_Draft.pptx
+++ b/MATH 509_Project Presentation_Draft.pptx
@@ -8,7 +8,7 @@
     <p:sldMasterId id="2147483682" r:id="rId4"/>
   </p:sldMasterIdLst>
   <p:notesMasterIdLst>
-    <p:notesMasterId r:id="rId27"/>
+    <p:notesMasterId r:id="rId28"/>
   </p:notesMasterIdLst>
   <p:sldIdLst>
     <p:sldId id="256" r:id="rId5"/>
@@ -23,40 +23,34 @@
     <p:sldId id="265" r:id="rId14"/>
     <p:sldId id="266" r:id="rId15"/>
     <p:sldId id="267" r:id="rId16"/>
-    <p:sldId id="268" r:id="rId17"/>
-    <p:sldId id="269" r:id="rId18"/>
-    <p:sldId id="277" r:id="rId19"/>
-    <p:sldId id="270" r:id="rId20"/>
-    <p:sldId id="271" r:id="rId21"/>
-    <p:sldId id="272" r:id="rId22"/>
-    <p:sldId id="273" r:id="rId23"/>
-    <p:sldId id="274" r:id="rId24"/>
-    <p:sldId id="275" r:id="rId25"/>
-    <p:sldId id="276" r:id="rId26"/>
+    <p:sldId id="278" r:id="rId17"/>
+    <p:sldId id="268" r:id="rId18"/>
+    <p:sldId id="269" r:id="rId19"/>
+    <p:sldId id="277" r:id="rId20"/>
+    <p:sldId id="270" r:id="rId21"/>
+    <p:sldId id="271" r:id="rId22"/>
+    <p:sldId id="272" r:id="rId23"/>
+    <p:sldId id="273" r:id="rId24"/>
+    <p:sldId id="274" r:id="rId25"/>
+    <p:sldId id="275" r:id="rId26"/>
+    <p:sldId id="276" r:id="rId27"/>
   </p:sldIdLst>
   <p:sldSz cx="12192000" cy="6858000"/>
   <p:notesSz cx="6858000" cy="9144000"/>
   <p:embeddedFontLst>
     <p:embeddedFont>
-      <p:font typeface="Calibri" panose="020F0502020204030204" pitchFamily="34" charset="0"/>
-      <p:regular r:id="rId28"/>
-      <p:bold r:id="rId29"/>
-      <p:italic r:id="rId30"/>
-      <p:boldItalic r:id="rId31"/>
-    </p:embeddedFont>
-    <p:embeddedFont>
       <p:font typeface="Roboto" panose="02000000000000000000" pitchFamily="2" charset="0"/>
-      <p:regular r:id="rId32"/>
-      <p:bold r:id="rId33"/>
-      <p:italic r:id="rId34"/>
-      <p:boldItalic r:id="rId35"/>
+      <p:regular r:id="rId29"/>
+      <p:bold r:id="rId30"/>
+      <p:italic r:id="rId31"/>
+      <p:boldItalic r:id="rId32"/>
     </p:embeddedFont>
     <p:embeddedFont>
       <p:font typeface="Roboto Light" panose="02000000000000000000" pitchFamily="2" charset="0"/>
-      <p:regular r:id="rId36"/>
-      <p:bold r:id="rId37"/>
-      <p:italic r:id="rId38"/>
-      <p:boldItalic r:id="rId39"/>
+      <p:regular r:id="rId33"/>
+      <p:bold r:id="rId34"/>
+      <p:italic r:id="rId35"/>
+      <p:boldItalic r:id="rId36"/>
     </p:embeddedFont>
   </p:embeddedFontLst>
   <p:defaultTextStyle>
@@ -289,11 +283,5607 @@
     </a:lvl9pPr>
   </p:defaultTextStyle>
   <p:extLst>
+    <p:ext uri="{EFAFB233-063F-42B5-8137-9DF3F51BA10A}">
+      <p15:sldGuideLst xmlns:p15="http://schemas.microsoft.com/office/powerpoint/2012/main"/>
+    </p:ext>
     <p:ext uri="GoogleSlidesCustomDataVersion2">
       <go:slidesCustomData xmlns:go="http://customooxmlschemas.google.com/" xmlns:ahyp="http://schemas.microsoft.com/office/drawing/2018/hyperlinkcolor" xmlns:p15="http://schemas.microsoft.com/office/powerpoint/2012/main" xmlns:p14="http://schemas.microsoft.com/office/powerpoint/2010/main" xmlns:com="http://schemas.openxmlformats.org/drawingml/2006/compatibility" xmlns:pvml="urn:schemas-microsoft-com:office:powerpoint" xmlns:v="urn:schemas-microsoft-com:vml" xmlns:o="urn:schemas-microsoft-com:office:office" xmlns:dgm="http://schemas.openxmlformats.org/drawingml/2006/diagram" xmlns:c="http://schemas.openxmlformats.org/drawingml/2006/chart" xmlns:mv="urn:schemas-microsoft-com:mac:vml" xmlns:mc="http://schemas.openxmlformats.org/markup-compatibility/2006" xmlns="" r:id="rId40" roundtripDataSignature="AMtx7mh8Rdmot+8mLIHg4AvWA1/dIimNrQ=="/>
     </p:ext>
   </p:extLst>
 </p:presentation>
+</file>
+
+<file path=ppt/authors.xml><?xml version="1.0" encoding="utf-8"?>
+<p188:authorLst xmlns:a="http://schemas.openxmlformats.org/drawingml/2006/main" xmlns:r="http://schemas.openxmlformats.org/officeDocument/2006/relationships" xmlns:p188="http://schemas.microsoft.com/office/powerpoint/2018/8/main">
+  <p188:author id="{0187AC77-86BF-DCA9-B290-D6DEB5DB2BE6}" name="Himanshu Gandhi" initials="HG" userId="S::hgandhi1@ualberta.ca::0a63e8f0-46d2-4701-b3be-35152a59eea9" providerId="AD"/>
+</p188:authorLst>
+</file>
+
+<file path=ppt/comments/modernComment_103_0.xml><?xml version="1.0" encoding="utf-8"?>
+<p188:cmLst xmlns:a="http://schemas.openxmlformats.org/drawingml/2006/main" xmlns:r="http://schemas.openxmlformats.org/officeDocument/2006/relationships" xmlns:p188="http://schemas.microsoft.com/office/powerpoint/2018/8/main">
+  <p188:cm id="{3C8E57A7-70D3-42A5-819C-CD125F516BC1}" authorId="{0187AC77-86BF-DCA9-B290-D6DEB5DB2BE6}" created="2024-04-05T04:28:31.663">
+    <pc:sldMkLst xmlns:pc="http://schemas.microsoft.com/office/powerpoint/2013/main/command">
+      <pc:docMk/>
+      <pc:sldMk cId="0" sldId="259"/>
+    </pc:sldMkLst>
+    <p188:txBody>
+      <a:bodyPr/>
+      <a:lstStyle/>
+      <a:p>
+        <a:r>
+          <a:rPr lang="en-CA"/>
+          <a:t>I am less inclined to use this form because the image is getting separate importance in this.. Should be in the background, as we are not explaining anything about this image.</a:t>
+        </a:r>
+      </a:p>
+    </p188:txBody>
+  </p188:cm>
+</p188:cmLst>
+</file>
+
+<file path=ppt/diagrams/colors1.xml><?xml version="1.0" encoding="utf-8"?>
+<dgm:colorsDef xmlns:dgm="http://schemas.openxmlformats.org/drawingml/2006/diagram" xmlns:a="http://schemas.openxmlformats.org/drawingml/2006/main" uniqueId="urn:microsoft.com/office/officeart/2005/8/colors/accent1_2">
+  <dgm:title val=""/>
+  <dgm:desc val=""/>
+  <dgm:catLst>
+    <dgm:cat type="accent1" pri="11200"/>
+  </dgm:catLst>
+  <dgm:styleLbl name="node0">
+    <dgm:fillClrLst meth="repeat">
+      <a:schemeClr val="accent1"/>
+    </dgm:fillClrLst>
+    <dgm:linClrLst meth="repeat">
+      <a:schemeClr val="lt1"/>
+    </dgm:linClrLst>
+    <dgm:effectClrLst/>
+    <dgm:txLinClrLst/>
+    <dgm:txFillClrLst/>
+    <dgm:txEffectClrLst/>
+  </dgm:styleLbl>
+  <dgm:styleLbl name="alignNode1">
+    <dgm:fillClrLst meth="repeat">
+      <a:schemeClr val="accent1"/>
+    </dgm:fillClrLst>
+    <dgm:linClrLst meth="repeat">
+      <a:schemeClr val="accent1"/>
+    </dgm:linClrLst>
+    <dgm:effectClrLst/>
+    <dgm:txLinClrLst/>
+    <dgm:txFillClrLst/>
+    <dgm:txEffectClrLst/>
+  </dgm:styleLbl>
+  <dgm:styleLbl name="node1">
+    <dgm:fillClrLst meth="repeat">
+      <a:schemeClr val="accent1"/>
+    </dgm:fillClrLst>
+    <dgm:linClrLst meth="repeat">
+      <a:schemeClr val="lt1"/>
+    </dgm:linClrLst>
+    <dgm:effectClrLst/>
+    <dgm:txLinClrLst/>
+    <dgm:txFillClrLst/>
+    <dgm:txEffectClrLst/>
+  </dgm:styleLbl>
+  <dgm:styleLbl name="lnNode1">
+    <dgm:fillClrLst meth="repeat">
+      <a:schemeClr val="accent1"/>
+    </dgm:fillClrLst>
+    <dgm:linClrLst meth="repeat">
+      <a:schemeClr val="lt1"/>
+    </dgm:linClrLst>
+    <dgm:effectClrLst/>
+    <dgm:txLinClrLst/>
+    <dgm:txFillClrLst/>
+    <dgm:txEffectClrLst/>
+  </dgm:styleLbl>
+  <dgm:styleLbl name="vennNode1">
+    <dgm:fillClrLst meth="repeat">
+      <a:schemeClr val="accent1">
+        <a:alpha val="50000"/>
+      </a:schemeClr>
+    </dgm:fillClrLst>
+    <dgm:linClrLst meth="repeat">
+      <a:schemeClr val="lt1"/>
+    </dgm:linClrLst>
+    <dgm:effectClrLst/>
+    <dgm:txLinClrLst/>
+    <dgm:txFillClrLst/>
+    <dgm:txEffectClrLst/>
+  </dgm:styleLbl>
+  <dgm:styleLbl name="node2">
+    <dgm:fillClrLst meth="repeat">
+      <a:schemeClr val="accent1"/>
+    </dgm:fillClrLst>
+    <dgm:linClrLst meth="repeat">
+      <a:schemeClr val="lt1"/>
+    </dgm:linClrLst>
+    <dgm:effectClrLst/>
+    <dgm:txLinClrLst/>
+    <dgm:txFillClrLst/>
+    <dgm:txEffectClrLst/>
+  </dgm:styleLbl>
+  <dgm:styleLbl name="node3">
+    <dgm:fillClrLst meth="repeat">
+      <a:schemeClr val="accent1"/>
+    </dgm:fillClrLst>
+    <dgm:linClrLst meth="repeat">
+      <a:schemeClr val="lt1"/>
+    </dgm:linClrLst>
+    <dgm:effectClrLst/>
+    <dgm:txLinClrLst/>
+    <dgm:txFillClrLst/>
+    <dgm:txEffectClrLst/>
+  </dgm:styleLbl>
+  <dgm:styleLbl name="node4">
+    <dgm:fillClrLst meth="repeat">
+      <a:schemeClr val="accent1"/>
+    </dgm:fillClrLst>
+    <dgm:linClrLst meth="repeat">
+      <a:schemeClr val="lt1"/>
+    </dgm:linClrLst>
+    <dgm:effectClrLst/>
+    <dgm:txLinClrLst/>
+    <dgm:txFillClrLst/>
+    <dgm:txEffectClrLst/>
+  </dgm:styleLbl>
+  <dgm:styleLbl name="fgImgPlace1">
+    <dgm:fillClrLst meth="repeat">
+      <a:schemeClr val="accent1">
+        <a:tint val="50000"/>
+      </a:schemeClr>
+    </dgm:fillClrLst>
+    <dgm:linClrLst meth="repeat">
+      <a:schemeClr val="lt1"/>
+    </dgm:linClrLst>
+    <dgm:effectClrLst/>
+    <dgm:txLinClrLst/>
+    <dgm:txFillClrLst meth="repeat">
+      <a:schemeClr val="lt1"/>
+    </dgm:txFillClrLst>
+    <dgm:txEffectClrLst/>
+  </dgm:styleLbl>
+  <dgm:styleLbl name="alignImgPlace1">
+    <dgm:fillClrLst meth="repeat">
+      <a:schemeClr val="accent1">
+        <a:tint val="50000"/>
+      </a:schemeClr>
+    </dgm:fillClrLst>
+    <dgm:linClrLst meth="repeat">
+      <a:schemeClr val="lt1"/>
+    </dgm:linClrLst>
+    <dgm:effectClrLst/>
+    <dgm:txLinClrLst/>
+    <dgm:txFillClrLst meth="repeat">
+      <a:schemeClr val="lt1"/>
+    </dgm:txFillClrLst>
+    <dgm:txEffectClrLst/>
+  </dgm:styleLbl>
+  <dgm:styleLbl name="bgImgPlace1">
+    <dgm:fillClrLst meth="repeat">
+      <a:schemeClr val="accent1">
+        <a:tint val="50000"/>
+      </a:schemeClr>
+    </dgm:fillClrLst>
+    <dgm:linClrLst meth="repeat">
+      <a:schemeClr val="lt1"/>
+    </dgm:linClrLst>
+    <dgm:effectClrLst/>
+    <dgm:txLinClrLst/>
+    <dgm:txFillClrLst meth="repeat">
+      <a:schemeClr val="lt1"/>
+    </dgm:txFillClrLst>
+    <dgm:txEffectClrLst/>
+  </dgm:styleLbl>
+  <dgm:styleLbl name="sibTrans2D1">
+    <dgm:fillClrLst meth="repeat">
+      <a:schemeClr val="accent1">
+        <a:tint val="60000"/>
+      </a:schemeClr>
+    </dgm:fillClrLst>
+    <dgm:linClrLst meth="repeat">
+      <a:schemeClr val="accent1">
+        <a:tint val="60000"/>
+      </a:schemeClr>
+    </dgm:linClrLst>
+    <dgm:effectClrLst/>
+    <dgm:txLinClrLst/>
+    <dgm:txFillClrLst/>
+    <dgm:txEffectClrLst/>
+  </dgm:styleLbl>
+  <dgm:styleLbl name="fgSibTrans2D1">
+    <dgm:fillClrLst meth="repeat">
+      <a:schemeClr val="accent1">
+        <a:tint val="60000"/>
+      </a:schemeClr>
+    </dgm:fillClrLst>
+    <dgm:linClrLst meth="repeat">
+      <a:schemeClr val="accent1">
+        <a:tint val="60000"/>
+      </a:schemeClr>
+    </dgm:linClrLst>
+    <dgm:effectClrLst/>
+    <dgm:txLinClrLst/>
+    <dgm:txFillClrLst/>
+    <dgm:txEffectClrLst/>
+  </dgm:styleLbl>
+  <dgm:styleLbl name="bgSibTrans2D1">
+    <dgm:fillClrLst meth="repeat">
+      <a:schemeClr val="accent1">
+        <a:tint val="60000"/>
+      </a:schemeClr>
+    </dgm:fillClrLst>
+    <dgm:linClrLst meth="repeat">
+      <a:schemeClr val="accent1">
+        <a:tint val="60000"/>
+      </a:schemeClr>
+    </dgm:linClrLst>
+    <dgm:effectClrLst/>
+    <dgm:txLinClrLst/>
+    <dgm:txFillClrLst/>
+    <dgm:txEffectClrLst/>
+  </dgm:styleLbl>
+  <dgm:styleLbl name="sibTrans1D1">
+    <dgm:fillClrLst meth="repeat">
+      <a:schemeClr val="accent1"/>
+    </dgm:fillClrLst>
+    <dgm:linClrLst meth="repeat">
+      <a:schemeClr val="accent1"/>
+    </dgm:linClrLst>
+    <dgm:effectClrLst/>
+    <dgm:txLinClrLst/>
+    <dgm:txFillClrLst meth="repeat">
+      <a:schemeClr val="tx1"/>
+    </dgm:txFillClrLst>
+    <dgm:txEffectClrLst/>
+  </dgm:styleLbl>
+  <dgm:styleLbl name="callout">
+    <dgm:fillClrLst meth="repeat">
+      <a:schemeClr val="accent1"/>
+    </dgm:fillClrLst>
+    <dgm:linClrLst meth="repeat">
+      <a:schemeClr val="accent1">
+        <a:tint val="50000"/>
+      </a:schemeClr>
+    </dgm:linClrLst>
+    <dgm:effectClrLst/>
+    <dgm:txLinClrLst/>
+    <dgm:txFillClrLst meth="repeat">
+      <a:schemeClr val="tx1"/>
+    </dgm:txFillClrLst>
+    <dgm:txEffectClrLst/>
+  </dgm:styleLbl>
+  <dgm:styleLbl name="asst0">
+    <dgm:fillClrLst meth="repeat">
+      <a:schemeClr val="accent1"/>
+    </dgm:fillClrLst>
+    <dgm:linClrLst meth="repeat">
+      <a:schemeClr val="lt1"/>
+    </dgm:linClrLst>
+    <dgm:effectClrLst/>
+    <dgm:txLinClrLst/>
+    <dgm:txFillClrLst/>
+    <dgm:txEffectClrLst/>
+  </dgm:styleLbl>
+  <dgm:styleLbl name="asst1">
+    <dgm:fillClrLst meth="repeat">
+      <a:schemeClr val="accent1"/>
+    </dgm:fillClrLst>
+    <dgm:linClrLst meth="repeat">
+      <a:schemeClr val="lt1"/>
+    </dgm:linClrLst>
+    <dgm:effectClrLst/>
+    <dgm:txLinClrLst/>
+    <dgm:txFillClrLst/>
+    <dgm:txEffectClrLst/>
+  </dgm:styleLbl>
+  <dgm:styleLbl name="asst2">
+    <dgm:fillClrLst meth="repeat">
+      <a:schemeClr val="accent1"/>
+    </dgm:fillClrLst>
+    <dgm:linClrLst meth="repeat">
+      <a:schemeClr val="lt1"/>
+    </dgm:linClrLst>
+    <dgm:effectClrLst/>
+    <dgm:txLinClrLst/>
+    <dgm:txFillClrLst/>
+    <dgm:txEffectClrLst/>
+  </dgm:styleLbl>
+  <dgm:styleLbl name="asst3">
+    <dgm:fillClrLst meth="repeat">
+      <a:schemeClr val="accent1"/>
+    </dgm:fillClrLst>
+    <dgm:linClrLst meth="repeat">
+      <a:schemeClr val="lt1"/>
+    </dgm:linClrLst>
+    <dgm:effectClrLst/>
+    <dgm:txLinClrLst/>
+    <dgm:txFillClrLst/>
+    <dgm:txEffectClrLst/>
+  </dgm:styleLbl>
+  <dgm:styleLbl name="asst4">
+    <dgm:fillClrLst meth="repeat">
+      <a:schemeClr val="accent1"/>
+    </dgm:fillClrLst>
+    <dgm:linClrLst meth="repeat">
+      <a:schemeClr val="lt1"/>
+    </dgm:linClrLst>
+    <dgm:effectClrLst/>
+    <dgm:txLinClrLst/>
+    <dgm:txFillClrLst/>
+    <dgm:txEffectClrLst/>
+  </dgm:styleLbl>
+  <dgm:styleLbl name="parChTrans2D1">
+    <dgm:fillClrLst meth="repeat">
+      <a:schemeClr val="accent1">
+        <a:tint val="60000"/>
+      </a:schemeClr>
+    </dgm:fillClrLst>
+    <dgm:linClrLst meth="repeat">
+      <a:schemeClr val="accent1">
+        <a:tint val="60000"/>
+      </a:schemeClr>
+    </dgm:linClrLst>
+    <dgm:effectClrLst/>
+    <dgm:txLinClrLst/>
+    <dgm:txFillClrLst meth="repeat">
+      <a:schemeClr val="lt1"/>
+    </dgm:txFillClrLst>
+    <dgm:txEffectClrLst/>
+  </dgm:styleLbl>
+  <dgm:styleLbl name="parChTrans2D2">
+    <dgm:fillClrLst meth="repeat">
+      <a:schemeClr val="accent1"/>
+    </dgm:fillClrLst>
+    <dgm:linClrLst meth="repeat">
+      <a:schemeClr val="accent1"/>
+    </dgm:linClrLst>
+    <dgm:effectClrLst/>
+    <dgm:txLinClrLst/>
+    <dgm:txFillClrLst meth="repeat">
+      <a:schemeClr val="lt1"/>
+    </dgm:txFillClrLst>
+    <dgm:txEffectClrLst/>
+  </dgm:styleLbl>
+  <dgm:styleLbl name="parChTrans2D3">
+    <dgm:fillClrLst meth="repeat">
+      <a:schemeClr val="accent1"/>
+    </dgm:fillClrLst>
+    <dgm:linClrLst meth="repeat">
+      <a:schemeClr val="accent1"/>
+    </dgm:linClrLst>
+    <dgm:effectClrLst/>
+    <dgm:txLinClrLst/>
+    <dgm:txFillClrLst meth="repeat">
+      <a:schemeClr val="lt1"/>
+    </dgm:txFillClrLst>
+    <dgm:txEffectClrLst/>
+  </dgm:styleLbl>
+  <dgm:styleLbl name="parChTrans2D4">
+    <dgm:fillClrLst meth="repeat">
+      <a:schemeClr val="accent1"/>
+    </dgm:fillClrLst>
+    <dgm:linClrLst meth="repeat">
+      <a:schemeClr val="accent1"/>
+    </dgm:linClrLst>
+    <dgm:effectClrLst/>
+    <dgm:txLinClrLst/>
+    <dgm:txFillClrLst meth="repeat">
+      <a:schemeClr val="lt1"/>
+    </dgm:txFillClrLst>
+    <dgm:txEffectClrLst/>
+  </dgm:styleLbl>
+  <dgm:styleLbl name="parChTrans1D1">
+    <dgm:fillClrLst meth="repeat">
+      <a:schemeClr val="accent1"/>
+    </dgm:fillClrLst>
+    <dgm:linClrLst meth="repeat">
+      <a:schemeClr val="accent1">
+        <a:shade val="60000"/>
+      </a:schemeClr>
+    </dgm:linClrLst>
+    <dgm:effectClrLst/>
+    <dgm:txLinClrLst/>
+    <dgm:txFillClrLst meth="repeat">
+      <a:schemeClr val="tx1"/>
+    </dgm:txFillClrLst>
+    <dgm:txEffectClrLst/>
+  </dgm:styleLbl>
+  <dgm:styleLbl name="parChTrans1D2">
+    <dgm:fillClrLst meth="repeat">
+      <a:schemeClr val="accent1"/>
+    </dgm:fillClrLst>
+    <dgm:linClrLst meth="repeat">
+      <a:schemeClr val="accent1">
+        <a:shade val="60000"/>
+      </a:schemeClr>
+    </dgm:linClrLst>
+    <dgm:effectClrLst/>
+    <dgm:txLinClrLst/>
+    <dgm:txFillClrLst meth="repeat">
+      <a:schemeClr val="tx1"/>
+    </dgm:txFillClrLst>
+    <dgm:txEffectClrLst/>
+  </dgm:styleLbl>
+  <dgm:styleLbl name="parChTrans1D3">
+    <dgm:fillClrLst meth="repeat">
+      <a:schemeClr val="accent1"/>
+    </dgm:fillClrLst>
+    <dgm:linClrLst meth="repeat">
+      <a:schemeClr val="accent1">
+        <a:shade val="80000"/>
+      </a:schemeClr>
+    </dgm:linClrLst>
+    <dgm:effectClrLst/>
+    <dgm:txLinClrLst/>
+    <dgm:txFillClrLst meth="repeat">
+      <a:schemeClr val="tx1"/>
+    </dgm:txFillClrLst>
+    <dgm:txEffectClrLst/>
+  </dgm:styleLbl>
+  <dgm:styleLbl name="parChTrans1D4">
+    <dgm:fillClrLst meth="repeat">
+      <a:schemeClr val="accent1"/>
+    </dgm:fillClrLst>
+    <dgm:linClrLst meth="repeat">
+      <a:schemeClr val="accent1">
+        <a:shade val="80000"/>
+      </a:schemeClr>
+    </dgm:linClrLst>
+    <dgm:effectClrLst/>
+    <dgm:txLinClrLst/>
+    <dgm:txFillClrLst meth="repeat">
+      <a:schemeClr val="tx1"/>
+    </dgm:txFillClrLst>
+    <dgm:txEffectClrLst/>
+  </dgm:styleLbl>
+  <dgm:styleLbl name="fgAcc1">
+    <dgm:fillClrLst meth="repeat">
+      <a:schemeClr val="lt1">
+        <a:alpha val="90000"/>
+      </a:schemeClr>
+    </dgm:fillClrLst>
+    <dgm:linClrLst meth="repeat">
+      <a:schemeClr val="accent1"/>
+    </dgm:linClrLst>
+    <dgm:effectClrLst/>
+    <dgm:txLinClrLst/>
+    <dgm:txFillClrLst meth="repeat">
+      <a:schemeClr val="dk1"/>
+    </dgm:txFillClrLst>
+    <dgm:txEffectClrLst/>
+  </dgm:styleLbl>
+  <dgm:styleLbl name="conFgAcc1">
+    <dgm:fillClrLst meth="repeat">
+      <a:schemeClr val="lt1">
+        <a:alpha val="90000"/>
+      </a:schemeClr>
+    </dgm:fillClrLst>
+    <dgm:linClrLst meth="repeat">
+      <a:schemeClr val="accent1"/>
+    </dgm:linClrLst>
+    <dgm:effectClrLst/>
+    <dgm:txLinClrLst/>
+    <dgm:txFillClrLst meth="repeat">
+      <a:schemeClr val="dk1"/>
+    </dgm:txFillClrLst>
+    <dgm:txEffectClrLst/>
+  </dgm:styleLbl>
+  <dgm:styleLbl name="alignAcc1">
+    <dgm:fillClrLst meth="repeat">
+      <a:schemeClr val="lt1">
+        <a:alpha val="90000"/>
+      </a:schemeClr>
+    </dgm:fillClrLst>
+    <dgm:linClrLst meth="repeat">
+      <a:schemeClr val="accent1"/>
+    </dgm:linClrLst>
+    <dgm:effectClrLst/>
+    <dgm:txLinClrLst/>
+    <dgm:txFillClrLst meth="repeat">
+      <a:schemeClr val="dk1"/>
+    </dgm:txFillClrLst>
+    <dgm:txEffectClrLst/>
+  </dgm:styleLbl>
+  <dgm:styleLbl name="trAlignAcc1">
+    <dgm:fillClrLst meth="repeat">
+      <a:schemeClr val="lt1">
+        <a:alpha val="40000"/>
+      </a:schemeClr>
+    </dgm:fillClrLst>
+    <dgm:linClrLst meth="repeat">
+      <a:schemeClr val="accent1"/>
+    </dgm:linClrLst>
+    <dgm:effectClrLst/>
+    <dgm:txLinClrLst/>
+    <dgm:txFillClrLst meth="repeat">
+      <a:schemeClr val="dk1"/>
+    </dgm:txFillClrLst>
+    <dgm:txEffectClrLst/>
+  </dgm:styleLbl>
+  <dgm:styleLbl name="bgAcc1">
+    <dgm:fillClrLst meth="repeat">
+      <a:schemeClr val="lt1">
+        <a:alpha val="90000"/>
+      </a:schemeClr>
+    </dgm:fillClrLst>
+    <dgm:linClrLst meth="repeat">
+      <a:schemeClr val="accent1"/>
+    </dgm:linClrLst>
+    <dgm:effectClrLst/>
+    <dgm:txLinClrLst/>
+    <dgm:txFillClrLst meth="repeat">
+      <a:schemeClr val="dk1"/>
+    </dgm:txFillClrLst>
+    <dgm:txEffectClrLst/>
+  </dgm:styleLbl>
+  <dgm:styleLbl name="solidFgAcc1">
+    <dgm:fillClrLst meth="repeat">
+      <a:schemeClr val="lt1"/>
+    </dgm:fillClrLst>
+    <dgm:linClrLst meth="repeat">
+      <a:schemeClr val="accent1"/>
+    </dgm:linClrLst>
+    <dgm:effectClrLst/>
+    <dgm:txLinClrLst/>
+    <dgm:txFillClrLst meth="repeat">
+      <a:schemeClr val="dk1"/>
+    </dgm:txFillClrLst>
+    <dgm:txEffectClrLst/>
+  </dgm:styleLbl>
+  <dgm:styleLbl name="solidAlignAcc1">
+    <dgm:fillClrLst meth="repeat">
+      <a:schemeClr val="lt1"/>
+    </dgm:fillClrLst>
+    <dgm:linClrLst meth="repeat">
+      <a:schemeClr val="accent1"/>
+    </dgm:linClrLst>
+    <dgm:effectClrLst/>
+    <dgm:txLinClrLst/>
+    <dgm:txFillClrLst meth="repeat">
+      <a:schemeClr val="dk1"/>
+    </dgm:txFillClrLst>
+    <dgm:txEffectClrLst/>
+  </dgm:styleLbl>
+  <dgm:styleLbl name="solidBgAcc1">
+    <dgm:fillClrLst meth="repeat">
+      <a:schemeClr val="lt1"/>
+    </dgm:fillClrLst>
+    <dgm:linClrLst meth="repeat">
+      <a:schemeClr val="accent1"/>
+    </dgm:linClrLst>
+    <dgm:effectClrLst/>
+    <dgm:txLinClrLst/>
+    <dgm:txFillClrLst meth="repeat">
+      <a:schemeClr val="dk1"/>
+    </dgm:txFillClrLst>
+    <dgm:txEffectClrLst/>
+  </dgm:styleLbl>
+  <dgm:styleLbl name="fgAccFollowNode1">
+    <dgm:fillClrLst meth="repeat">
+      <a:schemeClr val="accent1">
+        <a:alpha val="90000"/>
+        <a:tint val="40000"/>
+      </a:schemeClr>
+    </dgm:fillClrLst>
+    <dgm:linClrLst meth="repeat">
+      <a:schemeClr val="accent1">
+        <a:alpha val="90000"/>
+        <a:tint val="40000"/>
+      </a:schemeClr>
+    </dgm:linClrLst>
+    <dgm:effectClrLst/>
+    <dgm:txLinClrLst/>
+    <dgm:txFillClrLst meth="repeat">
+      <a:schemeClr val="dk1"/>
+    </dgm:txFillClrLst>
+    <dgm:txEffectClrLst/>
+  </dgm:styleLbl>
+  <dgm:styleLbl name="alignAccFollowNode1">
+    <dgm:fillClrLst meth="repeat">
+      <a:schemeClr val="accent1">
+        <a:alpha val="90000"/>
+        <a:tint val="40000"/>
+      </a:schemeClr>
+    </dgm:fillClrLst>
+    <dgm:linClrLst meth="repeat">
+      <a:schemeClr val="accent1">
+        <a:alpha val="90000"/>
+        <a:tint val="40000"/>
+      </a:schemeClr>
+    </dgm:linClrLst>
+    <dgm:effectClrLst/>
+    <dgm:txLinClrLst/>
+    <dgm:txFillClrLst meth="repeat">
+      <a:schemeClr val="dk1"/>
+    </dgm:txFillClrLst>
+    <dgm:txEffectClrLst/>
+  </dgm:styleLbl>
+  <dgm:styleLbl name="bgAccFollowNode1">
+    <dgm:fillClrLst meth="repeat">
+      <a:schemeClr val="accent1">
+        <a:alpha val="90000"/>
+        <a:tint val="40000"/>
+      </a:schemeClr>
+    </dgm:fillClrLst>
+    <dgm:linClrLst meth="repeat">
+      <a:schemeClr val="accent1">
+        <a:alpha val="90000"/>
+        <a:tint val="40000"/>
+      </a:schemeClr>
+    </dgm:linClrLst>
+    <dgm:effectClrLst/>
+    <dgm:txLinClrLst/>
+    <dgm:txFillClrLst meth="repeat">
+      <a:schemeClr val="dk1"/>
+    </dgm:txFillClrLst>
+    <dgm:txEffectClrLst/>
+  </dgm:styleLbl>
+  <dgm:styleLbl name="fgAcc0">
+    <dgm:fillClrLst meth="repeat">
+      <a:schemeClr val="lt1">
+        <a:alpha val="90000"/>
+      </a:schemeClr>
+    </dgm:fillClrLst>
+    <dgm:linClrLst meth="repeat">
+      <a:schemeClr val="accent1"/>
+    </dgm:linClrLst>
+    <dgm:effectClrLst/>
+    <dgm:txLinClrLst/>
+    <dgm:txFillClrLst meth="repeat">
+      <a:schemeClr val="dk1"/>
+    </dgm:txFillClrLst>
+    <dgm:txEffectClrLst/>
+  </dgm:styleLbl>
+  <dgm:styleLbl name="fgAcc2">
+    <dgm:fillClrLst meth="repeat">
+      <a:schemeClr val="lt1">
+        <a:alpha val="90000"/>
+      </a:schemeClr>
+    </dgm:fillClrLst>
+    <dgm:linClrLst meth="repeat">
+      <a:schemeClr val="accent1"/>
+    </dgm:linClrLst>
+    <dgm:effectClrLst/>
+    <dgm:txLinClrLst/>
+    <dgm:txFillClrLst meth="repeat">
+      <a:schemeClr val="dk1"/>
+    </dgm:txFillClrLst>
+    <dgm:txEffectClrLst/>
+  </dgm:styleLbl>
+  <dgm:styleLbl name="fgAcc3">
+    <dgm:fillClrLst meth="repeat">
+      <a:schemeClr val="lt1">
+        <a:alpha val="90000"/>
+      </a:schemeClr>
+    </dgm:fillClrLst>
+    <dgm:linClrLst meth="repeat">
+      <a:schemeClr val="accent1"/>
+    </dgm:linClrLst>
+    <dgm:effectClrLst/>
+    <dgm:txLinClrLst/>
+    <dgm:txFillClrLst meth="repeat">
+      <a:schemeClr val="dk1"/>
+    </dgm:txFillClrLst>
+    <dgm:txEffectClrLst/>
+  </dgm:styleLbl>
+  <dgm:styleLbl name="fgAcc4">
+    <dgm:fillClrLst meth="repeat">
+      <a:schemeClr val="lt1">
+        <a:alpha val="90000"/>
+      </a:schemeClr>
+    </dgm:fillClrLst>
+    <dgm:linClrLst meth="repeat">
+      <a:schemeClr val="accent1"/>
+    </dgm:linClrLst>
+    <dgm:effectClrLst/>
+    <dgm:txLinClrLst/>
+    <dgm:txFillClrLst meth="repeat">
+      <a:schemeClr val="dk1"/>
+    </dgm:txFillClrLst>
+    <dgm:txEffectClrLst/>
+  </dgm:styleLbl>
+  <dgm:styleLbl name="bgShp">
+    <dgm:fillClrLst meth="repeat">
+      <a:schemeClr val="accent1">
+        <a:tint val="40000"/>
+      </a:schemeClr>
+    </dgm:fillClrLst>
+    <dgm:linClrLst meth="repeat">
+      <a:schemeClr val="accent1"/>
+    </dgm:linClrLst>
+    <dgm:effectClrLst/>
+    <dgm:txLinClrLst/>
+    <dgm:txFillClrLst meth="repeat">
+      <a:schemeClr val="dk1"/>
+    </dgm:txFillClrLst>
+    <dgm:txEffectClrLst/>
+  </dgm:styleLbl>
+  <dgm:styleLbl name="dkBgShp">
+    <dgm:fillClrLst meth="repeat">
+      <a:schemeClr val="accent1">
+        <a:shade val="80000"/>
+      </a:schemeClr>
+    </dgm:fillClrLst>
+    <dgm:linClrLst meth="repeat">
+      <a:schemeClr val="accent1"/>
+    </dgm:linClrLst>
+    <dgm:effectClrLst/>
+    <dgm:txLinClrLst/>
+    <dgm:txFillClrLst meth="repeat">
+      <a:schemeClr val="lt1"/>
+    </dgm:txFillClrLst>
+    <dgm:txEffectClrLst/>
+  </dgm:styleLbl>
+  <dgm:styleLbl name="trBgShp">
+    <dgm:fillClrLst meth="repeat">
+      <a:schemeClr val="accent1">
+        <a:tint val="50000"/>
+        <a:alpha val="40000"/>
+      </a:schemeClr>
+    </dgm:fillClrLst>
+    <dgm:linClrLst meth="repeat">
+      <a:schemeClr val="accent1"/>
+    </dgm:linClrLst>
+    <dgm:effectClrLst/>
+    <dgm:txLinClrLst/>
+    <dgm:txFillClrLst meth="repeat">
+      <a:schemeClr val="lt1"/>
+    </dgm:txFillClrLst>
+    <dgm:txEffectClrLst/>
+  </dgm:styleLbl>
+  <dgm:styleLbl name="fgShp">
+    <dgm:fillClrLst meth="repeat">
+      <a:schemeClr val="accent1">
+        <a:tint val="60000"/>
+      </a:schemeClr>
+    </dgm:fillClrLst>
+    <dgm:linClrLst meth="repeat">
+      <a:schemeClr val="lt1"/>
+    </dgm:linClrLst>
+    <dgm:effectClrLst/>
+    <dgm:txLinClrLst/>
+    <dgm:txFillClrLst meth="repeat">
+      <a:schemeClr val="dk1"/>
+    </dgm:txFillClrLst>
+    <dgm:txEffectClrLst/>
+  </dgm:styleLbl>
+  <dgm:styleLbl name="revTx">
+    <dgm:fillClrLst meth="repeat">
+      <a:schemeClr val="lt1">
+        <a:alpha val="0"/>
+      </a:schemeClr>
+    </dgm:fillClrLst>
+    <dgm:linClrLst meth="repeat">
+      <a:schemeClr val="dk1">
+        <a:alpha val="0"/>
+      </a:schemeClr>
+    </dgm:linClrLst>
+    <dgm:effectClrLst/>
+    <dgm:txLinClrLst/>
+    <dgm:txFillClrLst meth="repeat">
+      <a:schemeClr val="tx1"/>
+    </dgm:txFillClrLst>
+    <dgm:txEffectClrLst/>
+  </dgm:styleLbl>
+</dgm:colorsDef>
+</file>
+
+<file path=ppt/diagrams/colors2.xml><?xml version="1.0" encoding="utf-8"?>
+<dgm:colorsDef xmlns:dgm="http://schemas.openxmlformats.org/drawingml/2006/diagram" xmlns:a="http://schemas.openxmlformats.org/drawingml/2006/main" uniqueId="urn:microsoft.com/office/officeart/2005/8/colors/accent1_2">
+  <dgm:title val=""/>
+  <dgm:desc val=""/>
+  <dgm:catLst>
+    <dgm:cat type="accent1" pri="11200"/>
+  </dgm:catLst>
+  <dgm:styleLbl name="node0">
+    <dgm:fillClrLst meth="repeat">
+      <a:schemeClr val="accent1"/>
+    </dgm:fillClrLst>
+    <dgm:linClrLst meth="repeat">
+      <a:schemeClr val="lt1"/>
+    </dgm:linClrLst>
+    <dgm:effectClrLst/>
+    <dgm:txLinClrLst/>
+    <dgm:txFillClrLst/>
+    <dgm:txEffectClrLst/>
+  </dgm:styleLbl>
+  <dgm:styleLbl name="alignNode1">
+    <dgm:fillClrLst meth="repeat">
+      <a:schemeClr val="accent1"/>
+    </dgm:fillClrLst>
+    <dgm:linClrLst meth="repeat">
+      <a:schemeClr val="accent1"/>
+    </dgm:linClrLst>
+    <dgm:effectClrLst/>
+    <dgm:txLinClrLst/>
+    <dgm:txFillClrLst/>
+    <dgm:txEffectClrLst/>
+  </dgm:styleLbl>
+  <dgm:styleLbl name="node1">
+    <dgm:fillClrLst meth="repeat">
+      <a:schemeClr val="accent1"/>
+    </dgm:fillClrLst>
+    <dgm:linClrLst meth="repeat">
+      <a:schemeClr val="lt1"/>
+    </dgm:linClrLst>
+    <dgm:effectClrLst/>
+    <dgm:txLinClrLst/>
+    <dgm:txFillClrLst/>
+    <dgm:txEffectClrLst/>
+  </dgm:styleLbl>
+  <dgm:styleLbl name="lnNode1">
+    <dgm:fillClrLst meth="repeat">
+      <a:schemeClr val="accent1"/>
+    </dgm:fillClrLst>
+    <dgm:linClrLst meth="repeat">
+      <a:schemeClr val="lt1"/>
+    </dgm:linClrLst>
+    <dgm:effectClrLst/>
+    <dgm:txLinClrLst/>
+    <dgm:txFillClrLst/>
+    <dgm:txEffectClrLst/>
+  </dgm:styleLbl>
+  <dgm:styleLbl name="vennNode1">
+    <dgm:fillClrLst meth="repeat">
+      <a:schemeClr val="accent1">
+        <a:alpha val="50000"/>
+      </a:schemeClr>
+    </dgm:fillClrLst>
+    <dgm:linClrLst meth="repeat">
+      <a:schemeClr val="lt1"/>
+    </dgm:linClrLst>
+    <dgm:effectClrLst/>
+    <dgm:txLinClrLst/>
+    <dgm:txFillClrLst/>
+    <dgm:txEffectClrLst/>
+  </dgm:styleLbl>
+  <dgm:styleLbl name="node2">
+    <dgm:fillClrLst meth="repeat">
+      <a:schemeClr val="accent1"/>
+    </dgm:fillClrLst>
+    <dgm:linClrLst meth="repeat">
+      <a:schemeClr val="lt1"/>
+    </dgm:linClrLst>
+    <dgm:effectClrLst/>
+    <dgm:txLinClrLst/>
+    <dgm:txFillClrLst/>
+    <dgm:txEffectClrLst/>
+  </dgm:styleLbl>
+  <dgm:styleLbl name="node3">
+    <dgm:fillClrLst meth="repeat">
+      <a:schemeClr val="accent1"/>
+    </dgm:fillClrLst>
+    <dgm:linClrLst meth="repeat">
+      <a:schemeClr val="lt1"/>
+    </dgm:linClrLst>
+    <dgm:effectClrLst/>
+    <dgm:txLinClrLst/>
+    <dgm:txFillClrLst/>
+    <dgm:txEffectClrLst/>
+  </dgm:styleLbl>
+  <dgm:styleLbl name="node4">
+    <dgm:fillClrLst meth="repeat">
+      <a:schemeClr val="accent1"/>
+    </dgm:fillClrLst>
+    <dgm:linClrLst meth="repeat">
+      <a:schemeClr val="lt1"/>
+    </dgm:linClrLst>
+    <dgm:effectClrLst/>
+    <dgm:txLinClrLst/>
+    <dgm:txFillClrLst/>
+    <dgm:txEffectClrLst/>
+  </dgm:styleLbl>
+  <dgm:styleLbl name="fgImgPlace1">
+    <dgm:fillClrLst meth="repeat">
+      <a:schemeClr val="accent1">
+        <a:tint val="50000"/>
+      </a:schemeClr>
+    </dgm:fillClrLst>
+    <dgm:linClrLst meth="repeat">
+      <a:schemeClr val="lt1"/>
+    </dgm:linClrLst>
+    <dgm:effectClrLst/>
+    <dgm:txLinClrLst/>
+    <dgm:txFillClrLst meth="repeat">
+      <a:schemeClr val="lt1"/>
+    </dgm:txFillClrLst>
+    <dgm:txEffectClrLst/>
+  </dgm:styleLbl>
+  <dgm:styleLbl name="alignImgPlace1">
+    <dgm:fillClrLst meth="repeat">
+      <a:schemeClr val="accent1">
+        <a:tint val="50000"/>
+      </a:schemeClr>
+    </dgm:fillClrLst>
+    <dgm:linClrLst meth="repeat">
+      <a:schemeClr val="lt1"/>
+    </dgm:linClrLst>
+    <dgm:effectClrLst/>
+    <dgm:txLinClrLst/>
+    <dgm:txFillClrLst meth="repeat">
+      <a:schemeClr val="lt1"/>
+    </dgm:txFillClrLst>
+    <dgm:txEffectClrLst/>
+  </dgm:styleLbl>
+  <dgm:styleLbl name="bgImgPlace1">
+    <dgm:fillClrLst meth="repeat">
+      <a:schemeClr val="accent1">
+        <a:tint val="50000"/>
+      </a:schemeClr>
+    </dgm:fillClrLst>
+    <dgm:linClrLst meth="repeat">
+      <a:schemeClr val="lt1"/>
+    </dgm:linClrLst>
+    <dgm:effectClrLst/>
+    <dgm:txLinClrLst/>
+    <dgm:txFillClrLst meth="repeat">
+      <a:schemeClr val="lt1"/>
+    </dgm:txFillClrLst>
+    <dgm:txEffectClrLst/>
+  </dgm:styleLbl>
+  <dgm:styleLbl name="sibTrans2D1">
+    <dgm:fillClrLst meth="repeat">
+      <a:schemeClr val="accent1">
+        <a:tint val="60000"/>
+      </a:schemeClr>
+    </dgm:fillClrLst>
+    <dgm:linClrLst meth="repeat">
+      <a:schemeClr val="accent1">
+        <a:tint val="60000"/>
+      </a:schemeClr>
+    </dgm:linClrLst>
+    <dgm:effectClrLst/>
+    <dgm:txLinClrLst/>
+    <dgm:txFillClrLst/>
+    <dgm:txEffectClrLst/>
+  </dgm:styleLbl>
+  <dgm:styleLbl name="fgSibTrans2D1">
+    <dgm:fillClrLst meth="repeat">
+      <a:schemeClr val="accent1">
+        <a:tint val="60000"/>
+      </a:schemeClr>
+    </dgm:fillClrLst>
+    <dgm:linClrLst meth="repeat">
+      <a:schemeClr val="accent1">
+        <a:tint val="60000"/>
+      </a:schemeClr>
+    </dgm:linClrLst>
+    <dgm:effectClrLst/>
+    <dgm:txLinClrLst/>
+    <dgm:txFillClrLst/>
+    <dgm:txEffectClrLst/>
+  </dgm:styleLbl>
+  <dgm:styleLbl name="bgSibTrans2D1">
+    <dgm:fillClrLst meth="repeat">
+      <a:schemeClr val="accent1">
+        <a:tint val="60000"/>
+      </a:schemeClr>
+    </dgm:fillClrLst>
+    <dgm:linClrLst meth="repeat">
+      <a:schemeClr val="accent1">
+        <a:tint val="60000"/>
+      </a:schemeClr>
+    </dgm:linClrLst>
+    <dgm:effectClrLst/>
+    <dgm:txLinClrLst/>
+    <dgm:txFillClrLst/>
+    <dgm:txEffectClrLst/>
+  </dgm:styleLbl>
+  <dgm:styleLbl name="sibTrans1D1">
+    <dgm:fillClrLst meth="repeat">
+      <a:schemeClr val="accent1"/>
+    </dgm:fillClrLst>
+    <dgm:linClrLst meth="repeat">
+      <a:schemeClr val="accent1"/>
+    </dgm:linClrLst>
+    <dgm:effectClrLst/>
+    <dgm:txLinClrLst/>
+    <dgm:txFillClrLst meth="repeat">
+      <a:schemeClr val="tx1"/>
+    </dgm:txFillClrLst>
+    <dgm:txEffectClrLst/>
+  </dgm:styleLbl>
+  <dgm:styleLbl name="callout">
+    <dgm:fillClrLst meth="repeat">
+      <a:schemeClr val="accent1"/>
+    </dgm:fillClrLst>
+    <dgm:linClrLst meth="repeat">
+      <a:schemeClr val="accent1">
+        <a:tint val="50000"/>
+      </a:schemeClr>
+    </dgm:linClrLst>
+    <dgm:effectClrLst/>
+    <dgm:txLinClrLst/>
+    <dgm:txFillClrLst meth="repeat">
+      <a:schemeClr val="tx1"/>
+    </dgm:txFillClrLst>
+    <dgm:txEffectClrLst/>
+  </dgm:styleLbl>
+  <dgm:styleLbl name="asst0">
+    <dgm:fillClrLst meth="repeat">
+      <a:schemeClr val="accent1"/>
+    </dgm:fillClrLst>
+    <dgm:linClrLst meth="repeat">
+      <a:schemeClr val="lt1"/>
+    </dgm:linClrLst>
+    <dgm:effectClrLst/>
+    <dgm:txLinClrLst/>
+    <dgm:txFillClrLst/>
+    <dgm:txEffectClrLst/>
+  </dgm:styleLbl>
+  <dgm:styleLbl name="asst1">
+    <dgm:fillClrLst meth="repeat">
+      <a:schemeClr val="accent1"/>
+    </dgm:fillClrLst>
+    <dgm:linClrLst meth="repeat">
+      <a:schemeClr val="lt1"/>
+    </dgm:linClrLst>
+    <dgm:effectClrLst/>
+    <dgm:txLinClrLst/>
+    <dgm:txFillClrLst/>
+    <dgm:txEffectClrLst/>
+  </dgm:styleLbl>
+  <dgm:styleLbl name="asst2">
+    <dgm:fillClrLst meth="repeat">
+      <a:schemeClr val="accent1"/>
+    </dgm:fillClrLst>
+    <dgm:linClrLst meth="repeat">
+      <a:schemeClr val="lt1"/>
+    </dgm:linClrLst>
+    <dgm:effectClrLst/>
+    <dgm:txLinClrLst/>
+    <dgm:txFillClrLst/>
+    <dgm:txEffectClrLst/>
+  </dgm:styleLbl>
+  <dgm:styleLbl name="asst3">
+    <dgm:fillClrLst meth="repeat">
+      <a:schemeClr val="accent1"/>
+    </dgm:fillClrLst>
+    <dgm:linClrLst meth="repeat">
+      <a:schemeClr val="lt1"/>
+    </dgm:linClrLst>
+    <dgm:effectClrLst/>
+    <dgm:txLinClrLst/>
+    <dgm:txFillClrLst/>
+    <dgm:txEffectClrLst/>
+  </dgm:styleLbl>
+  <dgm:styleLbl name="asst4">
+    <dgm:fillClrLst meth="repeat">
+      <a:schemeClr val="accent1"/>
+    </dgm:fillClrLst>
+    <dgm:linClrLst meth="repeat">
+      <a:schemeClr val="lt1"/>
+    </dgm:linClrLst>
+    <dgm:effectClrLst/>
+    <dgm:txLinClrLst/>
+    <dgm:txFillClrLst/>
+    <dgm:txEffectClrLst/>
+  </dgm:styleLbl>
+  <dgm:styleLbl name="parChTrans2D1">
+    <dgm:fillClrLst meth="repeat">
+      <a:schemeClr val="accent1">
+        <a:tint val="60000"/>
+      </a:schemeClr>
+    </dgm:fillClrLst>
+    <dgm:linClrLst meth="repeat">
+      <a:schemeClr val="accent1">
+        <a:tint val="60000"/>
+      </a:schemeClr>
+    </dgm:linClrLst>
+    <dgm:effectClrLst/>
+    <dgm:txLinClrLst/>
+    <dgm:txFillClrLst meth="repeat">
+      <a:schemeClr val="lt1"/>
+    </dgm:txFillClrLst>
+    <dgm:txEffectClrLst/>
+  </dgm:styleLbl>
+  <dgm:styleLbl name="parChTrans2D2">
+    <dgm:fillClrLst meth="repeat">
+      <a:schemeClr val="accent1"/>
+    </dgm:fillClrLst>
+    <dgm:linClrLst meth="repeat">
+      <a:schemeClr val="accent1"/>
+    </dgm:linClrLst>
+    <dgm:effectClrLst/>
+    <dgm:txLinClrLst/>
+    <dgm:txFillClrLst meth="repeat">
+      <a:schemeClr val="lt1"/>
+    </dgm:txFillClrLst>
+    <dgm:txEffectClrLst/>
+  </dgm:styleLbl>
+  <dgm:styleLbl name="parChTrans2D3">
+    <dgm:fillClrLst meth="repeat">
+      <a:schemeClr val="accent1"/>
+    </dgm:fillClrLst>
+    <dgm:linClrLst meth="repeat">
+      <a:schemeClr val="accent1"/>
+    </dgm:linClrLst>
+    <dgm:effectClrLst/>
+    <dgm:txLinClrLst/>
+    <dgm:txFillClrLst meth="repeat">
+      <a:schemeClr val="lt1"/>
+    </dgm:txFillClrLst>
+    <dgm:txEffectClrLst/>
+  </dgm:styleLbl>
+  <dgm:styleLbl name="parChTrans2D4">
+    <dgm:fillClrLst meth="repeat">
+      <a:schemeClr val="accent1"/>
+    </dgm:fillClrLst>
+    <dgm:linClrLst meth="repeat">
+      <a:schemeClr val="accent1"/>
+    </dgm:linClrLst>
+    <dgm:effectClrLst/>
+    <dgm:txLinClrLst/>
+    <dgm:txFillClrLst meth="repeat">
+      <a:schemeClr val="lt1"/>
+    </dgm:txFillClrLst>
+    <dgm:txEffectClrLst/>
+  </dgm:styleLbl>
+  <dgm:styleLbl name="parChTrans1D1">
+    <dgm:fillClrLst meth="repeat">
+      <a:schemeClr val="accent1"/>
+    </dgm:fillClrLst>
+    <dgm:linClrLst meth="repeat">
+      <a:schemeClr val="accent1">
+        <a:shade val="60000"/>
+      </a:schemeClr>
+    </dgm:linClrLst>
+    <dgm:effectClrLst/>
+    <dgm:txLinClrLst/>
+    <dgm:txFillClrLst meth="repeat">
+      <a:schemeClr val="tx1"/>
+    </dgm:txFillClrLst>
+    <dgm:txEffectClrLst/>
+  </dgm:styleLbl>
+  <dgm:styleLbl name="parChTrans1D2">
+    <dgm:fillClrLst meth="repeat">
+      <a:schemeClr val="accent1"/>
+    </dgm:fillClrLst>
+    <dgm:linClrLst meth="repeat">
+      <a:schemeClr val="accent1">
+        <a:shade val="60000"/>
+      </a:schemeClr>
+    </dgm:linClrLst>
+    <dgm:effectClrLst/>
+    <dgm:txLinClrLst/>
+    <dgm:txFillClrLst meth="repeat">
+      <a:schemeClr val="tx1"/>
+    </dgm:txFillClrLst>
+    <dgm:txEffectClrLst/>
+  </dgm:styleLbl>
+  <dgm:styleLbl name="parChTrans1D3">
+    <dgm:fillClrLst meth="repeat">
+      <a:schemeClr val="accent1"/>
+    </dgm:fillClrLst>
+    <dgm:linClrLst meth="repeat">
+      <a:schemeClr val="accent1">
+        <a:shade val="80000"/>
+      </a:schemeClr>
+    </dgm:linClrLst>
+    <dgm:effectClrLst/>
+    <dgm:txLinClrLst/>
+    <dgm:txFillClrLst meth="repeat">
+      <a:schemeClr val="tx1"/>
+    </dgm:txFillClrLst>
+    <dgm:txEffectClrLst/>
+  </dgm:styleLbl>
+  <dgm:styleLbl name="parChTrans1D4">
+    <dgm:fillClrLst meth="repeat">
+      <a:schemeClr val="accent1"/>
+    </dgm:fillClrLst>
+    <dgm:linClrLst meth="repeat">
+      <a:schemeClr val="accent1">
+        <a:shade val="80000"/>
+      </a:schemeClr>
+    </dgm:linClrLst>
+    <dgm:effectClrLst/>
+    <dgm:txLinClrLst/>
+    <dgm:txFillClrLst meth="repeat">
+      <a:schemeClr val="tx1"/>
+    </dgm:txFillClrLst>
+    <dgm:txEffectClrLst/>
+  </dgm:styleLbl>
+  <dgm:styleLbl name="fgAcc1">
+    <dgm:fillClrLst meth="repeat">
+      <a:schemeClr val="lt1">
+        <a:alpha val="90000"/>
+      </a:schemeClr>
+    </dgm:fillClrLst>
+    <dgm:linClrLst meth="repeat">
+      <a:schemeClr val="accent1"/>
+    </dgm:linClrLst>
+    <dgm:effectClrLst/>
+    <dgm:txLinClrLst/>
+    <dgm:txFillClrLst meth="repeat">
+      <a:schemeClr val="dk1"/>
+    </dgm:txFillClrLst>
+    <dgm:txEffectClrLst/>
+  </dgm:styleLbl>
+  <dgm:styleLbl name="conFgAcc1">
+    <dgm:fillClrLst meth="repeat">
+      <a:schemeClr val="lt1">
+        <a:alpha val="90000"/>
+      </a:schemeClr>
+    </dgm:fillClrLst>
+    <dgm:linClrLst meth="repeat">
+      <a:schemeClr val="accent1"/>
+    </dgm:linClrLst>
+    <dgm:effectClrLst/>
+    <dgm:txLinClrLst/>
+    <dgm:txFillClrLst meth="repeat">
+      <a:schemeClr val="dk1"/>
+    </dgm:txFillClrLst>
+    <dgm:txEffectClrLst/>
+  </dgm:styleLbl>
+  <dgm:styleLbl name="alignAcc1">
+    <dgm:fillClrLst meth="repeat">
+      <a:schemeClr val="lt1">
+        <a:alpha val="90000"/>
+      </a:schemeClr>
+    </dgm:fillClrLst>
+    <dgm:linClrLst meth="repeat">
+      <a:schemeClr val="accent1"/>
+    </dgm:linClrLst>
+    <dgm:effectClrLst/>
+    <dgm:txLinClrLst/>
+    <dgm:txFillClrLst meth="repeat">
+      <a:schemeClr val="dk1"/>
+    </dgm:txFillClrLst>
+    <dgm:txEffectClrLst/>
+  </dgm:styleLbl>
+  <dgm:styleLbl name="trAlignAcc1">
+    <dgm:fillClrLst meth="repeat">
+      <a:schemeClr val="lt1">
+        <a:alpha val="40000"/>
+      </a:schemeClr>
+    </dgm:fillClrLst>
+    <dgm:linClrLst meth="repeat">
+      <a:schemeClr val="accent1"/>
+    </dgm:linClrLst>
+    <dgm:effectClrLst/>
+    <dgm:txLinClrLst/>
+    <dgm:txFillClrLst meth="repeat">
+      <a:schemeClr val="dk1"/>
+    </dgm:txFillClrLst>
+    <dgm:txEffectClrLst/>
+  </dgm:styleLbl>
+  <dgm:styleLbl name="bgAcc1">
+    <dgm:fillClrLst meth="repeat">
+      <a:schemeClr val="lt1">
+        <a:alpha val="90000"/>
+      </a:schemeClr>
+    </dgm:fillClrLst>
+    <dgm:linClrLst meth="repeat">
+      <a:schemeClr val="accent1"/>
+    </dgm:linClrLst>
+    <dgm:effectClrLst/>
+    <dgm:txLinClrLst/>
+    <dgm:txFillClrLst meth="repeat">
+      <a:schemeClr val="dk1"/>
+    </dgm:txFillClrLst>
+    <dgm:txEffectClrLst/>
+  </dgm:styleLbl>
+  <dgm:styleLbl name="solidFgAcc1">
+    <dgm:fillClrLst meth="repeat">
+      <a:schemeClr val="lt1"/>
+    </dgm:fillClrLst>
+    <dgm:linClrLst meth="repeat">
+      <a:schemeClr val="accent1"/>
+    </dgm:linClrLst>
+    <dgm:effectClrLst/>
+    <dgm:txLinClrLst/>
+    <dgm:txFillClrLst meth="repeat">
+      <a:schemeClr val="dk1"/>
+    </dgm:txFillClrLst>
+    <dgm:txEffectClrLst/>
+  </dgm:styleLbl>
+  <dgm:styleLbl name="solidAlignAcc1">
+    <dgm:fillClrLst meth="repeat">
+      <a:schemeClr val="lt1"/>
+    </dgm:fillClrLst>
+    <dgm:linClrLst meth="repeat">
+      <a:schemeClr val="accent1"/>
+    </dgm:linClrLst>
+    <dgm:effectClrLst/>
+    <dgm:txLinClrLst/>
+    <dgm:txFillClrLst meth="repeat">
+      <a:schemeClr val="dk1"/>
+    </dgm:txFillClrLst>
+    <dgm:txEffectClrLst/>
+  </dgm:styleLbl>
+  <dgm:styleLbl name="solidBgAcc1">
+    <dgm:fillClrLst meth="repeat">
+      <a:schemeClr val="lt1"/>
+    </dgm:fillClrLst>
+    <dgm:linClrLst meth="repeat">
+      <a:schemeClr val="accent1"/>
+    </dgm:linClrLst>
+    <dgm:effectClrLst/>
+    <dgm:txLinClrLst/>
+    <dgm:txFillClrLst meth="repeat">
+      <a:schemeClr val="dk1"/>
+    </dgm:txFillClrLst>
+    <dgm:txEffectClrLst/>
+  </dgm:styleLbl>
+  <dgm:styleLbl name="fgAccFollowNode1">
+    <dgm:fillClrLst meth="repeat">
+      <a:schemeClr val="accent1">
+        <a:alpha val="90000"/>
+        <a:tint val="40000"/>
+      </a:schemeClr>
+    </dgm:fillClrLst>
+    <dgm:linClrLst meth="repeat">
+      <a:schemeClr val="accent1">
+        <a:alpha val="90000"/>
+        <a:tint val="40000"/>
+      </a:schemeClr>
+    </dgm:linClrLst>
+    <dgm:effectClrLst/>
+    <dgm:txLinClrLst/>
+    <dgm:txFillClrLst meth="repeat">
+      <a:schemeClr val="dk1"/>
+    </dgm:txFillClrLst>
+    <dgm:txEffectClrLst/>
+  </dgm:styleLbl>
+  <dgm:styleLbl name="alignAccFollowNode1">
+    <dgm:fillClrLst meth="repeat">
+      <a:schemeClr val="accent1">
+        <a:alpha val="90000"/>
+        <a:tint val="40000"/>
+      </a:schemeClr>
+    </dgm:fillClrLst>
+    <dgm:linClrLst meth="repeat">
+      <a:schemeClr val="accent1">
+        <a:alpha val="90000"/>
+        <a:tint val="40000"/>
+      </a:schemeClr>
+    </dgm:linClrLst>
+    <dgm:effectClrLst/>
+    <dgm:txLinClrLst/>
+    <dgm:txFillClrLst meth="repeat">
+      <a:schemeClr val="dk1"/>
+    </dgm:txFillClrLst>
+    <dgm:txEffectClrLst/>
+  </dgm:styleLbl>
+  <dgm:styleLbl name="bgAccFollowNode1">
+    <dgm:fillClrLst meth="repeat">
+      <a:schemeClr val="accent1">
+        <a:alpha val="90000"/>
+        <a:tint val="40000"/>
+      </a:schemeClr>
+    </dgm:fillClrLst>
+    <dgm:linClrLst meth="repeat">
+      <a:schemeClr val="accent1">
+        <a:alpha val="90000"/>
+        <a:tint val="40000"/>
+      </a:schemeClr>
+    </dgm:linClrLst>
+    <dgm:effectClrLst/>
+    <dgm:txLinClrLst/>
+    <dgm:txFillClrLst meth="repeat">
+      <a:schemeClr val="dk1"/>
+    </dgm:txFillClrLst>
+    <dgm:txEffectClrLst/>
+  </dgm:styleLbl>
+  <dgm:styleLbl name="fgAcc0">
+    <dgm:fillClrLst meth="repeat">
+      <a:schemeClr val="lt1">
+        <a:alpha val="90000"/>
+      </a:schemeClr>
+    </dgm:fillClrLst>
+    <dgm:linClrLst meth="repeat">
+      <a:schemeClr val="accent1"/>
+    </dgm:linClrLst>
+    <dgm:effectClrLst/>
+    <dgm:txLinClrLst/>
+    <dgm:txFillClrLst meth="repeat">
+      <a:schemeClr val="dk1"/>
+    </dgm:txFillClrLst>
+    <dgm:txEffectClrLst/>
+  </dgm:styleLbl>
+  <dgm:styleLbl name="fgAcc2">
+    <dgm:fillClrLst meth="repeat">
+      <a:schemeClr val="lt1">
+        <a:alpha val="90000"/>
+      </a:schemeClr>
+    </dgm:fillClrLst>
+    <dgm:linClrLst meth="repeat">
+      <a:schemeClr val="accent1"/>
+    </dgm:linClrLst>
+    <dgm:effectClrLst/>
+    <dgm:txLinClrLst/>
+    <dgm:txFillClrLst meth="repeat">
+      <a:schemeClr val="dk1"/>
+    </dgm:txFillClrLst>
+    <dgm:txEffectClrLst/>
+  </dgm:styleLbl>
+  <dgm:styleLbl name="fgAcc3">
+    <dgm:fillClrLst meth="repeat">
+      <a:schemeClr val="lt1">
+        <a:alpha val="90000"/>
+      </a:schemeClr>
+    </dgm:fillClrLst>
+    <dgm:linClrLst meth="repeat">
+      <a:schemeClr val="accent1"/>
+    </dgm:linClrLst>
+    <dgm:effectClrLst/>
+    <dgm:txLinClrLst/>
+    <dgm:txFillClrLst meth="repeat">
+      <a:schemeClr val="dk1"/>
+    </dgm:txFillClrLst>
+    <dgm:txEffectClrLst/>
+  </dgm:styleLbl>
+  <dgm:styleLbl name="fgAcc4">
+    <dgm:fillClrLst meth="repeat">
+      <a:schemeClr val="lt1">
+        <a:alpha val="90000"/>
+      </a:schemeClr>
+    </dgm:fillClrLst>
+    <dgm:linClrLst meth="repeat">
+      <a:schemeClr val="accent1"/>
+    </dgm:linClrLst>
+    <dgm:effectClrLst/>
+    <dgm:txLinClrLst/>
+    <dgm:txFillClrLst meth="repeat">
+      <a:schemeClr val="dk1"/>
+    </dgm:txFillClrLst>
+    <dgm:txEffectClrLst/>
+  </dgm:styleLbl>
+  <dgm:styleLbl name="bgShp">
+    <dgm:fillClrLst meth="repeat">
+      <a:schemeClr val="accent1">
+        <a:tint val="40000"/>
+      </a:schemeClr>
+    </dgm:fillClrLst>
+    <dgm:linClrLst meth="repeat">
+      <a:schemeClr val="accent1"/>
+    </dgm:linClrLst>
+    <dgm:effectClrLst/>
+    <dgm:txLinClrLst/>
+    <dgm:txFillClrLst meth="repeat">
+      <a:schemeClr val="dk1"/>
+    </dgm:txFillClrLst>
+    <dgm:txEffectClrLst/>
+  </dgm:styleLbl>
+  <dgm:styleLbl name="dkBgShp">
+    <dgm:fillClrLst meth="repeat">
+      <a:schemeClr val="accent1">
+        <a:shade val="80000"/>
+      </a:schemeClr>
+    </dgm:fillClrLst>
+    <dgm:linClrLst meth="repeat">
+      <a:schemeClr val="accent1"/>
+    </dgm:linClrLst>
+    <dgm:effectClrLst/>
+    <dgm:txLinClrLst/>
+    <dgm:txFillClrLst meth="repeat">
+      <a:schemeClr val="lt1"/>
+    </dgm:txFillClrLst>
+    <dgm:txEffectClrLst/>
+  </dgm:styleLbl>
+  <dgm:styleLbl name="trBgShp">
+    <dgm:fillClrLst meth="repeat">
+      <a:schemeClr val="accent1">
+        <a:tint val="50000"/>
+        <a:alpha val="40000"/>
+      </a:schemeClr>
+    </dgm:fillClrLst>
+    <dgm:linClrLst meth="repeat">
+      <a:schemeClr val="accent1"/>
+    </dgm:linClrLst>
+    <dgm:effectClrLst/>
+    <dgm:txLinClrLst/>
+    <dgm:txFillClrLst meth="repeat">
+      <a:schemeClr val="lt1"/>
+    </dgm:txFillClrLst>
+    <dgm:txEffectClrLst/>
+  </dgm:styleLbl>
+  <dgm:styleLbl name="fgShp">
+    <dgm:fillClrLst meth="repeat">
+      <a:schemeClr val="accent1">
+        <a:tint val="60000"/>
+      </a:schemeClr>
+    </dgm:fillClrLst>
+    <dgm:linClrLst meth="repeat">
+      <a:schemeClr val="lt1"/>
+    </dgm:linClrLst>
+    <dgm:effectClrLst/>
+    <dgm:txLinClrLst/>
+    <dgm:txFillClrLst meth="repeat">
+      <a:schemeClr val="dk1"/>
+    </dgm:txFillClrLst>
+    <dgm:txEffectClrLst/>
+  </dgm:styleLbl>
+  <dgm:styleLbl name="revTx">
+    <dgm:fillClrLst meth="repeat">
+      <a:schemeClr val="lt1">
+        <a:alpha val="0"/>
+      </a:schemeClr>
+    </dgm:fillClrLst>
+    <dgm:linClrLst meth="repeat">
+      <a:schemeClr val="dk1">
+        <a:alpha val="0"/>
+      </a:schemeClr>
+    </dgm:linClrLst>
+    <dgm:effectClrLst/>
+    <dgm:txLinClrLst/>
+    <dgm:txFillClrLst meth="repeat">
+      <a:schemeClr val="tx1"/>
+    </dgm:txFillClrLst>
+    <dgm:txEffectClrLst/>
+  </dgm:styleLbl>
+</dgm:colorsDef>
+</file>
+
+<file path=ppt/diagrams/data1.xml><?xml version="1.0" encoding="utf-8"?>
+<dgm:dataModel xmlns:dgm="http://schemas.openxmlformats.org/drawingml/2006/diagram" xmlns:a="http://schemas.openxmlformats.org/drawingml/2006/main">
+  <dgm:ptLst>
+    <dgm:pt modelId="{A1ECA057-4DF7-4F23-AF27-C18CE661B5FD}" type="doc">
+      <dgm:prSet loTypeId="urn:microsoft.com/office/officeart/2005/8/layout/vList6" loCatId="process" qsTypeId="urn:microsoft.com/office/officeart/2005/8/quickstyle/simple1" qsCatId="simple" csTypeId="urn:microsoft.com/office/officeart/2005/8/colors/accent1_2" csCatId="accent1" phldr="1"/>
+      <dgm:spPr/>
+      <dgm:t>
+        <a:bodyPr/>
+        <a:lstStyle/>
+        <a:p>
+          <a:endParaRPr lang="en-CA"/>
+        </a:p>
+      </dgm:t>
+    </dgm:pt>
+    <dgm:pt modelId="{C0AE115C-DE67-4F87-94B7-63BA72247B0F}">
+      <dgm:prSet phldrT="[Text]" custT="1"/>
+      <dgm:spPr>
+        <a:solidFill>
+          <a:schemeClr val="tx2">
+            <a:lumMod val="75000"/>
+          </a:schemeClr>
+        </a:solidFill>
+      </dgm:spPr>
+      <dgm:t>
+        <a:bodyPr/>
+        <a:lstStyle/>
+        <a:p>
+          <a:r>
+            <a:rPr lang="en-CA" sz="2000" dirty="0"/>
+            <a:t>Logistic Regression</a:t>
+          </a:r>
+        </a:p>
+      </dgm:t>
+    </dgm:pt>
+    <dgm:pt modelId="{9BD04749-F7B2-4014-8929-1B5BDFE9CB7C}" type="parTrans" cxnId="{38D7919A-86AC-44E6-A3D3-5558E7E4666D}">
+      <dgm:prSet/>
+      <dgm:spPr/>
+      <dgm:t>
+        <a:bodyPr/>
+        <a:lstStyle/>
+        <a:p>
+          <a:endParaRPr lang="en-CA"/>
+        </a:p>
+      </dgm:t>
+    </dgm:pt>
+    <dgm:pt modelId="{CA3505B4-DDEA-4BD3-A34F-D1B76A400A5E}" type="sibTrans" cxnId="{38D7919A-86AC-44E6-A3D3-5558E7E4666D}">
+      <dgm:prSet/>
+      <dgm:spPr/>
+      <dgm:t>
+        <a:bodyPr/>
+        <a:lstStyle/>
+        <a:p>
+          <a:endParaRPr lang="en-CA"/>
+        </a:p>
+      </dgm:t>
+    </dgm:pt>
+    <dgm:pt modelId="{D23B164B-EC48-4EC3-8D44-DB103B38CBE9}">
+      <dgm:prSet phldrT="[Text]" custT="1"/>
+      <dgm:spPr>
+        <a:solidFill>
+          <a:schemeClr val="tx2">
+            <a:lumMod val="20000"/>
+            <a:lumOff val="80000"/>
+            <a:alpha val="90000"/>
+          </a:schemeClr>
+        </a:solidFill>
+      </dgm:spPr>
+      <dgm:t>
+        <a:bodyPr anchor="ctr"/>
+        <a:lstStyle/>
+        <a:p>
+          <a:pPr algn="ctr"/>
+          <a:r>
+            <a:rPr lang="en-US" sz="1400" dirty="0"/>
+            <a:t>Draws a S curve to separate things into two groups based on their features and predicts the probability of belonging to each group</a:t>
+          </a:r>
+          <a:endParaRPr lang="en-CA" sz="1400" dirty="0"/>
+        </a:p>
+      </dgm:t>
+    </dgm:pt>
+    <dgm:pt modelId="{AAA46D33-C026-48F3-ACCD-2DB0698C7618}" type="parTrans" cxnId="{5C906010-2D5D-4E3B-970F-3202CA4AFD3A}">
+      <dgm:prSet/>
+      <dgm:spPr/>
+      <dgm:t>
+        <a:bodyPr/>
+        <a:lstStyle/>
+        <a:p>
+          <a:endParaRPr lang="en-CA"/>
+        </a:p>
+      </dgm:t>
+    </dgm:pt>
+    <dgm:pt modelId="{B54E01CE-1DFB-4C84-ABD0-9D3960B0D8FA}" type="sibTrans" cxnId="{5C906010-2D5D-4E3B-970F-3202CA4AFD3A}">
+      <dgm:prSet/>
+      <dgm:spPr/>
+      <dgm:t>
+        <a:bodyPr/>
+        <a:lstStyle/>
+        <a:p>
+          <a:endParaRPr lang="en-CA"/>
+        </a:p>
+      </dgm:t>
+    </dgm:pt>
+    <dgm:pt modelId="{AF70C0BC-3DFC-4B75-8514-614652A9F1B5}">
+      <dgm:prSet phldrT="[Text]" custT="1"/>
+      <dgm:spPr>
+        <a:solidFill>
+          <a:schemeClr val="tx2">
+            <a:lumMod val="75000"/>
+          </a:schemeClr>
+        </a:solidFill>
+      </dgm:spPr>
+      <dgm:t>
+        <a:bodyPr/>
+        <a:lstStyle/>
+        <a:p>
+          <a:r>
+            <a:rPr lang="en-CA" sz="2000" dirty="0"/>
+            <a:t>Support Vector Machine</a:t>
+          </a:r>
+        </a:p>
+      </dgm:t>
+    </dgm:pt>
+    <dgm:pt modelId="{5863754A-CFF9-4E6C-800C-48452BB92BA7}" type="parTrans" cxnId="{C2508623-9506-4B98-881E-535B9CCF8747}">
+      <dgm:prSet/>
+      <dgm:spPr/>
+      <dgm:t>
+        <a:bodyPr/>
+        <a:lstStyle/>
+        <a:p>
+          <a:endParaRPr lang="en-CA"/>
+        </a:p>
+      </dgm:t>
+    </dgm:pt>
+    <dgm:pt modelId="{AFC07A53-51BF-4414-9059-6EDE4A0F81B6}" type="sibTrans" cxnId="{C2508623-9506-4B98-881E-535B9CCF8747}">
+      <dgm:prSet/>
+      <dgm:spPr/>
+      <dgm:t>
+        <a:bodyPr/>
+        <a:lstStyle/>
+        <a:p>
+          <a:endParaRPr lang="en-CA"/>
+        </a:p>
+      </dgm:t>
+    </dgm:pt>
+    <dgm:pt modelId="{480AC9E3-0BB6-4118-AC93-DAEA385A6854}">
+      <dgm:prSet phldrT="[Text]" custT="1"/>
+      <dgm:spPr>
+        <a:solidFill>
+          <a:schemeClr val="tx2">
+            <a:lumMod val="20000"/>
+            <a:lumOff val="80000"/>
+            <a:alpha val="90000"/>
+          </a:schemeClr>
+        </a:solidFill>
+      </dgm:spPr>
+      <dgm:t>
+        <a:bodyPr anchor="ctr"/>
+        <a:lstStyle/>
+        <a:p>
+          <a:pPr algn="ctr"/>
+          <a:r>
+            <a:rPr lang="en-US" sz="1400" dirty="0"/>
+            <a:t>Classifies instances by drawing boundaries around each group using support vectors, optimizing to find the widest gap between the boundaries to separate the groups.</a:t>
+          </a:r>
+          <a:endParaRPr lang="en-CA" sz="1400" dirty="0"/>
+        </a:p>
+      </dgm:t>
+    </dgm:pt>
+    <dgm:pt modelId="{CEAF1633-23C0-4586-97D5-2A9F1A3EB059}" type="parTrans" cxnId="{CCFE0201-EA81-42B5-A9C7-0F04A48BA851}">
+      <dgm:prSet/>
+      <dgm:spPr/>
+      <dgm:t>
+        <a:bodyPr/>
+        <a:lstStyle/>
+        <a:p>
+          <a:endParaRPr lang="en-CA"/>
+        </a:p>
+      </dgm:t>
+    </dgm:pt>
+    <dgm:pt modelId="{DE01751A-008C-47D8-BD4E-3D6FD631DA6E}" type="sibTrans" cxnId="{CCFE0201-EA81-42B5-A9C7-0F04A48BA851}">
+      <dgm:prSet/>
+      <dgm:spPr/>
+      <dgm:t>
+        <a:bodyPr/>
+        <a:lstStyle/>
+        <a:p>
+          <a:endParaRPr lang="en-CA"/>
+        </a:p>
+      </dgm:t>
+    </dgm:pt>
+    <dgm:pt modelId="{F41878DD-90E3-4066-899B-A7D0E2DAAC0A}" type="pres">
+      <dgm:prSet presAssocID="{A1ECA057-4DF7-4F23-AF27-C18CE661B5FD}" presName="Name0" presStyleCnt="0">
+        <dgm:presLayoutVars>
+          <dgm:dir/>
+          <dgm:animLvl val="lvl"/>
+          <dgm:resizeHandles/>
+        </dgm:presLayoutVars>
+      </dgm:prSet>
+      <dgm:spPr/>
+    </dgm:pt>
+    <dgm:pt modelId="{CB9CB540-BE5A-44D4-8377-6B893BC102F1}" type="pres">
+      <dgm:prSet presAssocID="{C0AE115C-DE67-4F87-94B7-63BA72247B0F}" presName="linNode" presStyleCnt="0"/>
+      <dgm:spPr/>
+    </dgm:pt>
+    <dgm:pt modelId="{FC54E8C6-CA14-4D8C-A44A-3C9EEA7DA2D9}" type="pres">
+      <dgm:prSet presAssocID="{C0AE115C-DE67-4F87-94B7-63BA72247B0F}" presName="parentShp" presStyleLbl="node1" presStyleIdx="0" presStyleCnt="2" custScaleX="82852" custScaleY="20299" custLinFactNeighborX="-8929" custLinFactNeighborY="-7153">
+        <dgm:presLayoutVars>
+          <dgm:bulletEnabled val="1"/>
+        </dgm:presLayoutVars>
+      </dgm:prSet>
+      <dgm:spPr/>
+    </dgm:pt>
+    <dgm:pt modelId="{4441F2E6-5E15-412F-9215-23145EACDD7A}" type="pres">
+      <dgm:prSet presAssocID="{C0AE115C-DE67-4F87-94B7-63BA72247B0F}" presName="childShp" presStyleLbl="bgAccFollowNode1" presStyleIdx="0" presStyleCnt="2" custScaleX="82852" custScaleY="23340" custLinFactNeighborX="-13106" custLinFactNeighborY="-7153">
+        <dgm:presLayoutVars>
+          <dgm:bulletEnabled val="1"/>
+        </dgm:presLayoutVars>
+      </dgm:prSet>
+      <dgm:spPr/>
+    </dgm:pt>
+    <dgm:pt modelId="{9F29F547-5D89-4C5F-B7C7-4EE5BC75EB14}" type="pres">
+      <dgm:prSet presAssocID="{CA3505B4-DDEA-4BD3-A34F-D1B76A400A5E}" presName="spacing" presStyleCnt="0"/>
+      <dgm:spPr/>
+    </dgm:pt>
+    <dgm:pt modelId="{8E349A78-D126-4CAB-AD92-697F38CAD2BE}" type="pres">
+      <dgm:prSet presAssocID="{AF70C0BC-3DFC-4B75-8514-614652A9F1B5}" presName="linNode" presStyleCnt="0"/>
+      <dgm:spPr/>
+    </dgm:pt>
+    <dgm:pt modelId="{200215C9-A283-4EA9-8CFC-9802D128BD7D}" type="pres">
+      <dgm:prSet presAssocID="{AF70C0BC-3DFC-4B75-8514-614652A9F1B5}" presName="parentShp" presStyleLbl="node1" presStyleIdx="1" presStyleCnt="2" custScaleX="83862" custScaleY="20722" custLinFactNeighborX="-8817" custLinFactNeighborY="172">
+        <dgm:presLayoutVars>
+          <dgm:bulletEnabled val="1"/>
+        </dgm:presLayoutVars>
+      </dgm:prSet>
+      <dgm:spPr/>
+    </dgm:pt>
+    <dgm:pt modelId="{E4072EB8-1C70-432C-B3ED-FD977CDBFC6A}" type="pres">
+      <dgm:prSet presAssocID="{AF70C0BC-3DFC-4B75-8514-614652A9F1B5}" presName="childShp" presStyleLbl="bgAccFollowNode1" presStyleIdx="1" presStyleCnt="2" custScaleX="81178" custScaleY="23893" custLinFactNeighborX="-12643" custLinFactNeighborY="345">
+        <dgm:presLayoutVars>
+          <dgm:bulletEnabled val="1"/>
+        </dgm:presLayoutVars>
+      </dgm:prSet>
+      <dgm:spPr/>
+    </dgm:pt>
+  </dgm:ptLst>
+  <dgm:cxnLst>
+    <dgm:cxn modelId="{CCFE0201-EA81-42B5-A9C7-0F04A48BA851}" srcId="{AF70C0BC-3DFC-4B75-8514-614652A9F1B5}" destId="{480AC9E3-0BB6-4118-AC93-DAEA385A6854}" srcOrd="0" destOrd="0" parTransId="{CEAF1633-23C0-4586-97D5-2A9F1A3EB059}" sibTransId="{DE01751A-008C-47D8-BD4E-3D6FD631DA6E}"/>
+    <dgm:cxn modelId="{5C906010-2D5D-4E3B-970F-3202CA4AFD3A}" srcId="{C0AE115C-DE67-4F87-94B7-63BA72247B0F}" destId="{D23B164B-EC48-4EC3-8D44-DB103B38CBE9}" srcOrd="0" destOrd="0" parTransId="{AAA46D33-C026-48F3-ACCD-2DB0698C7618}" sibTransId="{B54E01CE-1DFB-4C84-ABD0-9D3960B0D8FA}"/>
+    <dgm:cxn modelId="{FA168013-FEF2-4719-89F1-B7AD96753CFE}" type="presOf" srcId="{A1ECA057-4DF7-4F23-AF27-C18CE661B5FD}" destId="{F41878DD-90E3-4066-899B-A7D0E2DAAC0A}" srcOrd="0" destOrd="0" presId="urn:microsoft.com/office/officeart/2005/8/layout/vList6"/>
+    <dgm:cxn modelId="{C2508623-9506-4B98-881E-535B9CCF8747}" srcId="{A1ECA057-4DF7-4F23-AF27-C18CE661B5FD}" destId="{AF70C0BC-3DFC-4B75-8514-614652A9F1B5}" srcOrd="1" destOrd="0" parTransId="{5863754A-CFF9-4E6C-800C-48452BB92BA7}" sibTransId="{AFC07A53-51BF-4414-9059-6EDE4A0F81B6}"/>
+    <dgm:cxn modelId="{54B6CE31-F6EE-4023-956A-1009E89EF90D}" type="presOf" srcId="{480AC9E3-0BB6-4118-AC93-DAEA385A6854}" destId="{E4072EB8-1C70-432C-B3ED-FD977CDBFC6A}" srcOrd="0" destOrd="0" presId="urn:microsoft.com/office/officeart/2005/8/layout/vList6"/>
+    <dgm:cxn modelId="{52C4253E-A362-4A7B-A5DD-BA9FBCA5EA78}" type="presOf" srcId="{C0AE115C-DE67-4F87-94B7-63BA72247B0F}" destId="{FC54E8C6-CA14-4D8C-A44A-3C9EEA7DA2D9}" srcOrd="0" destOrd="0" presId="urn:microsoft.com/office/officeart/2005/8/layout/vList6"/>
+    <dgm:cxn modelId="{6925365C-36E8-4CFD-A580-C76C6C2010C0}" type="presOf" srcId="{AF70C0BC-3DFC-4B75-8514-614652A9F1B5}" destId="{200215C9-A283-4EA9-8CFC-9802D128BD7D}" srcOrd="0" destOrd="0" presId="urn:microsoft.com/office/officeart/2005/8/layout/vList6"/>
+    <dgm:cxn modelId="{B9176696-88F0-4A0A-91D7-7F5460595985}" type="presOf" srcId="{D23B164B-EC48-4EC3-8D44-DB103B38CBE9}" destId="{4441F2E6-5E15-412F-9215-23145EACDD7A}" srcOrd="0" destOrd="0" presId="urn:microsoft.com/office/officeart/2005/8/layout/vList6"/>
+    <dgm:cxn modelId="{38D7919A-86AC-44E6-A3D3-5558E7E4666D}" srcId="{A1ECA057-4DF7-4F23-AF27-C18CE661B5FD}" destId="{C0AE115C-DE67-4F87-94B7-63BA72247B0F}" srcOrd="0" destOrd="0" parTransId="{9BD04749-F7B2-4014-8929-1B5BDFE9CB7C}" sibTransId="{CA3505B4-DDEA-4BD3-A34F-D1B76A400A5E}"/>
+    <dgm:cxn modelId="{3C17D557-9380-4BDB-898F-19D6BCB3C17A}" type="presParOf" srcId="{F41878DD-90E3-4066-899B-A7D0E2DAAC0A}" destId="{CB9CB540-BE5A-44D4-8377-6B893BC102F1}" srcOrd="0" destOrd="0" presId="urn:microsoft.com/office/officeart/2005/8/layout/vList6"/>
+    <dgm:cxn modelId="{4B5AA5BD-1B35-40F5-9447-DDC62A35B9DA}" type="presParOf" srcId="{CB9CB540-BE5A-44D4-8377-6B893BC102F1}" destId="{FC54E8C6-CA14-4D8C-A44A-3C9EEA7DA2D9}" srcOrd="0" destOrd="0" presId="urn:microsoft.com/office/officeart/2005/8/layout/vList6"/>
+    <dgm:cxn modelId="{5A76DB22-9417-4E98-877D-5A75DE99E6FF}" type="presParOf" srcId="{CB9CB540-BE5A-44D4-8377-6B893BC102F1}" destId="{4441F2E6-5E15-412F-9215-23145EACDD7A}" srcOrd="1" destOrd="0" presId="urn:microsoft.com/office/officeart/2005/8/layout/vList6"/>
+    <dgm:cxn modelId="{55EEB3AB-21A5-4E03-A3C9-E669709D8039}" type="presParOf" srcId="{F41878DD-90E3-4066-899B-A7D0E2DAAC0A}" destId="{9F29F547-5D89-4C5F-B7C7-4EE5BC75EB14}" srcOrd="1" destOrd="0" presId="urn:microsoft.com/office/officeart/2005/8/layout/vList6"/>
+    <dgm:cxn modelId="{47414029-61E9-4A25-AB94-4114DE563C77}" type="presParOf" srcId="{F41878DD-90E3-4066-899B-A7D0E2DAAC0A}" destId="{8E349A78-D126-4CAB-AD92-697F38CAD2BE}" srcOrd="2" destOrd="0" presId="urn:microsoft.com/office/officeart/2005/8/layout/vList6"/>
+    <dgm:cxn modelId="{53269471-638F-4EF6-A57E-39F132523008}" type="presParOf" srcId="{8E349A78-D126-4CAB-AD92-697F38CAD2BE}" destId="{200215C9-A283-4EA9-8CFC-9802D128BD7D}" srcOrd="0" destOrd="0" presId="urn:microsoft.com/office/officeart/2005/8/layout/vList6"/>
+    <dgm:cxn modelId="{BBFD9177-BD87-45A7-8927-C83475742DE0}" type="presParOf" srcId="{8E349A78-D126-4CAB-AD92-697F38CAD2BE}" destId="{E4072EB8-1C70-432C-B3ED-FD977CDBFC6A}" srcOrd="1" destOrd="0" presId="urn:microsoft.com/office/officeart/2005/8/layout/vList6"/>
+  </dgm:cxnLst>
+  <dgm:bg/>
+  <dgm:whole/>
+  <dgm:extLst>
+    <a:ext uri="http://schemas.microsoft.com/office/drawing/2008/diagram">
+      <dsp:dataModelExt xmlns:dsp="http://schemas.microsoft.com/office/drawing/2008/diagram" relId="rId9" minVer="http://schemas.openxmlformats.org/drawingml/2006/diagram"/>
+    </a:ext>
+  </dgm:extLst>
+</dgm:dataModel>
+</file>
+
+<file path=ppt/diagrams/data2.xml><?xml version="1.0" encoding="utf-8"?>
+<dgm:dataModel xmlns:dgm="http://schemas.openxmlformats.org/drawingml/2006/diagram" xmlns:a="http://schemas.openxmlformats.org/drawingml/2006/main">
+  <dgm:ptLst>
+    <dgm:pt modelId="{A1ECA057-4DF7-4F23-AF27-C18CE661B5FD}" type="doc">
+      <dgm:prSet loTypeId="urn:microsoft.com/office/officeart/2005/8/layout/vList6" loCatId="process" qsTypeId="urn:microsoft.com/office/officeart/2005/8/quickstyle/simple1" qsCatId="simple" csTypeId="urn:microsoft.com/office/officeart/2005/8/colors/accent1_2" csCatId="accent1" phldr="1"/>
+      <dgm:spPr/>
+      <dgm:t>
+        <a:bodyPr/>
+        <a:lstStyle/>
+        <a:p>
+          <a:endParaRPr lang="en-CA"/>
+        </a:p>
+      </dgm:t>
+    </dgm:pt>
+    <dgm:pt modelId="{C0AE115C-DE67-4F87-94B7-63BA72247B0F}">
+      <dgm:prSet phldrT="[Text]" custT="1"/>
+      <dgm:spPr>
+        <a:solidFill>
+          <a:schemeClr val="tx2">
+            <a:lumMod val="75000"/>
+          </a:schemeClr>
+        </a:solidFill>
+      </dgm:spPr>
+      <dgm:t>
+        <a:bodyPr/>
+        <a:lstStyle/>
+        <a:p>
+          <a:r>
+            <a:rPr lang="en-CA" sz="2000" dirty="0"/>
+            <a:t>Random Forest</a:t>
+          </a:r>
+        </a:p>
+      </dgm:t>
+    </dgm:pt>
+    <dgm:pt modelId="{9BD04749-F7B2-4014-8929-1B5BDFE9CB7C}" type="parTrans" cxnId="{38D7919A-86AC-44E6-A3D3-5558E7E4666D}">
+      <dgm:prSet/>
+      <dgm:spPr/>
+      <dgm:t>
+        <a:bodyPr/>
+        <a:lstStyle/>
+        <a:p>
+          <a:endParaRPr lang="en-CA"/>
+        </a:p>
+      </dgm:t>
+    </dgm:pt>
+    <dgm:pt modelId="{CA3505B4-DDEA-4BD3-A34F-D1B76A400A5E}" type="sibTrans" cxnId="{38D7919A-86AC-44E6-A3D3-5558E7E4666D}">
+      <dgm:prSet/>
+      <dgm:spPr/>
+      <dgm:t>
+        <a:bodyPr/>
+        <a:lstStyle/>
+        <a:p>
+          <a:endParaRPr lang="en-CA"/>
+        </a:p>
+      </dgm:t>
+    </dgm:pt>
+    <dgm:pt modelId="{D23B164B-EC48-4EC3-8D44-DB103B38CBE9}">
+      <dgm:prSet phldrT="[Text]" custT="1"/>
+      <dgm:spPr>
+        <a:solidFill>
+          <a:schemeClr val="tx2">
+            <a:lumMod val="20000"/>
+            <a:lumOff val="80000"/>
+            <a:alpha val="90000"/>
+          </a:schemeClr>
+        </a:solidFill>
+      </dgm:spPr>
+      <dgm:t>
+        <a:bodyPr anchor="ctr"/>
+        <a:lstStyle/>
+        <a:p>
+          <a:pPr algn="ctr"/>
+          <a:r>
+            <a:rPr lang="en-US" sz="1400" dirty="0"/>
+            <a:t>Decision Tree analyzes data features, asking questions to classify data points into categories, while in random forest, multiple decision trees collaborate, with the final prediction based on the most common decision among them.</a:t>
+          </a:r>
+          <a:endParaRPr lang="en-CA" sz="1400" dirty="0"/>
+        </a:p>
+      </dgm:t>
+    </dgm:pt>
+    <dgm:pt modelId="{AAA46D33-C026-48F3-ACCD-2DB0698C7618}" type="parTrans" cxnId="{5C906010-2D5D-4E3B-970F-3202CA4AFD3A}">
+      <dgm:prSet/>
+      <dgm:spPr/>
+      <dgm:t>
+        <a:bodyPr/>
+        <a:lstStyle/>
+        <a:p>
+          <a:endParaRPr lang="en-CA"/>
+        </a:p>
+      </dgm:t>
+    </dgm:pt>
+    <dgm:pt modelId="{B54E01CE-1DFB-4C84-ABD0-9D3960B0D8FA}" type="sibTrans" cxnId="{5C906010-2D5D-4E3B-970F-3202CA4AFD3A}">
+      <dgm:prSet/>
+      <dgm:spPr/>
+      <dgm:t>
+        <a:bodyPr/>
+        <a:lstStyle/>
+        <a:p>
+          <a:endParaRPr lang="en-CA"/>
+        </a:p>
+      </dgm:t>
+    </dgm:pt>
+    <dgm:pt modelId="{AF70C0BC-3DFC-4B75-8514-614652A9F1B5}">
+      <dgm:prSet phldrT="[Text]" custT="1"/>
+      <dgm:spPr>
+        <a:solidFill>
+          <a:schemeClr val="tx2">
+            <a:lumMod val="75000"/>
+          </a:schemeClr>
+        </a:solidFill>
+      </dgm:spPr>
+      <dgm:t>
+        <a:bodyPr/>
+        <a:lstStyle/>
+        <a:p>
+          <a:r>
+            <a:rPr lang="en-CA" sz="2000" dirty="0"/>
+            <a:t>XGBoost</a:t>
+          </a:r>
+        </a:p>
+      </dgm:t>
+    </dgm:pt>
+    <dgm:pt modelId="{5863754A-CFF9-4E6C-800C-48452BB92BA7}" type="parTrans" cxnId="{C2508623-9506-4B98-881E-535B9CCF8747}">
+      <dgm:prSet/>
+      <dgm:spPr/>
+      <dgm:t>
+        <a:bodyPr/>
+        <a:lstStyle/>
+        <a:p>
+          <a:endParaRPr lang="en-CA"/>
+        </a:p>
+      </dgm:t>
+    </dgm:pt>
+    <dgm:pt modelId="{AFC07A53-51BF-4414-9059-6EDE4A0F81B6}" type="sibTrans" cxnId="{C2508623-9506-4B98-881E-535B9CCF8747}">
+      <dgm:prSet/>
+      <dgm:spPr/>
+      <dgm:t>
+        <a:bodyPr/>
+        <a:lstStyle/>
+        <a:p>
+          <a:endParaRPr lang="en-CA"/>
+        </a:p>
+      </dgm:t>
+    </dgm:pt>
+    <dgm:pt modelId="{480AC9E3-0BB6-4118-AC93-DAEA385A6854}">
+      <dgm:prSet phldrT="[Text]" custT="1"/>
+      <dgm:spPr>
+        <a:solidFill>
+          <a:schemeClr val="tx2">
+            <a:lumMod val="20000"/>
+            <a:lumOff val="80000"/>
+            <a:alpha val="90000"/>
+          </a:schemeClr>
+        </a:solidFill>
+      </dgm:spPr>
+      <dgm:t>
+        <a:bodyPr anchor="ctr"/>
+        <a:lstStyle/>
+        <a:p>
+          <a:pPr algn="ctr"/>
+          <a:r>
+            <a:rPr lang="en-US" sz="1400" dirty="0"/>
+            <a:t>Trains multiple decision trees, each learning from the mistakes of its predecessors to improve accuracy, ultimately combining their predictions for optimal results</a:t>
+          </a:r>
+          <a:endParaRPr lang="en-CA" sz="1400" dirty="0"/>
+        </a:p>
+      </dgm:t>
+    </dgm:pt>
+    <dgm:pt modelId="{CEAF1633-23C0-4586-97D5-2A9F1A3EB059}" type="parTrans" cxnId="{CCFE0201-EA81-42B5-A9C7-0F04A48BA851}">
+      <dgm:prSet/>
+      <dgm:spPr/>
+      <dgm:t>
+        <a:bodyPr/>
+        <a:lstStyle/>
+        <a:p>
+          <a:endParaRPr lang="en-CA"/>
+        </a:p>
+      </dgm:t>
+    </dgm:pt>
+    <dgm:pt modelId="{DE01751A-008C-47D8-BD4E-3D6FD631DA6E}" type="sibTrans" cxnId="{CCFE0201-EA81-42B5-A9C7-0F04A48BA851}">
+      <dgm:prSet/>
+      <dgm:spPr/>
+      <dgm:t>
+        <a:bodyPr/>
+        <a:lstStyle/>
+        <a:p>
+          <a:endParaRPr lang="en-CA"/>
+        </a:p>
+      </dgm:t>
+    </dgm:pt>
+    <dgm:pt modelId="{FCDFEAFE-763A-4AED-A928-1A81292CC346}">
+      <dgm:prSet phldrT="[Text]" custT="1"/>
+      <dgm:spPr>
+        <a:solidFill>
+          <a:srgbClr val="F1CC00">
+            <a:lumMod val="75000"/>
+          </a:srgbClr>
+        </a:solidFill>
+        <a:ln w="25400" cap="flat" cmpd="sng" algn="ctr">
+          <a:solidFill>
+            <a:srgbClr val="FFFFFF">
+              <a:hueOff val="0"/>
+              <a:satOff val="0"/>
+              <a:lumOff val="0"/>
+              <a:alphaOff val="0"/>
+            </a:srgbClr>
+          </a:solidFill>
+          <a:prstDash val="solid"/>
+        </a:ln>
+        <a:effectLst/>
+      </dgm:spPr>
+      <dgm:t>
+        <a:bodyPr spcFirstLastPara="0" vert="horz" wrap="square" lIns="76200" tIns="38100" rIns="76200" bIns="38100" numCol="1" spcCol="1270" anchor="ctr" anchorCtr="0"/>
+        <a:lstStyle/>
+        <a:p>
+          <a:pPr marL="0" lvl="0" indent="0" algn="ctr" defTabSz="889000">
+            <a:lnSpc>
+              <a:spcPct val="90000"/>
+            </a:lnSpc>
+            <a:spcBef>
+              <a:spcPct val="0"/>
+            </a:spcBef>
+            <a:spcAft>
+              <a:spcPct val="35000"/>
+            </a:spcAft>
+            <a:buNone/>
+          </a:pPr>
+          <a:r>
+            <a:rPr lang="en-CA" sz="2000" kern="1200" dirty="0">
+              <a:solidFill>
+                <a:srgbClr val="FFFFFF"/>
+              </a:solidFill>
+              <a:latin typeface="Arial"/>
+              <a:ea typeface="+mn-ea"/>
+              <a:cs typeface="+mn-cs"/>
+            </a:rPr>
+            <a:t>K Nearest Neighbour</a:t>
+          </a:r>
+        </a:p>
+      </dgm:t>
+    </dgm:pt>
+    <dgm:pt modelId="{04CFE223-0A14-48AB-8BC2-1E8F1B12E460}" type="parTrans" cxnId="{8D312288-261D-4240-AA61-ED95174762BB}">
+      <dgm:prSet/>
+      <dgm:spPr/>
+      <dgm:t>
+        <a:bodyPr/>
+        <a:lstStyle/>
+        <a:p>
+          <a:endParaRPr lang="en-CA"/>
+        </a:p>
+      </dgm:t>
+    </dgm:pt>
+    <dgm:pt modelId="{F227390C-4DDD-4D5C-9D1F-FC413A0FFB3E}" type="sibTrans" cxnId="{8D312288-261D-4240-AA61-ED95174762BB}">
+      <dgm:prSet/>
+      <dgm:spPr/>
+      <dgm:t>
+        <a:bodyPr/>
+        <a:lstStyle/>
+        <a:p>
+          <a:endParaRPr lang="en-CA"/>
+        </a:p>
+      </dgm:t>
+    </dgm:pt>
+    <dgm:pt modelId="{F5285BA1-9884-4CC9-B244-226CDB31DDB5}">
+      <dgm:prSet phldrT="[Text]" custT="1"/>
+      <dgm:spPr>
+        <a:solidFill>
+          <a:srgbClr val="F1CC00">
+            <a:lumMod val="20000"/>
+            <a:lumOff val="80000"/>
+            <a:alpha val="90000"/>
+          </a:srgbClr>
+        </a:solidFill>
+        <a:ln w="25400" cap="flat" cmpd="sng" algn="ctr">
+          <a:solidFill>
+            <a:srgbClr val="F68D2E">
+              <a:alpha val="90000"/>
+              <a:tint val="40000"/>
+              <a:hueOff val="0"/>
+              <a:satOff val="0"/>
+              <a:lumOff val="0"/>
+              <a:alphaOff val="0"/>
+            </a:srgbClr>
+          </a:solidFill>
+          <a:prstDash val="solid"/>
+        </a:ln>
+        <a:effectLst/>
+      </dgm:spPr>
+      <dgm:t>
+        <a:bodyPr spcFirstLastPara="0" vert="horz" wrap="square" lIns="8890" tIns="8890" rIns="8890" bIns="8890" numCol="1" spcCol="1270" anchor="ctr" anchorCtr="0"/>
+        <a:lstStyle/>
+        <a:p>
+          <a:pPr marL="114300" lvl="1" indent="-114300" algn="ctr" defTabSz="622300">
+            <a:lnSpc>
+              <a:spcPct val="90000"/>
+            </a:lnSpc>
+            <a:spcBef>
+              <a:spcPct val="0"/>
+            </a:spcBef>
+            <a:spcAft>
+              <a:spcPct val="15000"/>
+            </a:spcAft>
+            <a:buSzPts val="2000"/>
+            <a:buChar char="•"/>
+          </a:pPr>
+          <a:r>
+            <a:rPr lang="en-US" sz="1400" kern="1200">
+              <a:solidFill>
+                <a:srgbClr val="000000">
+                  <a:hueOff val="0"/>
+                  <a:satOff val="0"/>
+                  <a:lumOff val="0"/>
+                  <a:alphaOff val="0"/>
+                </a:srgbClr>
+              </a:solidFill>
+              <a:latin typeface="Arial"/>
+              <a:ea typeface="+mn-ea"/>
+              <a:cs typeface="+mn-cs"/>
+            </a:rPr>
+            <a:t>Categorizes new instances by comparing them to a set number of nearby instances and assigning the most common label among these neighbors to the new instance.</a:t>
+          </a:r>
+          <a:endParaRPr lang="en-CA" sz="1400" kern="1200" dirty="0">
+            <a:solidFill>
+              <a:srgbClr val="000000">
+                <a:hueOff val="0"/>
+                <a:satOff val="0"/>
+                <a:lumOff val="0"/>
+                <a:alphaOff val="0"/>
+              </a:srgbClr>
+            </a:solidFill>
+            <a:latin typeface="Arial"/>
+            <a:ea typeface="+mn-ea"/>
+            <a:cs typeface="+mn-cs"/>
+          </a:endParaRPr>
+        </a:p>
+      </dgm:t>
+    </dgm:pt>
+    <dgm:pt modelId="{7D875B91-05BB-4CA2-BA20-B4830823758F}" type="parTrans" cxnId="{463C7F55-C169-4D7C-B072-E6A40341F65C}">
+      <dgm:prSet/>
+      <dgm:spPr/>
+      <dgm:t>
+        <a:bodyPr/>
+        <a:lstStyle/>
+        <a:p>
+          <a:endParaRPr lang="en-CA"/>
+        </a:p>
+      </dgm:t>
+    </dgm:pt>
+    <dgm:pt modelId="{62FDE238-4845-4687-83AF-01C161E7C8DE}" type="sibTrans" cxnId="{463C7F55-C169-4D7C-B072-E6A40341F65C}">
+      <dgm:prSet/>
+      <dgm:spPr/>
+      <dgm:t>
+        <a:bodyPr/>
+        <a:lstStyle/>
+        <a:p>
+          <a:endParaRPr lang="en-CA"/>
+        </a:p>
+      </dgm:t>
+    </dgm:pt>
+    <dgm:pt modelId="{F41878DD-90E3-4066-899B-A7D0E2DAAC0A}" type="pres">
+      <dgm:prSet presAssocID="{A1ECA057-4DF7-4F23-AF27-C18CE661B5FD}" presName="Name0" presStyleCnt="0">
+        <dgm:presLayoutVars>
+          <dgm:dir/>
+          <dgm:animLvl val="lvl"/>
+          <dgm:resizeHandles/>
+        </dgm:presLayoutVars>
+      </dgm:prSet>
+      <dgm:spPr/>
+    </dgm:pt>
+    <dgm:pt modelId="{CB9CB540-BE5A-44D4-8377-6B893BC102F1}" type="pres">
+      <dgm:prSet presAssocID="{C0AE115C-DE67-4F87-94B7-63BA72247B0F}" presName="linNode" presStyleCnt="0"/>
+      <dgm:spPr/>
+    </dgm:pt>
+    <dgm:pt modelId="{FC54E8C6-CA14-4D8C-A44A-3C9EEA7DA2D9}" type="pres">
+      <dgm:prSet presAssocID="{C0AE115C-DE67-4F87-94B7-63BA72247B0F}" presName="parentShp" presStyleLbl="node1" presStyleIdx="0" presStyleCnt="3" custScaleX="82852" custScaleY="20299" custLinFactNeighborX="-8929" custLinFactNeighborY="-7153">
+        <dgm:presLayoutVars>
+          <dgm:bulletEnabled val="1"/>
+        </dgm:presLayoutVars>
+      </dgm:prSet>
+      <dgm:spPr/>
+    </dgm:pt>
+    <dgm:pt modelId="{4441F2E6-5E15-412F-9215-23145EACDD7A}" type="pres">
+      <dgm:prSet presAssocID="{C0AE115C-DE67-4F87-94B7-63BA72247B0F}" presName="childShp" presStyleLbl="bgAccFollowNode1" presStyleIdx="0" presStyleCnt="3" custScaleX="82852" custScaleY="23340" custLinFactNeighborX="-13106" custLinFactNeighborY="-7153">
+        <dgm:presLayoutVars>
+          <dgm:bulletEnabled val="1"/>
+        </dgm:presLayoutVars>
+      </dgm:prSet>
+      <dgm:spPr/>
+    </dgm:pt>
+    <dgm:pt modelId="{9F29F547-5D89-4C5F-B7C7-4EE5BC75EB14}" type="pres">
+      <dgm:prSet presAssocID="{CA3505B4-DDEA-4BD3-A34F-D1B76A400A5E}" presName="spacing" presStyleCnt="0"/>
+      <dgm:spPr/>
+    </dgm:pt>
+    <dgm:pt modelId="{8E349A78-D126-4CAB-AD92-697F38CAD2BE}" type="pres">
+      <dgm:prSet presAssocID="{AF70C0BC-3DFC-4B75-8514-614652A9F1B5}" presName="linNode" presStyleCnt="0"/>
+      <dgm:spPr/>
+    </dgm:pt>
+    <dgm:pt modelId="{200215C9-A283-4EA9-8CFC-9802D128BD7D}" type="pres">
+      <dgm:prSet presAssocID="{AF70C0BC-3DFC-4B75-8514-614652A9F1B5}" presName="parentShp" presStyleLbl="node1" presStyleIdx="1" presStyleCnt="3" custScaleX="83862" custScaleY="20722" custLinFactNeighborX="-9942" custLinFactNeighborY="-6573">
+        <dgm:presLayoutVars>
+          <dgm:bulletEnabled val="1"/>
+        </dgm:presLayoutVars>
+      </dgm:prSet>
+      <dgm:spPr/>
+    </dgm:pt>
+    <dgm:pt modelId="{E4072EB8-1C70-432C-B3ED-FD977CDBFC6A}" type="pres">
+      <dgm:prSet presAssocID="{AF70C0BC-3DFC-4B75-8514-614652A9F1B5}" presName="childShp" presStyleLbl="bgAccFollowNode1" presStyleIdx="1" presStyleCnt="3" custScaleX="81178" custScaleY="23893" custLinFactNeighborX="-14331" custLinFactNeighborY="-6400">
+        <dgm:presLayoutVars>
+          <dgm:bulletEnabled val="1"/>
+        </dgm:presLayoutVars>
+      </dgm:prSet>
+      <dgm:spPr/>
+    </dgm:pt>
+    <dgm:pt modelId="{4AE59185-DFAB-43CD-8B23-2FF51D7FB98D}" type="pres">
+      <dgm:prSet presAssocID="{AFC07A53-51BF-4414-9059-6EDE4A0F81B6}" presName="spacing" presStyleCnt="0"/>
+      <dgm:spPr/>
+    </dgm:pt>
+    <dgm:pt modelId="{0E0527A2-B276-4D2C-A7D6-B8BD81AD599F}" type="pres">
+      <dgm:prSet presAssocID="{FCDFEAFE-763A-4AED-A928-1A81292CC346}" presName="linNode" presStyleCnt="0"/>
+      <dgm:spPr/>
+    </dgm:pt>
+    <dgm:pt modelId="{61442A05-5086-4A34-9FD6-B921CD057107}" type="pres">
+      <dgm:prSet presAssocID="{FCDFEAFE-763A-4AED-A928-1A81292CC346}" presName="parentShp" presStyleLbl="node1" presStyleIdx="2" presStyleCnt="3" custScaleX="80223" custScaleY="17523" custLinFactNeighborX="-8964" custLinFactNeighborY="-6652">
+        <dgm:presLayoutVars>
+          <dgm:bulletEnabled val="1"/>
+        </dgm:presLayoutVars>
+      </dgm:prSet>
+      <dgm:spPr>
+        <a:xfrm>
+          <a:off x="0" y="2178753"/>
+          <a:ext cx="3251200" cy="3238500"/>
+        </a:xfrm>
+        <a:prstGeom prst="roundRect">
+          <a:avLst/>
+        </a:prstGeom>
+      </dgm:spPr>
+    </dgm:pt>
+    <dgm:pt modelId="{433BB43F-7531-4621-937A-0981A6E26F19}" type="pres">
+      <dgm:prSet presAssocID="{FCDFEAFE-763A-4AED-A928-1A81292CC346}" presName="childShp" presStyleLbl="bgAccFollowNode1" presStyleIdx="2" presStyleCnt="3" custScaleX="82328" custScaleY="23445" custLinFactNeighborX="-12375" custLinFactNeighborY="-7374">
+        <dgm:presLayoutVars>
+          <dgm:bulletEnabled val="1"/>
+        </dgm:presLayoutVars>
+      </dgm:prSet>
+      <dgm:spPr>
+        <a:xfrm>
+          <a:off x="3251199" y="2178753"/>
+          <a:ext cx="4876800" cy="3238500"/>
+        </a:xfrm>
+        <a:prstGeom prst="rightArrow">
+          <a:avLst>
+            <a:gd name="adj1" fmla="val 75000"/>
+            <a:gd name="adj2" fmla="val 50000"/>
+          </a:avLst>
+        </a:prstGeom>
+      </dgm:spPr>
+    </dgm:pt>
+  </dgm:ptLst>
+  <dgm:cxnLst>
+    <dgm:cxn modelId="{CCFE0201-EA81-42B5-A9C7-0F04A48BA851}" srcId="{AF70C0BC-3DFC-4B75-8514-614652A9F1B5}" destId="{480AC9E3-0BB6-4118-AC93-DAEA385A6854}" srcOrd="0" destOrd="0" parTransId="{CEAF1633-23C0-4586-97D5-2A9F1A3EB059}" sibTransId="{DE01751A-008C-47D8-BD4E-3D6FD631DA6E}"/>
+    <dgm:cxn modelId="{1B65D20A-4AAA-467F-BDE2-09D6CB2A971E}" type="presOf" srcId="{F5285BA1-9884-4CC9-B244-226CDB31DDB5}" destId="{433BB43F-7531-4621-937A-0981A6E26F19}" srcOrd="0" destOrd="0" presId="urn:microsoft.com/office/officeart/2005/8/layout/vList6"/>
+    <dgm:cxn modelId="{5C906010-2D5D-4E3B-970F-3202CA4AFD3A}" srcId="{C0AE115C-DE67-4F87-94B7-63BA72247B0F}" destId="{D23B164B-EC48-4EC3-8D44-DB103B38CBE9}" srcOrd="0" destOrd="0" parTransId="{AAA46D33-C026-48F3-ACCD-2DB0698C7618}" sibTransId="{B54E01CE-1DFB-4C84-ABD0-9D3960B0D8FA}"/>
+    <dgm:cxn modelId="{FA168013-FEF2-4719-89F1-B7AD96753CFE}" type="presOf" srcId="{A1ECA057-4DF7-4F23-AF27-C18CE661B5FD}" destId="{F41878DD-90E3-4066-899B-A7D0E2DAAC0A}" srcOrd="0" destOrd="0" presId="urn:microsoft.com/office/officeart/2005/8/layout/vList6"/>
+    <dgm:cxn modelId="{C2508623-9506-4B98-881E-535B9CCF8747}" srcId="{A1ECA057-4DF7-4F23-AF27-C18CE661B5FD}" destId="{AF70C0BC-3DFC-4B75-8514-614652A9F1B5}" srcOrd="1" destOrd="0" parTransId="{5863754A-CFF9-4E6C-800C-48452BB92BA7}" sibTransId="{AFC07A53-51BF-4414-9059-6EDE4A0F81B6}"/>
+    <dgm:cxn modelId="{54B6CE31-F6EE-4023-956A-1009E89EF90D}" type="presOf" srcId="{480AC9E3-0BB6-4118-AC93-DAEA385A6854}" destId="{E4072EB8-1C70-432C-B3ED-FD977CDBFC6A}" srcOrd="0" destOrd="0" presId="urn:microsoft.com/office/officeart/2005/8/layout/vList6"/>
+    <dgm:cxn modelId="{52C4253E-A362-4A7B-A5DD-BA9FBCA5EA78}" type="presOf" srcId="{C0AE115C-DE67-4F87-94B7-63BA72247B0F}" destId="{FC54E8C6-CA14-4D8C-A44A-3C9EEA7DA2D9}" srcOrd="0" destOrd="0" presId="urn:microsoft.com/office/officeart/2005/8/layout/vList6"/>
+    <dgm:cxn modelId="{6925365C-36E8-4CFD-A580-C76C6C2010C0}" type="presOf" srcId="{AF70C0BC-3DFC-4B75-8514-614652A9F1B5}" destId="{200215C9-A283-4EA9-8CFC-9802D128BD7D}" srcOrd="0" destOrd="0" presId="urn:microsoft.com/office/officeart/2005/8/layout/vList6"/>
+    <dgm:cxn modelId="{463C7F55-C169-4D7C-B072-E6A40341F65C}" srcId="{FCDFEAFE-763A-4AED-A928-1A81292CC346}" destId="{F5285BA1-9884-4CC9-B244-226CDB31DDB5}" srcOrd="0" destOrd="0" parTransId="{7D875B91-05BB-4CA2-BA20-B4830823758F}" sibTransId="{62FDE238-4845-4687-83AF-01C161E7C8DE}"/>
+    <dgm:cxn modelId="{8D312288-261D-4240-AA61-ED95174762BB}" srcId="{A1ECA057-4DF7-4F23-AF27-C18CE661B5FD}" destId="{FCDFEAFE-763A-4AED-A928-1A81292CC346}" srcOrd="2" destOrd="0" parTransId="{04CFE223-0A14-48AB-8BC2-1E8F1B12E460}" sibTransId="{F227390C-4DDD-4D5C-9D1F-FC413A0FFB3E}"/>
+    <dgm:cxn modelId="{B9176696-88F0-4A0A-91D7-7F5460595985}" type="presOf" srcId="{D23B164B-EC48-4EC3-8D44-DB103B38CBE9}" destId="{4441F2E6-5E15-412F-9215-23145EACDD7A}" srcOrd="0" destOrd="0" presId="urn:microsoft.com/office/officeart/2005/8/layout/vList6"/>
+    <dgm:cxn modelId="{38D7919A-86AC-44E6-A3D3-5558E7E4666D}" srcId="{A1ECA057-4DF7-4F23-AF27-C18CE661B5FD}" destId="{C0AE115C-DE67-4F87-94B7-63BA72247B0F}" srcOrd="0" destOrd="0" parTransId="{9BD04749-F7B2-4014-8929-1B5BDFE9CB7C}" sibTransId="{CA3505B4-DDEA-4BD3-A34F-D1B76A400A5E}"/>
+    <dgm:cxn modelId="{ECFFA5C9-EA9D-4BE8-B475-E40E990959D5}" type="presOf" srcId="{FCDFEAFE-763A-4AED-A928-1A81292CC346}" destId="{61442A05-5086-4A34-9FD6-B921CD057107}" srcOrd="0" destOrd="0" presId="urn:microsoft.com/office/officeart/2005/8/layout/vList6"/>
+    <dgm:cxn modelId="{3C17D557-9380-4BDB-898F-19D6BCB3C17A}" type="presParOf" srcId="{F41878DD-90E3-4066-899B-A7D0E2DAAC0A}" destId="{CB9CB540-BE5A-44D4-8377-6B893BC102F1}" srcOrd="0" destOrd="0" presId="urn:microsoft.com/office/officeart/2005/8/layout/vList6"/>
+    <dgm:cxn modelId="{4B5AA5BD-1B35-40F5-9447-DDC62A35B9DA}" type="presParOf" srcId="{CB9CB540-BE5A-44D4-8377-6B893BC102F1}" destId="{FC54E8C6-CA14-4D8C-A44A-3C9EEA7DA2D9}" srcOrd="0" destOrd="0" presId="urn:microsoft.com/office/officeart/2005/8/layout/vList6"/>
+    <dgm:cxn modelId="{5A76DB22-9417-4E98-877D-5A75DE99E6FF}" type="presParOf" srcId="{CB9CB540-BE5A-44D4-8377-6B893BC102F1}" destId="{4441F2E6-5E15-412F-9215-23145EACDD7A}" srcOrd="1" destOrd="0" presId="urn:microsoft.com/office/officeart/2005/8/layout/vList6"/>
+    <dgm:cxn modelId="{55EEB3AB-21A5-4E03-A3C9-E669709D8039}" type="presParOf" srcId="{F41878DD-90E3-4066-899B-A7D0E2DAAC0A}" destId="{9F29F547-5D89-4C5F-B7C7-4EE5BC75EB14}" srcOrd="1" destOrd="0" presId="urn:microsoft.com/office/officeart/2005/8/layout/vList6"/>
+    <dgm:cxn modelId="{47414029-61E9-4A25-AB94-4114DE563C77}" type="presParOf" srcId="{F41878DD-90E3-4066-899B-A7D0E2DAAC0A}" destId="{8E349A78-D126-4CAB-AD92-697F38CAD2BE}" srcOrd="2" destOrd="0" presId="urn:microsoft.com/office/officeart/2005/8/layout/vList6"/>
+    <dgm:cxn modelId="{53269471-638F-4EF6-A57E-39F132523008}" type="presParOf" srcId="{8E349A78-D126-4CAB-AD92-697F38CAD2BE}" destId="{200215C9-A283-4EA9-8CFC-9802D128BD7D}" srcOrd="0" destOrd="0" presId="urn:microsoft.com/office/officeart/2005/8/layout/vList6"/>
+    <dgm:cxn modelId="{BBFD9177-BD87-45A7-8927-C83475742DE0}" type="presParOf" srcId="{8E349A78-D126-4CAB-AD92-697F38CAD2BE}" destId="{E4072EB8-1C70-432C-B3ED-FD977CDBFC6A}" srcOrd="1" destOrd="0" presId="urn:microsoft.com/office/officeart/2005/8/layout/vList6"/>
+    <dgm:cxn modelId="{514BC25F-166D-441A-8D29-FB020E9D76F5}" type="presParOf" srcId="{F41878DD-90E3-4066-899B-A7D0E2DAAC0A}" destId="{4AE59185-DFAB-43CD-8B23-2FF51D7FB98D}" srcOrd="3" destOrd="0" presId="urn:microsoft.com/office/officeart/2005/8/layout/vList6"/>
+    <dgm:cxn modelId="{6E71CF68-5002-4D87-B960-832789499767}" type="presParOf" srcId="{F41878DD-90E3-4066-899B-A7D0E2DAAC0A}" destId="{0E0527A2-B276-4D2C-A7D6-B8BD81AD599F}" srcOrd="4" destOrd="0" presId="urn:microsoft.com/office/officeart/2005/8/layout/vList6"/>
+    <dgm:cxn modelId="{51C79F54-6183-40B7-8973-DAB0A55D35EC}" type="presParOf" srcId="{0E0527A2-B276-4D2C-A7D6-B8BD81AD599F}" destId="{61442A05-5086-4A34-9FD6-B921CD057107}" srcOrd="0" destOrd="0" presId="urn:microsoft.com/office/officeart/2005/8/layout/vList6"/>
+    <dgm:cxn modelId="{3DB69B01-AFC5-4163-9388-D6587E72FDBB}" type="presParOf" srcId="{0E0527A2-B276-4D2C-A7D6-B8BD81AD599F}" destId="{433BB43F-7531-4621-937A-0981A6E26F19}" srcOrd="1" destOrd="0" presId="urn:microsoft.com/office/officeart/2005/8/layout/vList6"/>
+  </dgm:cxnLst>
+  <dgm:bg/>
+  <dgm:whole/>
+  <dgm:extLst>
+    <a:ext uri="http://schemas.microsoft.com/office/drawing/2008/diagram">
+      <dsp:dataModelExt xmlns:dsp="http://schemas.microsoft.com/office/drawing/2008/diagram" relId="rId9" minVer="http://schemas.openxmlformats.org/drawingml/2006/diagram"/>
+    </a:ext>
+  </dgm:extLst>
+</dgm:dataModel>
+</file>
+
+<file path=ppt/diagrams/drawing1.xml><?xml version="1.0" encoding="utf-8"?>
+<dsp:drawing xmlns:dgm="http://schemas.openxmlformats.org/drawingml/2006/diagram" xmlns:dsp="http://schemas.microsoft.com/office/drawing/2008/diagram" xmlns:a="http://schemas.openxmlformats.org/drawingml/2006/main">
+  <dsp:spTree>
+    <dsp:nvGrpSpPr>
+      <dsp:cNvPr id="0" name=""/>
+      <dsp:cNvGrpSpPr/>
+    </dsp:nvGrpSpPr>
+    <dsp:grpSpPr/>
+    <dsp:sp modelId="{4441F2E6-5E15-412F-9215-23145EACDD7A}">
+      <dsp:nvSpPr>
+        <dsp:cNvPr id="0" name=""/>
+        <dsp:cNvSpPr/>
+      </dsp:nvSpPr>
+      <dsp:spPr>
+        <a:xfrm>
+          <a:off x="2964476" y="771103"/>
+          <a:ext cx="4040526" cy="1264716"/>
+        </a:xfrm>
+        <a:prstGeom prst="rightArrow">
+          <a:avLst>
+            <a:gd name="adj1" fmla="val 75000"/>
+            <a:gd name="adj2" fmla="val 50000"/>
+          </a:avLst>
+        </a:prstGeom>
+        <a:solidFill>
+          <a:schemeClr val="tx2">
+            <a:lumMod val="20000"/>
+            <a:lumOff val="80000"/>
+            <a:alpha val="90000"/>
+          </a:schemeClr>
+        </a:solidFill>
+        <a:ln w="25400" cap="flat" cmpd="sng" algn="ctr">
+          <a:solidFill>
+            <a:schemeClr val="accent1">
+              <a:alpha val="90000"/>
+              <a:tint val="40000"/>
+              <a:hueOff val="0"/>
+              <a:satOff val="0"/>
+              <a:lumOff val="0"/>
+              <a:alphaOff val="0"/>
+            </a:schemeClr>
+          </a:solidFill>
+          <a:prstDash val="solid"/>
+        </a:ln>
+        <a:effectLst/>
+      </dsp:spPr>
+      <dsp:style>
+        <a:lnRef idx="2">
+          <a:scrgbClr r="0" g="0" b="0"/>
+        </a:lnRef>
+        <a:fillRef idx="1">
+          <a:scrgbClr r="0" g="0" b="0"/>
+        </a:fillRef>
+        <a:effectRef idx="0">
+          <a:scrgbClr r="0" g="0" b="0"/>
+        </a:effectRef>
+        <a:fontRef idx="minor"/>
+      </dsp:style>
+      <dsp:txBody>
+        <a:bodyPr spcFirstLastPara="0" vert="horz" wrap="square" lIns="8890" tIns="8890" rIns="8890" bIns="8890" numCol="1" spcCol="1270" anchor="ctr" anchorCtr="0">
+          <a:noAutofit/>
+        </a:bodyPr>
+        <a:lstStyle/>
+        <a:p>
+          <a:pPr marL="114300" lvl="1" indent="-114300" algn="ctr" defTabSz="622300">
+            <a:lnSpc>
+              <a:spcPct val="90000"/>
+            </a:lnSpc>
+            <a:spcBef>
+              <a:spcPct val="0"/>
+            </a:spcBef>
+            <a:spcAft>
+              <a:spcPct val="15000"/>
+            </a:spcAft>
+            <a:buChar char="•"/>
+          </a:pPr>
+          <a:r>
+            <a:rPr lang="en-US" sz="1400" kern="1200" dirty="0"/>
+            <a:t>Draws a S curve to separate things into two groups based on their features and predicts the probability of belonging to each group</a:t>
+          </a:r>
+          <a:endParaRPr lang="en-CA" sz="1400" kern="1200" dirty="0"/>
+        </a:p>
+      </dsp:txBody>
+      <dsp:txXfrm>
+        <a:off x="2964476" y="929193"/>
+        <a:ext cx="3566258" cy="948537"/>
+      </dsp:txXfrm>
+    </dsp:sp>
+    <dsp:sp modelId="{FC54E8C6-CA14-4D8C-A44A-3C9EEA7DA2D9}">
+      <dsp:nvSpPr>
+        <dsp:cNvPr id="0" name=""/>
+        <dsp:cNvSpPr/>
+      </dsp:nvSpPr>
+      <dsp:spPr>
+        <a:xfrm>
+          <a:off x="261445" y="853494"/>
+          <a:ext cx="2693684" cy="1099935"/>
+        </a:xfrm>
+        <a:prstGeom prst="roundRect">
+          <a:avLst/>
+        </a:prstGeom>
+        <a:solidFill>
+          <a:schemeClr val="tx2">
+            <a:lumMod val="75000"/>
+          </a:schemeClr>
+        </a:solidFill>
+        <a:ln w="25400" cap="flat" cmpd="sng" algn="ctr">
+          <a:solidFill>
+            <a:schemeClr val="lt1">
+              <a:hueOff val="0"/>
+              <a:satOff val="0"/>
+              <a:lumOff val="0"/>
+              <a:alphaOff val="0"/>
+            </a:schemeClr>
+          </a:solidFill>
+          <a:prstDash val="solid"/>
+        </a:ln>
+        <a:effectLst/>
+      </dsp:spPr>
+      <dsp:style>
+        <a:lnRef idx="2">
+          <a:scrgbClr r="0" g="0" b="0"/>
+        </a:lnRef>
+        <a:fillRef idx="1">
+          <a:scrgbClr r="0" g="0" b="0"/>
+        </a:fillRef>
+        <a:effectRef idx="0">
+          <a:scrgbClr r="0" g="0" b="0"/>
+        </a:effectRef>
+        <a:fontRef idx="minor">
+          <a:schemeClr val="lt1"/>
+        </a:fontRef>
+      </dsp:style>
+      <dsp:txBody>
+        <a:bodyPr spcFirstLastPara="0" vert="horz" wrap="square" lIns="76200" tIns="38100" rIns="76200" bIns="38100" numCol="1" spcCol="1270" anchor="ctr" anchorCtr="0">
+          <a:noAutofit/>
+        </a:bodyPr>
+        <a:lstStyle/>
+        <a:p>
+          <a:pPr marL="0" lvl="0" indent="0" algn="ctr" defTabSz="889000">
+            <a:lnSpc>
+              <a:spcPct val="90000"/>
+            </a:lnSpc>
+            <a:spcBef>
+              <a:spcPct val="0"/>
+            </a:spcBef>
+            <a:spcAft>
+              <a:spcPct val="35000"/>
+            </a:spcAft>
+            <a:buNone/>
+          </a:pPr>
+          <a:r>
+            <a:rPr lang="en-CA" sz="2000" kern="1200" dirty="0"/>
+            <a:t>Logistic Regression</a:t>
+          </a:r>
+        </a:p>
+      </dsp:txBody>
+      <dsp:txXfrm>
+        <a:off x="315139" y="907188"/>
+        <a:ext cx="2586296" cy="992547"/>
+      </dsp:txXfrm>
+    </dsp:sp>
+    <dsp:sp modelId="{E4072EB8-1C70-432C-B3ED-FD977CDBFC6A}">
+      <dsp:nvSpPr>
+        <dsp:cNvPr id="0" name=""/>
+        <dsp:cNvSpPr/>
+      </dsp:nvSpPr>
+      <dsp:spPr>
+        <a:xfrm>
+          <a:off x="3036767" y="2983978"/>
+          <a:ext cx="3958888" cy="1294682"/>
+        </a:xfrm>
+        <a:prstGeom prst="rightArrow">
+          <a:avLst>
+            <a:gd name="adj1" fmla="val 75000"/>
+            <a:gd name="adj2" fmla="val 50000"/>
+          </a:avLst>
+        </a:prstGeom>
+        <a:solidFill>
+          <a:schemeClr val="tx2">
+            <a:lumMod val="20000"/>
+            <a:lumOff val="80000"/>
+            <a:alpha val="90000"/>
+          </a:schemeClr>
+        </a:solidFill>
+        <a:ln w="25400" cap="flat" cmpd="sng" algn="ctr">
+          <a:solidFill>
+            <a:schemeClr val="accent1">
+              <a:alpha val="90000"/>
+              <a:tint val="40000"/>
+              <a:hueOff val="0"/>
+              <a:satOff val="0"/>
+              <a:lumOff val="0"/>
+              <a:alphaOff val="0"/>
+            </a:schemeClr>
+          </a:solidFill>
+          <a:prstDash val="solid"/>
+        </a:ln>
+        <a:effectLst/>
+      </dsp:spPr>
+      <dsp:style>
+        <a:lnRef idx="2">
+          <a:scrgbClr r="0" g="0" b="0"/>
+        </a:lnRef>
+        <a:fillRef idx="1">
+          <a:scrgbClr r="0" g="0" b="0"/>
+        </a:fillRef>
+        <a:effectRef idx="0">
+          <a:scrgbClr r="0" g="0" b="0"/>
+        </a:effectRef>
+        <a:fontRef idx="minor"/>
+      </dsp:style>
+      <dsp:txBody>
+        <a:bodyPr spcFirstLastPara="0" vert="horz" wrap="square" lIns="8890" tIns="8890" rIns="8890" bIns="8890" numCol="1" spcCol="1270" anchor="ctr" anchorCtr="0">
+          <a:noAutofit/>
+        </a:bodyPr>
+        <a:lstStyle/>
+        <a:p>
+          <a:pPr marL="114300" lvl="1" indent="-114300" algn="ctr" defTabSz="622300">
+            <a:lnSpc>
+              <a:spcPct val="90000"/>
+            </a:lnSpc>
+            <a:spcBef>
+              <a:spcPct val="0"/>
+            </a:spcBef>
+            <a:spcAft>
+              <a:spcPct val="15000"/>
+            </a:spcAft>
+            <a:buChar char="•"/>
+          </a:pPr>
+          <a:r>
+            <a:rPr lang="en-US" sz="1400" kern="1200" dirty="0"/>
+            <a:t>Classifies instances by drawing boundaries around each group using support vectors, optimizing to find the widest gap between the boundaries to separate the groups.</a:t>
+          </a:r>
+          <a:endParaRPr lang="en-CA" sz="1400" kern="1200" dirty="0"/>
+        </a:p>
+      </dsp:txBody>
+      <dsp:txXfrm>
+        <a:off x="3036767" y="3145813"/>
+        <a:ext cx="3473382" cy="971012"/>
+      </dsp:txXfrm>
+    </dsp:sp>
+    <dsp:sp modelId="{200215C9-A283-4EA9-8CFC-9802D128BD7D}">
+      <dsp:nvSpPr>
+        <dsp:cNvPr id="0" name=""/>
+        <dsp:cNvSpPr/>
+      </dsp:nvSpPr>
+      <dsp:spPr>
+        <a:xfrm>
+          <a:off x="291307" y="3060517"/>
+          <a:ext cx="2726521" cy="1122856"/>
+        </a:xfrm>
+        <a:prstGeom prst="roundRect">
+          <a:avLst/>
+        </a:prstGeom>
+        <a:solidFill>
+          <a:schemeClr val="tx2">
+            <a:lumMod val="75000"/>
+          </a:schemeClr>
+        </a:solidFill>
+        <a:ln w="25400" cap="flat" cmpd="sng" algn="ctr">
+          <a:solidFill>
+            <a:schemeClr val="lt1">
+              <a:hueOff val="0"/>
+              <a:satOff val="0"/>
+              <a:lumOff val="0"/>
+              <a:alphaOff val="0"/>
+            </a:schemeClr>
+          </a:solidFill>
+          <a:prstDash val="solid"/>
+        </a:ln>
+        <a:effectLst/>
+      </dsp:spPr>
+      <dsp:style>
+        <a:lnRef idx="2">
+          <a:scrgbClr r="0" g="0" b="0"/>
+        </a:lnRef>
+        <a:fillRef idx="1">
+          <a:scrgbClr r="0" g="0" b="0"/>
+        </a:fillRef>
+        <a:effectRef idx="0">
+          <a:scrgbClr r="0" g="0" b="0"/>
+        </a:effectRef>
+        <a:fontRef idx="minor">
+          <a:schemeClr val="lt1"/>
+        </a:fontRef>
+      </dsp:style>
+      <dsp:txBody>
+        <a:bodyPr spcFirstLastPara="0" vert="horz" wrap="square" lIns="76200" tIns="38100" rIns="76200" bIns="38100" numCol="1" spcCol="1270" anchor="ctr" anchorCtr="0">
+          <a:noAutofit/>
+        </a:bodyPr>
+        <a:lstStyle/>
+        <a:p>
+          <a:pPr marL="0" lvl="0" indent="0" algn="ctr" defTabSz="889000">
+            <a:lnSpc>
+              <a:spcPct val="90000"/>
+            </a:lnSpc>
+            <a:spcBef>
+              <a:spcPct val="0"/>
+            </a:spcBef>
+            <a:spcAft>
+              <a:spcPct val="35000"/>
+            </a:spcAft>
+            <a:buNone/>
+          </a:pPr>
+          <a:r>
+            <a:rPr lang="en-CA" sz="2000" kern="1200" dirty="0"/>
+            <a:t>Support Vector Machine</a:t>
+          </a:r>
+        </a:p>
+      </dsp:txBody>
+      <dsp:txXfrm>
+        <a:off x="346120" y="3115330"/>
+        <a:ext cx="2616895" cy="1013230"/>
+      </dsp:txXfrm>
+    </dsp:sp>
+  </dsp:spTree>
+</dsp:drawing>
+</file>
+
+<file path=ppt/diagrams/drawing2.xml><?xml version="1.0" encoding="utf-8"?>
+<dsp:drawing xmlns:dgm="http://schemas.openxmlformats.org/drawingml/2006/diagram" xmlns:dsp="http://schemas.microsoft.com/office/drawing/2008/diagram" xmlns:a="http://schemas.openxmlformats.org/drawingml/2006/main">
+  <dsp:spTree>
+    <dsp:nvGrpSpPr>
+      <dsp:cNvPr id="0" name=""/>
+      <dsp:cNvGrpSpPr/>
+    </dsp:nvGrpSpPr>
+    <dsp:grpSpPr/>
+    <dsp:sp modelId="{4441F2E6-5E15-412F-9215-23145EACDD7A}">
+      <dsp:nvSpPr>
+        <dsp:cNvPr id="0" name=""/>
+        <dsp:cNvSpPr/>
+      </dsp:nvSpPr>
+      <dsp:spPr>
+        <a:xfrm>
+          <a:off x="2964476" y="0"/>
+          <a:ext cx="4040526" cy="1263481"/>
+        </a:xfrm>
+        <a:prstGeom prst="rightArrow">
+          <a:avLst>
+            <a:gd name="adj1" fmla="val 75000"/>
+            <a:gd name="adj2" fmla="val 50000"/>
+          </a:avLst>
+        </a:prstGeom>
+        <a:solidFill>
+          <a:schemeClr val="tx2">
+            <a:lumMod val="20000"/>
+            <a:lumOff val="80000"/>
+            <a:alpha val="90000"/>
+          </a:schemeClr>
+        </a:solidFill>
+        <a:ln w="25400" cap="flat" cmpd="sng" algn="ctr">
+          <a:solidFill>
+            <a:schemeClr val="accent1">
+              <a:alpha val="90000"/>
+              <a:tint val="40000"/>
+              <a:hueOff val="0"/>
+              <a:satOff val="0"/>
+              <a:lumOff val="0"/>
+              <a:alphaOff val="0"/>
+            </a:schemeClr>
+          </a:solidFill>
+          <a:prstDash val="solid"/>
+        </a:ln>
+        <a:effectLst/>
+      </dsp:spPr>
+      <dsp:style>
+        <a:lnRef idx="2">
+          <a:scrgbClr r="0" g="0" b="0"/>
+        </a:lnRef>
+        <a:fillRef idx="1">
+          <a:scrgbClr r="0" g="0" b="0"/>
+        </a:fillRef>
+        <a:effectRef idx="0">
+          <a:scrgbClr r="0" g="0" b="0"/>
+        </a:effectRef>
+        <a:fontRef idx="minor"/>
+      </dsp:style>
+      <dsp:txBody>
+        <a:bodyPr spcFirstLastPara="0" vert="horz" wrap="square" lIns="8890" tIns="8890" rIns="8890" bIns="8890" numCol="1" spcCol="1270" anchor="ctr" anchorCtr="0">
+          <a:noAutofit/>
+        </a:bodyPr>
+        <a:lstStyle/>
+        <a:p>
+          <a:pPr marL="114300" lvl="1" indent="-114300" algn="ctr" defTabSz="622300">
+            <a:lnSpc>
+              <a:spcPct val="90000"/>
+            </a:lnSpc>
+            <a:spcBef>
+              <a:spcPct val="0"/>
+            </a:spcBef>
+            <a:spcAft>
+              <a:spcPct val="15000"/>
+            </a:spcAft>
+            <a:buChar char="•"/>
+          </a:pPr>
+          <a:r>
+            <a:rPr lang="en-US" sz="1400" kern="1200" dirty="0"/>
+            <a:t>Decision Tree analyzes data features, asking questions to classify data points into categories, while in random forest, multiple decision trees collaborate, with the final prediction based on the most common decision among them.</a:t>
+          </a:r>
+          <a:endParaRPr lang="en-CA" sz="1400" kern="1200" dirty="0"/>
+        </a:p>
+      </dsp:txBody>
+      <dsp:txXfrm>
+        <a:off x="2964476" y="157935"/>
+        <a:ext cx="3566721" cy="947611"/>
+      </dsp:txXfrm>
+    </dsp:sp>
+    <dsp:sp modelId="{FC54E8C6-CA14-4D8C-A44A-3C9EEA7DA2D9}">
+      <dsp:nvSpPr>
+        <dsp:cNvPr id="0" name=""/>
+        <dsp:cNvSpPr/>
+      </dsp:nvSpPr>
+      <dsp:spPr>
+        <a:xfrm>
+          <a:off x="261445" y="0"/>
+          <a:ext cx="2693684" cy="1098861"/>
+        </a:xfrm>
+        <a:prstGeom prst="roundRect">
+          <a:avLst/>
+        </a:prstGeom>
+        <a:solidFill>
+          <a:schemeClr val="tx2">
+            <a:lumMod val="75000"/>
+          </a:schemeClr>
+        </a:solidFill>
+        <a:ln w="25400" cap="flat" cmpd="sng" algn="ctr">
+          <a:solidFill>
+            <a:schemeClr val="lt1">
+              <a:hueOff val="0"/>
+              <a:satOff val="0"/>
+              <a:lumOff val="0"/>
+              <a:alphaOff val="0"/>
+            </a:schemeClr>
+          </a:solidFill>
+          <a:prstDash val="solid"/>
+        </a:ln>
+        <a:effectLst/>
+      </dsp:spPr>
+      <dsp:style>
+        <a:lnRef idx="2">
+          <a:scrgbClr r="0" g="0" b="0"/>
+        </a:lnRef>
+        <a:fillRef idx="1">
+          <a:scrgbClr r="0" g="0" b="0"/>
+        </a:fillRef>
+        <a:effectRef idx="0">
+          <a:scrgbClr r="0" g="0" b="0"/>
+        </a:effectRef>
+        <a:fontRef idx="minor">
+          <a:schemeClr val="lt1"/>
+        </a:fontRef>
+      </dsp:style>
+      <dsp:txBody>
+        <a:bodyPr spcFirstLastPara="0" vert="horz" wrap="square" lIns="76200" tIns="38100" rIns="76200" bIns="38100" numCol="1" spcCol="1270" anchor="ctr" anchorCtr="0">
+          <a:noAutofit/>
+        </a:bodyPr>
+        <a:lstStyle/>
+        <a:p>
+          <a:pPr marL="0" lvl="0" indent="0" algn="ctr" defTabSz="889000">
+            <a:lnSpc>
+              <a:spcPct val="90000"/>
+            </a:lnSpc>
+            <a:spcBef>
+              <a:spcPct val="0"/>
+            </a:spcBef>
+            <a:spcAft>
+              <a:spcPct val="35000"/>
+            </a:spcAft>
+            <a:buNone/>
+          </a:pPr>
+          <a:r>
+            <a:rPr lang="en-CA" sz="2000" kern="1200" dirty="0"/>
+            <a:t>Random Forest</a:t>
+          </a:r>
+        </a:p>
+      </dsp:txBody>
+      <dsp:txXfrm>
+        <a:off x="315087" y="53642"/>
+        <a:ext cx="2586400" cy="991577"/>
+      </dsp:txXfrm>
+    </dsp:sp>
+    <dsp:sp modelId="{E4072EB8-1C70-432C-B3ED-FD977CDBFC6A}">
+      <dsp:nvSpPr>
+        <dsp:cNvPr id="0" name=""/>
+        <dsp:cNvSpPr/>
+      </dsp:nvSpPr>
+      <dsp:spPr>
+        <a:xfrm>
+          <a:off x="2981886" y="1713326"/>
+          <a:ext cx="3958888" cy="1293417"/>
+        </a:xfrm>
+        <a:prstGeom prst="rightArrow">
+          <a:avLst>
+            <a:gd name="adj1" fmla="val 75000"/>
+            <a:gd name="adj2" fmla="val 50000"/>
+          </a:avLst>
+        </a:prstGeom>
+        <a:solidFill>
+          <a:schemeClr val="tx2">
+            <a:lumMod val="20000"/>
+            <a:lumOff val="80000"/>
+            <a:alpha val="90000"/>
+          </a:schemeClr>
+        </a:solidFill>
+        <a:ln w="25400" cap="flat" cmpd="sng" algn="ctr">
+          <a:solidFill>
+            <a:schemeClr val="accent1">
+              <a:alpha val="90000"/>
+              <a:tint val="40000"/>
+              <a:hueOff val="0"/>
+              <a:satOff val="0"/>
+              <a:lumOff val="0"/>
+              <a:alphaOff val="0"/>
+            </a:schemeClr>
+          </a:solidFill>
+          <a:prstDash val="solid"/>
+        </a:ln>
+        <a:effectLst/>
+      </dsp:spPr>
+      <dsp:style>
+        <a:lnRef idx="2">
+          <a:scrgbClr r="0" g="0" b="0"/>
+        </a:lnRef>
+        <a:fillRef idx="1">
+          <a:scrgbClr r="0" g="0" b="0"/>
+        </a:fillRef>
+        <a:effectRef idx="0">
+          <a:scrgbClr r="0" g="0" b="0"/>
+        </a:effectRef>
+        <a:fontRef idx="minor"/>
+      </dsp:style>
+      <dsp:txBody>
+        <a:bodyPr spcFirstLastPara="0" vert="horz" wrap="square" lIns="8890" tIns="8890" rIns="8890" bIns="8890" numCol="1" spcCol="1270" anchor="ctr" anchorCtr="0">
+          <a:noAutofit/>
+        </a:bodyPr>
+        <a:lstStyle/>
+        <a:p>
+          <a:pPr marL="114300" lvl="1" indent="-114300" algn="ctr" defTabSz="622300">
+            <a:lnSpc>
+              <a:spcPct val="90000"/>
+            </a:lnSpc>
+            <a:spcBef>
+              <a:spcPct val="0"/>
+            </a:spcBef>
+            <a:spcAft>
+              <a:spcPct val="15000"/>
+            </a:spcAft>
+            <a:buChar char="•"/>
+          </a:pPr>
+          <a:r>
+            <a:rPr lang="en-US" sz="1400" kern="1200" dirty="0"/>
+            <a:t>Trains multiple decision trees, each learning from the mistakes of its predecessors to improve accuracy, ultimately combining their predictions for optimal results</a:t>
+          </a:r>
+          <a:endParaRPr lang="en-CA" sz="1400" kern="1200" dirty="0"/>
+        </a:p>
+      </dsp:txBody>
+      <dsp:txXfrm>
+        <a:off x="2981886" y="1875003"/>
+        <a:ext cx="3473857" cy="970063"/>
+      </dsp:txXfrm>
+    </dsp:sp>
+    <dsp:sp modelId="{200215C9-A283-4EA9-8CFC-9802D128BD7D}">
+      <dsp:nvSpPr>
+        <dsp:cNvPr id="0" name=""/>
+        <dsp:cNvSpPr/>
+      </dsp:nvSpPr>
+      <dsp:spPr>
+        <a:xfrm>
+          <a:off x="236443" y="1789790"/>
+          <a:ext cx="2726521" cy="1121759"/>
+        </a:xfrm>
+        <a:prstGeom prst="roundRect">
+          <a:avLst/>
+        </a:prstGeom>
+        <a:solidFill>
+          <a:schemeClr val="tx2">
+            <a:lumMod val="75000"/>
+          </a:schemeClr>
+        </a:solidFill>
+        <a:ln w="25400" cap="flat" cmpd="sng" algn="ctr">
+          <a:solidFill>
+            <a:schemeClr val="lt1">
+              <a:hueOff val="0"/>
+              <a:satOff val="0"/>
+              <a:lumOff val="0"/>
+              <a:alphaOff val="0"/>
+            </a:schemeClr>
+          </a:solidFill>
+          <a:prstDash val="solid"/>
+        </a:ln>
+        <a:effectLst/>
+      </dsp:spPr>
+      <dsp:style>
+        <a:lnRef idx="2">
+          <a:scrgbClr r="0" g="0" b="0"/>
+        </a:lnRef>
+        <a:fillRef idx="1">
+          <a:scrgbClr r="0" g="0" b="0"/>
+        </a:fillRef>
+        <a:effectRef idx="0">
+          <a:scrgbClr r="0" g="0" b="0"/>
+        </a:effectRef>
+        <a:fontRef idx="minor">
+          <a:schemeClr val="lt1"/>
+        </a:fontRef>
+      </dsp:style>
+      <dsp:txBody>
+        <a:bodyPr spcFirstLastPara="0" vert="horz" wrap="square" lIns="76200" tIns="38100" rIns="76200" bIns="38100" numCol="1" spcCol="1270" anchor="ctr" anchorCtr="0">
+          <a:noAutofit/>
+        </a:bodyPr>
+        <a:lstStyle/>
+        <a:p>
+          <a:pPr marL="0" lvl="0" indent="0" algn="ctr" defTabSz="889000">
+            <a:lnSpc>
+              <a:spcPct val="90000"/>
+            </a:lnSpc>
+            <a:spcBef>
+              <a:spcPct val="0"/>
+            </a:spcBef>
+            <a:spcAft>
+              <a:spcPct val="35000"/>
+            </a:spcAft>
+            <a:buNone/>
+          </a:pPr>
+          <a:r>
+            <a:rPr lang="en-CA" sz="2000" kern="1200" dirty="0"/>
+            <a:t>XGBoost</a:t>
+          </a:r>
+        </a:p>
+      </dsp:txBody>
+      <dsp:txXfrm>
+        <a:off x="291203" y="1844550"/>
+        <a:ext cx="2617001" cy="1012239"/>
+      </dsp:txXfrm>
+    </dsp:sp>
+    <dsp:sp modelId="{433BB43F-7531-4621-937A-0981A6E26F19}">
+      <dsp:nvSpPr>
+        <dsp:cNvPr id="0" name=""/>
+        <dsp:cNvSpPr/>
+      </dsp:nvSpPr>
+      <dsp:spPr>
+        <a:xfrm>
+          <a:off x="2958283" y="3495355"/>
+          <a:ext cx="4014971" cy="1269165"/>
+        </a:xfrm>
+        <a:prstGeom prst="rightArrow">
+          <a:avLst>
+            <a:gd name="adj1" fmla="val 75000"/>
+            <a:gd name="adj2" fmla="val 50000"/>
+          </a:avLst>
+        </a:prstGeom>
+        <a:solidFill>
+          <a:srgbClr val="F1CC00">
+            <a:lumMod val="20000"/>
+            <a:lumOff val="80000"/>
+            <a:alpha val="90000"/>
+          </a:srgbClr>
+        </a:solidFill>
+        <a:ln w="25400" cap="flat" cmpd="sng" algn="ctr">
+          <a:solidFill>
+            <a:srgbClr val="F68D2E">
+              <a:alpha val="90000"/>
+              <a:tint val="40000"/>
+              <a:hueOff val="0"/>
+              <a:satOff val="0"/>
+              <a:lumOff val="0"/>
+              <a:alphaOff val="0"/>
+            </a:srgbClr>
+          </a:solidFill>
+          <a:prstDash val="solid"/>
+        </a:ln>
+        <a:effectLst/>
+      </dsp:spPr>
+      <dsp:style>
+        <a:lnRef idx="2">
+          <a:scrgbClr r="0" g="0" b="0"/>
+        </a:lnRef>
+        <a:fillRef idx="1">
+          <a:scrgbClr r="0" g="0" b="0"/>
+        </a:fillRef>
+        <a:effectRef idx="0">
+          <a:scrgbClr r="0" g="0" b="0"/>
+        </a:effectRef>
+        <a:fontRef idx="minor"/>
+      </dsp:style>
+      <dsp:txBody>
+        <a:bodyPr spcFirstLastPara="0" vert="horz" wrap="square" lIns="8890" tIns="8890" rIns="8890" bIns="8890" numCol="1" spcCol="1270" anchor="ctr" anchorCtr="0">
+          <a:noAutofit/>
+        </a:bodyPr>
+        <a:lstStyle/>
+        <a:p>
+          <a:pPr marL="114300" lvl="1" indent="-114300" algn="ctr" defTabSz="622300">
+            <a:lnSpc>
+              <a:spcPct val="90000"/>
+            </a:lnSpc>
+            <a:spcBef>
+              <a:spcPct val="0"/>
+            </a:spcBef>
+            <a:spcAft>
+              <a:spcPct val="15000"/>
+            </a:spcAft>
+            <a:buSzPts val="2000"/>
+            <a:buChar char="•"/>
+          </a:pPr>
+          <a:r>
+            <a:rPr lang="en-US" sz="1400" kern="1200">
+              <a:solidFill>
+                <a:srgbClr val="000000">
+                  <a:hueOff val="0"/>
+                  <a:satOff val="0"/>
+                  <a:lumOff val="0"/>
+                  <a:alphaOff val="0"/>
+                </a:srgbClr>
+              </a:solidFill>
+              <a:latin typeface="Arial"/>
+              <a:ea typeface="+mn-ea"/>
+              <a:cs typeface="+mn-cs"/>
+            </a:rPr>
+            <a:t>Categorizes new instances by comparing them to a set number of nearby instances and assigning the most common label among these neighbors to the new instance.</a:t>
+          </a:r>
+          <a:endParaRPr lang="en-CA" sz="1400" kern="1200" dirty="0">
+            <a:solidFill>
+              <a:srgbClr val="000000">
+                <a:hueOff val="0"/>
+                <a:satOff val="0"/>
+                <a:lumOff val="0"/>
+                <a:alphaOff val="0"/>
+              </a:srgbClr>
+            </a:solidFill>
+            <a:latin typeface="Arial"/>
+            <a:ea typeface="+mn-ea"/>
+            <a:cs typeface="+mn-cs"/>
+          </a:endParaRPr>
+        </a:p>
+      </dsp:txBody>
+      <dsp:txXfrm>
+        <a:off x="2958283" y="3654001"/>
+        <a:ext cx="3539034" cy="951873"/>
+      </dsp:txXfrm>
+    </dsp:sp>
+    <dsp:sp modelId="{61442A05-5086-4A34-9FD6-B921CD057107}">
+      <dsp:nvSpPr>
+        <dsp:cNvPr id="0" name=""/>
+        <dsp:cNvSpPr/>
+      </dsp:nvSpPr>
+      <dsp:spPr>
+        <a:xfrm>
+          <a:off x="315252" y="3694730"/>
+          <a:ext cx="2608210" cy="948585"/>
+        </a:xfrm>
+        <a:prstGeom prst="roundRect">
+          <a:avLst/>
+        </a:prstGeom>
+        <a:solidFill>
+          <a:srgbClr val="F1CC00">
+            <a:lumMod val="75000"/>
+          </a:srgbClr>
+        </a:solidFill>
+        <a:ln w="25400" cap="flat" cmpd="sng" algn="ctr">
+          <a:solidFill>
+            <a:srgbClr val="FFFFFF">
+              <a:hueOff val="0"/>
+              <a:satOff val="0"/>
+              <a:lumOff val="0"/>
+              <a:alphaOff val="0"/>
+            </a:srgbClr>
+          </a:solidFill>
+          <a:prstDash val="solid"/>
+        </a:ln>
+        <a:effectLst/>
+      </dsp:spPr>
+      <dsp:style>
+        <a:lnRef idx="2">
+          <a:scrgbClr r="0" g="0" b="0"/>
+        </a:lnRef>
+        <a:fillRef idx="1">
+          <a:scrgbClr r="0" g="0" b="0"/>
+        </a:fillRef>
+        <a:effectRef idx="0">
+          <a:scrgbClr r="0" g="0" b="0"/>
+        </a:effectRef>
+        <a:fontRef idx="minor">
+          <a:schemeClr val="lt1"/>
+        </a:fontRef>
+      </dsp:style>
+      <dsp:txBody>
+        <a:bodyPr spcFirstLastPara="0" vert="horz" wrap="square" lIns="76200" tIns="38100" rIns="76200" bIns="38100" numCol="1" spcCol="1270" anchor="ctr" anchorCtr="0">
+          <a:noAutofit/>
+        </a:bodyPr>
+        <a:lstStyle/>
+        <a:p>
+          <a:pPr marL="0" lvl="0" indent="0" algn="ctr" defTabSz="889000">
+            <a:lnSpc>
+              <a:spcPct val="90000"/>
+            </a:lnSpc>
+            <a:spcBef>
+              <a:spcPct val="0"/>
+            </a:spcBef>
+            <a:spcAft>
+              <a:spcPct val="35000"/>
+            </a:spcAft>
+            <a:buNone/>
+          </a:pPr>
+          <a:r>
+            <a:rPr lang="en-CA" sz="2000" kern="1200" dirty="0">
+              <a:solidFill>
+                <a:srgbClr val="FFFFFF"/>
+              </a:solidFill>
+              <a:latin typeface="Arial"/>
+              <a:ea typeface="+mn-ea"/>
+              <a:cs typeface="+mn-cs"/>
+            </a:rPr>
+            <a:t>K Nearest Neighbour</a:t>
+          </a:r>
+        </a:p>
+      </dsp:txBody>
+      <dsp:txXfrm>
+        <a:off x="361558" y="3741036"/>
+        <a:ext cx="2515598" cy="855973"/>
+      </dsp:txXfrm>
+    </dsp:sp>
+  </dsp:spTree>
+</dsp:drawing>
+</file>
+
+<file path=ppt/diagrams/layout1.xml><?xml version="1.0" encoding="utf-8"?>
+<dgm:layoutDef xmlns:dgm="http://schemas.openxmlformats.org/drawingml/2006/diagram" xmlns:a="http://schemas.openxmlformats.org/drawingml/2006/main" uniqueId="urn:microsoft.com/office/officeart/2005/8/layout/vList6">
+  <dgm:title val=""/>
+  <dgm:desc val=""/>
+  <dgm:catLst>
+    <dgm:cat type="process" pri="22000"/>
+    <dgm:cat type="list" pri="17000"/>
+  </dgm:catLst>
+  <dgm:sampData>
+    <dgm:dataModel>
+      <dgm:ptLst>
+        <dgm:pt modelId="0" type="doc"/>
+        <dgm:pt modelId="1">
+          <dgm:prSet phldr="1"/>
+        </dgm:pt>
+        <dgm:pt modelId="11">
+          <dgm:prSet phldr="1"/>
+        </dgm:pt>
+        <dgm:pt modelId="12">
+          <dgm:prSet phldr="1"/>
+        </dgm:pt>
+        <dgm:pt modelId="2">
+          <dgm:prSet phldr="1"/>
+        </dgm:pt>
+        <dgm:pt modelId="21">
+          <dgm:prSet phldr="1"/>
+        </dgm:pt>
+        <dgm:pt modelId="22">
+          <dgm:prSet phldr="1"/>
+        </dgm:pt>
+      </dgm:ptLst>
+      <dgm:cxnLst>
+        <dgm:cxn modelId="4" srcId="0" destId="1" srcOrd="0" destOrd="0"/>
+        <dgm:cxn modelId="5" srcId="0" destId="2" srcOrd="1" destOrd="0"/>
+        <dgm:cxn modelId="13" srcId="1" destId="11" srcOrd="0" destOrd="0"/>
+        <dgm:cxn modelId="14" srcId="1" destId="12" srcOrd="0" destOrd="0"/>
+        <dgm:cxn modelId="23" srcId="2" destId="21" srcOrd="0" destOrd="0"/>
+        <dgm:cxn modelId="24" srcId="2" destId="22" srcOrd="0" destOrd="0"/>
+      </dgm:cxnLst>
+      <dgm:bg/>
+      <dgm:whole/>
+    </dgm:dataModel>
+  </dgm:sampData>
+  <dgm:styleData>
+    <dgm:dataModel>
+      <dgm:ptLst>
+        <dgm:pt modelId="0" type="doc"/>
+        <dgm:pt modelId="1"/>
+        <dgm:pt modelId="2"/>
+      </dgm:ptLst>
+      <dgm:cxnLst>
+        <dgm:cxn modelId="3" srcId="0" destId="1" srcOrd="0" destOrd="0"/>
+        <dgm:cxn modelId="4" srcId="0" destId="2" srcOrd="1" destOrd="0"/>
+      </dgm:cxnLst>
+      <dgm:bg/>
+      <dgm:whole/>
+    </dgm:dataModel>
+  </dgm:styleData>
+  <dgm:clrData>
+    <dgm:dataModel>
+      <dgm:ptLst>
+        <dgm:pt modelId="0" type="doc"/>
+        <dgm:pt modelId="1"/>
+        <dgm:pt modelId="2"/>
+        <dgm:pt modelId="3"/>
+        <dgm:pt modelId="4"/>
+      </dgm:ptLst>
+      <dgm:cxnLst>
+        <dgm:cxn modelId="5" srcId="0" destId="1" srcOrd="0" destOrd="0"/>
+        <dgm:cxn modelId="6" srcId="0" destId="2" srcOrd="1" destOrd="0"/>
+        <dgm:cxn modelId="7" srcId="0" destId="3" srcOrd="2" destOrd="0"/>
+        <dgm:cxn modelId="8" srcId="0" destId="4" srcOrd="3" destOrd="0"/>
+      </dgm:cxnLst>
+      <dgm:bg/>
+      <dgm:whole/>
+    </dgm:dataModel>
+  </dgm:clrData>
+  <dgm:layoutNode name="Name0">
+    <dgm:varLst>
+      <dgm:dir/>
+      <dgm:animLvl val="lvl"/>
+      <dgm:resizeHandles/>
+    </dgm:varLst>
+    <dgm:alg type="lin">
+      <dgm:param type="linDir" val="fromT"/>
+    </dgm:alg>
+    <dgm:shape xmlns:r="http://schemas.openxmlformats.org/officeDocument/2006/relationships" r:blip="">
+      <dgm:adjLst/>
+    </dgm:shape>
+    <dgm:presOf/>
+    <dgm:constrLst>
+      <dgm:constr type="w" for="ch" forName="linNode" refType="w"/>
+      <dgm:constr type="h" for="ch" forName="linNode" refType="h"/>
+      <dgm:constr type="h" for="ch" forName="spacing" refType="h" refFor="ch" refForName="linNode" fact="0.1"/>
+      <dgm:constr type="primFontSz" for="des" forName="parentShp" op="equ" val="65"/>
+      <dgm:constr type="primFontSz" for="des" forName="childShp" op="equ" val="65"/>
+    </dgm:constrLst>
+    <dgm:ruleLst/>
+    <dgm:forEach name="Name1" axis="ch" ptType="node">
+      <dgm:layoutNode name="linNode">
+        <dgm:choose name="Name2">
+          <dgm:if name="Name3" func="var" arg="dir" op="equ" val="norm">
+            <dgm:alg type="lin">
+              <dgm:param type="linDir" val="fromL"/>
+            </dgm:alg>
+          </dgm:if>
+          <dgm:else name="Name4">
+            <dgm:alg type="lin">
+              <dgm:param type="linDir" val="fromR"/>
+            </dgm:alg>
+          </dgm:else>
+        </dgm:choose>
+        <dgm:shape xmlns:r="http://schemas.openxmlformats.org/officeDocument/2006/relationships" r:blip="">
+          <dgm:adjLst/>
+        </dgm:shape>
+        <dgm:presOf/>
+        <dgm:choose name="Name5">
+          <dgm:if name="Name6" func="var" arg="dir" op="equ" val="norm">
+            <dgm:constrLst>
+              <dgm:constr type="w" for="ch" forName="parentShp" refType="w" fact="0.4"/>
+              <dgm:constr type="h" for="ch" forName="parentShp" refType="h"/>
+              <dgm:constr type="w" for="ch" forName="childShp" refType="w" fact="0.6"/>
+              <dgm:constr type="h" for="ch" forName="childShp" refType="h" refFor="ch" refForName="parentShp"/>
+            </dgm:constrLst>
+          </dgm:if>
+          <dgm:else name="Name7">
+            <dgm:constrLst>
+              <dgm:constr type="w" for="ch" forName="parentShp" refType="w" fact="0.4"/>
+              <dgm:constr type="h" for="ch" forName="parentShp" refType="h"/>
+              <dgm:constr type="w" for="ch" forName="childShp" refType="w" fact="0.6"/>
+              <dgm:constr type="h" for="ch" forName="childShp" refType="h" refFor="ch" refForName="parentShp"/>
+            </dgm:constrLst>
+          </dgm:else>
+        </dgm:choose>
+        <dgm:ruleLst/>
+        <dgm:layoutNode name="parentShp" styleLbl="node1">
+          <dgm:varLst>
+            <dgm:bulletEnabled val="1"/>
+          </dgm:varLst>
+          <dgm:alg type="tx"/>
+          <dgm:shape xmlns:r="http://schemas.openxmlformats.org/officeDocument/2006/relationships" type="roundRect" r:blip="">
+            <dgm:adjLst/>
+          </dgm:shape>
+          <dgm:presOf axis="self" ptType="node"/>
+          <dgm:constrLst>
+            <dgm:constr type="tMarg" refType="primFontSz" fact="0.15"/>
+            <dgm:constr type="bMarg" refType="primFontSz" fact="0.15"/>
+            <dgm:constr type="lMarg" refType="primFontSz" fact="0.3"/>
+            <dgm:constr type="rMarg" refType="primFontSz" fact="0.3"/>
+          </dgm:constrLst>
+          <dgm:ruleLst>
+            <dgm:rule type="primFontSz" val="5" fact="NaN" max="NaN"/>
+          </dgm:ruleLst>
+        </dgm:layoutNode>
+        <dgm:layoutNode name="childShp" styleLbl="bgAccFollowNode1">
+          <dgm:varLst>
+            <dgm:bulletEnabled val="1"/>
+          </dgm:varLst>
+          <dgm:alg type="tx">
+            <dgm:param type="stBulletLvl" val="1"/>
+          </dgm:alg>
+          <dgm:choose name="Name8">
+            <dgm:if name="Name9" func="var" arg="dir" op="equ" val="norm">
+              <dgm:shape xmlns:r="http://schemas.openxmlformats.org/officeDocument/2006/relationships" type="rightArrow" r:blip="" zOrderOff="-2">
+                <dgm:adjLst>
+                  <dgm:adj idx="1" val="0.75"/>
+                </dgm:adjLst>
+              </dgm:shape>
+            </dgm:if>
+            <dgm:else name="Name10">
+              <dgm:shape xmlns:r="http://schemas.openxmlformats.org/officeDocument/2006/relationships" rot="180" type="rightArrow" r:blip="" zOrderOff="-2">
+                <dgm:adjLst>
+                  <dgm:adj idx="1" val="0.75"/>
+                </dgm:adjLst>
+              </dgm:shape>
+            </dgm:else>
+          </dgm:choose>
+          <dgm:presOf axis="des" ptType="node"/>
+          <dgm:constrLst>
+            <dgm:constr type="secFontSz" refType="primFontSz"/>
+            <dgm:constr type="tMarg" refType="primFontSz" fact="0.05"/>
+            <dgm:constr type="bMarg" refType="primFontSz" fact="0.05"/>
+            <dgm:constr type="lMarg" refType="primFontSz" fact="0.05"/>
+            <dgm:constr type="rMarg" refType="primFontSz" fact="0.05"/>
+          </dgm:constrLst>
+          <dgm:ruleLst>
+            <dgm:rule type="primFontSz" val="5" fact="NaN" max="NaN"/>
+          </dgm:ruleLst>
+        </dgm:layoutNode>
+      </dgm:layoutNode>
+      <dgm:forEach name="Name11" axis="followSib" ptType="sibTrans" cnt="1">
+        <dgm:layoutNode name="spacing">
+          <dgm:alg type="sp"/>
+          <dgm:shape xmlns:r="http://schemas.openxmlformats.org/officeDocument/2006/relationships" r:blip="">
+            <dgm:adjLst/>
+          </dgm:shape>
+          <dgm:presOf/>
+          <dgm:constrLst/>
+          <dgm:ruleLst/>
+        </dgm:layoutNode>
+      </dgm:forEach>
+    </dgm:forEach>
+  </dgm:layoutNode>
+</dgm:layoutDef>
+</file>
+
+<file path=ppt/diagrams/layout2.xml><?xml version="1.0" encoding="utf-8"?>
+<dgm:layoutDef xmlns:dgm="http://schemas.openxmlformats.org/drawingml/2006/diagram" xmlns:a="http://schemas.openxmlformats.org/drawingml/2006/main" uniqueId="urn:microsoft.com/office/officeart/2005/8/layout/vList6">
+  <dgm:title val=""/>
+  <dgm:desc val=""/>
+  <dgm:catLst>
+    <dgm:cat type="process" pri="22000"/>
+    <dgm:cat type="list" pri="17000"/>
+  </dgm:catLst>
+  <dgm:sampData>
+    <dgm:dataModel>
+      <dgm:ptLst>
+        <dgm:pt modelId="0" type="doc"/>
+        <dgm:pt modelId="1">
+          <dgm:prSet phldr="1"/>
+        </dgm:pt>
+        <dgm:pt modelId="11">
+          <dgm:prSet phldr="1"/>
+        </dgm:pt>
+        <dgm:pt modelId="12">
+          <dgm:prSet phldr="1"/>
+        </dgm:pt>
+        <dgm:pt modelId="2">
+          <dgm:prSet phldr="1"/>
+        </dgm:pt>
+        <dgm:pt modelId="21">
+          <dgm:prSet phldr="1"/>
+        </dgm:pt>
+        <dgm:pt modelId="22">
+          <dgm:prSet phldr="1"/>
+        </dgm:pt>
+      </dgm:ptLst>
+      <dgm:cxnLst>
+        <dgm:cxn modelId="4" srcId="0" destId="1" srcOrd="0" destOrd="0"/>
+        <dgm:cxn modelId="5" srcId="0" destId="2" srcOrd="1" destOrd="0"/>
+        <dgm:cxn modelId="13" srcId="1" destId="11" srcOrd="0" destOrd="0"/>
+        <dgm:cxn modelId="14" srcId="1" destId="12" srcOrd="0" destOrd="0"/>
+        <dgm:cxn modelId="23" srcId="2" destId="21" srcOrd="0" destOrd="0"/>
+        <dgm:cxn modelId="24" srcId="2" destId="22" srcOrd="0" destOrd="0"/>
+      </dgm:cxnLst>
+      <dgm:bg/>
+      <dgm:whole/>
+    </dgm:dataModel>
+  </dgm:sampData>
+  <dgm:styleData>
+    <dgm:dataModel>
+      <dgm:ptLst>
+        <dgm:pt modelId="0" type="doc"/>
+        <dgm:pt modelId="1"/>
+        <dgm:pt modelId="2"/>
+      </dgm:ptLst>
+      <dgm:cxnLst>
+        <dgm:cxn modelId="3" srcId="0" destId="1" srcOrd="0" destOrd="0"/>
+        <dgm:cxn modelId="4" srcId="0" destId="2" srcOrd="1" destOrd="0"/>
+      </dgm:cxnLst>
+      <dgm:bg/>
+      <dgm:whole/>
+    </dgm:dataModel>
+  </dgm:styleData>
+  <dgm:clrData>
+    <dgm:dataModel>
+      <dgm:ptLst>
+        <dgm:pt modelId="0" type="doc"/>
+        <dgm:pt modelId="1"/>
+        <dgm:pt modelId="2"/>
+        <dgm:pt modelId="3"/>
+        <dgm:pt modelId="4"/>
+      </dgm:ptLst>
+      <dgm:cxnLst>
+        <dgm:cxn modelId="5" srcId="0" destId="1" srcOrd="0" destOrd="0"/>
+        <dgm:cxn modelId="6" srcId="0" destId="2" srcOrd="1" destOrd="0"/>
+        <dgm:cxn modelId="7" srcId="0" destId="3" srcOrd="2" destOrd="0"/>
+        <dgm:cxn modelId="8" srcId="0" destId="4" srcOrd="3" destOrd="0"/>
+      </dgm:cxnLst>
+      <dgm:bg/>
+      <dgm:whole/>
+    </dgm:dataModel>
+  </dgm:clrData>
+  <dgm:layoutNode name="Name0">
+    <dgm:varLst>
+      <dgm:dir/>
+      <dgm:animLvl val="lvl"/>
+      <dgm:resizeHandles/>
+    </dgm:varLst>
+    <dgm:alg type="lin">
+      <dgm:param type="linDir" val="fromT"/>
+    </dgm:alg>
+    <dgm:shape xmlns:r="http://schemas.openxmlformats.org/officeDocument/2006/relationships" r:blip="">
+      <dgm:adjLst/>
+    </dgm:shape>
+    <dgm:presOf/>
+    <dgm:constrLst>
+      <dgm:constr type="w" for="ch" forName="linNode" refType="w"/>
+      <dgm:constr type="h" for="ch" forName="linNode" refType="h"/>
+      <dgm:constr type="h" for="ch" forName="spacing" refType="h" refFor="ch" refForName="linNode" fact="0.1"/>
+      <dgm:constr type="primFontSz" for="des" forName="parentShp" op="equ" val="65"/>
+      <dgm:constr type="primFontSz" for="des" forName="childShp" op="equ" val="65"/>
+    </dgm:constrLst>
+    <dgm:ruleLst/>
+    <dgm:forEach name="Name1" axis="ch" ptType="node">
+      <dgm:layoutNode name="linNode">
+        <dgm:choose name="Name2">
+          <dgm:if name="Name3" func="var" arg="dir" op="equ" val="norm">
+            <dgm:alg type="lin">
+              <dgm:param type="linDir" val="fromL"/>
+            </dgm:alg>
+          </dgm:if>
+          <dgm:else name="Name4">
+            <dgm:alg type="lin">
+              <dgm:param type="linDir" val="fromR"/>
+            </dgm:alg>
+          </dgm:else>
+        </dgm:choose>
+        <dgm:shape xmlns:r="http://schemas.openxmlformats.org/officeDocument/2006/relationships" r:blip="">
+          <dgm:adjLst/>
+        </dgm:shape>
+        <dgm:presOf/>
+        <dgm:choose name="Name5">
+          <dgm:if name="Name6" func="var" arg="dir" op="equ" val="norm">
+            <dgm:constrLst>
+              <dgm:constr type="w" for="ch" forName="parentShp" refType="w" fact="0.4"/>
+              <dgm:constr type="h" for="ch" forName="parentShp" refType="h"/>
+              <dgm:constr type="w" for="ch" forName="childShp" refType="w" fact="0.6"/>
+              <dgm:constr type="h" for="ch" forName="childShp" refType="h" refFor="ch" refForName="parentShp"/>
+            </dgm:constrLst>
+          </dgm:if>
+          <dgm:else name="Name7">
+            <dgm:constrLst>
+              <dgm:constr type="w" for="ch" forName="parentShp" refType="w" fact="0.4"/>
+              <dgm:constr type="h" for="ch" forName="parentShp" refType="h"/>
+              <dgm:constr type="w" for="ch" forName="childShp" refType="w" fact="0.6"/>
+              <dgm:constr type="h" for="ch" forName="childShp" refType="h" refFor="ch" refForName="parentShp"/>
+            </dgm:constrLst>
+          </dgm:else>
+        </dgm:choose>
+        <dgm:ruleLst/>
+        <dgm:layoutNode name="parentShp" styleLbl="node1">
+          <dgm:varLst>
+            <dgm:bulletEnabled val="1"/>
+          </dgm:varLst>
+          <dgm:alg type="tx"/>
+          <dgm:shape xmlns:r="http://schemas.openxmlformats.org/officeDocument/2006/relationships" type="roundRect" r:blip="">
+            <dgm:adjLst/>
+          </dgm:shape>
+          <dgm:presOf axis="self" ptType="node"/>
+          <dgm:constrLst>
+            <dgm:constr type="tMarg" refType="primFontSz" fact="0.15"/>
+            <dgm:constr type="bMarg" refType="primFontSz" fact="0.15"/>
+            <dgm:constr type="lMarg" refType="primFontSz" fact="0.3"/>
+            <dgm:constr type="rMarg" refType="primFontSz" fact="0.3"/>
+          </dgm:constrLst>
+          <dgm:ruleLst>
+            <dgm:rule type="primFontSz" val="5" fact="NaN" max="NaN"/>
+          </dgm:ruleLst>
+        </dgm:layoutNode>
+        <dgm:layoutNode name="childShp" styleLbl="bgAccFollowNode1">
+          <dgm:varLst>
+            <dgm:bulletEnabled val="1"/>
+          </dgm:varLst>
+          <dgm:alg type="tx">
+            <dgm:param type="stBulletLvl" val="1"/>
+          </dgm:alg>
+          <dgm:choose name="Name8">
+            <dgm:if name="Name9" func="var" arg="dir" op="equ" val="norm">
+              <dgm:shape xmlns:r="http://schemas.openxmlformats.org/officeDocument/2006/relationships" type="rightArrow" r:blip="" zOrderOff="-2">
+                <dgm:adjLst>
+                  <dgm:adj idx="1" val="0.75"/>
+                </dgm:adjLst>
+              </dgm:shape>
+            </dgm:if>
+            <dgm:else name="Name10">
+              <dgm:shape xmlns:r="http://schemas.openxmlformats.org/officeDocument/2006/relationships" rot="180" type="rightArrow" r:blip="" zOrderOff="-2">
+                <dgm:adjLst>
+                  <dgm:adj idx="1" val="0.75"/>
+                </dgm:adjLst>
+              </dgm:shape>
+            </dgm:else>
+          </dgm:choose>
+          <dgm:presOf axis="des" ptType="node"/>
+          <dgm:constrLst>
+            <dgm:constr type="secFontSz" refType="primFontSz"/>
+            <dgm:constr type="tMarg" refType="primFontSz" fact="0.05"/>
+            <dgm:constr type="bMarg" refType="primFontSz" fact="0.05"/>
+            <dgm:constr type="lMarg" refType="primFontSz" fact="0.05"/>
+            <dgm:constr type="rMarg" refType="primFontSz" fact="0.05"/>
+          </dgm:constrLst>
+          <dgm:ruleLst>
+            <dgm:rule type="primFontSz" val="5" fact="NaN" max="NaN"/>
+          </dgm:ruleLst>
+        </dgm:layoutNode>
+      </dgm:layoutNode>
+      <dgm:forEach name="Name11" axis="followSib" ptType="sibTrans" cnt="1">
+        <dgm:layoutNode name="spacing">
+          <dgm:alg type="sp"/>
+          <dgm:shape xmlns:r="http://schemas.openxmlformats.org/officeDocument/2006/relationships" r:blip="">
+            <dgm:adjLst/>
+          </dgm:shape>
+          <dgm:presOf/>
+          <dgm:constrLst/>
+          <dgm:ruleLst/>
+        </dgm:layoutNode>
+      </dgm:forEach>
+    </dgm:forEach>
+  </dgm:layoutNode>
+</dgm:layoutDef>
+</file>
+
+<file path=ppt/diagrams/quickStyle1.xml><?xml version="1.0" encoding="utf-8"?>
+<dgm:styleDef xmlns:dgm="http://schemas.openxmlformats.org/drawingml/2006/diagram" xmlns:a="http://schemas.openxmlformats.org/drawingml/2006/main" uniqueId="urn:microsoft.com/office/officeart/2005/8/quickstyle/simple1">
+  <dgm:title val=""/>
+  <dgm:desc val=""/>
+  <dgm:catLst>
+    <dgm:cat type="simple" pri="10100"/>
+  </dgm:catLst>
+  <dgm:scene3d>
+    <a:camera prst="orthographicFront"/>
+    <a:lightRig rig="threePt" dir="t"/>
+  </dgm:scene3d>
+  <dgm:styleLbl name="node0">
+    <dgm:scene3d>
+      <a:camera prst="orthographicFront"/>
+      <a:lightRig rig="threePt" dir="t"/>
+    </dgm:scene3d>
+    <dgm:sp3d/>
+    <dgm:txPr/>
+    <dgm:style>
+      <a:lnRef idx="2">
+        <a:scrgbClr r="0" g="0" b="0"/>
+      </a:lnRef>
+      <a:fillRef idx="1">
+        <a:scrgbClr r="0" g="0" b="0"/>
+      </a:fillRef>
+      <a:effectRef idx="0">
+        <a:scrgbClr r="0" g="0" b="0"/>
+      </a:effectRef>
+      <a:fontRef idx="minor">
+        <a:schemeClr val="lt1"/>
+      </a:fontRef>
+    </dgm:style>
+  </dgm:styleLbl>
+  <dgm:styleLbl name="lnNode1">
+    <dgm:scene3d>
+      <a:camera prst="orthographicFront"/>
+      <a:lightRig rig="threePt" dir="t"/>
+    </dgm:scene3d>
+    <dgm:sp3d/>
+    <dgm:txPr/>
+    <dgm:style>
+      <a:lnRef idx="2">
+        <a:scrgbClr r="0" g="0" b="0"/>
+      </a:lnRef>
+      <a:fillRef idx="1">
+        <a:scrgbClr r="0" g="0" b="0"/>
+      </a:fillRef>
+      <a:effectRef idx="0">
+        <a:scrgbClr r="0" g="0" b="0"/>
+      </a:effectRef>
+      <a:fontRef idx="minor">
+        <a:schemeClr val="lt1"/>
+      </a:fontRef>
+    </dgm:style>
+  </dgm:styleLbl>
+  <dgm:styleLbl name="vennNode1">
+    <dgm:scene3d>
+      <a:camera prst="orthographicFront"/>
+      <a:lightRig rig="threePt" dir="t"/>
+    </dgm:scene3d>
+    <dgm:sp3d/>
+    <dgm:txPr/>
+    <dgm:style>
+      <a:lnRef idx="2">
+        <a:scrgbClr r="0" g="0" b="0"/>
+      </a:lnRef>
+      <a:fillRef idx="1">
+        <a:scrgbClr r="0" g="0" b="0"/>
+      </a:fillRef>
+      <a:effectRef idx="0">
+        <a:scrgbClr r="0" g="0" b="0"/>
+      </a:effectRef>
+      <a:fontRef idx="minor">
+        <a:schemeClr val="tx1"/>
+      </a:fontRef>
+    </dgm:style>
+  </dgm:styleLbl>
+  <dgm:styleLbl name="alignNode1">
+    <dgm:scene3d>
+      <a:camera prst="orthographicFront"/>
+      <a:lightRig rig="threePt" dir="t"/>
+    </dgm:scene3d>
+    <dgm:sp3d/>
+    <dgm:txPr/>
+    <dgm:style>
+      <a:lnRef idx="2">
+        <a:scrgbClr r="0" g="0" b="0"/>
+      </a:lnRef>
+      <a:fillRef idx="1">
+        <a:scrgbClr r="0" g="0" b="0"/>
+      </a:fillRef>
+      <a:effectRef idx="0">
+        <a:scrgbClr r="0" g="0" b="0"/>
+      </a:effectRef>
+      <a:fontRef idx="minor">
+        <a:schemeClr val="lt1"/>
+      </a:fontRef>
+    </dgm:style>
+  </dgm:styleLbl>
+  <dgm:styleLbl name="node1">
+    <dgm:scene3d>
+      <a:camera prst="orthographicFront"/>
+      <a:lightRig rig="threePt" dir="t"/>
+    </dgm:scene3d>
+    <dgm:sp3d/>
+    <dgm:txPr/>
+    <dgm:style>
+      <a:lnRef idx="2">
+        <a:scrgbClr r="0" g="0" b="0"/>
+      </a:lnRef>
+      <a:fillRef idx="1">
+        <a:scrgbClr r="0" g="0" b="0"/>
+      </a:fillRef>
+      <a:effectRef idx="0">
+        <a:scrgbClr r="0" g="0" b="0"/>
+      </a:effectRef>
+      <a:fontRef idx="minor">
+        <a:schemeClr val="lt1"/>
+      </a:fontRef>
+    </dgm:style>
+  </dgm:styleLbl>
+  <dgm:styleLbl name="node2">
+    <dgm:scene3d>
+      <a:camera prst="orthographicFront"/>
+      <a:lightRig rig="threePt" dir="t"/>
+    </dgm:scene3d>
+    <dgm:sp3d/>
+    <dgm:txPr/>
+    <dgm:style>
+      <a:lnRef idx="2">
+        <a:scrgbClr r="0" g="0" b="0"/>
+      </a:lnRef>
+      <a:fillRef idx="1">
+        <a:scrgbClr r="0" g="0" b="0"/>
+      </a:fillRef>
+      <a:effectRef idx="0">
+        <a:scrgbClr r="0" g="0" b="0"/>
+      </a:effectRef>
+      <a:fontRef idx="minor">
+        <a:schemeClr val="lt1"/>
+      </a:fontRef>
+    </dgm:style>
+  </dgm:styleLbl>
+  <dgm:styleLbl name="node3">
+    <dgm:scene3d>
+      <a:camera prst="orthographicFront"/>
+      <a:lightRig rig="threePt" dir="t"/>
+    </dgm:scene3d>
+    <dgm:sp3d/>
+    <dgm:txPr/>
+    <dgm:style>
+      <a:lnRef idx="2">
+        <a:scrgbClr r="0" g="0" b="0"/>
+      </a:lnRef>
+      <a:fillRef idx="1">
+        <a:scrgbClr r="0" g="0" b="0"/>
+      </a:fillRef>
+      <a:effectRef idx="0">
+        <a:scrgbClr r="0" g="0" b="0"/>
+      </a:effectRef>
+      <a:fontRef idx="minor">
+        <a:schemeClr val="lt1"/>
+      </a:fontRef>
+    </dgm:style>
+  </dgm:styleLbl>
+  <dgm:styleLbl name="node4">
+    <dgm:scene3d>
+      <a:camera prst="orthographicFront"/>
+      <a:lightRig rig="threePt" dir="t"/>
+    </dgm:scene3d>
+    <dgm:sp3d/>
+    <dgm:txPr/>
+    <dgm:style>
+      <a:lnRef idx="2">
+        <a:scrgbClr r="0" g="0" b="0"/>
+      </a:lnRef>
+      <a:fillRef idx="1">
+        <a:scrgbClr r="0" g="0" b="0"/>
+      </a:fillRef>
+      <a:effectRef idx="0">
+        <a:scrgbClr r="0" g="0" b="0"/>
+      </a:effectRef>
+      <a:fontRef idx="minor">
+        <a:schemeClr val="lt1"/>
+      </a:fontRef>
+    </dgm:style>
+  </dgm:styleLbl>
+  <dgm:styleLbl name="fgImgPlace1">
+    <dgm:scene3d>
+      <a:camera prst="orthographicFront"/>
+      <a:lightRig rig="threePt" dir="t"/>
+    </dgm:scene3d>
+    <dgm:sp3d/>
+    <dgm:txPr/>
+    <dgm:style>
+      <a:lnRef idx="2">
+        <a:scrgbClr r="0" g="0" b="0"/>
+      </a:lnRef>
+      <a:fillRef idx="1">
+        <a:scrgbClr r="0" g="0" b="0"/>
+      </a:fillRef>
+      <a:effectRef idx="0">
+        <a:scrgbClr r="0" g="0" b="0"/>
+      </a:effectRef>
+      <a:fontRef idx="minor"/>
+    </dgm:style>
+  </dgm:styleLbl>
+  <dgm:styleLbl name="alignImgPlace1">
+    <dgm:scene3d>
+      <a:camera prst="orthographicFront"/>
+      <a:lightRig rig="threePt" dir="t"/>
+    </dgm:scene3d>
+    <dgm:sp3d/>
+    <dgm:txPr/>
+    <dgm:style>
+      <a:lnRef idx="2">
+        <a:scrgbClr r="0" g="0" b="0"/>
+      </a:lnRef>
+      <a:fillRef idx="1">
+        <a:scrgbClr r="0" g="0" b="0"/>
+      </a:fillRef>
+      <a:effectRef idx="0">
+        <a:scrgbClr r="0" g="0" b="0"/>
+      </a:effectRef>
+      <a:fontRef idx="minor"/>
+    </dgm:style>
+  </dgm:styleLbl>
+  <dgm:styleLbl name="bgImgPlace1">
+    <dgm:scene3d>
+      <a:camera prst="orthographicFront"/>
+      <a:lightRig rig="threePt" dir="t"/>
+    </dgm:scene3d>
+    <dgm:sp3d/>
+    <dgm:txPr/>
+    <dgm:style>
+      <a:lnRef idx="2">
+        <a:scrgbClr r="0" g="0" b="0"/>
+      </a:lnRef>
+      <a:fillRef idx="1">
+        <a:scrgbClr r="0" g="0" b="0"/>
+      </a:fillRef>
+      <a:effectRef idx="0">
+        <a:scrgbClr r="0" g="0" b="0"/>
+      </a:effectRef>
+      <a:fontRef idx="minor"/>
+    </dgm:style>
+  </dgm:styleLbl>
+  <dgm:styleLbl name="sibTrans2D1">
+    <dgm:scene3d>
+      <a:camera prst="orthographicFront"/>
+      <a:lightRig rig="threePt" dir="t"/>
+    </dgm:scene3d>
+    <dgm:sp3d/>
+    <dgm:txPr/>
+    <dgm:style>
+      <a:lnRef idx="0">
+        <a:scrgbClr r="0" g="0" b="0"/>
+      </a:lnRef>
+      <a:fillRef idx="1">
+        <a:scrgbClr r="0" g="0" b="0"/>
+      </a:fillRef>
+      <a:effectRef idx="0">
+        <a:scrgbClr r="0" g="0" b="0"/>
+      </a:effectRef>
+      <a:fontRef idx="minor">
+        <a:schemeClr val="lt1"/>
+      </a:fontRef>
+    </dgm:style>
+  </dgm:styleLbl>
+  <dgm:styleLbl name="fgSibTrans2D1">
+    <dgm:scene3d>
+      <a:camera prst="orthographicFront"/>
+      <a:lightRig rig="threePt" dir="t"/>
+    </dgm:scene3d>
+    <dgm:sp3d/>
+    <dgm:txPr/>
+    <dgm:style>
+      <a:lnRef idx="0">
+        <a:scrgbClr r="0" g="0" b="0"/>
+      </a:lnRef>
+      <a:fillRef idx="1">
+        <a:scrgbClr r="0" g="0" b="0"/>
+      </a:fillRef>
+      <a:effectRef idx="0">
+        <a:scrgbClr r="0" g="0" b="0"/>
+      </a:effectRef>
+      <a:fontRef idx="minor">
+        <a:schemeClr val="lt1"/>
+      </a:fontRef>
+    </dgm:style>
+  </dgm:styleLbl>
+  <dgm:styleLbl name="bgSibTrans2D1">
+    <dgm:scene3d>
+      <a:camera prst="orthographicFront"/>
+      <a:lightRig rig="threePt" dir="t"/>
+    </dgm:scene3d>
+    <dgm:sp3d/>
+    <dgm:txPr/>
+    <dgm:style>
+      <a:lnRef idx="0">
+        <a:scrgbClr r="0" g="0" b="0"/>
+      </a:lnRef>
+      <a:fillRef idx="1">
+        <a:scrgbClr r="0" g="0" b="0"/>
+      </a:fillRef>
+      <a:effectRef idx="0">
+        <a:scrgbClr r="0" g="0" b="0"/>
+      </a:effectRef>
+      <a:fontRef idx="minor">
+        <a:schemeClr val="lt1"/>
+      </a:fontRef>
+    </dgm:style>
+  </dgm:styleLbl>
+  <dgm:styleLbl name="sibTrans1D1">
+    <dgm:scene3d>
+      <a:camera prst="orthographicFront"/>
+      <a:lightRig rig="threePt" dir="t"/>
+    </dgm:scene3d>
+    <dgm:sp3d/>
+    <dgm:txPr/>
+    <dgm:style>
+      <a:lnRef idx="1">
+        <a:scrgbClr r="0" g="0" b="0"/>
+      </a:lnRef>
+      <a:fillRef idx="0">
+        <a:scrgbClr r="0" g="0" b="0"/>
+      </a:fillRef>
+      <a:effectRef idx="0">
+        <a:scrgbClr r="0" g="0" b="0"/>
+      </a:effectRef>
+      <a:fontRef idx="minor"/>
+    </dgm:style>
+  </dgm:styleLbl>
+  <dgm:styleLbl name="callout">
+    <dgm:scene3d>
+      <a:camera prst="orthographicFront"/>
+      <a:lightRig rig="threePt" dir="t"/>
+    </dgm:scene3d>
+    <dgm:sp3d/>
+    <dgm:txPr/>
+    <dgm:style>
+      <a:lnRef idx="2">
+        <a:scrgbClr r="0" g="0" b="0"/>
+      </a:lnRef>
+      <a:fillRef idx="1">
+        <a:scrgbClr r="0" g="0" b="0"/>
+      </a:fillRef>
+      <a:effectRef idx="0">
+        <a:scrgbClr r="0" g="0" b="0"/>
+      </a:effectRef>
+      <a:fontRef idx="minor"/>
+    </dgm:style>
+  </dgm:styleLbl>
+  <dgm:styleLbl name="asst0">
+    <dgm:scene3d>
+      <a:camera prst="orthographicFront"/>
+      <a:lightRig rig="threePt" dir="t"/>
+    </dgm:scene3d>
+    <dgm:sp3d/>
+    <dgm:txPr/>
+    <dgm:style>
+      <a:lnRef idx="2">
+        <a:scrgbClr r="0" g="0" b="0"/>
+      </a:lnRef>
+      <a:fillRef idx="1">
+        <a:scrgbClr r="0" g="0" b="0"/>
+      </a:fillRef>
+      <a:effectRef idx="0">
+        <a:scrgbClr r="0" g="0" b="0"/>
+      </a:effectRef>
+      <a:fontRef idx="minor">
+        <a:schemeClr val="lt1"/>
+      </a:fontRef>
+    </dgm:style>
+  </dgm:styleLbl>
+  <dgm:styleLbl name="asst1">
+    <dgm:scene3d>
+      <a:camera prst="orthographicFront"/>
+      <a:lightRig rig="threePt" dir="t"/>
+    </dgm:scene3d>
+    <dgm:sp3d/>
+    <dgm:txPr/>
+    <dgm:style>
+      <a:lnRef idx="2">
+        <a:scrgbClr r="0" g="0" b="0"/>
+      </a:lnRef>
+      <a:fillRef idx="1">
+        <a:scrgbClr r="0" g="0" b="0"/>
+      </a:fillRef>
+      <a:effectRef idx="0">
+        <a:scrgbClr r="0" g="0" b="0"/>
+      </a:effectRef>
+      <a:fontRef idx="minor">
+        <a:schemeClr val="lt1"/>
+      </a:fontRef>
+    </dgm:style>
+  </dgm:styleLbl>
+  <dgm:styleLbl name="asst2">
+    <dgm:scene3d>
+      <a:camera prst="orthographicFront"/>
+      <a:lightRig rig="threePt" dir="t"/>
+    </dgm:scene3d>
+    <dgm:sp3d/>
+    <dgm:txPr/>
+    <dgm:style>
+      <a:lnRef idx="2">
+        <a:scrgbClr r="0" g="0" b="0"/>
+      </a:lnRef>
+      <a:fillRef idx="1">
+        <a:scrgbClr r="0" g="0" b="0"/>
+      </a:fillRef>
+      <a:effectRef idx="0">
+        <a:scrgbClr r="0" g="0" b="0"/>
+      </a:effectRef>
+      <a:fontRef idx="minor">
+        <a:schemeClr val="lt1"/>
+      </a:fontRef>
+    </dgm:style>
+  </dgm:styleLbl>
+  <dgm:styleLbl name="asst3">
+    <dgm:scene3d>
+      <a:camera prst="orthographicFront"/>
+      <a:lightRig rig="threePt" dir="t"/>
+    </dgm:scene3d>
+    <dgm:sp3d/>
+    <dgm:txPr/>
+    <dgm:style>
+      <a:lnRef idx="2">
+        <a:scrgbClr r="0" g="0" b="0"/>
+      </a:lnRef>
+      <a:fillRef idx="1">
+        <a:scrgbClr r="0" g="0" b="0"/>
+      </a:fillRef>
+      <a:effectRef idx="0">
+        <a:scrgbClr r="0" g="0" b="0"/>
+      </a:effectRef>
+      <a:fontRef idx="minor">
+        <a:schemeClr val="lt1"/>
+      </a:fontRef>
+    </dgm:style>
+  </dgm:styleLbl>
+  <dgm:styleLbl name="asst4">
+    <dgm:scene3d>
+      <a:camera prst="orthographicFront"/>
+      <a:lightRig rig="threePt" dir="t"/>
+    </dgm:scene3d>
+    <dgm:sp3d/>
+    <dgm:txPr/>
+    <dgm:style>
+      <a:lnRef idx="2">
+        <a:scrgbClr r="0" g="0" b="0"/>
+      </a:lnRef>
+      <a:fillRef idx="1">
+        <a:scrgbClr r="0" g="0" b="0"/>
+      </a:fillRef>
+      <a:effectRef idx="0">
+        <a:scrgbClr r="0" g="0" b="0"/>
+      </a:effectRef>
+      <a:fontRef idx="minor">
+        <a:schemeClr val="lt1"/>
+      </a:fontRef>
+    </dgm:style>
+  </dgm:styleLbl>
+  <dgm:styleLbl name="parChTrans2D1">
+    <dgm:scene3d>
+      <a:camera prst="orthographicFront"/>
+      <a:lightRig rig="threePt" dir="t"/>
+    </dgm:scene3d>
+    <dgm:sp3d/>
+    <dgm:txPr/>
+    <dgm:style>
+      <a:lnRef idx="2">
+        <a:scrgbClr r="0" g="0" b="0"/>
+      </a:lnRef>
+      <a:fillRef idx="1">
+        <a:scrgbClr r="0" g="0" b="0"/>
+      </a:fillRef>
+      <a:effectRef idx="0">
+        <a:scrgbClr r="0" g="0" b="0"/>
+      </a:effectRef>
+      <a:fontRef idx="minor">
+        <a:schemeClr val="lt1"/>
+      </a:fontRef>
+    </dgm:style>
+  </dgm:styleLbl>
+  <dgm:styleLbl name="parChTrans2D2">
+    <dgm:scene3d>
+      <a:camera prst="orthographicFront"/>
+      <a:lightRig rig="threePt" dir="t"/>
+    </dgm:scene3d>
+    <dgm:sp3d/>
+    <dgm:txPr/>
+    <dgm:style>
+      <a:lnRef idx="2">
+        <a:scrgbClr r="0" g="0" b="0"/>
+      </a:lnRef>
+      <a:fillRef idx="1">
+        <a:scrgbClr r="0" g="0" b="0"/>
+      </a:fillRef>
+      <a:effectRef idx="0">
+        <a:scrgbClr r="0" g="0" b="0"/>
+      </a:effectRef>
+      <a:fontRef idx="minor">
+        <a:schemeClr val="lt1"/>
+      </a:fontRef>
+    </dgm:style>
+  </dgm:styleLbl>
+  <dgm:styleLbl name="parChTrans2D3">
+    <dgm:scene3d>
+      <a:camera prst="orthographicFront"/>
+      <a:lightRig rig="threePt" dir="t"/>
+    </dgm:scene3d>
+    <dgm:sp3d/>
+    <dgm:txPr/>
+    <dgm:style>
+      <a:lnRef idx="2">
+        <a:scrgbClr r="0" g="0" b="0"/>
+      </a:lnRef>
+      <a:fillRef idx="1">
+        <a:scrgbClr r="0" g="0" b="0"/>
+      </a:fillRef>
+      <a:effectRef idx="0">
+        <a:scrgbClr r="0" g="0" b="0"/>
+      </a:effectRef>
+      <a:fontRef idx="minor">
+        <a:schemeClr val="lt1"/>
+      </a:fontRef>
+    </dgm:style>
+  </dgm:styleLbl>
+  <dgm:styleLbl name="parChTrans2D4">
+    <dgm:scene3d>
+      <a:camera prst="orthographicFront"/>
+      <a:lightRig rig="threePt" dir="t"/>
+    </dgm:scene3d>
+    <dgm:sp3d/>
+    <dgm:txPr/>
+    <dgm:style>
+      <a:lnRef idx="2">
+        <a:scrgbClr r="0" g="0" b="0"/>
+      </a:lnRef>
+      <a:fillRef idx="1">
+        <a:scrgbClr r="0" g="0" b="0"/>
+      </a:fillRef>
+      <a:effectRef idx="0">
+        <a:scrgbClr r="0" g="0" b="0"/>
+      </a:effectRef>
+      <a:fontRef idx="minor">
+        <a:schemeClr val="lt1"/>
+      </a:fontRef>
+    </dgm:style>
+  </dgm:styleLbl>
+  <dgm:styleLbl name="parChTrans1D1">
+    <dgm:scene3d>
+      <a:camera prst="orthographicFront"/>
+      <a:lightRig rig="threePt" dir="t"/>
+    </dgm:scene3d>
+    <dgm:sp3d/>
+    <dgm:txPr/>
+    <dgm:style>
+      <a:lnRef idx="2">
+        <a:scrgbClr r="0" g="0" b="0"/>
+      </a:lnRef>
+      <a:fillRef idx="0">
+        <a:scrgbClr r="0" g="0" b="0"/>
+      </a:fillRef>
+      <a:effectRef idx="0">
+        <a:scrgbClr r="0" g="0" b="0"/>
+      </a:effectRef>
+      <a:fontRef idx="minor"/>
+    </dgm:style>
+  </dgm:styleLbl>
+  <dgm:styleLbl name="parChTrans1D2">
+    <dgm:scene3d>
+      <a:camera prst="orthographicFront"/>
+      <a:lightRig rig="threePt" dir="t"/>
+    </dgm:scene3d>
+    <dgm:sp3d/>
+    <dgm:txPr/>
+    <dgm:style>
+      <a:lnRef idx="2">
+        <a:scrgbClr r="0" g="0" b="0"/>
+      </a:lnRef>
+      <a:fillRef idx="0">
+        <a:scrgbClr r="0" g="0" b="0"/>
+      </a:fillRef>
+      <a:effectRef idx="0">
+        <a:scrgbClr r="0" g="0" b="0"/>
+      </a:effectRef>
+      <a:fontRef idx="minor"/>
+    </dgm:style>
+  </dgm:styleLbl>
+  <dgm:styleLbl name="parChTrans1D3">
+    <dgm:scene3d>
+      <a:camera prst="orthographicFront"/>
+      <a:lightRig rig="threePt" dir="t"/>
+    </dgm:scene3d>
+    <dgm:sp3d/>
+    <dgm:txPr/>
+    <dgm:style>
+      <a:lnRef idx="2">
+        <a:scrgbClr r="0" g="0" b="0"/>
+      </a:lnRef>
+      <a:fillRef idx="0">
+        <a:scrgbClr r="0" g="0" b="0"/>
+      </a:fillRef>
+      <a:effectRef idx="0">
+        <a:scrgbClr r="0" g="0" b="0"/>
+      </a:effectRef>
+      <a:fontRef idx="minor"/>
+    </dgm:style>
+  </dgm:styleLbl>
+  <dgm:styleLbl name="parChTrans1D4">
+    <dgm:scene3d>
+      <a:camera prst="orthographicFront"/>
+      <a:lightRig rig="threePt" dir="t"/>
+    </dgm:scene3d>
+    <dgm:sp3d/>
+    <dgm:txPr/>
+    <dgm:style>
+      <a:lnRef idx="2">
+        <a:scrgbClr r="0" g="0" b="0"/>
+      </a:lnRef>
+      <a:fillRef idx="0">
+        <a:scrgbClr r="0" g="0" b="0"/>
+      </a:fillRef>
+      <a:effectRef idx="0">
+        <a:scrgbClr r="0" g="0" b="0"/>
+      </a:effectRef>
+      <a:fontRef idx="minor"/>
+    </dgm:style>
+  </dgm:styleLbl>
+  <dgm:styleLbl name="fgAcc1">
+    <dgm:scene3d>
+      <a:camera prst="orthographicFront"/>
+      <a:lightRig rig="threePt" dir="t"/>
+    </dgm:scene3d>
+    <dgm:sp3d/>
+    <dgm:txPr/>
+    <dgm:style>
+      <a:lnRef idx="2">
+        <a:scrgbClr r="0" g="0" b="0"/>
+      </a:lnRef>
+      <a:fillRef idx="1">
+        <a:scrgbClr r="0" g="0" b="0"/>
+      </a:fillRef>
+      <a:effectRef idx="0">
+        <a:scrgbClr r="0" g="0" b="0"/>
+      </a:effectRef>
+      <a:fontRef idx="minor"/>
+    </dgm:style>
+  </dgm:styleLbl>
+  <dgm:styleLbl name="conFgAcc1">
+    <dgm:scene3d>
+      <a:camera prst="orthographicFront"/>
+      <a:lightRig rig="threePt" dir="t"/>
+    </dgm:scene3d>
+    <dgm:sp3d/>
+    <dgm:txPr/>
+    <dgm:style>
+      <a:lnRef idx="2">
+        <a:scrgbClr r="0" g="0" b="0"/>
+      </a:lnRef>
+      <a:fillRef idx="1">
+        <a:scrgbClr r="0" g="0" b="0"/>
+      </a:fillRef>
+      <a:effectRef idx="0">
+        <a:scrgbClr r="0" g="0" b="0"/>
+      </a:effectRef>
+      <a:fontRef idx="minor"/>
+    </dgm:style>
+  </dgm:styleLbl>
+  <dgm:styleLbl name="alignAcc1">
+    <dgm:scene3d>
+      <a:camera prst="orthographicFront"/>
+      <a:lightRig rig="threePt" dir="t"/>
+    </dgm:scene3d>
+    <dgm:sp3d/>
+    <dgm:txPr/>
+    <dgm:style>
+      <a:lnRef idx="2">
+        <a:scrgbClr r="0" g="0" b="0"/>
+      </a:lnRef>
+      <a:fillRef idx="1">
+        <a:scrgbClr r="0" g="0" b="0"/>
+      </a:fillRef>
+      <a:effectRef idx="0">
+        <a:scrgbClr r="0" g="0" b="0"/>
+      </a:effectRef>
+      <a:fontRef idx="minor"/>
+    </dgm:style>
+  </dgm:styleLbl>
+  <dgm:styleLbl name="trAlignAcc1">
+    <dgm:scene3d>
+      <a:camera prst="orthographicFront"/>
+      <a:lightRig rig="threePt" dir="t"/>
+    </dgm:scene3d>
+    <dgm:sp3d/>
+    <dgm:txPr/>
+    <dgm:style>
+      <a:lnRef idx="1">
+        <a:scrgbClr r="0" g="0" b="0"/>
+      </a:lnRef>
+      <a:fillRef idx="1">
+        <a:scrgbClr r="0" g="0" b="0"/>
+      </a:fillRef>
+      <a:effectRef idx="0">
+        <a:scrgbClr r="0" g="0" b="0"/>
+      </a:effectRef>
+      <a:fontRef idx="minor"/>
+    </dgm:style>
+  </dgm:styleLbl>
+  <dgm:styleLbl name="bgAcc1">
+    <dgm:scene3d>
+      <a:camera prst="orthographicFront"/>
+      <a:lightRig rig="threePt" dir="t"/>
+    </dgm:scene3d>
+    <dgm:sp3d/>
+    <dgm:txPr/>
+    <dgm:style>
+      <a:lnRef idx="2">
+        <a:scrgbClr r="0" g="0" b="0"/>
+      </a:lnRef>
+      <a:fillRef idx="1">
+        <a:scrgbClr r="0" g="0" b="0"/>
+      </a:fillRef>
+      <a:effectRef idx="0">
+        <a:scrgbClr r="0" g="0" b="0"/>
+      </a:effectRef>
+      <a:fontRef idx="minor"/>
+    </dgm:style>
+  </dgm:styleLbl>
+  <dgm:styleLbl name="solidFgAcc1">
+    <dgm:scene3d>
+      <a:camera prst="orthographicFront"/>
+      <a:lightRig rig="threePt" dir="t"/>
+    </dgm:scene3d>
+    <dgm:sp3d/>
+    <dgm:txPr/>
+    <dgm:style>
+      <a:lnRef idx="2">
+        <a:scrgbClr r="0" g="0" b="0"/>
+      </a:lnRef>
+      <a:fillRef idx="1">
+        <a:scrgbClr r="0" g="0" b="0"/>
+      </a:fillRef>
+      <a:effectRef idx="0">
+        <a:scrgbClr r="0" g="0" b="0"/>
+      </a:effectRef>
+      <a:fontRef idx="minor"/>
+    </dgm:style>
+  </dgm:styleLbl>
+  <dgm:styleLbl name="solidAlignAcc1">
+    <dgm:scene3d>
+      <a:camera prst="orthographicFront"/>
+      <a:lightRig rig="threePt" dir="t"/>
+    </dgm:scene3d>
+    <dgm:sp3d/>
+    <dgm:txPr/>
+    <dgm:style>
+      <a:lnRef idx="2">
+        <a:scrgbClr r="0" g="0" b="0"/>
+      </a:lnRef>
+      <a:fillRef idx="1">
+        <a:scrgbClr r="0" g="0" b="0"/>
+      </a:fillRef>
+      <a:effectRef idx="0">
+        <a:scrgbClr r="0" g="0" b="0"/>
+      </a:effectRef>
+      <a:fontRef idx="minor"/>
+    </dgm:style>
+  </dgm:styleLbl>
+  <dgm:styleLbl name="solidBgAcc1">
+    <dgm:scene3d>
+      <a:camera prst="orthographicFront"/>
+      <a:lightRig rig="threePt" dir="t"/>
+    </dgm:scene3d>
+    <dgm:sp3d/>
+    <dgm:txPr/>
+    <dgm:style>
+      <a:lnRef idx="2">
+        <a:scrgbClr r="0" g="0" b="0"/>
+      </a:lnRef>
+      <a:fillRef idx="1">
+        <a:scrgbClr r="0" g="0" b="0"/>
+      </a:fillRef>
+      <a:effectRef idx="0">
+        <a:scrgbClr r="0" g="0" b="0"/>
+      </a:effectRef>
+      <a:fontRef idx="minor"/>
+    </dgm:style>
+  </dgm:styleLbl>
+  <dgm:styleLbl name="fgAccFollowNode1">
+    <dgm:scene3d>
+      <a:camera prst="orthographicFront"/>
+      <a:lightRig rig="threePt" dir="t"/>
+    </dgm:scene3d>
+    <dgm:sp3d/>
+    <dgm:txPr/>
+    <dgm:style>
+      <a:lnRef idx="2">
+        <a:scrgbClr r="0" g="0" b="0"/>
+      </a:lnRef>
+      <a:fillRef idx="1">
+        <a:scrgbClr r="0" g="0" b="0"/>
+      </a:fillRef>
+      <a:effectRef idx="0">
+        <a:scrgbClr r="0" g="0" b="0"/>
+      </a:effectRef>
+      <a:fontRef idx="minor"/>
+    </dgm:style>
+  </dgm:styleLbl>
+  <dgm:styleLbl name="alignAccFollowNode1">
+    <dgm:scene3d>
+      <a:camera prst="orthographicFront"/>
+      <a:lightRig rig="threePt" dir="t"/>
+    </dgm:scene3d>
+    <dgm:sp3d/>
+    <dgm:txPr/>
+    <dgm:style>
+      <a:lnRef idx="2">
+        <a:scrgbClr r="0" g="0" b="0"/>
+      </a:lnRef>
+      <a:fillRef idx="1">
+        <a:scrgbClr r="0" g="0" b="0"/>
+      </a:fillRef>
+      <a:effectRef idx="0">
+        <a:scrgbClr r="0" g="0" b="0"/>
+      </a:effectRef>
+      <a:fontRef idx="minor"/>
+    </dgm:style>
+  </dgm:styleLbl>
+  <dgm:styleLbl name="bgAccFollowNode1">
+    <dgm:scene3d>
+      <a:camera prst="orthographicFront"/>
+      <a:lightRig rig="threePt" dir="t"/>
+    </dgm:scene3d>
+    <dgm:sp3d/>
+    <dgm:txPr/>
+    <dgm:style>
+      <a:lnRef idx="2">
+        <a:scrgbClr r="0" g="0" b="0"/>
+      </a:lnRef>
+      <a:fillRef idx="1">
+        <a:scrgbClr r="0" g="0" b="0"/>
+      </a:fillRef>
+      <a:effectRef idx="0">
+        <a:scrgbClr r="0" g="0" b="0"/>
+      </a:effectRef>
+      <a:fontRef idx="minor"/>
+    </dgm:style>
+  </dgm:styleLbl>
+  <dgm:styleLbl name="fgAcc0">
+    <dgm:scene3d>
+      <a:camera prst="orthographicFront"/>
+      <a:lightRig rig="threePt" dir="t"/>
+    </dgm:scene3d>
+    <dgm:sp3d/>
+    <dgm:txPr/>
+    <dgm:style>
+      <a:lnRef idx="2">
+        <a:scrgbClr r="0" g="0" b="0"/>
+      </a:lnRef>
+      <a:fillRef idx="1">
+        <a:scrgbClr r="0" g="0" b="0"/>
+      </a:fillRef>
+      <a:effectRef idx="0">
+        <a:scrgbClr r="0" g="0" b="0"/>
+      </a:effectRef>
+      <a:fontRef idx="minor"/>
+    </dgm:style>
+  </dgm:styleLbl>
+  <dgm:styleLbl name="fgAcc2">
+    <dgm:scene3d>
+      <a:camera prst="orthographicFront"/>
+      <a:lightRig rig="threePt" dir="t"/>
+    </dgm:scene3d>
+    <dgm:sp3d/>
+    <dgm:txPr/>
+    <dgm:style>
+      <a:lnRef idx="2">
+        <a:scrgbClr r="0" g="0" b="0"/>
+      </a:lnRef>
+      <a:fillRef idx="1">
+        <a:scrgbClr r="0" g="0" b="0"/>
+      </a:fillRef>
+      <a:effectRef idx="0">
+        <a:scrgbClr r="0" g="0" b="0"/>
+      </a:effectRef>
+      <a:fontRef idx="minor"/>
+    </dgm:style>
+  </dgm:styleLbl>
+  <dgm:styleLbl name="fgAcc3">
+    <dgm:scene3d>
+      <a:camera prst="orthographicFront"/>
+      <a:lightRig rig="threePt" dir="t"/>
+    </dgm:scene3d>
+    <dgm:sp3d/>
+    <dgm:txPr/>
+    <dgm:style>
+      <a:lnRef idx="2">
+        <a:scrgbClr r="0" g="0" b="0"/>
+      </a:lnRef>
+      <a:fillRef idx="1">
+        <a:scrgbClr r="0" g="0" b="0"/>
+      </a:fillRef>
+      <a:effectRef idx="0">
+        <a:scrgbClr r="0" g="0" b="0"/>
+      </a:effectRef>
+      <a:fontRef idx="minor"/>
+    </dgm:style>
+  </dgm:styleLbl>
+  <dgm:styleLbl name="fgAcc4">
+    <dgm:scene3d>
+      <a:camera prst="orthographicFront"/>
+      <a:lightRig rig="threePt" dir="t"/>
+    </dgm:scene3d>
+    <dgm:sp3d/>
+    <dgm:txPr/>
+    <dgm:style>
+      <a:lnRef idx="2">
+        <a:scrgbClr r="0" g="0" b="0"/>
+      </a:lnRef>
+      <a:fillRef idx="1">
+        <a:scrgbClr r="0" g="0" b="0"/>
+      </a:fillRef>
+      <a:effectRef idx="0">
+        <a:scrgbClr r="0" g="0" b="0"/>
+      </a:effectRef>
+      <a:fontRef idx="minor"/>
+    </dgm:style>
+  </dgm:styleLbl>
+  <dgm:styleLbl name="bgShp">
+    <dgm:scene3d>
+      <a:camera prst="orthographicFront"/>
+      <a:lightRig rig="threePt" dir="t"/>
+    </dgm:scene3d>
+    <dgm:sp3d/>
+    <dgm:txPr/>
+    <dgm:style>
+      <a:lnRef idx="0">
+        <a:scrgbClr r="0" g="0" b="0"/>
+      </a:lnRef>
+      <a:fillRef idx="1">
+        <a:scrgbClr r="0" g="0" b="0"/>
+      </a:fillRef>
+      <a:effectRef idx="0">
+        <a:scrgbClr r="0" g="0" b="0"/>
+      </a:effectRef>
+      <a:fontRef idx="minor"/>
+    </dgm:style>
+  </dgm:styleLbl>
+  <dgm:styleLbl name="dkBgShp">
+    <dgm:scene3d>
+      <a:camera prst="orthographicFront"/>
+      <a:lightRig rig="threePt" dir="t"/>
+    </dgm:scene3d>
+    <dgm:sp3d/>
+    <dgm:txPr/>
+    <dgm:style>
+      <a:lnRef idx="0">
+        <a:scrgbClr r="0" g="0" b="0"/>
+      </a:lnRef>
+      <a:fillRef idx="1">
+        <a:scrgbClr r="0" g="0" b="0"/>
+      </a:fillRef>
+      <a:effectRef idx="0">
+        <a:scrgbClr r="0" g="0" b="0"/>
+      </a:effectRef>
+      <a:fontRef idx="minor"/>
+    </dgm:style>
+  </dgm:styleLbl>
+  <dgm:styleLbl name="trBgShp">
+    <dgm:scene3d>
+      <a:camera prst="orthographicFront"/>
+      <a:lightRig rig="threePt" dir="t"/>
+    </dgm:scene3d>
+    <dgm:sp3d/>
+    <dgm:txPr/>
+    <dgm:style>
+      <a:lnRef idx="0">
+        <a:scrgbClr r="0" g="0" b="0"/>
+      </a:lnRef>
+      <a:fillRef idx="1">
+        <a:scrgbClr r="0" g="0" b="0"/>
+      </a:fillRef>
+      <a:effectRef idx="0">
+        <a:scrgbClr r="0" g="0" b="0"/>
+      </a:effectRef>
+      <a:fontRef idx="minor"/>
+    </dgm:style>
+  </dgm:styleLbl>
+  <dgm:styleLbl name="fgShp">
+    <dgm:scene3d>
+      <a:camera prst="orthographicFront"/>
+      <a:lightRig rig="threePt" dir="t"/>
+    </dgm:scene3d>
+    <dgm:sp3d/>
+    <dgm:txPr/>
+    <dgm:style>
+      <a:lnRef idx="2">
+        <a:scrgbClr r="0" g="0" b="0"/>
+      </a:lnRef>
+      <a:fillRef idx="1">
+        <a:scrgbClr r="0" g="0" b="0"/>
+      </a:fillRef>
+      <a:effectRef idx="0">
+        <a:scrgbClr r="0" g="0" b="0"/>
+      </a:effectRef>
+      <a:fontRef idx="minor"/>
+    </dgm:style>
+  </dgm:styleLbl>
+  <dgm:styleLbl name="revTx">
+    <dgm:scene3d>
+      <a:camera prst="orthographicFront"/>
+      <a:lightRig rig="threePt" dir="t"/>
+    </dgm:scene3d>
+    <dgm:sp3d/>
+    <dgm:txPr/>
+    <dgm:style>
+      <a:lnRef idx="0">
+        <a:scrgbClr r="0" g="0" b="0"/>
+      </a:lnRef>
+      <a:fillRef idx="0">
+        <a:scrgbClr r="0" g="0" b="0"/>
+      </a:fillRef>
+      <a:effectRef idx="0">
+        <a:scrgbClr r="0" g="0" b="0"/>
+      </a:effectRef>
+      <a:fontRef idx="minor"/>
+    </dgm:style>
+  </dgm:styleLbl>
+</dgm:styleDef>
+</file>
+
+<file path=ppt/diagrams/quickStyle2.xml><?xml version="1.0" encoding="utf-8"?>
+<dgm:styleDef xmlns:dgm="http://schemas.openxmlformats.org/drawingml/2006/diagram" xmlns:a="http://schemas.openxmlformats.org/drawingml/2006/main" uniqueId="urn:microsoft.com/office/officeart/2005/8/quickstyle/simple1">
+  <dgm:title val=""/>
+  <dgm:desc val=""/>
+  <dgm:catLst>
+    <dgm:cat type="simple" pri="10100"/>
+  </dgm:catLst>
+  <dgm:scene3d>
+    <a:camera prst="orthographicFront"/>
+    <a:lightRig rig="threePt" dir="t"/>
+  </dgm:scene3d>
+  <dgm:styleLbl name="node0">
+    <dgm:scene3d>
+      <a:camera prst="orthographicFront"/>
+      <a:lightRig rig="threePt" dir="t"/>
+    </dgm:scene3d>
+    <dgm:sp3d/>
+    <dgm:txPr/>
+    <dgm:style>
+      <a:lnRef idx="2">
+        <a:scrgbClr r="0" g="0" b="0"/>
+      </a:lnRef>
+      <a:fillRef idx="1">
+        <a:scrgbClr r="0" g="0" b="0"/>
+      </a:fillRef>
+      <a:effectRef idx="0">
+        <a:scrgbClr r="0" g="0" b="0"/>
+      </a:effectRef>
+      <a:fontRef idx="minor">
+        <a:schemeClr val="lt1"/>
+      </a:fontRef>
+    </dgm:style>
+  </dgm:styleLbl>
+  <dgm:styleLbl name="lnNode1">
+    <dgm:scene3d>
+      <a:camera prst="orthographicFront"/>
+      <a:lightRig rig="threePt" dir="t"/>
+    </dgm:scene3d>
+    <dgm:sp3d/>
+    <dgm:txPr/>
+    <dgm:style>
+      <a:lnRef idx="2">
+        <a:scrgbClr r="0" g="0" b="0"/>
+      </a:lnRef>
+      <a:fillRef idx="1">
+        <a:scrgbClr r="0" g="0" b="0"/>
+      </a:fillRef>
+      <a:effectRef idx="0">
+        <a:scrgbClr r="0" g="0" b="0"/>
+      </a:effectRef>
+      <a:fontRef idx="minor">
+        <a:schemeClr val="lt1"/>
+      </a:fontRef>
+    </dgm:style>
+  </dgm:styleLbl>
+  <dgm:styleLbl name="vennNode1">
+    <dgm:scene3d>
+      <a:camera prst="orthographicFront"/>
+      <a:lightRig rig="threePt" dir="t"/>
+    </dgm:scene3d>
+    <dgm:sp3d/>
+    <dgm:txPr/>
+    <dgm:style>
+      <a:lnRef idx="2">
+        <a:scrgbClr r="0" g="0" b="0"/>
+      </a:lnRef>
+      <a:fillRef idx="1">
+        <a:scrgbClr r="0" g="0" b="0"/>
+      </a:fillRef>
+      <a:effectRef idx="0">
+        <a:scrgbClr r="0" g="0" b="0"/>
+      </a:effectRef>
+      <a:fontRef idx="minor">
+        <a:schemeClr val="tx1"/>
+      </a:fontRef>
+    </dgm:style>
+  </dgm:styleLbl>
+  <dgm:styleLbl name="alignNode1">
+    <dgm:scene3d>
+      <a:camera prst="orthographicFront"/>
+      <a:lightRig rig="threePt" dir="t"/>
+    </dgm:scene3d>
+    <dgm:sp3d/>
+    <dgm:txPr/>
+    <dgm:style>
+      <a:lnRef idx="2">
+        <a:scrgbClr r="0" g="0" b="0"/>
+      </a:lnRef>
+      <a:fillRef idx="1">
+        <a:scrgbClr r="0" g="0" b="0"/>
+      </a:fillRef>
+      <a:effectRef idx="0">
+        <a:scrgbClr r="0" g="0" b="0"/>
+      </a:effectRef>
+      <a:fontRef idx="minor">
+        <a:schemeClr val="lt1"/>
+      </a:fontRef>
+    </dgm:style>
+  </dgm:styleLbl>
+  <dgm:styleLbl name="node1">
+    <dgm:scene3d>
+      <a:camera prst="orthographicFront"/>
+      <a:lightRig rig="threePt" dir="t"/>
+    </dgm:scene3d>
+    <dgm:sp3d/>
+    <dgm:txPr/>
+    <dgm:style>
+      <a:lnRef idx="2">
+        <a:scrgbClr r="0" g="0" b="0"/>
+      </a:lnRef>
+      <a:fillRef idx="1">
+        <a:scrgbClr r="0" g="0" b="0"/>
+      </a:fillRef>
+      <a:effectRef idx="0">
+        <a:scrgbClr r="0" g="0" b="0"/>
+      </a:effectRef>
+      <a:fontRef idx="minor">
+        <a:schemeClr val="lt1"/>
+      </a:fontRef>
+    </dgm:style>
+  </dgm:styleLbl>
+  <dgm:styleLbl name="node2">
+    <dgm:scene3d>
+      <a:camera prst="orthographicFront"/>
+      <a:lightRig rig="threePt" dir="t"/>
+    </dgm:scene3d>
+    <dgm:sp3d/>
+    <dgm:txPr/>
+    <dgm:style>
+      <a:lnRef idx="2">
+        <a:scrgbClr r="0" g="0" b="0"/>
+      </a:lnRef>
+      <a:fillRef idx="1">
+        <a:scrgbClr r="0" g="0" b="0"/>
+      </a:fillRef>
+      <a:effectRef idx="0">
+        <a:scrgbClr r="0" g="0" b="0"/>
+      </a:effectRef>
+      <a:fontRef idx="minor">
+        <a:schemeClr val="lt1"/>
+      </a:fontRef>
+    </dgm:style>
+  </dgm:styleLbl>
+  <dgm:styleLbl name="node3">
+    <dgm:scene3d>
+      <a:camera prst="orthographicFront"/>
+      <a:lightRig rig="threePt" dir="t"/>
+    </dgm:scene3d>
+    <dgm:sp3d/>
+    <dgm:txPr/>
+    <dgm:style>
+      <a:lnRef idx="2">
+        <a:scrgbClr r="0" g="0" b="0"/>
+      </a:lnRef>
+      <a:fillRef idx="1">
+        <a:scrgbClr r="0" g="0" b="0"/>
+      </a:fillRef>
+      <a:effectRef idx="0">
+        <a:scrgbClr r="0" g="0" b="0"/>
+      </a:effectRef>
+      <a:fontRef idx="minor">
+        <a:schemeClr val="lt1"/>
+      </a:fontRef>
+    </dgm:style>
+  </dgm:styleLbl>
+  <dgm:styleLbl name="node4">
+    <dgm:scene3d>
+      <a:camera prst="orthographicFront"/>
+      <a:lightRig rig="threePt" dir="t"/>
+    </dgm:scene3d>
+    <dgm:sp3d/>
+    <dgm:txPr/>
+    <dgm:style>
+      <a:lnRef idx="2">
+        <a:scrgbClr r="0" g="0" b="0"/>
+      </a:lnRef>
+      <a:fillRef idx="1">
+        <a:scrgbClr r="0" g="0" b="0"/>
+      </a:fillRef>
+      <a:effectRef idx="0">
+        <a:scrgbClr r="0" g="0" b="0"/>
+      </a:effectRef>
+      <a:fontRef idx="minor">
+        <a:schemeClr val="lt1"/>
+      </a:fontRef>
+    </dgm:style>
+  </dgm:styleLbl>
+  <dgm:styleLbl name="fgImgPlace1">
+    <dgm:scene3d>
+      <a:camera prst="orthographicFront"/>
+      <a:lightRig rig="threePt" dir="t"/>
+    </dgm:scene3d>
+    <dgm:sp3d/>
+    <dgm:txPr/>
+    <dgm:style>
+      <a:lnRef idx="2">
+        <a:scrgbClr r="0" g="0" b="0"/>
+      </a:lnRef>
+      <a:fillRef idx="1">
+        <a:scrgbClr r="0" g="0" b="0"/>
+      </a:fillRef>
+      <a:effectRef idx="0">
+        <a:scrgbClr r="0" g="0" b="0"/>
+      </a:effectRef>
+      <a:fontRef idx="minor"/>
+    </dgm:style>
+  </dgm:styleLbl>
+  <dgm:styleLbl name="alignImgPlace1">
+    <dgm:scene3d>
+      <a:camera prst="orthographicFront"/>
+      <a:lightRig rig="threePt" dir="t"/>
+    </dgm:scene3d>
+    <dgm:sp3d/>
+    <dgm:txPr/>
+    <dgm:style>
+      <a:lnRef idx="2">
+        <a:scrgbClr r="0" g="0" b="0"/>
+      </a:lnRef>
+      <a:fillRef idx="1">
+        <a:scrgbClr r="0" g="0" b="0"/>
+      </a:fillRef>
+      <a:effectRef idx="0">
+        <a:scrgbClr r="0" g="0" b="0"/>
+      </a:effectRef>
+      <a:fontRef idx="minor"/>
+    </dgm:style>
+  </dgm:styleLbl>
+  <dgm:styleLbl name="bgImgPlace1">
+    <dgm:scene3d>
+      <a:camera prst="orthographicFront"/>
+      <a:lightRig rig="threePt" dir="t"/>
+    </dgm:scene3d>
+    <dgm:sp3d/>
+    <dgm:txPr/>
+    <dgm:style>
+      <a:lnRef idx="2">
+        <a:scrgbClr r="0" g="0" b="0"/>
+      </a:lnRef>
+      <a:fillRef idx="1">
+        <a:scrgbClr r="0" g="0" b="0"/>
+      </a:fillRef>
+      <a:effectRef idx="0">
+        <a:scrgbClr r="0" g="0" b="0"/>
+      </a:effectRef>
+      <a:fontRef idx="minor"/>
+    </dgm:style>
+  </dgm:styleLbl>
+  <dgm:styleLbl name="sibTrans2D1">
+    <dgm:scene3d>
+      <a:camera prst="orthographicFront"/>
+      <a:lightRig rig="threePt" dir="t"/>
+    </dgm:scene3d>
+    <dgm:sp3d/>
+    <dgm:txPr/>
+    <dgm:style>
+      <a:lnRef idx="0">
+        <a:scrgbClr r="0" g="0" b="0"/>
+      </a:lnRef>
+      <a:fillRef idx="1">
+        <a:scrgbClr r="0" g="0" b="0"/>
+      </a:fillRef>
+      <a:effectRef idx="0">
+        <a:scrgbClr r="0" g="0" b="0"/>
+      </a:effectRef>
+      <a:fontRef idx="minor">
+        <a:schemeClr val="lt1"/>
+      </a:fontRef>
+    </dgm:style>
+  </dgm:styleLbl>
+  <dgm:styleLbl name="fgSibTrans2D1">
+    <dgm:scene3d>
+      <a:camera prst="orthographicFront"/>
+      <a:lightRig rig="threePt" dir="t"/>
+    </dgm:scene3d>
+    <dgm:sp3d/>
+    <dgm:txPr/>
+    <dgm:style>
+      <a:lnRef idx="0">
+        <a:scrgbClr r="0" g="0" b="0"/>
+      </a:lnRef>
+      <a:fillRef idx="1">
+        <a:scrgbClr r="0" g="0" b="0"/>
+      </a:fillRef>
+      <a:effectRef idx="0">
+        <a:scrgbClr r="0" g="0" b="0"/>
+      </a:effectRef>
+      <a:fontRef idx="minor">
+        <a:schemeClr val="lt1"/>
+      </a:fontRef>
+    </dgm:style>
+  </dgm:styleLbl>
+  <dgm:styleLbl name="bgSibTrans2D1">
+    <dgm:scene3d>
+      <a:camera prst="orthographicFront"/>
+      <a:lightRig rig="threePt" dir="t"/>
+    </dgm:scene3d>
+    <dgm:sp3d/>
+    <dgm:txPr/>
+    <dgm:style>
+      <a:lnRef idx="0">
+        <a:scrgbClr r="0" g="0" b="0"/>
+      </a:lnRef>
+      <a:fillRef idx="1">
+        <a:scrgbClr r="0" g="0" b="0"/>
+      </a:fillRef>
+      <a:effectRef idx="0">
+        <a:scrgbClr r="0" g="0" b="0"/>
+      </a:effectRef>
+      <a:fontRef idx="minor">
+        <a:schemeClr val="lt1"/>
+      </a:fontRef>
+    </dgm:style>
+  </dgm:styleLbl>
+  <dgm:styleLbl name="sibTrans1D1">
+    <dgm:scene3d>
+      <a:camera prst="orthographicFront"/>
+      <a:lightRig rig="threePt" dir="t"/>
+    </dgm:scene3d>
+    <dgm:sp3d/>
+    <dgm:txPr/>
+    <dgm:style>
+      <a:lnRef idx="1">
+        <a:scrgbClr r="0" g="0" b="0"/>
+      </a:lnRef>
+      <a:fillRef idx="0">
+        <a:scrgbClr r="0" g="0" b="0"/>
+      </a:fillRef>
+      <a:effectRef idx="0">
+        <a:scrgbClr r="0" g="0" b="0"/>
+      </a:effectRef>
+      <a:fontRef idx="minor"/>
+    </dgm:style>
+  </dgm:styleLbl>
+  <dgm:styleLbl name="callout">
+    <dgm:scene3d>
+      <a:camera prst="orthographicFront"/>
+      <a:lightRig rig="threePt" dir="t"/>
+    </dgm:scene3d>
+    <dgm:sp3d/>
+    <dgm:txPr/>
+    <dgm:style>
+      <a:lnRef idx="2">
+        <a:scrgbClr r="0" g="0" b="0"/>
+      </a:lnRef>
+      <a:fillRef idx="1">
+        <a:scrgbClr r="0" g="0" b="0"/>
+      </a:fillRef>
+      <a:effectRef idx="0">
+        <a:scrgbClr r="0" g="0" b="0"/>
+      </a:effectRef>
+      <a:fontRef idx="minor"/>
+    </dgm:style>
+  </dgm:styleLbl>
+  <dgm:styleLbl name="asst0">
+    <dgm:scene3d>
+      <a:camera prst="orthographicFront"/>
+      <a:lightRig rig="threePt" dir="t"/>
+    </dgm:scene3d>
+    <dgm:sp3d/>
+    <dgm:txPr/>
+    <dgm:style>
+      <a:lnRef idx="2">
+        <a:scrgbClr r="0" g="0" b="0"/>
+      </a:lnRef>
+      <a:fillRef idx="1">
+        <a:scrgbClr r="0" g="0" b="0"/>
+      </a:fillRef>
+      <a:effectRef idx="0">
+        <a:scrgbClr r="0" g="0" b="0"/>
+      </a:effectRef>
+      <a:fontRef idx="minor">
+        <a:schemeClr val="lt1"/>
+      </a:fontRef>
+    </dgm:style>
+  </dgm:styleLbl>
+  <dgm:styleLbl name="asst1">
+    <dgm:scene3d>
+      <a:camera prst="orthographicFront"/>
+      <a:lightRig rig="threePt" dir="t"/>
+    </dgm:scene3d>
+    <dgm:sp3d/>
+    <dgm:txPr/>
+    <dgm:style>
+      <a:lnRef idx="2">
+        <a:scrgbClr r="0" g="0" b="0"/>
+      </a:lnRef>
+      <a:fillRef idx="1">
+        <a:scrgbClr r="0" g="0" b="0"/>
+      </a:fillRef>
+      <a:effectRef idx="0">
+        <a:scrgbClr r="0" g="0" b="0"/>
+      </a:effectRef>
+      <a:fontRef idx="minor">
+        <a:schemeClr val="lt1"/>
+      </a:fontRef>
+    </dgm:style>
+  </dgm:styleLbl>
+  <dgm:styleLbl name="asst2">
+    <dgm:scene3d>
+      <a:camera prst="orthographicFront"/>
+      <a:lightRig rig="threePt" dir="t"/>
+    </dgm:scene3d>
+    <dgm:sp3d/>
+    <dgm:txPr/>
+    <dgm:style>
+      <a:lnRef idx="2">
+        <a:scrgbClr r="0" g="0" b="0"/>
+      </a:lnRef>
+      <a:fillRef idx="1">
+        <a:scrgbClr r="0" g="0" b="0"/>
+      </a:fillRef>
+      <a:effectRef idx="0">
+        <a:scrgbClr r="0" g="0" b="0"/>
+      </a:effectRef>
+      <a:fontRef idx="minor">
+        <a:schemeClr val="lt1"/>
+      </a:fontRef>
+    </dgm:style>
+  </dgm:styleLbl>
+  <dgm:styleLbl name="asst3">
+    <dgm:scene3d>
+      <a:camera prst="orthographicFront"/>
+      <a:lightRig rig="threePt" dir="t"/>
+    </dgm:scene3d>
+    <dgm:sp3d/>
+    <dgm:txPr/>
+    <dgm:style>
+      <a:lnRef idx="2">
+        <a:scrgbClr r="0" g="0" b="0"/>
+      </a:lnRef>
+      <a:fillRef idx="1">
+        <a:scrgbClr r="0" g="0" b="0"/>
+      </a:fillRef>
+      <a:effectRef idx="0">
+        <a:scrgbClr r="0" g="0" b="0"/>
+      </a:effectRef>
+      <a:fontRef idx="minor">
+        <a:schemeClr val="lt1"/>
+      </a:fontRef>
+    </dgm:style>
+  </dgm:styleLbl>
+  <dgm:styleLbl name="asst4">
+    <dgm:scene3d>
+      <a:camera prst="orthographicFront"/>
+      <a:lightRig rig="threePt" dir="t"/>
+    </dgm:scene3d>
+    <dgm:sp3d/>
+    <dgm:txPr/>
+    <dgm:style>
+      <a:lnRef idx="2">
+        <a:scrgbClr r="0" g="0" b="0"/>
+      </a:lnRef>
+      <a:fillRef idx="1">
+        <a:scrgbClr r="0" g="0" b="0"/>
+      </a:fillRef>
+      <a:effectRef idx="0">
+        <a:scrgbClr r="0" g="0" b="0"/>
+      </a:effectRef>
+      <a:fontRef idx="minor">
+        <a:schemeClr val="lt1"/>
+      </a:fontRef>
+    </dgm:style>
+  </dgm:styleLbl>
+  <dgm:styleLbl name="parChTrans2D1">
+    <dgm:scene3d>
+      <a:camera prst="orthographicFront"/>
+      <a:lightRig rig="threePt" dir="t"/>
+    </dgm:scene3d>
+    <dgm:sp3d/>
+    <dgm:txPr/>
+    <dgm:style>
+      <a:lnRef idx="2">
+        <a:scrgbClr r="0" g="0" b="0"/>
+      </a:lnRef>
+      <a:fillRef idx="1">
+        <a:scrgbClr r="0" g="0" b="0"/>
+      </a:fillRef>
+      <a:effectRef idx="0">
+        <a:scrgbClr r="0" g="0" b="0"/>
+      </a:effectRef>
+      <a:fontRef idx="minor">
+        <a:schemeClr val="lt1"/>
+      </a:fontRef>
+    </dgm:style>
+  </dgm:styleLbl>
+  <dgm:styleLbl name="parChTrans2D2">
+    <dgm:scene3d>
+      <a:camera prst="orthographicFront"/>
+      <a:lightRig rig="threePt" dir="t"/>
+    </dgm:scene3d>
+    <dgm:sp3d/>
+    <dgm:txPr/>
+    <dgm:style>
+      <a:lnRef idx="2">
+        <a:scrgbClr r="0" g="0" b="0"/>
+      </a:lnRef>
+      <a:fillRef idx="1">
+        <a:scrgbClr r="0" g="0" b="0"/>
+      </a:fillRef>
+      <a:effectRef idx="0">
+        <a:scrgbClr r="0" g="0" b="0"/>
+      </a:effectRef>
+      <a:fontRef idx="minor">
+        <a:schemeClr val="lt1"/>
+      </a:fontRef>
+    </dgm:style>
+  </dgm:styleLbl>
+  <dgm:styleLbl name="parChTrans2D3">
+    <dgm:scene3d>
+      <a:camera prst="orthographicFront"/>
+      <a:lightRig rig="threePt" dir="t"/>
+    </dgm:scene3d>
+    <dgm:sp3d/>
+    <dgm:txPr/>
+    <dgm:style>
+      <a:lnRef idx="2">
+        <a:scrgbClr r="0" g="0" b="0"/>
+      </a:lnRef>
+      <a:fillRef idx="1">
+        <a:scrgbClr r="0" g="0" b="0"/>
+      </a:fillRef>
+      <a:effectRef idx="0">
+        <a:scrgbClr r="0" g="0" b="0"/>
+      </a:effectRef>
+      <a:fontRef idx="minor">
+        <a:schemeClr val="lt1"/>
+      </a:fontRef>
+    </dgm:style>
+  </dgm:styleLbl>
+  <dgm:styleLbl name="parChTrans2D4">
+    <dgm:scene3d>
+      <a:camera prst="orthographicFront"/>
+      <a:lightRig rig="threePt" dir="t"/>
+    </dgm:scene3d>
+    <dgm:sp3d/>
+    <dgm:txPr/>
+    <dgm:style>
+      <a:lnRef idx="2">
+        <a:scrgbClr r="0" g="0" b="0"/>
+      </a:lnRef>
+      <a:fillRef idx="1">
+        <a:scrgbClr r="0" g="0" b="0"/>
+      </a:fillRef>
+      <a:effectRef idx="0">
+        <a:scrgbClr r="0" g="0" b="0"/>
+      </a:effectRef>
+      <a:fontRef idx="minor">
+        <a:schemeClr val="lt1"/>
+      </a:fontRef>
+    </dgm:style>
+  </dgm:styleLbl>
+  <dgm:styleLbl name="parChTrans1D1">
+    <dgm:scene3d>
+      <a:camera prst="orthographicFront"/>
+      <a:lightRig rig="threePt" dir="t"/>
+    </dgm:scene3d>
+    <dgm:sp3d/>
+    <dgm:txPr/>
+    <dgm:style>
+      <a:lnRef idx="2">
+        <a:scrgbClr r="0" g="0" b="0"/>
+      </a:lnRef>
+      <a:fillRef idx="0">
+        <a:scrgbClr r="0" g="0" b="0"/>
+      </a:fillRef>
+      <a:effectRef idx="0">
+        <a:scrgbClr r="0" g="0" b="0"/>
+      </a:effectRef>
+      <a:fontRef idx="minor"/>
+    </dgm:style>
+  </dgm:styleLbl>
+  <dgm:styleLbl name="parChTrans1D2">
+    <dgm:scene3d>
+      <a:camera prst="orthographicFront"/>
+      <a:lightRig rig="threePt" dir="t"/>
+    </dgm:scene3d>
+    <dgm:sp3d/>
+    <dgm:txPr/>
+    <dgm:style>
+      <a:lnRef idx="2">
+        <a:scrgbClr r="0" g="0" b="0"/>
+      </a:lnRef>
+      <a:fillRef idx="0">
+        <a:scrgbClr r="0" g="0" b="0"/>
+      </a:fillRef>
+      <a:effectRef idx="0">
+        <a:scrgbClr r="0" g="0" b="0"/>
+      </a:effectRef>
+      <a:fontRef idx="minor"/>
+    </dgm:style>
+  </dgm:styleLbl>
+  <dgm:styleLbl name="parChTrans1D3">
+    <dgm:scene3d>
+      <a:camera prst="orthographicFront"/>
+      <a:lightRig rig="threePt" dir="t"/>
+    </dgm:scene3d>
+    <dgm:sp3d/>
+    <dgm:txPr/>
+    <dgm:style>
+      <a:lnRef idx="2">
+        <a:scrgbClr r="0" g="0" b="0"/>
+      </a:lnRef>
+      <a:fillRef idx="0">
+        <a:scrgbClr r="0" g="0" b="0"/>
+      </a:fillRef>
+      <a:effectRef idx="0">
+        <a:scrgbClr r="0" g="0" b="0"/>
+      </a:effectRef>
+      <a:fontRef idx="minor"/>
+    </dgm:style>
+  </dgm:styleLbl>
+  <dgm:styleLbl name="parChTrans1D4">
+    <dgm:scene3d>
+      <a:camera prst="orthographicFront"/>
+      <a:lightRig rig="threePt" dir="t"/>
+    </dgm:scene3d>
+    <dgm:sp3d/>
+    <dgm:txPr/>
+    <dgm:style>
+      <a:lnRef idx="2">
+        <a:scrgbClr r="0" g="0" b="0"/>
+      </a:lnRef>
+      <a:fillRef idx="0">
+        <a:scrgbClr r="0" g="0" b="0"/>
+      </a:fillRef>
+      <a:effectRef idx="0">
+        <a:scrgbClr r="0" g="0" b="0"/>
+      </a:effectRef>
+      <a:fontRef idx="minor"/>
+    </dgm:style>
+  </dgm:styleLbl>
+  <dgm:styleLbl name="fgAcc1">
+    <dgm:scene3d>
+      <a:camera prst="orthographicFront"/>
+      <a:lightRig rig="threePt" dir="t"/>
+    </dgm:scene3d>
+    <dgm:sp3d/>
+    <dgm:txPr/>
+    <dgm:style>
+      <a:lnRef idx="2">
+        <a:scrgbClr r="0" g="0" b="0"/>
+      </a:lnRef>
+      <a:fillRef idx="1">
+        <a:scrgbClr r="0" g="0" b="0"/>
+      </a:fillRef>
+      <a:effectRef idx="0">
+        <a:scrgbClr r="0" g="0" b="0"/>
+      </a:effectRef>
+      <a:fontRef idx="minor"/>
+    </dgm:style>
+  </dgm:styleLbl>
+  <dgm:styleLbl name="conFgAcc1">
+    <dgm:scene3d>
+      <a:camera prst="orthographicFront"/>
+      <a:lightRig rig="threePt" dir="t"/>
+    </dgm:scene3d>
+    <dgm:sp3d/>
+    <dgm:txPr/>
+    <dgm:style>
+      <a:lnRef idx="2">
+        <a:scrgbClr r="0" g="0" b="0"/>
+      </a:lnRef>
+      <a:fillRef idx="1">
+        <a:scrgbClr r="0" g="0" b="0"/>
+      </a:fillRef>
+      <a:effectRef idx="0">
+        <a:scrgbClr r="0" g="0" b="0"/>
+      </a:effectRef>
+      <a:fontRef idx="minor"/>
+    </dgm:style>
+  </dgm:styleLbl>
+  <dgm:styleLbl name="alignAcc1">
+    <dgm:scene3d>
+      <a:camera prst="orthographicFront"/>
+      <a:lightRig rig="threePt" dir="t"/>
+    </dgm:scene3d>
+    <dgm:sp3d/>
+    <dgm:txPr/>
+    <dgm:style>
+      <a:lnRef idx="2">
+        <a:scrgbClr r="0" g="0" b="0"/>
+      </a:lnRef>
+      <a:fillRef idx="1">
+        <a:scrgbClr r="0" g="0" b="0"/>
+      </a:fillRef>
+      <a:effectRef idx="0">
+        <a:scrgbClr r="0" g="0" b="0"/>
+      </a:effectRef>
+      <a:fontRef idx="minor"/>
+    </dgm:style>
+  </dgm:styleLbl>
+  <dgm:styleLbl name="trAlignAcc1">
+    <dgm:scene3d>
+      <a:camera prst="orthographicFront"/>
+      <a:lightRig rig="threePt" dir="t"/>
+    </dgm:scene3d>
+    <dgm:sp3d/>
+    <dgm:txPr/>
+    <dgm:style>
+      <a:lnRef idx="1">
+        <a:scrgbClr r="0" g="0" b="0"/>
+      </a:lnRef>
+      <a:fillRef idx="1">
+        <a:scrgbClr r="0" g="0" b="0"/>
+      </a:fillRef>
+      <a:effectRef idx="0">
+        <a:scrgbClr r="0" g="0" b="0"/>
+      </a:effectRef>
+      <a:fontRef idx="minor"/>
+    </dgm:style>
+  </dgm:styleLbl>
+  <dgm:styleLbl name="bgAcc1">
+    <dgm:scene3d>
+      <a:camera prst="orthographicFront"/>
+      <a:lightRig rig="threePt" dir="t"/>
+    </dgm:scene3d>
+    <dgm:sp3d/>
+    <dgm:txPr/>
+    <dgm:style>
+      <a:lnRef idx="2">
+        <a:scrgbClr r="0" g="0" b="0"/>
+      </a:lnRef>
+      <a:fillRef idx="1">
+        <a:scrgbClr r="0" g="0" b="0"/>
+      </a:fillRef>
+      <a:effectRef idx="0">
+        <a:scrgbClr r="0" g="0" b="0"/>
+      </a:effectRef>
+      <a:fontRef idx="minor"/>
+    </dgm:style>
+  </dgm:styleLbl>
+  <dgm:styleLbl name="solidFgAcc1">
+    <dgm:scene3d>
+      <a:camera prst="orthographicFront"/>
+      <a:lightRig rig="threePt" dir="t"/>
+    </dgm:scene3d>
+    <dgm:sp3d/>
+    <dgm:txPr/>
+    <dgm:style>
+      <a:lnRef idx="2">
+        <a:scrgbClr r="0" g="0" b="0"/>
+      </a:lnRef>
+      <a:fillRef idx="1">
+        <a:scrgbClr r="0" g="0" b="0"/>
+      </a:fillRef>
+      <a:effectRef idx="0">
+        <a:scrgbClr r="0" g="0" b="0"/>
+      </a:effectRef>
+      <a:fontRef idx="minor"/>
+    </dgm:style>
+  </dgm:styleLbl>
+  <dgm:styleLbl name="solidAlignAcc1">
+    <dgm:scene3d>
+      <a:camera prst="orthographicFront"/>
+      <a:lightRig rig="threePt" dir="t"/>
+    </dgm:scene3d>
+    <dgm:sp3d/>
+    <dgm:txPr/>
+    <dgm:style>
+      <a:lnRef idx="2">
+        <a:scrgbClr r="0" g="0" b="0"/>
+      </a:lnRef>
+      <a:fillRef idx="1">
+        <a:scrgbClr r="0" g="0" b="0"/>
+      </a:fillRef>
+      <a:effectRef idx="0">
+        <a:scrgbClr r="0" g="0" b="0"/>
+      </a:effectRef>
+      <a:fontRef idx="minor"/>
+    </dgm:style>
+  </dgm:styleLbl>
+  <dgm:styleLbl name="solidBgAcc1">
+    <dgm:scene3d>
+      <a:camera prst="orthographicFront"/>
+      <a:lightRig rig="threePt" dir="t"/>
+    </dgm:scene3d>
+    <dgm:sp3d/>
+    <dgm:txPr/>
+    <dgm:style>
+      <a:lnRef idx="2">
+        <a:scrgbClr r="0" g="0" b="0"/>
+      </a:lnRef>
+      <a:fillRef idx="1">
+        <a:scrgbClr r="0" g="0" b="0"/>
+      </a:fillRef>
+      <a:effectRef idx="0">
+        <a:scrgbClr r="0" g="0" b="0"/>
+      </a:effectRef>
+      <a:fontRef idx="minor"/>
+    </dgm:style>
+  </dgm:styleLbl>
+  <dgm:styleLbl name="fgAccFollowNode1">
+    <dgm:scene3d>
+      <a:camera prst="orthographicFront"/>
+      <a:lightRig rig="threePt" dir="t"/>
+    </dgm:scene3d>
+    <dgm:sp3d/>
+    <dgm:txPr/>
+    <dgm:style>
+      <a:lnRef idx="2">
+        <a:scrgbClr r="0" g="0" b="0"/>
+      </a:lnRef>
+      <a:fillRef idx="1">
+        <a:scrgbClr r="0" g="0" b="0"/>
+      </a:fillRef>
+      <a:effectRef idx="0">
+        <a:scrgbClr r="0" g="0" b="0"/>
+      </a:effectRef>
+      <a:fontRef idx="minor"/>
+    </dgm:style>
+  </dgm:styleLbl>
+  <dgm:styleLbl name="alignAccFollowNode1">
+    <dgm:scene3d>
+      <a:camera prst="orthographicFront"/>
+      <a:lightRig rig="threePt" dir="t"/>
+    </dgm:scene3d>
+    <dgm:sp3d/>
+    <dgm:txPr/>
+    <dgm:style>
+      <a:lnRef idx="2">
+        <a:scrgbClr r="0" g="0" b="0"/>
+      </a:lnRef>
+      <a:fillRef idx="1">
+        <a:scrgbClr r="0" g="0" b="0"/>
+      </a:fillRef>
+      <a:effectRef idx="0">
+        <a:scrgbClr r="0" g="0" b="0"/>
+      </a:effectRef>
+      <a:fontRef idx="minor"/>
+    </dgm:style>
+  </dgm:styleLbl>
+  <dgm:styleLbl name="bgAccFollowNode1">
+    <dgm:scene3d>
+      <a:camera prst="orthographicFront"/>
+      <a:lightRig rig="threePt" dir="t"/>
+    </dgm:scene3d>
+    <dgm:sp3d/>
+    <dgm:txPr/>
+    <dgm:style>
+      <a:lnRef idx="2">
+        <a:scrgbClr r="0" g="0" b="0"/>
+      </a:lnRef>
+      <a:fillRef idx="1">
+        <a:scrgbClr r="0" g="0" b="0"/>
+      </a:fillRef>
+      <a:effectRef idx="0">
+        <a:scrgbClr r="0" g="0" b="0"/>
+      </a:effectRef>
+      <a:fontRef idx="minor"/>
+    </dgm:style>
+  </dgm:styleLbl>
+  <dgm:styleLbl name="fgAcc0">
+    <dgm:scene3d>
+      <a:camera prst="orthographicFront"/>
+      <a:lightRig rig="threePt" dir="t"/>
+    </dgm:scene3d>
+    <dgm:sp3d/>
+    <dgm:txPr/>
+    <dgm:style>
+      <a:lnRef idx="2">
+        <a:scrgbClr r="0" g="0" b="0"/>
+      </a:lnRef>
+      <a:fillRef idx="1">
+        <a:scrgbClr r="0" g="0" b="0"/>
+      </a:fillRef>
+      <a:effectRef idx="0">
+        <a:scrgbClr r="0" g="0" b="0"/>
+      </a:effectRef>
+      <a:fontRef idx="minor"/>
+    </dgm:style>
+  </dgm:styleLbl>
+  <dgm:styleLbl name="fgAcc2">
+    <dgm:scene3d>
+      <a:camera prst="orthographicFront"/>
+      <a:lightRig rig="threePt" dir="t"/>
+    </dgm:scene3d>
+    <dgm:sp3d/>
+    <dgm:txPr/>
+    <dgm:style>
+      <a:lnRef idx="2">
+        <a:scrgbClr r="0" g="0" b="0"/>
+      </a:lnRef>
+      <a:fillRef idx="1">
+        <a:scrgbClr r="0" g="0" b="0"/>
+      </a:fillRef>
+      <a:effectRef idx="0">
+        <a:scrgbClr r="0" g="0" b="0"/>
+      </a:effectRef>
+      <a:fontRef idx="minor"/>
+    </dgm:style>
+  </dgm:styleLbl>
+  <dgm:styleLbl name="fgAcc3">
+    <dgm:scene3d>
+      <a:camera prst="orthographicFront"/>
+      <a:lightRig rig="threePt" dir="t"/>
+    </dgm:scene3d>
+    <dgm:sp3d/>
+    <dgm:txPr/>
+    <dgm:style>
+      <a:lnRef idx="2">
+        <a:scrgbClr r="0" g="0" b="0"/>
+      </a:lnRef>
+      <a:fillRef idx="1">
+        <a:scrgbClr r="0" g="0" b="0"/>
+      </a:fillRef>
+      <a:effectRef idx="0">
+        <a:scrgbClr r="0" g="0" b="0"/>
+      </a:effectRef>
+      <a:fontRef idx="minor"/>
+    </dgm:style>
+  </dgm:styleLbl>
+  <dgm:styleLbl name="fgAcc4">
+    <dgm:scene3d>
+      <a:camera prst="orthographicFront"/>
+      <a:lightRig rig="threePt" dir="t"/>
+    </dgm:scene3d>
+    <dgm:sp3d/>
+    <dgm:txPr/>
+    <dgm:style>
+      <a:lnRef idx="2">
+        <a:scrgbClr r="0" g="0" b="0"/>
+      </a:lnRef>
+      <a:fillRef idx="1">
+        <a:scrgbClr r="0" g="0" b="0"/>
+      </a:fillRef>
+      <a:effectRef idx="0">
+        <a:scrgbClr r="0" g="0" b="0"/>
+      </a:effectRef>
+      <a:fontRef idx="minor"/>
+    </dgm:style>
+  </dgm:styleLbl>
+  <dgm:styleLbl name="bgShp">
+    <dgm:scene3d>
+      <a:camera prst="orthographicFront"/>
+      <a:lightRig rig="threePt" dir="t"/>
+    </dgm:scene3d>
+    <dgm:sp3d/>
+    <dgm:txPr/>
+    <dgm:style>
+      <a:lnRef idx="0">
+        <a:scrgbClr r="0" g="0" b="0"/>
+      </a:lnRef>
+      <a:fillRef idx="1">
+        <a:scrgbClr r="0" g="0" b="0"/>
+      </a:fillRef>
+      <a:effectRef idx="0">
+        <a:scrgbClr r="0" g="0" b="0"/>
+      </a:effectRef>
+      <a:fontRef idx="minor"/>
+    </dgm:style>
+  </dgm:styleLbl>
+  <dgm:styleLbl name="dkBgShp">
+    <dgm:scene3d>
+      <a:camera prst="orthographicFront"/>
+      <a:lightRig rig="threePt" dir="t"/>
+    </dgm:scene3d>
+    <dgm:sp3d/>
+    <dgm:txPr/>
+    <dgm:style>
+      <a:lnRef idx="0">
+        <a:scrgbClr r="0" g="0" b="0"/>
+      </a:lnRef>
+      <a:fillRef idx="1">
+        <a:scrgbClr r="0" g="0" b="0"/>
+      </a:fillRef>
+      <a:effectRef idx="0">
+        <a:scrgbClr r="0" g="0" b="0"/>
+      </a:effectRef>
+      <a:fontRef idx="minor"/>
+    </dgm:style>
+  </dgm:styleLbl>
+  <dgm:styleLbl name="trBgShp">
+    <dgm:scene3d>
+      <a:camera prst="orthographicFront"/>
+      <a:lightRig rig="threePt" dir="t"/>
+    </dgm:scene3d>
+    <dgm:sp3d/>
+    <dgm:txPr/>
+    <dgm:style>
+      <a:lnRef idx="0">
+        <a:scrgbClr r="0" g="0" b="0"/>
+      </a:lnRef>
+      <a:fillRef idx="1">
+        <a:scrgbClr r="0" g="0" b="0"/>
+      </a:fillRef>
+      <a:effectRef idx="0">
+        <a:scrgbClr r="0" g="0" b="0"/>
+      </a:effectRef>
+      <a:fontRef idx="minor"/>
+    </dgm:style>
+  </dgm:styleLbl>
+  <dgm:styleLbl name="fgShp">
+    <dgm:scene3d>
+      <a:camera prst="orthographicFront"/>
+      <a:lightRig rig="threePt" dir="t"/>
+    </dgm:scene3d>
+    <dgm:sp3d/>
+    <dgm:txPr/>
+    <dgm:style>
+      <a:lnRef idx="2">
+        <a:scrgbClr r="0" g="0" b="0"/>
+      </a:lnRef>
+      <a:fillRef idx="1">
+        <a:scrgbClr r="0" g="0" b="0"/>
+      </a:fillRef>
+      <a:effectRef idx="0">
+        <a:scrgbClr r="0" g="0" b="0"/>
+      </a:effectRef>
+      <a:fontRef idx="minor"/>
+    </dgm:style>
+  </dgm:styleLbl>
+  <dgm:styleLbl name="revTx">
+    <dgm:scene3d>
+      <a:camera prst="orthographicFront"/>
+      <a:lightRig rig="threePt" dir="t"/>
+    </dgm:scene3d>
+    <dgm:sp3d/>
+    <dgm:txPr/>
+    <dgm:style>
+      <a:lnRef idx="0">
+        <a:scrgbClr r="0" g="0" b="0"/>
+      </a:lnRef>
+      <a:fillRef idx="0">
+        <a:scrgbClr r="0" g="0" b="0"/>
+      </a:fillRef>
+      <a:effectRef idx="0">
+        <a:scrgbClr r="0" g="0" b="0"/>
+      </a:effectRef>
+      <a:fontRef idx="minor"/>
+    </dgm:style>
+  </dgm:styleLbl>
+</dgm:styleDef>
 </file>
 
 <file path=ppt/notesMasters/notesMaster1.xml><?xml version="1.0" encoding="utf-8"?>
@@ -3179,7 +8769,7 @@
             </a:pPr>
             <a:fld id="{00000000-1234-1234-1234-123412341234}" type="slidenum">
               <a:rPr lang="en-US"/>
-              <a:t>13</a:t>
+              <a:t>14</a:t>
             </a:fld>
             <a:endParaRPr/>
           </a:p>
@@ -3363,7 +8953,7 @@
             </a:pPr>
             <a:fld id="{00000000-1234-1234-1234-123412341234}" type="slidenum">
               <a:rPr lang="en-US"/>
-              <a:t>14</a:t>
+              <a:t>15</a:t>
             </a:fld>
             <a:endParaRPr/>
           </a:p>
@@ -3662,7 +9252,7 @@
             </a:pPr>
             <a:fld id="{00000000-1234-1234-1234-123412341234}" type="slidenum">
               <a:rPr lang="en-US"/>
-              <a:t>16</a:t>
+              <a:t>17</a:t>
             </a:fld>
             <a:endParaRPr/>
           </a:p>
@@ -3834,7 +9424,7 @@
             </a:pPr>
             <a:fld id="{00000000-1234-1234-1234-123412341234}" type="slidenum">
               <a:rPr lang="en-US"/>
-              <a:t>17</a:t>
+              <a:t>18</a:t>
             </a:fld>
             <a:endParaRPr/>
           </a:p>
@@ -4006,7 +9596,7 @@
             </a:pPr>
             <a:fld id="{00000000-1234-1234-1234-123412341234}" type="slidenum">
               <a:rPr lang="en-US"/>
-              <a:t>18</a:t>
+              <a:t>19</a:t>
             </a:fld>
             <a:endParaRPr/>
           </a:p>
@@ -40945,156 +46535,6 @@
       </p:sp>
       <p:sp>
         <p:nvSpPr>
-          <p:cNvPr id="325" name="Google Shape;325;p7"/>
-          <p:cNvSpPr txBox="1">
-            <a:spLocks noGrp="1"/>
-          </p:cNvSpPr>
-          <p:nvPr>
-            <p:ph type="body" idx="1"/>
-          </p:nvPr>
-        </p:nvSpPr>
-        <p:spPr>
-          <a:xfrm>
-            <a:off x="211528" y="1591850"/>
-            <a:ext cx="6309268" cy="4545300"/>
-          </a:xfrm>
-          <a:prstGeom prst="rect">
-            <a:avLst/>
-          </a:prstGeom>
-          <a:noFill/>
-          <a:ln>
-            <a:noFill/>
-          </a:ln>
-        </p:spPr>
-        <p:txBody>
-          <a:bodyPr spcFirstLastPara="1" wrap="square" lIns="91425" tIns="45700" rIns="91425" bIns="45700" anchor="t" anchorCtr="0">
-            <a:noAutofit/>
-          </a:bodyPr>
-          <a:lstStyle/>
-          <a:p>
-            <a:pPr marL="457200" lvl="0" indent="-457200" algn="l" rtl="0">
-              <a:lnSpc>
-                <a:spcPct val="100000"/>
-              </a:lnSpc>
-              <a:spcBef>
-                <a:spcPts val="0"/>
-              </a:spcBef>
-              <a:spcAft>
-                <a:spcPts val="0"/>
-              </a:spcAft>
-              <a:buClr>
-                <a:schemeClr val="dk1"/>
-              </a:buClr>
-              <a:buSzPts val="2000"/>
-              <a:buAutoNum type="arabicPeriod"/>
-            </a:pPr>
-            <a:r>
-              <a:rPr lang="en-US" sz="2000" b="1" dirty="0">
-                <a:solidFill>
-                  <a:schemeClr val="tx1"/>
-                </a:solidFill>
-                <a:latin typeface="Roboto" panose="02000000000000000000" pitchFamily="2" charset="0"/>
-                <a:ea typeface="Roboto" panose="02000000000000000000" pitchFamily="2" charset="0"/>
-              </a:rPr>
-              <a:t>Logistic Regression</a:t>
-            </a:r>
-            <a:r>
-              <a:rPr lang="en-US" sz="2000" dirty="0">
-                <a:solidFill>
-                  <a:schemeClr val="tx1"/>
-                </a:solidFill>
-                <a:latin typeface="Roboto" panose="02000000000000000000" pitchFamily="2" charset="0"/>
-                <a:ea typeface="Roboto" panose="02000000000000000000" pitchFamily="2" charset="0"/>
-              </a:rPr>
-              <a:t>: </a:t>
-            </a:r>
-            <a:r>
-              <a:rPr lang="en-US" sz="2000" b="0" i="0" dirty="0">
-                <a:solidFill>
-                  <a:schemeClr val="tx1"/>
-                </a:solidFill>
-                <a:effectLst/>
-                <a:latin typeface="Roboto" panose="02000000000000000000" pitchFamily="2" charset="0"/>
-                <a:ea typeface="Roboto" panose="02000000000000000000" pitchFamily="2" charset="0"/>
-              </a:rPr>
-              <a:t>helps classify things by drawing an ‘S’ shaped curve that shows the chance of belonging to each group. Logistic regression is similar to sorting things into two groups based on their features, such as "Yes" or "No." It draws a special line to separate these groups and tells us the chance of each thing belonging to each group. </a:t>
-            </a:r>
-          </a:p>
-          <a:p>
-            <a:pPr marL="457200" lvl="0" indent="-457200" algn="l" rtl="0">
-              <a:lnSpc>
-                <a:spcPct val="100000"/>
-              </a:lnSpc>
-              <a:spcBef>
-                <a:spcPts val="0"/>
-              </a:spcBef>
-              <a:spcAft>
-                <a:spcPts val="0"/>
-              </a:spcAft>
-              <a:buClr>
-                <a:schemeClr val="dk1"/>
-              </a:buClr>
-              <a:buSzPts val="2000"/>
-              <a:buAutoNum type="arabicPeriod"/>
-            </a:pPr>
-            <a:endParaRPr lang="en-US" sz="2000" b="0" i="0" dirty="0">
-              <a:solidFill>
-                <a:schemeClr val="tx1"/>
-              </a:solidFill>
-              <a:effectLst/>
-              <a:latin typeface="Roboto" panose="02000000000000000000" pitchFamily="2" charset="0"/>
-              <a:ea typeface="Roboto" panose="02000000000000000000" pitchFamily="2" charset="0"/>
-            </a:endParaRPr>
-          </a:p>
-          <a:p>
-            <a:pPr marL="457200" lvl="0" indent="-457200" algn="l" rtl="0">
-              <a:lnSpc>
-                <a:spcPct val="100000"/>
-              </a:lnSpc>
-              <a:spcBef>
-                <a:spcPts val="0"/>
-              </a:spcBef>
-              <a:spcAft>
-                <a:spcPts val="0"/>
-              </a:spcAft>
-              <a:buClr>
-                <a:schemeClr val="dk1"/>
-              </a:buClr>
-              <a:buSzPts val="2000"/>
-              <a:buAutoNum type="arabicPeriod"/>
-            </a:pPr>
-            <a:r>
-              <a:rPr lang="en-US" sz="2000" b="1" dirty="0">
-                <a:solidFill>
-                  <a:schemeClr val="tx1"/>
-                </a:solidFill>
-                <a:latin typeface="Roboto" panose="02000000000000000000" pitchFamily="2" charset="0"/>
-                <a:ea typeface="Roboto" panose="02000000000000000000" pitchFamily="2" charset="0"/>
-              </a:rPr>
-              <a:t>Support Vector Machine (SVM)</a:t>
-            </a:r>
-            <a:r>
-              <a:rPr lang="en-US" sz="2000" dirty="0">
-                <a:solidFill>
-                  <a:schemeClr val="tx1"/>
-                </a:solidFill>
-                <a:latin typeface="Roboto" panose="02000000000000000000" pitchFamily="2" charset="0"/>
-                <a:ea typeface="Roboto" panose="02000000000000000000" pitchFamily="2" charset="0"/>
-              </a:rPr>
-              <a:t>: classifies instances by drawing boundaries around each group and seeing where new things fit in relation to those boundaries. It draws a boundary around each group using the closest points to each boundary, called support vectors. It then finds the widest possible gap between the boundaries to separate the groups.</a:t>
-            </a:r>
-            <a:endParaRPr sz="2000" dirty="0">
-              <a:solidFill>
-                <a:schemeClr val="tx1"/>
-              </a:solidFill>
-              <a:latin typeface="Roboto" panose="02000000000000000000" pitchFamily="2" charset="0"/>
-              <a:ea typeface="Roboto" panose="02000000000000000000" pitchFamily="2" charset="0"/>
-            </a:endParaRPr>
-          </a:p>
-        </p:txBody>
-      </p:sp>
-      <p:sp>
-        <p:nvSpPr>
           <p:cNvPr id="326" name="Google Shape;326;p7"/>
           <p:cNvSpPr txBox="1">
             <a:spLocks noGrp="1"/>
@@ -41151,8 +46591,8 @@
         </p:nvSpPr>
         <p:spPr>
           <a:xfrm>
-            <a:off x="6767550" y="1496600"/>
-            <a:ext cx="5417917" cy="5478455"/>
+            <a:off x="6767550" y="1496601"/>
+            <a:ext cx="5417917" cy="5361400"/>
           </a:xfrm>
           <a:custGeom>
             <a:avLst/>
@@ -41179,7 +46619,10 @@
             </a:pathLst>
           </a:custGeom>
           <a:solidFill>
-            <a:schemeClr val="lt2"/>
+            <a:schemeClr val="accent5">
+              <a:lumMod val="20000"/>
+              <a:lumOff val="80000"/>
+            </a:schemeClr>
           </a:solidFill>
           <a:ln>
             <a:noFill/>
@@ -41269,6 +46712,34 @@
           </a:ln>
         </p:spPr>
       </p:pic>
+      <p:graphicFrame>
+        <p:nvGraphicFramePr>
+          <p:cNvPr id="6" name="Diagram 5">
+            <a:extLst>
+              <a:ext uri="{FF2B5EF4-FFF2-40B4-BE49-F238E27FC236}">
+                <a16:creationId xmlns:a16="http://schemas.microsoft.com/office/drawing/2014/main" id="{CEECF9DF-1DAD-5D27-55E2-CD875CDBFD6D}"/>
+              </a:ext>
+            </a:extLst>
+          </p:cNvPr>
+          <p:cNvGraphicFramePr/>
+          <p:nvPr>
+            <p:extLst>
+              <p:ext uri="{D42A27DB-BD31-4B8C-83A1-F6EECF244321}">
+                <p14:modId xmlns:p14="http://schemas.microsoft.com/office/powerpoint/2010/main" val="237639712"/>
+              </p:ext>
+            </p:extLst>
+          </p:nvPr>
+        </p:nvGraphicFramePr>
+        <p:xfrm>
+          <a:off x="20463" y="1591850"/>
+          <a:ext cx="8128000" cy="5418667"/>
+        </p:xfrm>
+        <a:graphic>
+          <a:graphicData uri="http://schemas.openxmlformats.org/drawingml/2006/diagram">
+            <dgm:relIds xmlns:dgm="http://schemas.openxmlformats.org/drawingml/2006/diagram" xmlns:r="http://schemas.openxmlformats.org/officeDocument/2006/relationships" r:dm="rId5" r:lo="rId6" r:qs="rId7" r:cs="rId8"/>
+          </a:graphicData>
+        </a:graphic>
+      </p:graphicFrame>
     </p:spTree>
   </p:cSld>
   <p:clrMapOvr>
@@ -41294,6 +46765,87 @@
           <a:chExt cx="0" cy="0"/>
         </a:xfrm>
       </p:grpSpPr>
+      <p:sp>
+        <p:nvSpPr>
+          <p:cNvPr id="2" name="Google Shape;327;p7">
+            <a:extLst>
+              <a:ext uri="{FF2B5EF4-FFF2-40B4-BE49-F238E27FC236}">
+                <a16:creationId xmlns:a16="http://schemas.microsoft.com/office/drawing/2014/main" id="{3711FCB1-1287-3C43-2B8F-44E0831B2D28}"/>
+              </a:ext>
+            </a:extLst>
+          </p:cNvPr>
+          <p:cNvSpPr/>
+          <p:nvPr/>
+        </p:nvSpPr>
+        <p:spPr>
+          <a:xfrm>
+            <a:off x="6767550" y="1496601"/>
+            <a:ext cx="5417917" cy="5361400"/>
+          </a:xfrm>
+          <a:custGeom>
+            <a:avLst/>
+            <a:gdLst/>
+            <a:ahLst/>
+            <a:cxnLst/>
+            <a:rect l="l" t="t" r="r" b="b"/>
+            <a:pathLst>
+              <a:path w="4459191" h="2530464" extrusionOk="0">
+                <a:moveTo>
+                  <a:pt x="0" y="0"/>
+                </a:moveTo>
+                <a:lnTo>
+                  <a:pt x="4459191" y="0"/>
+                </a:lnTo>
+                <a:lnTo>
+                  <a:pt x="4459191" y="2530464"/>
+                </a:lnTo>
+                <a:lnTo>
+                  <a:pt x="0" y="2530464"/>
+                </a:lnTo>
+                <a:close/>
+              </a:path>
+            </a:pathLst>
+          </a:custGeom>
+          <a:solidFill>
+            <a:schemeClr val="accent5">
+              <a:lumMod val="20000"/>
+              <a:lumOff val="80000"/>
+            </a:schemeClr>
+          </a:solidFill>
+          <a:ln>
+            <a:noFill/>
+          </a:ln>
+        </p:spPr>
+        <p:txBody>
+          <a:bodyPr spcFirstLastPara="1" wrap="square" lIns="91425" tIns="45700" rIns="91425" bIns="45700" anchor="t" anchorCtr="0">
+            <a:noAutofit/>
+          </a:bodyPr>
+          <a:lstStyle/>
+          <a:p>
+            <a:pPr marL="0" marR="0" lvl="0" indent="0" algn="l" rtl="0">
+              <a:lnSpc>
+                <a:spcPct val="100000"/>
+              </a:lnSpc>
+              <a:spcBef>
+                <a:spcPts val="0"/>
+              </a:spcBef>
+              <a:spcAft>
+                <a:spcPts val="0"/>
+              </a:spcAft>
+              <a:buNone/>
+            </a:pPr>
+            <a:endParaRPr sz="1400" b="0" i="0" u="none" strike="noStrike" cap="none">
+              <a:solidFill>
+                <a:srgbClr val="000000"/>
+              </a:solidFill>
+              <a:latin typeface="Arial"/>
+              <a:ea typeface="Arial"/>
+              <a:cs typeface="Arial"/>
+              <a:sym typeface="Arial"/>
+            </a:endParaRPr>
+          </a:p>
+        </p:txBody>
+      </p:sp>
       <p:sp>
         <p:nvSpPr>
           <p:cNvPr id="334" name="Google Shape;334;g2c902ca65ee_1_18"/>
@@ -41345,195 +46897,6 @@
               <a:t>Modeling Approaches</a:t>
             </a:r>
             <a:endParaRPr/>
-          </a:p>
-        </p:txBody>
-      </p:sp>
-      <p:sp>
-        <p:nvSpPr>
-          <p:cNvPr id="335" name="Google Shape;335;g2c902ca65ee_1_18"/>
-          <p:cNvSpPr txBox="1">
-            <a:spLocks noGrp="1"/>
-          </p:cNvSpPr>
-          <p:nvPr>
-            <p:ph type="body" idx="1"/>
-          </p:nvPr>
-        </p:nvSpPr>
-        <p:spPr>
-          <a:xfrm>
-            <a:off x="211528" y="1653765"/>
-            <a:ext cx="6642461" cy="5067685"/>
-          </a:xfrm>
-          <a:prstGeom prst="rect">
-            <a:avLst/>
-          </a:prstGeom>
-          <a:noFill/>
-          <a:ln>
-            <a:noFill/>
-          </a:ln>
-        </p:spPr>
-        <p:txBody>
-          <a:bodyPr spcFirstLastPara="1" wrap="square" lIns="91425" tIns="45700" rIns="91425" bIns="45700" anchor="t" anchorCtr="0">
-            <a:noAutofit/>
-          </a:bodyPr>
-          <a:lstStyle/>
-          <a:p>
-            <a:pPr marL="101600" lvl="0" indent="0" algn="l" rtl="0">
-              <a:spcBef>
-                <a:spcPts val="0"/>
-              </a:spcBef>
-              <a:spcAft>
-                <a:spcPts val="0"/>
-              </a:spcAft>
-              <a:buSzPts val="2000"/>
-              <a:buNone/>
-            </a:pPr>
-            <a:r>
-              <a:rPr lang="en-US" sz="2000" b="1" dirty="0"/>
-              <a:t>3.    Random Forest: </a:t>
-            </a:r>
-            <a:r>
-              <a:rPr lang="en-US" sz="2000" dirty="0"/>
-              <a:t>decision trees are rule-based decision-makers so they examine the features of data points and ask questions to classify them into categories. In a random forest, each tree represents a decision tree and multiple of them work together. The final prediction is based on the most common decision among all the trees.</a:t>
-            </a:r>
-            <a:endParaRPr dirty="0"/>
-          </a:p>
-          <a:p>
-            <a:pPr marL="101600" lvl="0" indent="0" algn="l" rtl="0">
-              <a:spcBef>
-                <a:spcPts val="0"/>
-              </a:spcBef>
-              <a:spcAft>
-                <a:spcPts val="0"/>
-              </a:spcAft>
-              <a:buSzPts val="2000"/>
-              <a:buNone/>
-            </a:pPr>
-            <a:r>
-              <a:rPr lang="en-US" sz="2000" b="1" dirty="0"/>
-              <a:t>4.     </a:t>
-            </a:r>
-            <a:r>
-              <a:rPr lang="en-US" sz="2000" b="1" dirty="0" err="1"/>
-              <a:t>XGBoost</a:t>
-            </a:r>
-            <a:r>
-              <a:rPr lang="en-US" sz="2000" b="1" dirty="0"/>
-              <a:t>: </a:t>
-            </a:r>
-            <a:r>
-              <a:rPr lang="en-US" sz="2000" dirty="0"/>
-              <a:t>instead of training just one decision tree, </a:t>
-            </a:r>
-            <a:r>
-              <a:rPr lang="en-US" sz="2000" dirty="0" err="1"/>
-              <a:t>XGBoost</a:t>
-            </a:r>
-            <a:r>
-              <a:rPr lang="en-US" sz="2000" dirty="0"/>
-              <a:t> trains many. Each tree learns from the mistakes of the previous ones, getting stronger with each round. It combines the predictions from all these trees to come up with the best prediction.</a:t>
-            </a:r>
-            <a:endParaRPr dirty="0"/>
-          </a:p>
-          <a:p>
-            <a:pPr marL="101600" lvl="0" indent="0" algn="l" rtl="0">
-              <a:spcBef>
-                <a:spcPts val="0"/>
-              </a:spcBef>
-              <a:spcAft>
-                <a:spcPts val="0"/>
-              </a:spcAft>
-              <a:buSzPts val="2000"/>
-              <a:buNone/>
-            </a:pPr>
-            <a:r>
-              <a:rPr lang="en-US" sz="2000" b="1" dirty="0"/>
-              <a:t>5.     KNN (K-Nearest Neighbors)</a:t>
-            </a:r>
-            <a:r>
-              <a:rPr lang="en-US" sz="2000" dirty="0"/>
-              <a:t>:</a:t>
-            </a:r>
-            <a:r>
-              <a:rPr lang="en-US" sz="2000" b="1" dirty="0"/>
-              <a:t> </a:t>
-            </a:r>
-            <a:r>
-              <a:rPr lang="en-US" sz="2000" dirty="0"/>
-              <a:t>utilized to categorize or label a new instance based on similar instances that are determined by considering the common characteristics of the new instance and its ‘k’ number of nearby instances. The final label is decided based on what's most common among these nearby instances.</a:t>
-            </a:r>
-            <a:endParaRPr sz="1200" dirty="0"/>
-          </a:p>
-        </p:txBody>
-      </p:sp>
-      <p:sp>
-        <p:nvSpPr>
-          <p:cNvPr id="336" name="Google Shape;336;g2c902ca65ee_1_18"/>
-          <p:cNvSpPr/>
-          <p:nvPr/>
-        </p:nvSpPr>
-        <p:spPr>
-          <a:xfrm>
-            <a:off x="7172499" y="1466989"/>
-            <a:ext cx="5417917" cy="5478455"/>
-          </a:xfrm>
-          <a:custGeom>
-            <a:avLst/>
-            <a:gdLst/>
-            <a:ahLst/>
-            <a:cxnLst/>
-            <a:rect l="l" t="t" r="r" b="b"/>
-            <a:pathLst>
-              <a:path w="4459191" h="2530464" extrusionOk="0">
-                <a:moveTo>
-                  <a:pt x="0" y="0"/>
-                </a:moveTo>
-                <a:lnTo>
-                  <a:pt x="4459191" y="0"/>
-                </a:lnTo>
-                <a:lnTo>
-                  <a:pt x="4459191" y="2530464"/>
-                </a:lnTo>
-                <a:lnTo>
-                  <a:pt x="0" y="2530464"/>
-                </a:lnTo>
-                <a:close/>
-              </a:path>
-            </a:pathLst>
-          </a:custGeom>
-          <a:solidFill>
-            <a:schemeClr val="lt2"/>
-          </a:solidFill>
-          <a:ln>
-            <a:noFill/>
-          </a:ln>
-        </p:spPr>
-        <p:txBody>
-          <a:bodyPr spcFirstLastPara="1" wrap="square" lIns="91425" tIns="45700" rIns="91425" bIns="45700" anchor="t" anchorCtr="0">
-            <a:noAutofit/>
-          </a:bodyPr>
-          <a:lstStyle/>
-          <a:p>
-            <a:pPr marL="0" marR="0" lvl="0" indent="0" algn="l" rtl="0">
-              <a:lnSpc>
-                <a:spcPct val="100000"/>
-              </a:lnSpc>
-              <a:spcBef>
-                <a:spcPts val="0"/>
-              </a:spcBef>
-              <a:spcAft>
-                <a:spcPts val="0"/>
-              </a:spcAft>
-              <a:buNone/>
-            </a:pPr>
-            <a:endParaRPr sz="1400" b="0" i="0" u="none" strike="noStrike" cap="none">
-              <a:solidFill>
-                <a:srgbClr val="000000"/>
-              </a:solidFill>
-              <a:latin typeface="Arial"/>
-              <a:ea typeface="Arial"/>
-              <a:cs typeface="Arial"/>
-              <a:sym typeface="Arial"/>
-            </a:endParaRPr>
           </a:p>
         </p:txBody>
       </p:sp>
@@ -41650,6 +47013,34 @@
           </a:ln>
         </p:spPr>
       </p:pic>
+      <p:graphicFrame>
+        <p:nvGraphicFramePr>
+          <p:cNvPr id="17" name="Diagram 16">
+            <a:extLst>
+              <a:ext uri="{FF2B5EF4-FFF2-40B4-BE49-F238E27FC236}">
+                <a16:creationId xmlns:a16="http://schemas.microsoft.com/office/drawing/2014/main" id="{EEAAA75E-6A00-95EA-C252-61BDF3C514B6}"/>
+              </a:ext>
+            </a:extLst>
+          </p:cNvPr>
+          <p:cNvGraphicFramePr/>
+          <p:nvPr>
+            <p:extLst>
+              <p:ext uri="{D42A27DB-BD31-4B8C-83A1-F6EECF244321}">
+                <p14:modId xmlns:p14="http://schemas.microsoft.com/office/powerpoint/2010/main" val="3129920519"/>
+              </p:ext>
+            </p:extLst>
+          </p:nvPr>
+        </p:nvGraphicFramePr>
+        <p:xfrm>
+          <a:off x="6533" y="1780292"/>
+          <a:ext cx="8128000" cy="5418667"/>
+        </p:xfrm>
+        <a:graphic>
+          <a:graphicData uri="http://schemas.openxmlformats.org/drawingml/2006/diagram">
+            <dgm:relIds xmlns:dgm="http://schemas.openxmlformats.org/drawingml/2006/diagram" xmlns:r="http://schemas.openxmlformats.org/officeDocument/2006/relationships" r:dm="rId5" r:lo="rId6" r:qs="rId7" r:cs="rId8"/>
+          </a:graphicData>
+        </a:graphic>
+      </p:graphicFrame>
     </p:spTree>
   </p:cSld>
   <p:clrMapOvr>
@@ -41659,6 +47050,301 @@
 </file>
 
 <file path=ppt/slides/slide13.xml><?xml version="1.0" encoding="utf-8"?>
+<p:sld xmlns:a="http://schemas.openxmlformats.org/drawingml/2006/main" xmlns:r="http://schemas.openxmlformats.org/officeDocument/2006/relationships" xmlns:p="http://schemas.openxmlformats.org/presentationml/2006/main" show="0">
+  <p:cSld>
+    <p:spTree>
+      <p:nvGrpSpPr>
+        <p:cNvPr id="1" name=""/>
+        <p:cNvGrpSpPr/>
+        <p:nvPr/>
+      </p:nvGrpSpPr>
+      <p:grpSpPr>
+        <a:xfrm>
+          <a:off x="0" y="0"/>
+          <a:ext cx="0" cy="0"/>
+          <a:chOff x="0" y="0"/>
+          <a:chExt cx="0" cy="0"/>
+        </a:xfrm>
+      </p:grpSpPr>
+      <p:sp>
+        <p:nvSpPr>
+          <p:cNvPr id="2" name="Title 1">
+            <a:extLst>
+              <a:ext uri="{FF2B5EF4-FFF2-40B4-BE49-F238E27FC236}">
+                <a16:creationId xmlns:a16="http://schemas.microsoft.com/office/drawing/2014/main" id="{B937B075-F88D-61EF-C012-88E2E5450146}"/>
+              </a:ext>
+            </a:extLst>
+          </p:cNvPr>
+          <p:cNvSpPr>
+            <a:spLocks noGrp="1"/>
+          </p:cNvSpPr>
+          <p:nvPr>
+            <p:ph type="title"/>
+          </p:nvPr>
+        </p:nvSpPr>
+        <p:spPr/>
+        <p:txBody>
+          <a:bodyPr/>
+          <a:lstStyle/>
+          <a:p>
+            <a:r>
+              <a:rPr lang="en-CA" dirty="0"/>
+              <a:t>EXTRA SLIDE</a:t>
+            </a:r>
+          </a:p>
+        </p:txBody>
+      </p:sp>
+      <p:sp>
+        <p:nvSpPr>
+          <p:cNvPr id="4" name="Slide Number Placeholder 3">
+            <a:extLst>
+              <a:ext uri="{FF2B5EF4-FFF2-40B4-BE49-F238E27FC236}">
+                <a16:creationId xmlns:a16="http://schemas.microsoft.com/office/drawing/2014/main" id="{B245E46C-C880-E450-EA83-D474C1597AF3}"/>
+              </a:ext>
+            </a:extLst>
+          </p:cNvPr>
+          <p:cNvSpPr>
+            <a:spLocks noGrp="1"/>
+          </p:cNvSpPr>
+          <p:nvPr>
+            <p:ph type="sldNum" idx="12"/>
+          </p:nvPr>
+        </p:nvSpPr>
+        <p:spPr/>
+        <p:txBody>
+          <a:bodyPr/>
+          <a:lstStyle/>
+          <a:p>
+            <a:pPr marL="0" lvl="0" indent="0" algn="r" rtl="0">
+              <a:spcBef>
+                <a:spcPts val="0"/>
+              </a:spcBef>
+              <a:spcAft>
+                <a:spcPts val="0"/>
+              </a:spcAft>
+              <a:buNone/>
+            </a:pPr>
+            <a:fld id="{00000000-1234-1234-1234-123412341234}" type="slidenum">
+              <a:rPr lang="en-US" smtClean="0"/>
+              <a:t>13</a:t>
+            </a:fld>
+            <a:endParaRPr lang="en-US"/>
+          </a:p>
+        </p:txBody>
+      </p:sp>
+      <p:sp>
+        <p:nvSpPr>
+          <p:cNvPr id="335" name="Google Shape;335;g2c902ca65ee_1_18"/>
+          <p:cNvSpPr txBox="1">
+            <a:spLocks noGrp="1"/>
+          </p:cNvSpPr>
+          <p:nvPr>
+            <p:ph type="body" idx="1"/>
+          </p:nvPr>
+        </p:nvSpPr>
+        <p:spPr>
+          <a:xfrm>
+            <a:off x="1917114" y="1653790"/>
+            <a:ext cx="6642461" cy="5067685"/>
+          </a:xfrm>
+          <a:prstGeom prst="rect">
+            <a:avLst/>
+          </a:prstGeom>
+          <a:noFill/>
+          <a:ln>
+            <a:noFill/>
+          </a:ln>
+        </p:spPr>
+        <p:txBody>
+          <a:bodyPr spcFirstLastPara="1" wrap="square" lIns="91425" tIns="45700" rIns="91425" bIns="45700" anchor="t" anchorCtr="0">
+            <a:noAutofit/>
+          </a:bodyPr>
+          <a:lstStyle/>
+          <a:p>
+            <a:pPr marL="101600" lvl="0" indent="0" algn="l" rtl="0">
+              <a:spcBef>
+                <a:spcPts val="0"/>
+              </a:spcBef>
+              <a:spcAft>
+                <a:spcPts val="0"/>
+              </a:spcAft>
+              <a:buSzPts val="2000"/>
+              <a:buNone/>
+            </a:pPr>
+            <a:r>
+              <a:rPr lang="en-US" sz="1800" b="1" dirty="0"/>
+              <a:t>Random Forest:</a:t>
+            </a:r>
+          </a:p>
+          <a:p>
+            <a:pPr marL="101600" lvl="0" indent="0" algn="l" rtl="0">
+              <a:spcBef>
+                <a:spcPts val="0"/>
+              </a:spcBef>
+              <a:spcAft>
+                <a:spcPts val="0"/>
+              </a:spcAft>
+              <a:buSzPts val="2000"/>
+              <a:buNone/>
+            </a:pPr>
+            <a:endParaRPr lang="en-US" sz="1800" b="1" dirty="0"/>
+          </a:p>
+          <a:p>
+            <a:pPr marL="101600" lvl="0" indent="0" algn="l" rtl="0">
+              <a:spcBef>
+                <a:spcPts val="0"/>
+              </a:spcBef>
+              <a:spcAft>
+                <a:spcPts val="0"/>
+              </a:spcAft>
+              <a:buSzPts val="2000"/>
+              <a:buNone/>
+            </a:pPr>
+            <a:r>
+              <a:rPr lang="en-US" sz="1800" dirty="0"/>
+              <a:t>Analyzes data features, asking questions to classify data points into categories, while in a random forest, multiple decision trees collaborate, with the final prediction based on the most common decision among them.</a:t>
+            </a:r>
+          </a:p>
+          <a:p>
+            <a:pPr marL="101600" lvl="0" indent="0" algn="l" rtl="0">
+              <a:spcBef>
+                <a:spcPts val="0"/>
+              </a:spcBef>
+              <a:spcAft>
+                <a:spcPts val="0"/>
+              </a:spcAft>
+              <a:buSzPts val="2000"/>
+              <a:buNone/>
+            </a:pPr>
+            <a:endParaRPr sz="1800" dirty="0"/>
+          </a:p>
+          <a:p>
+            <a:pPr marL="101600" lvl="0" indent="0" algn="l" rtl="0">
+              <a:spcBef>
+                <a:spcPts val="0"/>
+              </a:spcBef>
+              <a:spcAft>
+                <a:spcPts val="0"/>
+              </a:spcAft>
+              <a:buSzPts val="2000"/>
+              <a:buNone/>
+            </a:pPr>
+            <a:r>
+              <a:rPr lang="en-US" sz="1800" b="1" dirty="0"/>
+              <a:t>XGBoost:</a:t>
+            </a:r>
+          </a:p>
+          <a:p>
+            <a:pPr marL="101600" lvl="0" indent="0" algn="l" rtl="0">
+              <a:spcBef>
+                <a:spcPts val="0"/>
+              </a:spcBef>
+              <a:spcAft>
+                <a:spcPts val="0"/>
+              </a:spcAft>
+              <a:buSzPts val="2000"/>
+              <a:buNone/>
+            </a:pPr>
+            <a:endParaRPr lang="en-US" sz="1800" b="1" dirty="0"/>
+          </a:p>
+          <a:p>
+            <a:pPr marL="101600" lvl="0" indent="0" algn="l" rtl="0">
+              <a:spcBef>
+                <a:spcPts val="0"/>
+              </a:spcBef>
+              <a:spcAft>
+                <a:spcPts val="0"/>
+              </a:spcAft>
+              <a:buSzPts val="2000"/>
+              <a:buNone/>
+            </a:pPr>
+            <a:r>
+              <a:rPr lang="en-US" sz="1800" dirty="0"/>
+              <a:t>Trains multiple decision trees, each learning from the mistakes of its predecessors to improve accuracy, ultimately combining their predictions for optimal results.</a:t>
+            </a:r>
+          </a:p>
+          <a:p>
+            <a:pPr marL="101600" lvl="0" indent="0" algn="l" rtl="0">
+              <a:spcBef>
+                <a:spcPts val="0"/>
+              </a:spcBef>
+              <a:spcAft>
+                <a:spcPts val="0"/>
+              </a:spcAft>
+              <a:buSzPts val="2000"/>
+              <a:buNone/>
+            </a:pPr>
+            <a:endParaRPr sz="1800" dirty="0"/>
+          </a:p>
+          <a:p>
+            <a:pPr marL="101600" lvl="0" indent="0" algn="l" rtl="0">
+              <a:spcBef>
+                <a:spcPts val="0"/>
+              </a:spcBef>
+              <a:spcAft>
+                <a:spcPts val="0"/>
+              </a:spcAft>
+              <a:buSzPts val="2000"/>
+              <a:buNone/>
+            </a:pPr>
+            <a:r>
+              <a:rPr lang="en-US" sz="1800" b="1" dirty="0"/>
+              <a:t>KNN (K-Nearest Neighbors)</a:t>
+            </a:r>
+            <a:r>
+              <a:rPr lang="en-US" sz="1800" dirty="0"/>
+              <a:t>:</a:t>
+            </a:r>
+            <a:r>
+              <a:rPr lang="en-US" sz="1800" b="1" dirty="0"/>
+              <a:t> </a:t>
+            </a:r>
+          </a:p>
+          <a:p>
+            <a:pPr marL="101600" lvl="0" indent="0" algn="l" rtl="0">
+              <a:spcBef>
+                <a:spcPts val="0"/>
+              </a:spcBef>
+              <a:spcAft>
+                <a:spcPts val="0"/>
+              </a:spcAft>
+              <a:buSzPts val="2000"/>
+              <a:buNone/>
+            </a:pPr>
+            <a:endParaRPr lang="en-US" sz="1800" b="1" dirty="0"/>
+          </a:p>
+          <a:p>
+            <a:pPr marL="101600" lvl="0" indent="0" algn="l" rtl="0">
+              <a:spcBef>
+                <a:spcPts val="0"/>
+              </a:spcBef>
+              <a:spcAft>
+                <a:spcPts val="0"/>
+              </a:spcAft>
+              <a:buSzPts val="2000"/>
+              <a:buNone/>
+            </a:pPr>
+            <a:r>
+              <a:rPr lang="en-US" sz="1800" dirty="0"/>
+              <a:t>Categorizes new instances by comparing them to a set number of nearby instances and assigning the most common label among these neighbors to the new instance.</a:t>
+            </a:r>
+          </a:p>
+        </p:txBody>
+      </p:sp>
+    </p:spTree>
+    <p:extLst>
+      <p:ext uri="{BB962C8B-B14F-4D97-AF65-F5344CB8AC3E}">
+        <p14:creationId xmlns:p14="http://schemas.microsoft.com/office/powerpoint/2010/main" val="1006806601"/>
+      </p:ext>
+    </p:extLst>
+  </p:cSld>
+  <p:clrMapOvr>
+    <a:masterClrMapping/>
+  </p:clrMapOvr>
+</p:sld>
+</file>
+
+<file path=ppt/slides/slide14.xml><?xml version="1.0" encoding="utf-8"?>
 <p:sld xmlns:a="http://schemas.openxmlformats.org/drawingml/2006/main" xmlns:r="http://schemas.openxmlformats.org/officeDocument/2006/relationships" xmlns:p="http://schemas.openxmlformats.org/presentationml/2006/main">
   <p:cSld>
     <p:spTree>
@@ -41731,7 +47417,7 @@
                 <a:cs typeface="Roboto"/>
                 <a:sym typeface="Roboto"/>
               </a:rPr>
-              <a:t>13</a:t>
+              <a:t>14</a:t>
             </a:fld>
             <a:endParaRPr sz="1200" b="0" i="0" u="none" strike="noStrike" cap="none">
               <a:solidFill>
@@ -42068,7 +47754,7 @@
 </p:sld>
 </file>
 
-<file path=ppt/slides/slide14.xml><?xml version="1.0" encoding="utf-8"?>
+<file path=ppt/slides/slide15.xml><?xml version="1.0" encoding="utf-8"?>
 <p:sld xmlns:a="http://schemas.openxmlformats.org/drawingml/2006/main" xmlns:r="http://schemas.openxmlformats.org/officeDocument/2006/relationships" xmlns:p="http://schemas.openxmlformats.org/presentationml/2006/main">
   <p:cSld>
     <p:spTree>
@@ -42141,7 +47827,7 @@
                 <a:cs typeface="Roboto"/>
                 <a:sym typeface="Roboto"/>
               </a:rPr>
-              <a:t>14</a:t>
+              <a:t>15</a:t>
             </a:fld>
             <a:endParaRPr sz="1200" b="0" i="0" u="none" strike="noStrike" cap="none">
               <a:solidFill>
@@ -42569,7 +48255,7 @@
 </p:sld>
 </file>
 
-<file path=ppt/slides/slide15.xml><?xml version="1.0" encoding="utf-8"?>
+<file path=ppt/slides/slide16.xml><?xml version="1.0" encoding="utf-8"?>
 <p:sld xmlns:a="http://schemas.openxmlformats.org/drawingml/2006/main" xmlns:r="http://schemas.openxmlformats.org/officeDocument/2006/relationships" xmlns:p="http://schemas.openxmlformats.org/presentationml/2006/main">
   <p:cSld>
     <p:spTree>
@@ -42788,7 +48474,7 @@
 </p:sld>
 </file>
 
-<file path=ppt/slides/slide16.xml><?xml version="1.0" encoding="utf-8"?>
+<file path=ppt/slides/slide17.xml><?xml version="1.0" encoding="utf-8"?>
 <p:sld xmlns:a="http://schemas.openxmlformats.org/drawingml/2006/main" xmlns:r="http://schemas.openxmlformats.org/officeDocument/2006/relationships" xmlns:p="http://schemas.openxmlformats.org/presentationml/2006/main">
   <p:cSld>
     <p:spTree>
@@ -42861,7 +48547,7 @@
                 <a:cs typeface="Roboto"/>
                 <a:sym typeface="Roboto"/>
               </a:rPr>
-              <a:t>16</a:t>
+              <a:t>17</a:t>
             </a:fld>
             <a:endParaRPr sz="1200" b="0" i="0" u="none" strike="noStrike" cap="none">
               <a:solidFill>
@@ -45278,7 +50964,7 @@
 </p:sld>
 </file>
 
-<file path=ppt/slides/slide17.xml><?xml version="1.0" encoding="utf-8"?>
+<file path=ppt/slides/slide18.xml><?xml version="1.0" encoding="utf-8"?>
 <p:sld xmlns:a="http://schemas.openxmlformats.org/drawingml/2006/main" xmlns:r="http://schemas.openxmlformats.org/officeDocument/2006/relationships" xmlns:p="http://schemas.openxmlformats.org/presentationml/2006/main">
   <p:cSld>
     <p:spTree>
@@ -45446,7 +51132,7 @@
             </a:pPr>
             <a:fld id="{00000000-1234-1234-1234-123412341234}" type="slidenum">
               <a:rPr lang="en-US"/>
-              <a:t>17</a:t>
+              <a:t>18</a:t>
             </a:fld>
             <a:endParaRPr/>
           </a:p>
@@ -45460,7 +51146,7 @@
 </p:sld>
 </file>
 
-<file path=ppt/slides/slide18.xml><?xml version="1.0" encoding="utf-8"?>
+<file path=ppt/slides/slide19.xml><?xml version="1.0" encoding="utf-8"?>
 <p:sld xmlns:a="http://schemas.openxmlformats.org/drawingml/2006/main" xmlns:r="http://schemas.openxmlformats.org/officeDocument/2006/relationships" xmlns:p="http://schemas.openxmlformats.org/presentationml/2006/main">
   <p:cSld>
     <p:spTree>
@@ -45618,180 +51304,6 @@
       <p:sp>
         <p:nvSpPr>
           <p:cNvPr id="381" name="Google Shape;381;p11"/>
-          <p:cNvSpPr txBox="1">
-            <a:spLocks noGrp="1"/>
-          </p:cNvSpPr>
-          <p:nvPr>
-            <p:ph type="sldNum" idx="12"/>
-          </p:nvPr>
-        </p:nvSpPr>
-        <p:spPr>
-          <a:xfrm>
-            <a:off x="8828009" y="6356350"/>
-            <a:ext cx="2973400" cy="365125"/>
-          </a:xfrm>
-          <a:prstGeom prst="rect">
-            <a:avLst/>
-          </a:prstGeom>
-          <a:noFill/>
-          <a:ln>
-            <a:noFill/>
-          </a:ln>
-        </p:spPr>
-        <p:txBody>
-          <a:bodyPr spcFirstLastPara="1" wrap="square" lIns="91425" tIns="45700" rIns="91425" bIns="45700" anchor="ctr" anchorCtr="0">
-            <a:noAutofit/>
-          </a:bodyPr>
-          <a:lstStyle/>
-          <a:p>
-            <a:pPr marL="0" lvl="0" indent="0" algn="r" rtl="0">
-              <a:lnSpc>
-                <a:spcPct val="100000"/>
-              </a:lnSpc>
-              <a:spcBef>
-                <a:spcPts val="0"/>
-              </a:spcBef>
-              <a:spcAft>
-                <a:spcPts val="0"/>
-              </a:spcAft>
-              <a:buSzPts val="1200"/>
-              <a:buNone/>
-            </a:pPr>
-            <a:fld id="{00000000-1234-1234-1234-123412341234}" type="slidenum">
-              <a:rPr lang="en-US"/>
-              <a:t>18</a:t>
-            </a:fld>
-            <a:endParaRPr/>
-          </a:p>
-        </p:txBody>
-      </p:sp>
-    </p:spTree>
-  </p:cSld>
-  <p:clrMapOvr>
-    <a:masterClrMapping/>
-  </p:clrMapOvr>
-</p:sld>
-</file>
-
-<file path=ppt/slides/slide19.xml><?xml version="1.0" encoding="utf-8"?>
-<p:sld xmlns:a="http://schemas.openxmlformats.org/drawingml/2006/main" xmlns:r="http://schemas.openxmlformats.org/officeDocument/2006/relationships" xmlns:p="http://schemas.openxmlformats.org/presentationml/2006/main" show="0">
-  <p:cSld>
-    <p:spTree>
-      <p:nvGrpSpPr>
-        <p:cNvPr id="1" name="Shape 385"/>
-        <p:cNvGrpSpPr/>
-        <p:nvPr/>
-      </p:nvGrpSpPr>
-      <p:grpSpPr>
-        <a:xfrm>
-          <a:off x="0" y="0"/>
-          <a:ext cx="0" cy="0"/>
-          <a:chOff x="0" y="0"/>
-          <a:chExt cx="0" cy="0"/>
-        </a:xfrm>
-      </p:grpSpPr>
-      <p:sp>
-        <p:nvSpPr>
-          <p:cNvPr id="386" name="Google Shape;386;p12"/>
-          <p:cNvSpPr txBox="1">
-            <a:spLocks noGrp="1"/>
-          </p:cNvSpPr>
-          <p:nvPr>
-            <p:ph type="title"/>
-          </p:nvPr>
-        </p:nvSpPr>
-        <p:spPr>
-          <a:xfrm>
-            <a:off x="351487" y="556576"/>
-            <a:ext cx="11449855" cy="760977"/>
-          </a:xfrm>
-          <a:prstGeom prst="rect">
-            <a:avLst/>
-          </a:prstGeom>
-          <a:noFill/>
-          <a:ln>
-            <a:noFill/>
-          </a:ln>
-        </p:spPr>
-        <p:txBody>
-          <a:bodyPr spcFirstLastPara="1" wrap="square" lIns="0" tIns="0" rIns="0" bIns="0" anchor="t" anchorCtr="0">
-            <a:noAutofit/>
-          </a:bodyPr>
-          <a:lstStyle/>
-          <a:p>
-            <a:pPr marL="0" lvl="0" indent="0" algn="l" rtl="0">
-              <a:lnSpc>
-                <a:spcPct val="90000"/>
-              </a:lnSpc>
-              <a:spcBef>
-                <a:spcPts val="0"/>
-              </a:spcBef>
-              <a:spcAft>
-                <a:spcPts val="0"/>
-              </a:spcAft>
-              <a:buClr>
-                <a:schemeClr val="lt2"/>
-              </a:buClr>
-              <a:buSzPts val="2800"/>
-              <a:buFont typeface="Roboto"/>
-              <a:buNone/>
-            </a:pPr>
-            <a:endParaRPr/>
-          </a:p>
-        </p:txBody>
-      </p:sp>
-      <p:sp>
-        <p:nvSpPr>
-          <p:cNvPr id="387" name="Google Shape;387;p12"/>
-          <p:cNvSpPr txBox="1">
-            <a:spLocks noGrp="1"/>
-          </p:cNvSpPr>
-          <p:nvPr>
-            <p:ph type="body" idx="1"/>
-          </p:nvPr>
-        </p:nvSpPr>
-        <p:spPr>
-          <a:xfrm>
-            <a:off x="390525" y="1965325"/>
-            <a:ext cx="11410818" cy="4194175"/>
-          </a:xfrm>
-          <a:prstGeom prst="rect">
-            <a:avLst/>
-          </a:prstGeom>
-          <a:noFill/>
-          <a:ln>
-            <a:noFill/>
-          </a:ln>
-        </p:spPr>
-        <p:txBody>
-          <a:bodyPr spcFirstLastPara="1" wrap="square" lIns="91425" tIns="45700" rIns="91425" bIns="45700" anchor="t" anchorCtr="0">
-            <a:noAutofit/>
-          </a:bodyPr>
-          <a:lstStyle/>
-          <a:p>
-            <a:pPr marL="228600" lvl="0" indent="-50800" algn="l" rtl="0">
-              <a:lnSpc>
-                <a:spcPct val="90000"/>
-              </a:lnSpc>
-              <a:spcBef>
-                <a:spcPts val="0"/>
-              </a:spcBef>
-              <a:spcAft>
-                <a:spcPts val="0"/>
-              </a:spcAft>
-              <a:buClr>
-                <a:schemeClr val="dk1"/>
-              </a:buClr>
-              <a:buSzPts val="2800"/>
-              <a:buNone/>
-            </a:pPr>
-            <a:endParaRPr/>
-          </a:p>
-        </p:txBody>
-      </p:sp>
-      <p:sp>
-        <p:nvSpPr>
-          <p:cNvPr id="388" name="Google Shape;388;p12"/>
           <p:cNvSpPr txBox="1">
             <a:spLocks noGrp="1"/>
           </p:cNvSpPr>
@@ -46217,8 +51729,8 @@
           <p:nvPr/>
         </p:nvSpPr>
         <p:spPr>
-          <a:xfrm rot="2942669">
-            <a:off x="7888259" y="1699790"/>
+          <a:xfrm rot="3164506">
+            <a:off x="8263164" y="644186"/>
             <a:ext cx="1642121" cy="5112202"/>
           </a:xfrm>
           <a:custGeom>
@@ -46298,7 +51810,7 @@
         </p:nvSpPr>
         <p:spPr>
           <a:xfrm rot="-2225387">
-            <a:off x="4139664" y="6200482"/>
+            <a:off x="4513376" y="5180025"/>
             <a:ext cx="2616110" cy="1048451"/>
           </a:xfrm>
           <a:custGeom>
@@ -46378,7 +51890,7 @@
         </p:nvSpPr>
         <p:spPr>
           <a:xfrm rot="3127501">
-            <a:off x="9287929" y="167360"/>
+            <a:off x="7788311" y="511610"/>
             <a:ext cx="881088" cy="3098304"/>
           </a:xfrm>
           <a:custGeom>
@@ -46458,7 +51970,7 @@
         </p:nvSpPr>
         <p:spPr>
           <a:xfrm rot="2919133">
-            <a:off x="9182764" y="4006969"/>
+            <a:off x="8530075" y="3650473"/>
             <a:ext cx="1108298" cy="2977707"/>
           </a:xfrm>
           <a:custGeom>
@@ -46539,6 +52051,180 @@
 </file>
 
 <file path=ppt/slides/slide20.xml><?xml version="1.0" encoding="utf-8"?>
+<p:sld xmlns:a="http://schemas.openxmlformats.org/drawingml/2006/main" xmlns:r="http://schemas.openxmlformats.org/officeDocument/2006/relationships" xmlns:p="http://schemas.openxmlformats.org/presentationml/2006/main" show="0">
+  <p:cSld>
+    <p:spTree>
+      <p:nvGrpSpPr>
+        <p:cNvPr id="1" name="Shape 385"/>
+        <p:cNvGrpSpPr/>
+        <p:nvPr/>
+      </p:nvGrpSpPr>
+      <p:grpSpPr>
+        <a:xfrm>
+          <a:off x="0" y="0"/>
+          <a:ext cx="0" cy="0"/>
+          <a:chOff x="0" y="0"/>
+          <a:chExt cx="0" cy="0"/>
+        </a:xfrm>
+      </p:grpSpPr>
+      <p:sp>
+        <p:nvSpPr>
+          <p:cNvPr id="386" name="Google Shape;386;p12"/>
+          <p:cNvSpPr txBox="1">
+            <a:spLocks noGrp="1"/>
+          </p:cNvSpPr>
+          <p:nvPr>
+            <p:ph type="title"/>
+          </p:nvPr>
+        </p:nvSpPr>
+        <p:spPr>
+          <a:xfrm>
+            <a:off x="351487" y="556576"/>
+            <a:ext cx="11449855" cy="760977"/>
+          </a:xfrm>
+          <a:prstGeom prst="rect">
+            <a:avLst/>
+          </a:prstGeom>
+          <a:noFill/>
+          <a:ln>
+            <a:noFill/>
+          </a:ln>
+        </p:spPr>
+        <p:txBody>
+          <a:bodyPr spcFirstLastPara="1" wrap="square" lIns="0" tIns="0" rIns="0" bIns="0" anchor="t" anchorCtr="0">
+            <a:noAutofit/>
+          </a:bodyPr>
+          <a:lstStyle/>
+          <a:p>
+            <a:pPr marL="0" lvl="0" indent="0" algn="l" rtl="0">
+              <a:lnSpc>
+                <a:spcPct val="90000"/>
+              </a:lnSpc>
+              <a:spcBef>
+                <a:spcPts val="0"/>
+              </a:spcBef>
+              <a:spcAft>
+                <a:spcPts val="0"/>
+              </a:spcAft>
+              <a:buClr>
+                <a:schemeClr val="lt2"/>
+              </a:buClr>
+              <a:buSzPts val="2800"/>
+              <a:buFont typeface="Roboto"/>
+              <a:buNone/>
+            </a:pPr>
+            <a:endParaRPr/>
+          </a:p>
+        </p:txBody>
+      </p:sp>
+      <p:sp>
+        <p:nvSpPr>
+          <p:cNvPr id="387" name="Google Shape;387;p12"/>
+          <p:cNvSpPr txBox="1">
+            <a:spLocks noGrp="1"/>
+          </p:cNvSpPr>
+          <p:nvPr>
+            <p:ph type="body" idx="1"/>
+          </p:nvPr>
+        </p:nvSpPr>
+        <p:spPr>
+          <a:xfrm>
+            <a:off x="390525" y="1965325"/>
+            <a:ext cx="11410818" cy="4194175"/>
+          </a:xfrm>
+          <a:prstGeom prst="rect">
+            <a:avLst/>
+          </a:prstGeom>
+          <a:noFill/>
+          <a:ln>
+            <a:noFill/>
+          </a:ln>
+        </p:spPr>
+        <p:txBody>
+          <a:bodyPr spcFirstLastPara="1" wrap="square" lIns="91425" tIns="45700" rIns="91425" bIns="45700" anchor="t" anchorCtr="0">
+            <a:noAutofit/>
+          </a:bodyPr>
+          <a:lstStyle/>
+          <a:p>
+            <a:pPr marL="228600" lvl="0" indent="-50800" algn="l" rtl="0">
+              <a:lnSpc>
+                <a:spcPct val="90000"/>
+              </a:lnSpc>
+              <a:spcBef>
+                <a:spcPts val="0"/>
+              </a:spcBef>
+              <a:spcAft>
+                <a:spcPts val="0"/>
+              </a:spcAft>
+              <a:buClr>
+                <a:schemeClr val="dk1"/>
+              </a:buClr>
+              <a:buSzPts val="2800"/>
+              <a:buNone/>
+            </a:pPr>
+            <a:endParaRPr/>
+          </a:p>
+        </p:txBody>
+      </p:sp>
+      <p:sp>
+        <p:nvSpPr>
+          <p:cNvPr id="388" name="Google Shape;388;p12"/>
+          <p:cNvSpPr txBox="1">
+            <a:spLocks noGrp="1"/>
+          </p:cNvSpPr>
+          <p:nvPr>
+            <p:ph type="sldNum" idx="12"/>
+          </p:nvPr>
+        </p:nvSpPr>
+        <p:spPr>
+          <a:xfrm>
+            <a:off x="8828009" y="6356350"/>
+            <a:ext cx="2973400" cy="365125"/>
+          </a:xfrm>
+          <a:prstGeom prst="rect">
+            <a:avLst/>
+          </a:prstGeom>
+          <a:noFill/>
+          <a:ln>
+            <a:noFill/>
+          </a:ln>
+        </p:spPr>
+        <p:txBody>
+          <a:bodyPr spcFirstLastPara="1" wrap="square" lIns="91425" tIns="45700" rIns="91425" bIns="45700" anchor="ctr" anchorCtr="0">
+            <a:noAutofit/>
+          </a:bodyPr>
+          <a:lstStyle/>
+          <a:p>
+            <a:pPr marL="0" lvl="0" indent="0" algn="r" rtl="0">
+              <a:lnSpc>
+                <a:spcPct val="100000"/>
+              </a:lnSpc>
+              <a:spcBef>
+                <a:spcPts val="0"/>
+              </a:spcBef>
+              <a:spcAft>
+                <a:spcPts val="0"/>
+              </a:spcAft>
+              <a:buSzPts val="1200"/>
+              <a:buNone/>
+            </a:pPr>
+            <a:fld id="{00000000-1234-1234-1234-123412341234}" type="slidenum">
+              <a:rPr lang="en-US"/>
+              <a:t>20</a:t>
+            </a:fld>
+            <a:endParaRPr/>
+          </a:p>
+        </p:txBody>
+      </p:sp>
+    </p:spTree>
+  </p:cSld>
+  <p:clrMapOvr>
+    <a:masterClrMapping/>
+  </p:clrMapOvr>
+</p:sld>
+</file>
+
+<file path=ppt/slides/slide21.xml><?xml version="1.0" encoding="utf-8"?>
 <p:sld xmlns:a="http://schemas.openxmlformats.org/drawingml/2006/main" xmlns:r="http://schemas.openxmlformats.org/officeDocument/2006/relationships" xmlns:p="http://schemas.openxmlformats.org/presentationml/2006/main">
   <p:cSld>
     <p:spTree>
@@ -47395,7 +53081,7 @@
 </p:sld>
 </file>
 
-<file path=ppt/slides/slide21.xml><?xml version="1.0" encoding="utf-8"?>
+<file path=ppt/slides/slide22.xml><?xml version="1.0" encoding="utf-8"?>
 <p:sld xmlns:a="http://schemas.openxmlformats.org/drawingml/2006/main" xmlns:r="http://schemas.openxmlformats.org/officeDocument/2006/relationships" xmlns:p="http://schemas.openxmlformats.org/presentationml/2006/main">
   <p:cSld>
     <p:spTree>
@@ -47726,7 +53412,7 @@
             </a:pPr>
             <a:fld id="{00000000-1234-1234-1234-123412341234}" type="slidenum">
               <a:rPr lang="en-US"/>
-              <a:t>21</a:t>
+              <a:t>22</a:t>
             </a:fld>
             <a:endParaRPr/>
           </a:p>
@@ -47740,7 +53426,7 @@
 </p:sld>
 </file>
 
-<file path=ppt/slides/slide22.xml><?xml version="1.0" encoding="utf-8"?>
+<file path=ppt/slides/slide23.xml><?xml version="1.0" encoding="utf-8"?>
 <p:sld xmlns:a="http://schemas.openxmlformats.org/drawingml/2006/main" xmlns:r="http://schemas.openxmlformats.org/officeDocument/2006/relationships" xmlns:p="http://schemas.openxmlformats.org/presentationml/2006/main">
   <p:cSld>
     <p:spTree>
@@ -48443,7 +54129,7 @@
 </file>
 
 <file path=ppt/slides/slide4.xml><?xml version="1.0" encoding="utf-8"?>
-<p:sld xmlns:a="http://schemas.openxmlformats.org/drawingml/2006/main" xmlns:r="http://schemas.openxmlformats.org/officeDocument/2006/relationships" xmlns:p="http://schemas.openxmlformats.org/presentationml/2006/main">
+<p:sld xmlns:a="http://schemas.openxmlformats.org/drawingml/2006/main" xmlns:r="http://schemas.openxmlformats.org/officeDocument/2006/relationships" xmlns:p="http://schemas.openxmlformats.org/presentationml/2006/main" show="0">
   <p:cSld>
     <p:spTree>
       <p:nvGrpSpPr>
@@ -48719,7 +54405,7 @@
           <p:nvPr/>
         </p:nvPicPr>
         <p:blipFill rotWithShape="1">
-          <a:blip r:embed="rId3">
+          <a:blip r:embed="rId4">
             <a:alphaModFix amt="35000"/>
           </a:blip>
           <a:srcRect/>
@@ -48750,11 +54436,16 @@
   <p:clrMapOvr>
     <a:masterClrMapping/>
   </p:clrMapOvr>
+  <p:extLst>
+    <p:ext uri="{6950BFC3-D8DA-4A85-94F7-54DA5524770B}">
+      <p188:commentRel xmlns:p188="http://schemas.microsoft.com/office/powerpoint/2018/8/main" r:id="rId3"/>
+    </p:ext>
+  </p:extLst>
 </p:sld>
 </file>
 
 <file path=ppt/slides/slide5.xml><?xml version="1.0" encoding="utf-8"?>
-<p:sld xmlns:a="http://schemas.openxmlformats.org/drawingml/2006/main" xmlns:r="http://schemas.openxmlformats.org/officeDocument/2006/relationships" xmlns:p="http://schemas.openxmlformats.org/presentationml/2006/main" show="0">
+<p:sld xmlns:a="http://schemas.openxmlformats.org/drawingml/2006/main" xmlns:r="http://schemas.openxmlformats.org/officeDocument/2006/relationships" xmlns:p="http://schemas.openxmlformats.org/presentationml/2006/main">
   <p:cSld>
     <p:spTree>
       <p:nvGrpSpPr>
@@ -49039,7 +54730,7 @@
         <p:spPr>
           <a:xfrm>
             <a:off x="5559261" y="3808586"/>
-            <a:ext cx="6706181" cy="2987299"/>
+            <a:ext cx="6632739" cy="2987299"/>
           </a:xfrm>
           <a:prstGeom prst="ellipse">
             <a:avLst/>
@@ -49087,7 +54778,7 @@
         </p:nvSpPr>
         <p:spPr>
           <a:xfrm>
-            <a:off x="566267" y="247279"/>
+            <a:off x="410819" y="111953"/>
             <a:ext cx="10539900" cy="687300"/>
           </a:xfrm>
           <a:prstGeom prst="rect">
@@ -49118,10 +54809,10 @@
               <a:buNone/>
             </a:pPr>
             <a:r>
-              <a:rPr lang="en-US" sz="4000"/>
+              <a:rPr lang="en-US" sz="4000" dirty="0"/>
               <a:t>An Overview – Dataset Features</a:t>
             </a:r>
-            <a:endParaRPr sz="4000"/>
+            <a:endParaRPr sz="4000" dirty="0"/>
           </a:p>
         </p:txBody>
       </p:sp>
@@ -49179,11 +54870,17 @@
         <p:nvGraphicFramePr>
           <p:cNvPr id="267" name="Google Shape;267;p54"/>
           <p:cNvGraphicFramePr/>
-          <p:nvPr/>
+          <p:nvPr>
+            <p:extLst>
+              <p:ext uri="{D42A27DB-BD31-4B8C-83A1-F6EECF244321}">
+                <p14:modId xmlns:p14="http://schemas.microsoft.com/office/powerpoint/2010/main" val="3701507310"/>
+              </p:ext>
+            </p:extLst>
+          </p:nvPr>
         </p:nvGraphicFramePr>
         <p:xfrm>
-          <a:off x="1125114" y="751691"/>
-          <a:ext cx="3000000" cy="3000000"/>
+          <a:off x="1125117" y="839554"/>
+          <a:ext cx="9422200" cy="5405396"/>
         </p:xfrm>
         <a:graphic>
           <a:graphicData uri="http://schemas.openxmlformats.org/drawingml/2006/table">
@@ -49228,7 +54925,7 @@
                     <a:bodyPr/>
                     <a:lstStyle/>
                     <a:p>
-                      <a:pPr marL="0" marR="0" lvl="0" indent="0" algn="l" rtl="0">
+                      <a:pPr marL="0" marR="0" lvl="0" indent="0" algn="ctr" rtl="0">
                         <a:lnSpc>
                           <a:spcPct val="107000"/>
                         </a:lnSpc>
@@ -49241,7 +54938,7 @@
                         <a:buNone/>
                       </a:pPr>
                       <a:r>
-                        <a:rPr lang="en-US" sz="1200" b="1" i="0" u="none" strike="noStrike" cap="none">
+                        <a:rPr lang="en-US" sz="1600" b="1" i="0" u="none" strike="noStrike" cap="none" dirty="0">
                           <a:solidFill>
                             <a:schemeClr val="dk1"/>
                           </a:solidFill>
@@ -49252,7 +54949,7 @@
                         </a:rPr>
                         <a:t>Categories</a:t>
                       </a:r>
-                      <a:endParaRPr/>
+                      <a:endParaRPr sz="1800" dirty="0"/>
                     </a:p>
                   </a:txBody>
                   <a:tcPr marL="20725" marR="20725" marT="0" marB="0"/>
@@ -49275,14 +54972,14 @@
                         <a:buNone/>
                       </a:pPr>
                       <a:r>
-                        <a:rPr lang="en-US" sz="1200" u="none" strike="noStrike" cap="none">
+                        <a:rPr lang="en-US" sz="1600" u="none" strike="noStrike" cap="none" dirty="0">
                           <a:solidFill>
                             <a:schemeClr val="dk1"/>
                           </a:solidFill>
                         </a:rPr>
                         <a:t>Feature Name</a:t>
                       </a:r>
-                      <a:endParaRPr sz="1200" u="none" strike="noStrike" cap="none">
+                      <a:endParaRPr sz="1600" u="none" strike="noStrike" cap="none" dirty="0">
                         <a:solidFill>
                           <a:schemeClr val="dk1"/>
                         </a:solidFill>
@@ -49313,14 +55010,14 @@
                         <a:buNone/>
                       </a:pPr>
                       <a:r>
-                        <a:rPr lang="en-US" sz="1200" u="none" strike="noStrike" cap="none">
+                        <a:rPr lang="en-US" sz="1600" u="none" strike="noStrike" cap="none" dirty="0">
                           <a:solidFill>
                             <a:schemeClr val="dk1"/>
                           </a:solidFill>
                         </a:rPr>
                         <a:t>Sample Values</a:t>
                       </a:r>
-                      <a:endParaRPr sz="1200" u="none" strike="noStrike" cap="none">
+                      <a:endParaRPr sz="1600" u="none" strike="noStrike" cap="none" dirty="0">
                         <a:solidFill>
                           <a:schemeClr val="dk1"/>
                         </a:solidFill>
@@ -49351,14 +55048,14 @@
                         <a:buNone/>
                       </a:pPr>
                       <a:r>
-                        <a:rPr lang="en-US" sz="1200" u="none" strike="noStrike" cap="none">
+                        <a:rPr lang="en-US" sz="1600" u="none" strike="noStrike" cap="none" dirty="0">
                           <a:solidFill>
                             <a:schemeClr val="dk1"/>
                           </a:solidFill>
                         </a:rPr>
                         <a:t>Feature Description</a:t>
                       </a:r>
-                      <a:endParaRPr sz="1200" u="none" strike="noStrike" cap="none">
+                      <a:endParaRPr sz="1600" u="none" strike="noStrike" cap="none" dirty="0">
                         <a:solidFill>
                           <a:schemeClr val="dk1"/>
                         </a:solidFill>
@@ -49430,10 +55127,10 @@
                         <a:buNone/>
                       </a:pPr>
                       <a:r>
-                        <a:rPr lang="en-US" sz="1100" u="none" strike="noStrike" cap="none"/>
+                        <a:rPr lang="en-US" sz="1100" u="none" strike="noStrike" cap="none" dirty="0"/>
                         <a:t>FL_DATE </a:t>
                       </a:r>
-                      <a:endParaRPr sz="1000" u="none" strike="noStrike" cap="none">
+                      <a:endParaRPr sz="1100" u="none" strike="noStrike" cap="none" dirty="0">
                         <a:latin typeface="Arial"/>
                         <a:ea typeface="Arial"/>
                         <a:cs typeface="Arial"/>
@@ -49464,7 +55161,7 @@
                         <a:rPr lang="en-US" sz="1100" u="none" strike="noStrike" cap="none"/>
                         <a:t>2015-01-01</a:t>
                       </a:r>
-                      <a:endParaRPr sz="1000" u="none" strike="noStrike" cap="none">
+                      <a:endParaRPr sz="1100" u="none" strike="noStrike" cap="none">
                         <a:latin typeface="Arial"/>
                         <a:ea typeface="Arial"/>
                         <a:cs typeface="Arial"/>
@@ -49492,10 +55189,10 @@
                         <a:buNone/>
                       </a:pPr>
                       <a:r>
-                        <a:rPr lang="en-US" sz="1100" u="none" strike="noStrike" cap="none"/>
+                        <a:rPr lang="en-US" sz="1100" u="none" strike="noStrike" cap="none" dirty="0"/>
                         <a:t>The Date of the Flight</a:t>
                       </a:r>
-                      <a:endParaRPr sz="1000" u="none" strike="noStrike" cap="none">
+                      <a:endParaRPr sz="1100" u="none" strike="noStrike" cap="none" dirty="0">
                         <a:latin typeface="Arial"/>
                         <a:ea typeface="Arial"/>
                         <a:cs typeface="Arial"/>
@@ -49540,10 +55237,10 @@
                         <a:buNone/>
                       </a:pPr>
                       <a:r>
-                        <a:rPr lang="en-US" sz="1100" u="none" strike="noStrike" cap="none"/>
+                        <a:rPr lang="en-US" sz="1100" u="none" strike="noStrike" cap="none" dirty="0"/>
                         <a:t>CRS_DEP_TIME</a:t>
                       </a:r>
-                      <a:endParaRPr sz="1000" u="none" strike="noStrike" cap="none">
+                      <a:endParaRPr sz="1100" u="none" strike="noStrike" cap="none" dirty="0">
                         <a:latin typeface="Arial"/>
                         <a:ea typeface="Arial"/>
                         <a:cs typeface="Arial"/>
@@ -49571,10 +55268,10 @@
                         <a:buNone/>
                       </a:pPr>
                       <a:r>
-                        <a:rPr lang="en-US" sz="1100" u="none" strike="noStrike" cap="none"/>
+                        <a:rPr lang="en-US" sz="1100" u="none" strike="noStrike" cap="none" dirty="0"/>
                         <a:t>2147, 1050, 700</a:t>
                       </a:r>
-                      <a:endParaRPr sz="1000" u="none" strike="noStrike" cap="none">
+                      <a:endParaRPr sz="1100" u="none" strike="noStrike" cap="none" dirty="0">
                         <a:latin typeface="Arial"/>
                         <a:ea typeface="Arial"/>
                         <a:cs typeface="Arial"/>
@@ -49602,10 +55299,10 @@
                         <a:buNone/>
                       </a:pPr>
                       <a:r>
-                        <a:rPr lang="en-US" sz="1100" u="none" strike="noStrike" cap="none"/>
+                        <a:rPr lang="en-US" sz="1100" u="none" strike="noStrike" cap="none" dirty="0"/>
                         <a:t>Schedule Departure Time (HHMM)</a:t>
                       </a:r>
-                      <a:endParaRPr sz="1000" u="none" strike="noStrike" cap="none">
+                      <a:endParaRPr sz="1100" u="none" strike="noStrike" cap="none" dirty="0">
                         <a:latin typeface="Arial"/>
                         <a:ea typeface="Arial"/>
                         <a:cs typeface="Arial"/>
@@ -49653,7 +55350,7 @@
                         <a:rPr lang="en-US" sz="1100" u="none" strike="noStrike" cap="none"/>
                         <a:t>DEP_TIME</a:t>
                       </a:r>
-                      <a:endParaRPr sz="1000" u="none" strike="noStrike" cap="none">
+                      <a:endParaRPr sz="1100" u="none" strike="noStrike" cap="none">
                         <a:latin typeface="Arial"/>
                         <a:ea typeface="Arial"/>
                         <a:cs typeface="Arial"/>
@@ -49681,10 +55378,10 @@
                         <a:buNone/>
                       </a:pPr>
                       <a:r>
-                        <a:rPr lang="en-US" sz="1100" u="none" strike="noStrike" cap="none"/>
+                        <a:rPr lang="en-US" sz="1100" u="none" strike="noStrike" cap="none" dirty="0"/>
                         <a:t>2147, 1050, 700</a:t>
                       </a:r>
-                      <a:endParaRPr sz="1000" u="none" strike="noStrike" cap="none">
+                      <a:endParaRPr sz="1100" u="none" strike="noStrike" cap="none" dirty="0">
                         <a:latin typeface="Arial"/>
                         <a:ea typeface="Arial"/>
                         <a:cs typeface="Arial"/>
@@ -49712,10 +55409,10 @@
                         <a:buNone/>
                       </a:pPr>
                       <a:r>
-                        <a:rPr lang="en-US" sz="1100" u="none" strike="noStrike" cap="none"/>
+                        <a:rPr lang="en-US" sz="1100" u="none" strike="noStrike" cap="none" dirty="0"/>
                         <a:t>Actual Departure Time (HHMM)</a:t>
                       </a:r>
-                      <a:endParaRPr sz="1000" u="none" strike="noStrike" cap="none">
+                      <a:endParaRPr sz="1100" u="none" strike="noStrike" cap="none" dirty="0">
                         <a:latin typeface="Arial"/>
                         <a:ea typeface="Arial"/>
                         <a:cs typeface="Arial"/>
@@ -49763,7 +55460,7 @@
                         <a:rPr lang="en-US" sz="1100" u="none" strike="noStrike" cap="none"/>
                         <a:t>CRS_ARR_TIME</a:t>
                       </a:r>
-                      <a:endParaRPr sz="1000" u="none" strike="noStrike" cap="none">
+                      <a:endParaRPr sz="1100" u="none" strike="noStrike" cap="none">
                         <a:latin typeface="Arial"/>
                         <a:ea typeface="Arial"/>
                         <a:cs typeface="Arial"/>
@@ -49791,10 +55488,10 @@
                         <a:buNone/>
                       </a:pPr>
                       <a:r>
-                        <a:rPr lang="en-US" sz="1100" u="none" strike="noStrike" cap="none"/>
+                        <a:rPr lang="en-US" sz="1100" u="none" strike="noStrike" cap="none" dirty="0"/>
                         <a:t>2250, 1404, 757</a:t>
                       </a:r>
-                      <a:endParaRPr sz="1000" u="none" strike="noStrike" cap="none">
+                      <a:endParaRPr sz="1100" u="none" strike="noStrike" cap="none" dirty="0">
                         <a:latin typeface="Arial"/>
                         <a:ea typeface="Arial"/>
                         <a:cs typeface="Arial"/>
@@ -49822,10 +55519,10 @@
                         <a:buNone/>
                       </a:pPr>
                       <a:r>
-                        <a:rPr lang="en-US" sz="1100" u="none" strike="noStrike" cap="none"/>
+                        <a:rPr lang="en-US" sz="1100" u="none" strike="noStrike" cap="none" dirty="0"/>
                         <a:t>Scheduled Arrival time (HHMM)</a:t>
                       </a:r>
-                      <a:endParaRPr sz="1000" u="none" strike="noStrike" cap="none">
+                      <a:endParaRPr sz="1100" u="none" strike="noStrike" cap="none" dirty="0">
                         <a:latin typeface="Arial"/>
                         <a:ea typeface="Arial"/>
                         <a:cs typeface="Arial"/>
@@ -49873,7 +55570,7 @@
                         <a:rPr lang="en-US" sz="1100" u="none" strike="noStrike" cap="none"/>
                         <a:t>ARR_TIME</a:t>
                       </a:r>
-                      <a:endParaRPr sz="1000" u="none" strike="noStrike" cap="none">
+                      <a:endParaRPr sz="1100" u="none" strike="noStrike" cap="none">
                         <a:latin typeface="Arial"/>
                         <a:ea typeface="Arial"/>
                         <a:cs typeface="Arial"/>
@@ -49901,10 +55598,10 @@
                         <a:buNone/>
                       </a:pPr>
                       <a:r>
-                        <a:rPr lang="en-US" sz="1100" u="none" strike="noStrike" cap="none"/>
+                        <a:rPr lang="en-US" sz="1100" u="none" strike="noStrike" cap="none" dirty="0"/>
                         <a:t>2245., 1403., 813.</a:t>
                       </a:r>
-                      <a:endParaRPr sz="1000" u="none" strike="noStrike" cap="none">
+                      <a:endParaRPr sz="1100" u="none" strike="noStrike" cap="none" dirty="0">
                         <a:latin typeface="Arial"/>
                         <a:ea typeface="Arial"/>
                         <a:cs typeface="Arial"/>
@@ -49932,10 +55629,10 @@
                         <a:buNone/>
                       </a:pPr>
                       <a:r>
-                        <a:rPr lang="en-US" sz="1100" u="none" strike="noStrike" cap="none"/>
+                        <a:rPr lang="en-US" sz="1100" u="none" strike="noStrike" cap="none" dirty="0"/>
                         <a:t>Actual Arrival time (HHMM)</a:t>
                       </a:r>
-                      <a:endParaRPr sz="1000" u="none" strike="noStrike" cap="none">
+                      <a:endParaRPr sz="1100" u="none" strike="noStrike" cap="none" dirty="0">
                         <a:latin typeface="Arial"/>
                         <a:ea typeface="Arial"/>
                         <a:cs typeface="Arial"/>
@@ -50007,7 +55704,7 @@
                         <a:rPr lang="en-US" sz="1100" u="none" strike="noStrike" cap="none"/>
                         <a:t>OP_CARRIER</a:t>
                       </a:r>
-                      <a:endParaRPr sz="1000" u="none" strike="noStrike" cap="none">
+                      <a:endParaRPr sz="1100" u="none" strike="noStrike" cap="none">
                         <a:latin typeface="Arial"/>
                         <a:ea typeface="Arial"/>
                         <a:cs typeface="Arial"/>
@@ -50038,7 +55735,7 @@
                         <a:rPr lang="en-US" sz="1100" u="none" strike="noStrike" cap="none"/>
                         <a:t>'NK', 'MQ', 'OO', 'EV', ‘HA'</a:t>
                       </a:r>
-                      <a:endParaRPr sz="1000" u="none" strike="noStrike" cap="none">
+                      <a:endParaRPr sz="1100" u="none" strike="noStrike" cap="none">
                         <a:latin typeface="Arial"/>
                         <a:ea typeface="Arial"/>
                         <a:cs typeface="Arial"/>
@@ -50066,10 +55763,10 @@
                         <a:buNone/>
                       </a:pPr>
                       <a:r>
-                        <a:rPr lang="en-US" sz="1100" u="none" strike="noStrike" cap="none"/>
+                        <a:rPr lang="en-US" sz="1100" u="none" strike="noStrike" cap="none" dirty="0"/>
                         <a:t>The Name of the Carrier</a:t>
                       </a:r>
-                      <a:endParaRPr sz="1000" u="none" strike="noStrike" cap="none">
+                      <a:endParaRPr sz="1100" u="none" strike="noStrike" cap="none" dirty="0">
                         <a:latin typeface="Arial"/>
                         <a:ea typeface="Arial"/>
                         <a:cs typeface="Arial"/>
@@ -50117,7 +55814,7 @@
                         <a:rPr lang="en-US" sz="1100" u="none" strike="noStrike" cap="none"/>
                         <a:t>OP_CARRIER_FL_NUM</a:t>
                       </a:r>
-                      <a:endParaRPr sz="1000" u="none" strike="noStrike" cap="none">
+                      <a:endParaRPr sz="1100" u="none" strike="noStrike" cap="none">
                         <a:latin typeface="Arial"/>
                         <a:ea typeface="Arial"/>
                         <a:cs typeface="Arial"/>
@@ -50145,10 +55842,10 @@
                         <a:buNone/>
                       </a:pPr>
                       <a:r>
-                        <a:rPr lang="en-US" sz="1100" u="none" strike="noStrike" cap="none"/>
+                        <a:rPr lang="en-US" sz="1100" u="none" strike="noStrike" cap="none" dirty="0"/>
                         <a:t>195, 197, 198</a:t>
                       </a:r>
-                      <a:endParaRPr sz="1000" u="none" strike="noStrike" cap="none">
+                      <a:endParaRPr sz="1100" u="none" strike="noStrike" cap="none" dirty="0">
                         <a:latin typeface="Arial"/>
                         <a:ea typeface="Arial"/>
                         <a:cs typeface="Arial"/>
@@ -50176,10 +55873,10 @@
                         <a:buNone/>
                       </a:pPr>
                       <a:r>
-                        <a:rPr lang="en-US" sz="1100" u="none" strike="noStrike" cap="none"/>
+                        <a:rPr lang="en-US" sz="1100" u="none" strike="noStrike" cap="none" dirty="0"/>
                         <a:t>Flight Number of the Carrier</a:t>
                       </a:r>
-                      <a:endParaRPr sz="1000" u="none" strike="noStrike" cap="none">
+                      <a:endParaRPr sz="1100" u="none" strike="noStrike" cap="none" dirty="0">
                         <a:latin typeface="Arial"/>
                         <a:ea typeface="Arial"/>
                         <a:cs typeface="Arial"/>
@@ -50227,7 +55924,7 @@
                         <a:rPr lang="en-US" sz="1100" u="none" strike="noStrike" cap="none"/>
                         <a:t>ORIGIN</a:t>
                       </a:r>
-                      <a:endParaRPr sz="1000" u="none" strike="noStrike" cap="none">
+                      <a:endParaRPr sz="1100" u="none" strike="noStrike" cap="none">
                         <a:latin typeface="Arial"/>
                         <a:ea typeface="Arial"/>
                         <a:cs typeface="Arial"/>
@@ -50258,7 +55955,7 @@
                         <a:rPr lang="en-US" sz="1100" u="none" strike="noStrike" cap="none"/>
                         <a:t>'MCO', 'LGA', 'FLL', 'IAH'</a:t>
                       </a:r>
-                      <a:endParaRPr sz="1000" u="none" strike="noStrike" cap="none">
+                      <a:endParaRPr sz="1100" u="none" strike="noStrike" cap="none">
                         <a:latin typeface="Arial"/>
                         <a:ea typeface="Arial"/>
                         <a:cs typeface="Arial"/>
@@ -50286,10 +55983,10 @@
                         <a:buNone/>
                       </a:pPr>
                       <a:r>
-                        <a:rPr lang="en-US" sz="1100" u="none" strike="noStrike" cap="none"/>
+                        <a:rPr lang="en-US" sz="1100" u="none" strike="noStrike" cap="none" dirty="0"/>
                         <a:t>Origin Airport</a:t>
                       </a:r>
-                      <a:endParaRPr sz="1000" u="none" strike="noStrike" cap="none">
+                      <a:endParaRPr sz="1100" u="none" strike="noStrike" cap="none" dirty="0">
                         <a:latin typeface="Arial"/>
                         <a:ea typeface="Arial"/>
                         <a:cs typeface="Arial"/>
@@ -50337,7 +56034,7 @@
                         <a:rPr lang="en-US" sz="1100" u="none" strike="noStrike" cap="none"/>
                         <a:t>DEST</a:t>
                       </a:r>
-                      <a:endParaRPr sz="1000" u="none" strike="noStrike" cap="none">
+                      <a:endParaRPr sz="1100" u="none" strike="noStrike" cap="none">
                         <a:latin typeface="Arial"/>
                         <a:ea typeface="Arial"/>
                         <a:cs typeface="Arial"/>
@@ -50368,7 +56065,7 @@
                         <a:rPr lang="en-US" sz="1100" u="none" strike="noStrike" cap="none"/>
                         <a:t>'FLL', 'MCO', 'LAS', 'ORD'</a:t>
                       </a:r>
-                      <a:endParaRPr sz="1000" u="none" strike="noStrike" cap="none">
+                      <a:endParaRPr sz="1100" u="none" strike="noStrike" cap="none">
                         <a:latin typeface="Arial"/>
                         <a:ea typeface="Arial"/>
                         <a:cs typeface="Arial"/>
@@ -50396,10 +56093,10 @@
                         <a:buNone/>
                       </a:pPr>
                       <a:r>
-                        <a:rPr lang="en-US" sz="1100" u="none" strike="noStrike" cap="none"/>
+                        <a:rPr lang="en-US" sz="1100" u="none" strike="noStrike" cap="none" dirty="0"/>
                         <a:t>Destination airport</a:t>
                       </a:r>
-                      <a:endParaRPr sz="1000" u="none" strike="noStrike" cap="none">
+                      <a:endParaRPr sz="1100" u="none" strike="noStrike" cap="none" dirty="0">
                         <a:latin typeface="Arial"/>
                         <a:ea typeface="Arial"/>
                         <a:cs typeface="Arial"/>
@@ -50447,7 +56144,7 @@
                         <a:rPr lang="en-US" sz="1100" u="none" strike="noStrike" cap="none"/>
                         <a:t>DISTANCE</a:t>
                       </a:r>
-                      <a:endParaRPr sz="1000" u="none" strike="noStrike" cap="none">
+                      <a:endParaRPr sz="1100" u="none" strike="noStrike" cap="none">
                         <a:latin typeface="Arial"/>
                         <a:ea typeface="Arial"/>
                         <a:cs typeface="Arial"/>
@@ -50478,7 +56175,7 @@
                         <a:rPr lang="en-US" sz="1100" u="none" strike="noStrike" cap="none"/>
                         <a:t>177., 1076., 1222.</a:t>
                       </a:r>
-                      <a:endParaRPr sz="1000" u="none" strike="noStrike" cap="none">
+                      <a:endParaRPr sz="1100" u="none" strike="noStrike" cap="none">
                         <a:latin typeface="Arial"/>
                         <a:ea typeface="Arial"/>
                         <a:cs typeface="Arial"/>
@@ -50506,10 +56203,10 @@
                         <a:buNone/>
                       </a:pPr>
                       <a:r>
-                        <a:rPr lang="en-US" sz="1100" u="none" strike="noStrike" cap="none"/>
+                        <a:rPr lang="en-US" sz="1100" u="none" strike="noStrike" cap="none" dirty="0"/>
                         <a:t>Distance between airports (miles)</a:t>
                       </a:r>
-                      <a:endParaRPr sz="1000" u="none" strike="noStrike" cap="none">
+                      <a:endParaRPr sz="1100" u="none" strike="noStrike" cap="none" dirty="0">
                         <a:latin typeface="Arial"/>
                         <a:ea typeface="Arial"/>
                         <a:cs typeface="Arial"/>
@@ -50581,7 +56278,7 @@
                         <a:rPr lang="en-US" sz="1100" u="none" strike="noStrike" cap="none"/>
                         <a:t>TAXI_OUT</a:t>
                       </a:r>
-                      <a:endParaRPr sz="1000" u="none" strike="noStrike" cap="none">
+                      <a:endParaRPr sz="1100" u="none" strike="noStrike" cap="none">
                         <a:latin typeface="Arial"/>
                         <a:ea typeface="Arial"/>
                         <a:cs typeface="Arial"/>
@@ -50612,7 +56309,7 @@
                         <a:rPr lang="en-US" sz="1100" u="none" strike="noStrike" cap="none"/>
                         <a:t>15., 20., 19., 8.</a:t>
                       </a:r>
-                      <a:endParaRPr sz="1000" u="none" strike="noStrike" cap="none">
+                      <a:endParaRPr sz="1100" u="none" strike="noStrike" cap="none">
                         <a:latin typeface="Arial"/>
                         <a:ea typeface="Arial"/>
                         <a:cs typeface="Arial"/>
@@ -50640,10 +56337,10 @@
                         <a:buNone/>
                       </a:pPr>
                       <a:r>
-                        <a:rPr lang="en-US" sz="1100" u="none" strike="noStrike" cap="none"/>
+                        <a:rPr lang="en-US" sz="1100" u="none" strike="noStrike" cap="none" dirty="0"/>
                         <a:t>Taxi Out Time, in Minutes; The time elapsed between departure from the origin airport gate and wheels off.</a:t>
                       </a:r>
-                      <a:endParaRPr sz="1000" u="none" strike="noStrike" cap="none">
+                      <a:endParaRPr sz="1100" u="none" strike="noStrike" cap="none" dirty="0">
                         <a:latin typeface="Arial"/>
                         <a:ea typeface="Arial"/>
                         <a:cs typeface="Arial"/>
@@ -50691,7 +56388,7 @@
                         <a:rPr lang="en-US" sz="1100" u="none" strike="noStrike" cap="none"/>
                         <a:t>WHEELS_OFF</a:t>
                       </a:r>
-                      <a:endParaRPr sz="1000" u="none" strike="noStrike" cap="none">
+                      <a:endParaRPr sz="1100" u="none" strike="noStrike" cap="none">
                         <a:latin typeface="Arial"/>
                         <a:ea typeface="Arial"/>
                         <a:cs typeface="Arial"/>
@@ -50722,7 +56419,7 @@
                         <a:rPr lang="en-US" sz="1100" u="none" strike="noStrike" cap="none"/>
                         <a:t>2158., 1124., 731.</a:t>
                       </a:r>
-                      <a:endParaRPr sz="1000" u="none" strike="noStrike" cap="none">
+                      <a:endParaRPr sz="1100" u="none" strike="noStrike" cap="none">
                         <a:latin typeface="Arial"/>
                         <a:ea typeface="Arial"/>
                         <a:cs typeface="Arial"/>
@@ -50753,7 +56450,7 @@
                         <a:rPr lang="en-US" sz="1100" u="none" strike="noStrike" cap="none"/>
                         <a:t>Wheels Off Time (local time) in HHMM</a:t>
                       </a:r>
-                      <a:endParaRPr sz="1000" u="none" strike="noStrike" cap="none">
+                      <a:endParaRPr sz="1100" u="none" strike="noStrike" cap="none">
                         <a:latin typeface="Arial"/>
                         <a:ea typeface="Arial"/>
                         <a:cs typeface="Arial"/>
@@ -50801,7 +56498,7 @@
                         <a:rPr lang="en-US" sz="1100" u="none" strike="noStrike" cap="none"/>
                         <a:t>WHEELS_ON</a:t>
                       </a:r>
-                      <a:endParaRPr sz="1000" u="none" strike="noStrike" cap="none">
+                      <a:endParaRPr sz="1100" u="none" strike="noStrike" cap="none">
                         <a:latin typeface="Arial"/>
                         <a:ea typeface="Arial"/>
                         <a:cs typeface="Arial"/>
@@ -50832,7 +56529,7 @@
                         <a:rPr lang="en-US" sz="1100" u="none" strike="noStrike" cap="none"/>
                         <a:t>2158., 1124., 731.</a:t>
                       </a:r>
-                      <a:endParaRPr sz="1000" u="none" strike="noStrike" cap="none">
+                      <a:endParaRPr sz="1100" u="none" strike="noStrike" cap="none">
                         <a:latin typeface="Arial"/>
                         <a:ea typeface="Arial"/>
                         <a:cs typeface="Arial"/>
@@ -50863,7 +56560,7 @@
                         <a:rPr lang="en-US" sz="1100" u="none" strike="noStrike" cap="none"/>
                         <a:t>Wheels On Time (local time) in HHMM</a:t>
                       </a:r>
-                      <a:endParaRPr sz="1000" u="none" strike="noStrike" cap="none">
+                      <a:endParaRPr sz="1100" u="none" strike="noStrike" cap="none">
                         <a:latin typeface="Arial"/>
                         <a:ea typeface="Arial"/>
                         <a:cs typeface="Arial"/>
@@ -50911,7 +56608,7 @@
                         <a:rPr lang="en-US" sz="1100" u="none" strike="noStrike" cap="none"/>
                         <a:t>TAXI_IN</a:t>
                       </a:r>
-                      <a:endParaRPr sz="1000" u="none" strike="noStrike" cap="none">
+                      <a:endParaRPr sz="1100" u="none" strike="noStrike" cap="none">
                         <a:latin typeface="Arial"/>
                         <a:ea typeface="Arial"/>
                         <a:cs typeface="Arial"/>
@@ -50942,7 +56639,7 @@
                         <a:rPr lang="en-US" sz="1100" u="none" strike="noStrike" cap="none"/>
                         <a:t>7., 9., 10., 4., 5.</a:t>
                       </a:r>
-                      <a:endParaRPr sz="1000" u="none" strike="noStrike" cap="none">
+                      <a:endParaRPr sz="1100" u="none" strike="noStrike" cap="none">
                         <a:latin typeface="Arial"/>
                         <a:ea typeface="Arial"/>
                         <a:cs typeface="Arial"/>
@@ -50970,10 +56667,10 @@
                         <a:buNone/>
                       </a:pPr>
                       <a:r>
-                        <a:rPr lang="en-US" sz="1100" u="none" strike="noStrike" cap="none"/>
+                        <a:rPr lang="en-US" sz="1100" u="none" strike="noStrike" cap="none" dirty="0"/>
                         <a:t>Wheels down and arrival at the destination airport gate, in minutes</a:t>
                       </a:r>
-                      <a:endParaRPr sz="1000" u="none" strike="noStrike" cap="none">
+                      <a:endParaRPr sz="1100" u="none" strike="noStrike" cap="none" dirty="0">
                         <a:latin typeface="Arial"/>
                         <a:ea typeface="Arial"/>
                         <a:cs typeface="Arial"/>
@@ -51021,7 +56718,7 @@
                         <a:rPr lang="en-US" sz="1100" u="none" strike="noStrike" cap="none"/>
                         <a:t>CRS_ELAPSED_TIME</a:t>
                       </a:r>
-                      <a:endParaRPr sz="1000" u="none" strike="noStrike" cap="none">
+                      <a:endParaRPr sz="1100" u="none" strike="noStrike" cap="none">
                         <a:latin typeface="Arial"/>
                         <a:ea typeface="Arial"/>
                         <a:cs typeface="Arial"/>
@@ -51052,7 +56749,7 @@
                         <a:rPr lang="en-US" sz="1100" u="none" strike="noStrike" cap="none"/>
                         <a:t>63., 194., 57., 196.</a:t>
                       </a:r>
-                      <a:endParaRPr sz="1000" u="none" strike="noStrike" cap="none">
+                      <a:endParaRPr sz="1100" u="none" strike="noStrike" cap="none">
                         <a:latin typeface="Arial"/>
                         <a:ea typeface="Arial"/>
                         <a:cs typeface="Arial"/>
@@ -51080,10 +56777,10 @@
                         <a:buNone/>
                       </a:pPr>
                       <a:r>
-                        <a:rPr lang="en-US" sz="1100" u="none" strike="noStrike" cap="none"/>
+                        <a:rPr lang="en-US" sz="1100" u="none" strike="noStrike" cap="none" dirty="0"/>
                         <a:t>Estimated Elapsed Time of Flight, in Minutes</a:t>
                       </a:r>
-                      <a:endParaRPr sz="1000" u="none" strike="noStrike" cap="none">
+                      <a:endParaRPr sz="1100" u="none" strike="noStrike" cap="none" dirty="0">
                         <a:latin typeface="Arial"/>
                         <a:ea typeface="Arial"/>
                         <a:cs typeface="Arial"/>
@@ -51131,7 +56828,7 @@
                         <a:rPr lang="en-US" sz="1100" u="none" strike="noStrike" cap="none"/>
                         <a:t>ACTUAL_ELAPSED_TIME</a:t>
                       </a:r>
-                      <a:endParaRPr sz="1000" u="none" strike="noStrike" cap="none">
+                      <a:endParaRPr sz="1100" u="none" strike="noStrike" cap="none">
                         <a:latin typeface="Arial"/>
                         <a:ea typeface="Arial"/>
                         <a:cs typeface="Arial"/>
@@ -51162,7 +56859,7 @@
                         <a:rPr lang="en-US" sz="1100" u="none" strike="noStrike" cap="none"/>
                         <a:t>63., 194., 57., 196.</a:t>
                       </a:r>
-                      <a:endParaRPr sz="1000" u="none" strike="noStrike" cap="none">
+                      <a:endParaRPr sz="1100" u="none" strike="noStrike" cap="none">
                         <a:latin typeface="Arial"/>
                         <a:ea typeface="Arial"/>
                         <a:cs typeface="Arial"/>
@@ -51190,10 +56887,10 @@
                         <a:buNone/>
                       </a:pPr>
                       <a:r>
-                        <a:rPr lang="en-US" sz="1100" u="none" strike="noStrike" cap="none"/>
+                        <a:rPr lang="en-US" sz="1100" u="none" strike="noStrike" cap="none" dirty="0"/>
                         <a:t>Elapsed Time of Flight, in Minutes</a:t>
                       </a:r>
-                      <a:endParaRPr sz="1000" u="none" strike="noStrike" cap="none">
+                      <a:endParaRPr sz="1100" u="none" strike="noStrike" cap="none" dirty="0">
                         <a:latin typeface="Arial"/>
                         <a:ea typeface="Arial"/>
                         <a:cs typeface="Arial"/>
@@ -51241,7 +56938,7 @@
                         <a:rPr lang="en-US" sz="1100" u="none" strike="noStrike" cap="none"/>
                         <a:t>AIR_TIME</a:t>
                       </a:r>
-                      <a:endParaRPr sz="1000" u="none" strike="noStrike" cap="none">
+                      <a:endParaRPr sz="1100" u="none" strike="noStrike" cap="none">
                         <a:latin typeface="Arial"/>
                         <a:ea typeface="Arial"/>
                         <a:cs typeface="Arial"/>
@@ -51272,7 +56969,7 @@
                         <a:rPr lang="en-US" sz="1100" u="none" strike="noStrike" cap="none"/>
                         <a:t>40., 150., 32., 164.</a:t>
                       </a:r>
-                      <a:endParaRPr sz="1000" u="none" strike="noStrike" cap="none">
+                      <a:endParaRPr sz="1100" u="none" strike="noStrike" cap="none">
                         <a:latin typeface="Arial"/>
                         <a:ea typeface="Arial"/>
                         <a:cs typeface="Arial"/>
@@ -51300,10 +56997,10 @@
                         <a:buNone/>
                       </a:pPr>
                       <a:r>
-                        <a:rPr lang="en-US" sz="1100" u="none" strike="noStrike" cap="none"/>
+                        <a:rPr lang="en-US" sz="1100" u="none" strike="noStrike" cap="none" dirty="0"/>
                         <a:t>Flight time in Minutes</a:t>
                       </a:r>
-                      <a:endParaRPr sz="1000" u="none" strike="noStrike" cap="none">
+                      <a:endParaRPr sz="1100" u="none" strike="noStrike" cap="none" dirty="0">
                         <a:latin typeface="Arial"/>
                         <a:ea typeface="Arial"/>
                         <a:cs typeface="Arial"/>
@@ -51375,7 +57072,7 @@
                         <a:rPr lang="en-US" sz="1100" u="none" strike="noStrike" cap="none"/>
                         <a:t>DEP_DELAY</a:t>
                       </a:r>
-                      <a:endParaRPr sz="1000" u="none" strike="noStrike" cap="none">
+                      <a:endParaRPr sz="1100" u="none" strike="noStrike" cap="none">
                         <a:latin typeface="Arial"/>
                         <a:ea typeface="Arial"/>
                         <a:cs typeface="Arial"/>
@@ -51406,7 +57103,7 @@
                         <a:rPr lang="en-US" sz="1100" u="none" strike="noStrike" cap="none"/>
                         <a:t>-4., 14., 12.</a:t>
                       </a:r>
-                      <a:endParaRPr sz="1000" u="none" strike="noStrike" cap="none">
+                      <a:endParaRPr sz="1100" u="none" strike="noStrike" cap="none">
                         <a:latin typeface="Arial"/>
                         <a:ea typeface="Arial"/>
                         <a:cs typeface="Arial"/>
@@ -51434,10 +57131,10 @@
                         <a:buNone/>
                       </a:pPr>
                       <a:r>
-                        <a:rPr lang="en-US" sz="1100" u="none" strike="noStrike" cap="none"/>
+                        <a:rPr lang="en-US" sz="1100" u="none" strike="noStrike" cap="none" dirty="0"/>
                         <a:t>Difference in minutes between scheduled and actual departure time. Early departures show negative numbers.</a:t>
                       </a:r>
-                      <a:endParaRPr sz="1000" u="none" strike="noStrike" cap="none">
+                      <a:endParaRPr sz="1100" u="none" strike="noStrike" cap="none" dirty="0">
                         <a:latin typeface="Arial"/>
                         <a:ea typeface="Arial"/>
                         <a:cs typeface="Arial"/>
@@ -51485,7 +57182,7 @@
                         <a:rPr lang="en-US" sz="1100" u="none" strike="noStrike" cap="none"/>
                         <a:t>ARR_DELAY</a:t>
                       </a:r>
-                      <a:endParaRPr sz="1000" u="none" strike="noStrike" cap="none">
+                      <a:endParaRPr sz="1100" u="none" strike="noStrike" cap="none">
                         <a:latin typeface="Arial"/>
                         <a:ea typeface="Arial"/>
                         <a:cs typeface="Arial"/>
@@ -51516,7 +57213,7 @@
                         <a:rPr lang="en-US" sz="1100" u="none" strike="noStrike" cap="none"/>
                         <a:t>-5.0, -1.0, 16.0</a:t>
                       </a:r>
-                      <a:endParaRPr sz="1000" u="none" strike="noStrike" cap="none">
+                      <a:endParaRPr sz="1100" u="none" strike="noStrike" cap="none">
                         <a:latin typeface="Arial"/>
                         <a:ea typeface="Arial"/>
                         <a:cs typeface="Arial"/>
@@ -51544,10 +57241,10 @@
                         <a:buNone/>
                       </a:pPr>
                       <a:r>
-                        <a:rPr lang="en-US" sz="1100" u="none" strike="noStrike" cap="none"/>
+                        <a:rPr lang="en-US" sz="1100" u="none" strike="noStrike" cap="none" dirty="0"/>
                         <a:t>Difference in minutes between scheduled and actual arrival time. Early arrivals show negative numbers.</a:t>
                       </a:r>
-                      <a:endParaRPr sz="1000" u="none" strike="noStrike" cap="none">
+                      <a:endParaRPr sz="1100" u="none" strike="noStrike" cap="none" dirty="0">
                         <a:latin typeface="Arial"/>
                         <a:ea typeface="Arial"/>
                         <a:cs typeface="Arial"/>
@@ -51595,7 +57292,7 @@
                         <a:rPr lang="en-US" sz="1100" u="none" strike="noStrike" cap="none"/>
                         <a:t>CANCELLED</a:t>
                       </a:r>
-                      <a:endParaRPr sz="1000" u="none" strike="noStrike" cap="none">
+                      <a:endParaRPr sz="1100" u="none" strike="noStrike" cap="none">
                         <a:latin typeface="Arial"/>
                         <a:ea typeface="Arial"/>
                         <a:cs typeface="Arial"/>
@@ -51626,7 +57323,7 @@
                         <a:rPr lang="en-US" sz="1100" u="none" strike="noStrike" cap="none"/>
                         <a:t>0., 1.</a:t>
                       </a:r>
-                      <a:endParaRPr sz="1000" u="none" strike="noStrike" cap="none">
+                      <a:endParaRPr sz="1100" u="none" strike="noStrike" cap="none">
                         <a:latin typeface="Arial"/>
                         <a:ea typeface="Arial"/>
                         <a:cs typeface="Arial"/>
@@ -51654,10 +57351,10 @@
                         <a:buNone/>
                       </a:pPr>
                       <a:r>
-                        <a:rPr lang="en-US" sz="1100" u="none" strike="noStrike" cap="none"/>
+                        <a:rPr lang="en-US" sz="1100" u="none" strike="noStrike" cap="none" dirty="0"/>
                         <a:t>Cancelled Flight Indicator (1=Yes); was the flight cancelled?</a:t>
                       </a:r>
-                      <a:endParaRPr sz="1000" u="none" strike="noStrike" cap="none">
+                      <a:endParaRPr sz="1100" u="none" strike="noStrike" cap="none" dirty="0">
                         <a:latin typeface="Arial"/>
                         <a:ea typeface="Arial"/>
                         <a:cs typeface="Arial"/>
@@ -51705,7 +57402,7 @@
                         <a:rPr lang="en-US" sz="1100" u="none" strike="noStrike" cap="none"/>
                         <a:t>CANCELLATION_CODE</a:t>
                       </a:r>
-                      <a:endParaRPr sz="1000" u="none" strike="noStrike" cap="none">
+                      <a:endParaRPr sz="1100" u="none" strike="noStrike" cap="none">
                         <a:latin typeface="Arial"/>
                         <a:ea typeface="Arial"/>
                         <a:cs typeface="Arial"/>
@@ -51736,7 +57433,7 @@
                         <a:rPr lang="en-US" sz="1100" u="none" strike="noStrike" cap="none"/>
                         <a:t>'A', 'B', 'C', 'D'</a:t>
                       </a:r>
-                      <a:endParaRPr sz="1000" u="none" strike="noStrike" cap="none">
+                      <a:endParaRPr sz="1100" u="none" strike="noStrike" cap="none">
                         <a:latin typeface="Arial"/>
                         <a:ea typeface="Arial"/>
                         <a:cs typeface="Arial"/>
@@ -51764,10 +57461,10 @@
                         <a:buNone/>
                       </a:pPr>
                       <a:r>
-                        <a:rPr lang="en-US" sz="1100" u="none" strike="noStrike" cap="none"/>
+                        <a:rPr lang="en-US" sz="1100" u="none" strike="noStrike" cap="none" dirty="0"/>
                         <a:t>Reason for cancellation (A = carrier, B = weather, C = NAS, D = security</a:t>
                       </a:r>
-                      <a:endParaRPr sz="1000" u="none" strike="noStrike" cap="none">
+                      <a:endParaRPr sz="1100" u="none" strike="noStrike" cap="none" dirty="0">
                         <a:latin typeface="Arial"/>
                         <a:ea typeface="Arial"/>
                         <a:cs typeface="Arial"/>
@@ -51815,7 +57512,7 @@
                         <a:rPr lang="en-US" sz="1100" u="none" strike="noStrike" cap="none"/>
                         <a:t>DIVERTED</a:t>
                       </a:r>
-                      <a:endParaRPr sz="1000" u="none" strike="noStrike" cap="none">
+                      <a:endParaRPr sz="1100" u="none" strike="noStrike" cap="none">
                         <a:latin typeface="Arial"/>
                         <a:ea typeface="Arial"/>
                         <a:cs typeface="Arial"/>
@@ -51846,7 +57543,7 @@
                         <a:rPr lang="en-US" sz="1100" u="none" strike="noStrike" cap="none"/>
                         <a:t>0., 1.</a:t>
                       </a:r>
-                      <a:endParaRPr sz="1000" u="none" strike="noStrike" cap="none">
+                      <a:endParaRPr sz="1100" u="none" strike="noStrike" cap="none">
                         <a:latin typeface="Arial"/>
                         <a:ea typeface="Arial"/>
                         <a:cs typeface="Arial"/>
@@ -51874,10 +57571,10 @@
                         <a:buNone/>
                       </a:pPr>
                       <a:r>
-                        <a:rPr lang="en-US" sz="1100" u="none" strike="noStrike" cap="none"/>
+                        <a:rPr lang="en-US" sz="1100" u="none" strike="noStrike" cap="none" dirty="0"/>
                         <a:t>Diverted Flight Indicator (1 = Yes)</a:t>
                       </a:r>
-                      <a:endParaRPr sz="1000" u="none" strike="noStrike" cap="none">
+                      <a:endParaRPr sz="1100" u="none" strike="noStrike" cap="none" dirty="0">
                         <a:latin typeface="Arial"/>
                         <a:ea typeface="Arial"/>
                         <a:cs typeface="Arial"/>
@@ -51925,7 +57622,7 @@
                         <a:rPr lang="en-US" sz="1100" u="none" strike="noStrike" cap="none"/>
                         <a:t>CARRIER_DELAY</a:t>
                       </a:r>
-                      <a:endParaRPr sz="1000" u="none" strike="noStrike" cap="none">
+                      <a:endParaRPr sz="1100" u="none" strike="noStrike" cap="none">
                         <a:latin typeface="Arial"/>
                         <a:ea typeface="Arial"/>
                         <a:cs typeface="Arial"/>
@@ -51956,7 +57653,7 @@
                         <a:rPr lang="en-US" sz="1100" u="none" strike="noStrike" cap="none"/>
                         <a:t>1., 15., 127., 174.</a:t>
                       </a:r>
-                      <a:endParaRPr sz="1000" u="none" strike="noStrike" cap="none">
+                      <a:endParaRPr sz="1100" u="none" strike="noStrike" cap="none">
                         <a:latin typeface="Arial"/>
                         <a:ea typeface="Arial"/>
                         <a:cs typeface="Arial"/>
@@ -51984,10 +57681,10 @@
                         <a:buNone/>
                       </a:pPr>
                       <a:r>
-                        <a:rPr lang="en-US" sz="1100" u="none" strike="noStrike" cap="none"/>
+                        <a:rPr lang="en-US" sz="1100" u="none" strike="noStrike" cap="none" dirty="0"/>
                         <a:t>Carrier Delay, in Minutes</a:t>
                       </a:r>
-                      <a:endParaRPr sz="1000" u="none" strike="noStrike" cap="none">
+                      <a:endParaRPr sz="1100" u="none" strike="noStrike" cap="none" dirty="0">
                         <a:latin typeface="Arial"/>
                         <a:ea typeface="Arial"/>
                         <a:cs typeface="Arial"/>
@@ -52035,7 +57732,7 @@
                         <a:rPr lang="en-US" sz="1100" u="none" strike="noStrike" cap="none"/>
                         <a:t>WEATHER_DELAY</a:t>
                       </a:r>
-                      <a:endParaRPr sz="1000" u="none" strike="noStrike" cap="none">
+                      <a:endParaRPr sz="1100" u="none" strike="noStrike" cap="none">
                         <a:latin typeface="Arial"/>
                         <a:ea typeface="Arial"/>
                         <a:cs typeface="Arial"/>
@@ -52066,7 +57763,7 @@
                         <a:rPr lang="en-US" sz="1100" u="none" strike="noStrike" cap="none"/>
                         <a:t>31., 17., 24., 61.</a:t>
                       </a:r>
-                      <a:endParaRPr sz="1000" u="none" strike="noStrike" cap="none">
+                      <a:endParaRPr sz="1100" u="none" strike="noStrike" cap="none">
                         <a:latin typeface="Arial"/>
                         <a:ea typeface="Arial"/>
                         <a:cs typeface="Arial"/>
@@ -52094,10 +57791,10 @@
                         <a:buNone/>
                       </a:pPr>
                       <a:r>
-                        <a:rPr lang="en-US" sz="1100" u="none" strike="noStrike" cap="none"/>
+                        <a:rPr lang="en-US" sz="1100" u="none" strike="noStrike" cap="none" dirty="0"/>
                         <a:t>Weather Delay, in Minutes</a:t>
                       </a:r>
-                      <a:endParaRPr sz="1000" u="none" strike="noStrike" cap="none">
+                      <a:endParaRPr sz="1100" u="none" strike="noStrike" cap="none" dirty="0">
                         <a:latin typeface="Arial"/>
                         <a:ea typeface="Arial"/>
                         <a:cs typeface="Arial"/>
@@ -52145,7 +57842,7 @@
                         <a:rPr lang="en-US" sz="1100" u="none" strike="noStrike" cap="none"/>
                         <a:t>NAS_DELAY</a:t>
                       </a:r>
-                      <a:endParaRPr sz="1000" u="none" strike="noStrike" cap="none">
+                      <a:endParaRPr sz="1100" u="none" strike="noStrike" cap="none">
                         <a:latin typeface="Arial"/>
                         <a:ea typeface="Arial"/>
                         <a:cs typeface="Arial"/>
@@ -52176,7 +57873,7 @@
                         <a:rPr lang="en-US" sz="1100" u="none" strike="noStrike" cap="none"/>
                         <a:t>16., 18., 25., 19.</a:t>
                       </a:r>
-                      <a:endParaRPr sz="1000" u="none" strike="noStrike" cap="none">
+                      <a:endParaRPr sz="1100" u="none" strike="noStrike" cap="none">
                         <a:latin typeface="Arial"/>
                         <a:ea typeface="Arial"/>
                         <a:cs typeface="Arial"/>
@@ -52204,10 +57901,10 @@
                         <a:buNone/>
                       </a:pPr>
                       <a:r>
-                        <a:rPr lang="en-US" sz="1100" u="none" strike="noStrike" cap="none"/>
+                        <a:rPr lang="en-US" sz="1100" u="none" strike="noStrike" cap="none" dirty="0"/>
                         <a:t>National Air System Delay, in Minutes</a:t>
                       </a:r>
-                      <a:endParaRPr sz="1000" u="none" strike="noStrike" cap="none">
+                      <a:endParaRPr sz="1100" u="none" strike="noStrike" cap="none" dirty="0">
                         <a:latin typeface="Arial"/>
                         <a:ea typeface="Arial"/>
                         <a:cs typeface="Arial"/>
@@ -52255,7 +57952,7 @@
                         <a:rPr lang="en-US" sz="1100" u="none" strike="noStrike" cap="none"/>
                         <a:t>SECURITY_DELAY</a:t>
                       </a:r>
-                      <a:endParaRPr sz="1000" u="none" strike="noStrike" cap="none">
+                      <a:endParaRPr sz="1100" u="none" strike="noStrike" cap="none">
                         <a:latin typeface="Arial"/>
                         <a:ea typeface="Arial"/>
                         <a:cs typeface="Arial"/>
@@ -52286,7 +57983,7 @@
                         <a:rPr lang="en-US" sz="1100" u="none" strike="noStrike" cap="none"/>
                         <a:t>8., 21., 6., 14.</a:t>
                       </a:r>
-                      <a:endParaRPr sz="1000" u="none" strike="noStrike" cap="none">
+                      <a:endParaRPr sz="1100" u="none" strike="noStrike" cap="none">
                         <a:latin typeface="Arial"/>
                         <a:ea typeface="Arial"/>
                         <a:cs typeface="Arial"/>
@@ -52314,10 +58011,10 @@
                         <a:buNone/>
                       </a:pPr>
                       <a:r>
-                        <a:rPr lang="en-US" sz="1100" u="none" strike="noStrike" cap="none"/>
+                        <a:rPr lang="en-US" sz="1100" u="none" strike="noStrike" cap="none" dirty="0"/>
                         <a:t>Security Delay, in Minutes</a:t>
                       </a:r>
-                      <a:endParaRPr sz="1000" u="none" strike="noStrike" cap="none">
+                      <a:endParaRPr sz="1100" u="none" strike="noStrike" cap="none" dirty="0">
                         <a:latin typeface="Arial"/>
                         <a:ea typeface="Arial"/>
                         <a:cs typeface="Arial"/>
@@ -52362,10 +58059,10 @@
                         <a:buNone/>
                       </a:pPr>
                       <a:r>
-                        <a:rPr lang="en-US" sz="1100" u="none" strike="noStrike" cap="none"/>
+                        <a:rPr lang="en-US" sz="1100" u="none" strike="noStrike" cap="none" dirty="0"/>
                         <a:t>LATE_AIRCRAFT_DELAY</a:t>
                       </a:r>
-                      <a:endParaRPr sz="1000" u="none" strike="noStrike" cap="none">
+                      <a:endParaRPr sz="1100" u="none" strike="noStrike" cap="none" dirty="0">
                         <a:latin typeface="Arial"/>
                         <a:ea typeface="Arial"/>
                         <a:cs typeface="Arial"/>
@@ -52396,7 +58093,7 @@
                         <a:rPr lang="en-US" sz="1100" u="none" strike="noStrike" cap="none"/>
                         <a:t>8., 29., 21., 10.</a:t>
                       </a:r>
-                      <a:endParaRPr sz="1000" u="none" strike="noStrike" cap="none">
+                      <a:endParaRPr sz="1100" u="none" strike="noStrike" cap="none">
                         <a:latin typeface="Arial"/>
                         <a:ea typeface="Arial"/>
                         <a:cs typeface="Arial"/>
@@ -52424,10 +58121,10 @@
                         <a:buNone/>
                       </a:pPr>
                       <a:r>
-                        <a:rPr lang="en-US" sz="1100" u="none" strike="noStrike" cap="none"/>
+                        <a:rPr lang="en-US" sz="1100" u="none" strike="noStrike" cap="none" dirty="0"/>
                         <a:t>Late Aircraft Delay, in Minutes</a:t>
                       </a:r>
-                      <a:endParaRPr sz="1000" u="none" strike="noStrike" cap="none">
+                      <a:endParaRPr sz="1100" u="none" strike="noStrike" cap="none" dirty="0">
                         <a:latin typeface="Arial"/>
                         <a:ea typeface="Arial"/>
                         <a:cs typeface="Arial"/>
@@ -52519,63 +58216,10 @@
               <a:buNone/>
             </a:pPr>
             <a:r>
-              <a:rPr lang="en-US" sz="5200"/>
+              <a:rPr lang="en-US" sz="5200" dirty="0"/>
               <a:t>Exploratory Data Analysis</a:t>
             </a:r>
-            <a:endParaRPr sz="5200"/>
-          </a:p>
-        </p:txBody>
-      </p:sp>
-      <p:sp>
-        <p:nvSpPr>
-          <p:cNvPr id="273" name="Google Shape;273;p55"/>
-          <p:cNvSpPr txBox="1">
-            <a:spLocks noGrp="1"/>
-          </p:cNvSpPr>
-          <p:nvPr>
-            <p:ph type="body" idx="1"/>
-          </p:nvPr>
-        </p:nvSpPr>
-        <p:spPr>
-          <a:xfrm>
-            <a:off x="390591" y="1716834"/>
-            <a:ext cx="11410818" cy="4545304"/>
-          </a:xfrm>
-          <a:prstGeom prst="rect">
-            <a:avLst/>
-          </a:prstGeom>
-          <a:noFill/>
-          <a:ln>
-            <a:noFill/>
-          </a:ln>
-        </p:spPr>
-        <p:txBody>
-          <a:bodyPr spcFirstLastPara="1" wrap="square" lIns="91425" tIns="45700" rIns="91425" bIns="45700" anchor="t" anchorCtr="0">
-            <a:noAutofit/>
-          </a:bodyPr>
-          <a:lstStyle/>
-          <a:p>
-            <a:pPr marL="457200" lvl="0" indent="-457200" algn="l" rtl="0">
-              <a:lnSpc>
-                <a:spcPct val="90000"/>
-              </a:lnSpc>
-              <a:spcBef>
-                <a:spcPts val="0"/>
-              </a:spcBef>
-              <a:spcAft>
-                <a:spcPts val="0"/>
-              </a:spcAft>
-              <a:buClr>
-                <a:schemeClr val="dk1"/>
-              </a:buClr>
-              <a:buSzPts val="2000"/>
-              <a:buAutoNum type="arabicPeriod"/>
-            </a:pPr>
-            <a:r>
-              <a:rPr lang="en-US" sz="2000"/>
-              <a:t>Important Variables &amp; Variables not required</a:t>
-            </a:r>
-            <a:endParaRPr/>
+            <a:endParaRPr sz="5200" dirty="0"/>
           </a:p>
         </p:txBody>
       </p:sp>
@@ -52646,6 +58290,1150 @@
               <a:cs typeface="Roboto"/>
               <a:sym typeface="Roboto"/>
             </a:endParaRPr>
+          </a:p>
+        </p:txBody>
+      </p:sp>
+      <p:pic>
+        <p:nvPicPr>
+          <p:cNvPr id="8" name="Picture 7">
+            <a:extLst>
+              <a:ext uri="{FF2B5EF4-FFF2-40B4-BE49-F238E27FC236}">
+                <a16:creationId xmlns:a16="http://schemas.microsoft.com/office/drawing/2014/main" id="{69F462A3-5DF2-DA5E-9627-9728425AFCBC}"/>
+              </a:ext>
+            </a:extLst>
+          </p:cNvPr>
+          <p:cNvPicPr>
+            <a:picLocks noChangeAspect="1"/>
+          </p:cNvPicPr>
+          <p:nvPr/>
+        </p:nvPicPr>
+        <p:blipFill>
+          <a:blip r:embed="rId3">
+            <a:alphaModFix amt="20000"/>
+          </a:blip>
+          <a:stretch>
+            <a:fillRect/>
+          </a:stretch>
+        </p:blipFill>
+        <p:spPr>
+          <a:xfrm>
+            <a:off x="2660880" y="1705103"/>
+            <a:ext cx="6423490" cy="4811150"/>
+          </a:xfrm>
+          <a:prstGeom prst="rect">
+            <a:avLst/>
+          </a:prstGeom>
+        </p:spPr>
+      </p:pic>
+      <p:sp>
+        <p:nvSpPr>
+          <p:cNvPr id="10" name="Rectangle: Rounded Corners 9">
+            <a:extLst>
+              <a:ext uri="{FF2B5EF4-FFF2-40B4-BE49-F238E27FC236}">
+                <a16:creationId xmlns:a16="http://schemas.microsoft.com/office/drawing/2014/main" id="{2562F56A-A65E-AC7E-5C3B-3CAE39613373}"/>
+              </a:ext>
+            </a:extLst>
+          </p:cNvPr>
+          <p:cNvSpPr/>
+          <p:nvPr/>
+        </p:nvSpPr>
+        <p:spPr>
+          <a:xfrm>
+            <a:off x="1499615" y="1779092"/>
+            <a:ext cx="4093465" cy="4663173"/>
+          </a:xfrm>
+          <a:prstGeom prst="roundRect">
+            <a:avLst/>
+          </a:prstGeom>
+          <a:noFill/>
+          <a:ln>
+            <a:solidFill>
+              <a:schemeClr val="tx2"/>
+            </a:solidFill>
+          </a:ln>
+        </p:spPr>
+        <p:style>
+          <a:lnRef idx="2">
+            <a:schemeClr val="accent1">
+              <a:shade val="15000"/>
+            </a:schemeClr>
+          </a:lnRef>
+          <a:fillRef idx="1">
+            <a:schemeClr val="accent1"/>
+          </a:fillRef>
+          <a:effectRef idx="0">
+            <a:schemeClr val="accent1"/>
+          </a:effectRef>
+          <a:fontRef idx="minor">
+            <a:schemeClr val="lt1"/>
+          </a:fontRef>
+        </p:style>
+        <p:txBody>
+          <a:bodyPr rtlCol="0" anchor="ctr"/>
+          <a:lstStyle/>
+          <a:p>
+            <a:pPr algn="ctr"/>
+            <a:endParaRPr lang="en-CA" b="1"/>
+          </a:p>
+        </p:txBody>
+      </p:sp>
+      <p:pic>
+        <p:nvPicPr>
+          <p:cNvPr id="13" name="Graphic 12" descr="Take Off with solid fill">
+            <a:extLst>
+              <a:ext uri="{FF2B5EF4-FFF2-40B4-BE49-F238E27FC236}">
+                <a16:creationId xmlns:a16="http://schemas.microsoft.com/office/drawing/2014/main" id="{A4568539-0939-FF2A-7521-70E8B7D4E853}"/>
+              </a:ext>
+            </a:extLst>
+          </p:cNvPr>
+          <p:cNvPicPr>
+            <a:picLocks noChangeAspect="1"/>
+          </p:cNvPicPr>
+          <p:nvPr/>
+        </p:nvPicPr>
+        <p:blipFill>
+          <a:blip r:embed="rId4">
+            <a:extLst>
+              <a:ext uri="{96DAC541-7B7A-43D3-8B79-37D633B846F1}">
+                <asvg:svgBlip xmlns:asvg="http://schemas.microsoft.com/office/drawing/2016/SVG/main" r:embed="rId5"/>
+              </a:ext>
+            </a:extLst>
+          </a:blip>
+          <a:stretch>
+            <a:fillRect/>
+          </a:stretch>
+        </p:blipFill>
+        <p:spPr>
+          <a:xfrm>
+            <a:off x="1681488" y="1779091"/>
+            <a:ext cx="914400" cy="914400"/>
+          </a:xfrm>
+          <a:prstGeom prst="rect">
+            <a:avLst/>
+          </a:prstGeom>
+        </p:spPr>
+      </p:pic>
+      <p:pic>
+        <p:nvPicPr>
+          <p:cNvPr id="15" name="Graphic 14" descr="Landing with solid fill">
+            <a:extLst>
+              <a:ext uri="{FF2B5EF4-FFF2-40B4-BE49-F238E27FC236}">
+                <a16:creationId xmlns:a16="http://schemas.microsoft.com/office/drawing/2014/main" id="{B3941D01-908A-CCFC-091B-6188025406C0}"/>
+              </a:ext>
+            </a:extLst>
+          </p:cNvPr>
+          <p:cNvPicPr>
+            <a:picLocks noChangeAspect="1"/>
+          </p:cNvPicPr>
+          <p:nvPr/>
+        </p:nvPicPr>
+        <p:blipFill>
+          <a:blip r:embed="rId6">
+            <a:extLst>
+              <a:ext uri="{96DAC541-7B7A-43D3-8B79-37D633B846F1}">
+                <asvg:svgBlip xmlns:asvg="http://schemas.microsoft.com/office/drawing/2016/SVG/main" r:embed="rId7"/>
+              </a:ext>
+            </a:extLst>
+          </a:blip>
+          <a:stretch>
+            <a:fillRect/>
+          </a:stretch>
+        </p:blipFill>
+        <p:spPr>
+          <a:xfrm>
+            <a:off x="6854952" y="1779091"/>
+            <a:ext cx="914400" cy="914400"/>
+          </a:xfrm>
+          <a:prstGeom prst="rect">
+            <a:avLst/>
+          </a:prstGeom>
+        </p:spPr>
+      </p:pic>
+      <p:sp>
+        <p:nvSpPr>
+          <p:cNvPr id="16" name="TextBox 15">
+            <a:extLst>
+              <a:ext uri="{FF2B5EF4-FFF2-40B4-BE49-F238E27FC236}">
+                <a16:creationId xmlns:a16="http://schemas.microsoft.com/office/drawing/2014/main" id="{9C0D26A3-8593-36AA-3344-D5CD972C9172}"/>
+              </a:ext>
+            </a:extLst>
+          </p:cNvPr>
+          <p:cNvSpPr txBox="1"/>
+          <p:nvPr/>
+        </p:nvSpPr>
+        <p:spPr>
+          <a:xfrm>
+            <a:off x="2595888" y="2082402"/>
+            <a:ext cx="2607048" cy="307777"/>
+          </a:xfrm>
+          <a:prstGeom prst="rect">
+            <a:avLst/>
+          </a:prstGeom>
+          <a:noFill/>
+        </p:spPr>
+        <p:txBody>
+          <a:bodyPr wrap="square" rtlCol="0" anchor="ctr">
+            <a:spAutoFit/>
+          </a:bodyPr>
+          <a:lstStyle/>
+          <a:p>
+            <a:pPr algn="ctr"/>
+            <a:r>
+              <a:rPr lang="en-CA" b="1" dirty="0"/>
+              <a:t>NOT REQUIRED FEATURES</a:t>
+            </a:r>
+          </a:p>
+        </p:txBody>
+      </p:sp>
+      <p:sp>
+        <p:nvSpPr>
+          <p:cNvPr id="17" name="Rectangle: Rounded Corners 16">
+            <a:extLst>
+              <a:ext uri="{FF2B5EF4-FFF2-40B4-BE49-F238E27FC236}">
+                <a16:creationId xmlns:a16="http://schemas.microsoft.com/office/drawing/2014/main" id="{68139A13-2BA1-2EFC-2BFF-05975D154AC5}"/>
+              </a:ext>
+            </a:extLst>
+          </p:cNvPr>
+          <p:cNvSpPr/>
+          <p:nvPr/>
+        </p:nvSpPr>
+        <p:spPr>
+          <a:xfrm>
+            <a:off x="6507480" y="1771788"/>
+            <a:ext cx="4093465" cy="4663173"/>
+          </a:xfrm>
+          <a:prstGeom prst="roundRect">
+            <a:avLst/>
+          </a:prstGeom>
+          <a:noFill/>
+          <a:ln>
+            <a:solidFill>
+              <a:schemeClr val="tx2"/>
+            </a:solidFill>
+          </a:ln>
+        </p:spPr>
+        <p:style>
+          <a:lnRef idx="2">
+            <a:schemeClr val="accent1">
+              <a:shade val="15000"/>
+            </a:schemeClr>
+          </a:lnRef>
+          <a:fillRef idx="1">
+            <a:schemeClr val="accent1"/>
+          </a:fillRef>
+          <a:effectRef idx="0">
+            <a:schemeClr val="accent1"/>
+          </a:effectRef>
+          <a:fontRef idx="minor">
+            <a:schemeClr val="lt1"/>
+          </a:fontRef>
+        </p:style>
+        <p:txBody>
+          <a:bodyPr rtlCol="0" anchor="ctr"/>
+          <a:lstStyle/>
+          <a:p>
+            <a:pPr algn="ctr"/>
+            <a:endParaRPr lang="en-CA" b="1"/>
+          </a:p>
+        </p:txBody>
+      </p:sp>
+      <p:sp>
+        <p:nvSpPr>
+          <p:cNvPr id="18" name="TextBox 17">
+            <a:extLst>
+              <a:ext uri="{FF2B5EF4-FFF2-40B4-BE49-F238E27FC236}">
+                <a16:creationId xmlns:a16="http://schemas.microsoft.com/office/drawing/2014/main" id="{A4959626-0FF3-7BEE-C714-C37D1D2E1B2D}"/>
+              </a:ext>
+            </a:extLst>
+          </p:cNvPr>
+          <p:cNvSpPr txBox="1"/>
+          <p:nvPr/>
+        </p:nvSpPr>
+        <p:spPr>
+          <a:xfrm>
+            <a:off x="7811004" y="1984515"/>
+            <a:ext cx="2607048" cy="307777"/>
+          </a:xfrm>
+          <a:prstGeom prst="rect">
+            <a:avLst/>
+          </a:prstGeom>
+          <a:noFill/>
+        </p:spPr>
+        <p:txBody>
+          <a:bodyPr wrap="square" rtlCol="0" anchor="ctr">
+            <a:spAutoFit/>
+          </a:bodyPr>
+          <a:lstStyle/>
+          <a:p>
+            <a:pPr algn="ctr"/>
+            <a:r>
+              <a:rPr lang="en-CA" b="1" dirty="0"/>
+              <a:t>IMPORTANT FEATURES</a:t>
+            </a:r>
+          </a:p>
+        </p:txBody>
+      </p:sp>
+      <p:pic>
+        <p:nvPicPr>
+          <p:cNvPr id="20" name="Graphic 19" descr="Checkbox Crossed with solid fill">
+            <a:extLst>
+              <a:ext uri="{FF2B5EF4-FFF2-40B4-BE49-F238E27FC236}">
+                <a16:creationId xmlns:a16="http://schemas.microsoft.com/office/drawing/2014/main" id="{A58DA8A2-32D7-B4D6-BA7D-80B549B1B51E}"/>
+              </a:ext>
+            </a:extLst>
+          </p:cNvPr>
+          <p:cNvPicPr>
+            <a:picLocks noChangeAspect="1"/>
+          </p:cNvPicPr>
+          <p:nvPr/>
+        </p:nvPicPr>
+        <p:blipFill>
+          <a:blip r:embed="rId8">
+            <a:extLst>
+              <a:ext uri="{96DAC541-7B7A-43D3-8B79-37D633B846F1}">
+                <asvg:svgBlip xmlns:asvg="http://schemas.microsoft.com/office/drawing/2016/SVG/main" r:embed="rId9"/>
+              </a:ext>
+            </a:extLst>
+          </a:blip>
+          <a:stretch>
+            <a:fillRect/>
+          </a:stretch>
+        </p:blipFill>
+        <p:spPr>
+          <a:xfrm>
+            <a:off x="1955808" y="2636735"/>
+            <a:ext cx="365760" cy="365760"/>
+          </a:xfrm>
+          <a:prstGeom prst="rect">
+            <a:avLst/>
+          </a:prstGeom>
+        </p:spPr>
+      </p:pic>
+      <p:pic>
+        <p:nvPicPr>
+          <p:cNvPr id="21" name="Graphic 20" descr="Checkbox Crossed with solid fill">
+            <a:extLst>
+              <a:ext uri="{FF2B5EF4-FFF2-40B4-BE49-F238E27FC236}">
+                <a16:creationId xmlns:a16="http://schemas.microsoft.com/office/drawing/2014/main" id="{DE96AE95-7AA6-075A-E959-0C0639BABB0C}"/>
+              </a:ext>
+            </a:extLst>
+          </p:cNvPr>
+          <p:cNvPicPr>
+            <a:picLocks noChangeAspect="1"/>
+          </p:cNvPicPr>
+          <p:nvPr/>
+        </p:nvPicPr>
+        <p:blipFill>
+          <a:blip r:embed="rId8">
+            <a:extLst>
+              <a:ext uri="{96DAC541-7B7A-43D3-8B79-37D633B846F1}">
+                <asvg:svgBlip xmlns:asvg="http://schemas.microsoft.com/office/drawing/2016/SVG/main" r:embed="rId9"/>
+              </a:ext>
+            </a:extLst>
+          </a:blip>
+          <a:stretch>
+            <a:fillRect/>
+          </a:stretch>
+        </p:blipFill>
+        <p:spPr>
+          <a:xfrm>
+            <a:off x="1955808" y="3014902"/>
+            <a:ext cx="365760" cy="365760"/>
+          </a:xfrm>
+          <a:prstGeom prst="rect">
+            <a:avLst/>
+          </a:prstGeom>
+        </p:spPr>
+      </p:pic>
+      <p:pic>
+        <p:nvPicPr>
+          <p:cNvPr id="22" name="Graphic 21" descr="Checkbox Crossed with solid fill">
+            <a:extLst>
+              <a:ext uri="{FF2B5EF4-FFF2-40B4-BE49-F238E27FC236}">
+                <a16:creationId xmlns:a16="http://schemas.microsoft.com/office/drawing/2014/main" id="{4E7CCBBD-98E7-57A3-7834-A438B4CC3601}"/>
+              </a:ext>
+            </a:extLst>
+          </p:cNvPr>
+          <p:cNvPicPr>
+            <a:picLocks noChangeAspect="1"/>
+          </p:cNvPicPr>
+          <p:nvPr/>
+        </p:nvPicPr>
+        <p:blipFill>
+          <a:blip r:embed="rId8">
+            <a:extLst>
+              <a:ext uri="{96DAC541-7B7A-43D3-8B79-37D633B846F1}">
+                <asvg:svgBlip xmlns:asvg="http://schemas.microsoft.com/office/drawing/2016/SVG/main" r:embed="rId9"/>
+              </a:ext>
+            </a:extLst>
+          </a:blip>
+          <a:stretch>
+            <a:fillRect/>
+          </a:stretch>
+        </p:blipFill>
+        <p:spPr>
+          <a:xfrm>
+            <a:off x="1955808" y="3429000"/>
+            <a:ext cx="365760" cy="365760"/>
+          </a:xfrm>
+          <a:prstGeom prst="rect">
+            <a:avLst/>
+          </a:prstGeom>
+        </p:spPr>
+      </p:pic>
+      <p:pic>
+        <p:nvPicPr>
+          <p:cNvPr id="23" name="Graphic 22" descr="Checkbox Crossed with solid fill">
+            <a:extLst>
+              <a:ext uri="{FF2B5EF4-FFF2-40B4-BE49-F238E27FC236}">
+                <a16:creationId xmlns:a16="http://schemas.microsoft.com/office/drawing/2014/main" id="{5BC41930-FCD0-D7B5-FBB9-E692987AFDAD}"/>
+              </a:ext>
+            </a:extLst>
+          </p:cNvPr>
+          <p:cNvPicPr>
+            <a:picLocks noChangeAspect="1"/>
+          </p:cNvPicPr>
+          <p:nvPr/>
+        </p:nvPicPr>
+        <p:blipFill>
+          <a:blip r:embed="rId8">
+            <a:extLst>
+              <a:ext uri="{96DAC541-7B7A-43D3-8B79-37D633B846F1}">
+                <asvg:svgBlip xmlns:asvg="http://schemas.microsoft.com/office/drawing/2016/SVG/main" r:embed="rId9"/>
+              </a:ext>
+            </a:extLst>
+          </a:blip>
+          <a:stretch>
+            <a:fillRect/>
+          </a:stretch>
+        </p:blipFill>
+        <p:spPr>
+          <a:xfrm>
+            <a:off x="1955808" y="3843098"/>
+            <a:ext cx="365760" cy="365760"/>
+          </a:xfrm>
+          <a:prstGeom prst="rect">
+            <a:avLst/>
+          </a:prstGeom>
+        </p:spPr>
+      </p:pic>
+      <p:pic>
+        <p:nvPicPr>
+          <p:cNvPr id="24" name="Graphic 23" descr="Checkbox Crossed with solid fill">
+            <a:extLst>
+              <a:ext uri="{FF2B5EF4-FFF2-40B4-BE49-F238E27FC236}">
+                <a16:creationId xmlns:a16="http://schemas.microsoft.com/office/drawing/2014/main" id="{3D7B7525-DDA1-FA29-95BD-E395F93D4583}"/>
+              </a:ext>
+            </a:extLst>
+          </p:cNvPr>
+          <p:cNvPicPr>
+            <a:picLocks noChangeAspect="1"/>
+          </p:cNvPicPr>
+          <p:nvPr/>
+        </p:nvPicPr>
+        <p:blipFill>
+          <a:blip r:embed="rId8">
+            <a:extLst>
+              <a:ext uri="{96DAC541-7B7A-43D3-8B79-37D633B846F1}">
+                <asvg:svgBlip xmlns:asvg="http://schemas.microsoft.com/office/drawing/2016/SVG/main" r:embed="rId9"/>
+              </a:ext>
+            </a:extLst>
+          </a:blip>
+          <a:stretch>
+            <a:fillRect/>
+          </a:stretch>
+        </p:blipFill>
+        <p:spPr>
+          <a:xfrm>
+            <a:off x="1960896" y="4257196"/>
+            <a:ext cx="365760" cy="365760"/>
+          </a:xfrm>
+          <a:prstGeom prst="rect">
+            <a:avLst/>
+          </a:prstGeom>
+        </p:spPr>
+      </p:pic>
+      <p:pic>
+        <p:nvPicPr>
+          <p:cNvPr id="28" name="Graphic 27" descr="Checkbox Checked with solid fill">
+            <a:extLst>
+              <a:ext uri="{FF2B5EF4-FFF2-40B4-BE49-F238E27FC236}">
+                <a16:creationId xmlns:a16="http://schemas.microsoft.com/office/drawing/2014/main" id="{0D437282-3F99-3244-F882-220C328D9774}"/>
+              </a:ext>
+            </a:extLst>
+          </p:cNvPr>
+          <p:cNvPicPr>
+            <a:picLocks noChangeAspect="1"/>
+          </p:cNvPicPr>
+          <p:nvPr/>
+        </p:nvPicPr>
+        <p:blipFill>
+          <a:blip r:embed="rId10">
+            <a:extLst>
+              <a:ext uri="{96DAC541-7B7A-43D3-8B79-37D633B846F1}">
+                <asvg:svgBlip xmlns:asvg="http://schemas.microsoft.com/office/drawing/2016/SVG/main" r:embed="rId11"/>
+              </a:ext>
+            </a:extLst>
+          </a:blip>
+          <a:stretch>
+            <a:fillRect/>
+          </a:stretch>
+        </p:blipFill>
+        <p:spPr>
+          <a:xfrm>
+            <a:off x="7129272" y="2696585"/>
+            <a:ext cx="365760" cy="365760"/>
+          </a:xfrm>
+          <a:prstGeom prst="rect">
+            <a:avLst/>
+          </a:prstGeom>
+        </p:spPr>
+      </p:pic>
+      <p:pic>
+        <p:nvPicPr>
+          <p:cNvPr id="29" name="Graphic 28" descr="Checkbox Checked with solid fill">
+            <a:extLst>
+              <a:ext uri="{FF2B5EF4-FFF2-40B4-BE49-F238E27FC236}">
+                <a16:creationId xmlns:a16="http://schemas.microsoft.com/office/drawing/2014/main" id="{BBAB5820-1F03-D177-7016-834CDA65C8D0}"/>
+              </a:ext>
+            </a:extLst>
+          </p:cNvPr>
+          <p:cNvPicPr>
+            <a:picLocks noChangeAspect="1"/>
+          </p:cNvPicPr>
+          <p:nvPr/>
+        </p:nvPicPr>
+        <p:blipFill>
+          <a:blip r:embed="rId10">
+            <a:extLst>
+              <a:ext uri="{96DAC541-7B7A-43D3-8B79-37D633B846F1}">
+                <asvg:svgBlip xmlns:asvg="http://schemas.microsoft.com/office/drawing/2016/SVG/main" r:embed="rId11"/>
+              </a:ext>
+            </a:extLst>
+          </a:blip>
+          <a:stretch>
+            <a:fillRect/>
+          </a:stretch>
+        </p:blipFill>
+        <p:spPr>
+          <a:xfrm>
+            <a:off x="7129272" y="3065439"/>
+            <a:ext cx="365760" cy="365760"/>
+          </a:xfrm>
+          <a:prstGeom prst="rect">
+            <a:avLst/>
+          </a:prstGeom>
+        </p:spPr>
+      </p:pic>
+      <p:pic>
+        <p:nvPicPr>
+          <p:cNvPr id="30" name="Graphic 29" descr="Checkbox Checked with solid fill">
+            <a:extLst>
+              <a:ext uri="{FF2B5EF4-FFF2-40B4-BE49-F238E27FC236}">
+                <a16:creationId xmlns:a16="http://schemas.microsoft.com/office/drawing/2014/main" id="{95AAFCEF-E153-5585-B5F2-E72F160AA33D}"/>
+              </a:ext>
+            </a:extLst>
+          </p:cNvPr>
+          <p:cNvPicPr>
+            <a:picLocks noChangeAspect="1"/>
+          </p:cNvPicPr>
+          <p:nvPr/>
+        </p:nvPicPr>
+        <p:blipFill>
+          <a:blip r:embed="rId10">
+            <a:extLst>
+              <a:ext uri="{96DAC541-7B7A-43D3-8B79-37D633B846F1}">
+                <asvg:svgBlip xmlns:asvg="http://schemas.microsoft.com/office/drawing/2016/SVG/main" r:embed="rId11"/>
+              </a:ext>
+            </a:extLst>
+          </a:blip>
+          <a:stretch>
+            <a:fillRect/>
+          </a:stretch>
+        </p:blipFill>
+        <p:spPr>
+          <a:xfrm>
+            <a:off x="7129272" y="3429000"/>
+            <a:ext cx="365760" cy="365760"/>
+          </a:xfrm>
+          <a:prstGeom prst="rect">
+            <a:avLst/>
+          </a:prstGeom>
+        </p:spPr>
+      </p:pic>
+      <p:pic>
+        <p:nvPicPr>
+          <p:cNvPr id="31" name="Graphic 30" descr="Checkbox Checked with solid fill">
+            <a:extLst>
+              <a:ext uri="{FF2B5EF4-FFF2-40B4-BE49-F238E27FC236}">
+                <a16:creationId xmlns:a16="http://schemas.microsoft.com/office/drawing/2014/main" id="{BBCCC2DC-354F-8BFC-ED53-E2433CF370F2}"/>
+              </a:ext>
+            </a:extLst>
+          </p:cNvPr>
+          <p:cNvPicPr>
+            <a:picLocks noChangeAspect="1"/>
+          </p:cNvPicPr>
+          <p:nvPr/>
+        </p:nvPicPr>
+        <p:blipFill>
+          <a:blip r:embed="rId10">
+            <a:extLst>
+              <a:ext uri="{96DAC541-7B7A-43D3-8B79-37D633B846F1}">
+                <asvg:svgBlip xmlns:asvg="http://schemas.microsoft.com/office/drawing/2016/SVG/main" r:embed="rId11"/>
+              </a:ext>
+            </a:extLst>
+          </a:blip>
+          <a:stretch>
+            <a:fillRect/>
+          </a:stretch>
+        </p:blipFill>
+        <p:spPr>
+          <a:xfrm>
+            <a:off x="7138504" y="3797579"/>
+            <a:ext cx="365760" cy="365760"/>
+          </a:xfrm>
+          <a:prstGeom prst="rect">
+            <a:avLst/>
+          </a:prstGeom>
+        </p:spPr>
+      </p:pic>
+      <p:pic>
+        <p:nvPicPr>
+          <p:cNvPr id="32" name="Graphic 31" descr="Checkbox Checked with solid fill">
+            <a:extLst>
+              <a:ext uri="{FF2B5EF4-FFF2-40B4-BE49-F238E27FC236}">
+                <a16:creationId xmlns:a16="http://schemas.microsoft.com/office/drawing/2014/main" id="{2D764E15-4851-B47B-D1CE-7EF4F1DE9C69}"/>
+              </a:ext>
+            </a:extLst>
+          </p:cNvPr>
+          <p:cNvPicPr>
+            <a:picLocks noChangeAspect="1"/>
+          </p:cNvPicPr>
+          <p:nvPr/>
+        </p:nvPicPr>
+        <p:blipFill>
+          <a:blip r:embed="rId10">
+            <a:extLst>
+              <a:ext uri="{96DAC541-7B7A-43D3-8B79-37D633B846F1}">
+                <asvg:svgBlip xmlns:asvg="http://schemas.microsoft.com/office/drawing/2016/SVG/main" r:embed="rId11"/>
+              </a:ext>
+            </a:extLst>
+          </a:blip>
+          <a:stretch>
+            <a:fillRect/>
+          </a:stretch>
+        </p:blipFill>
+        <p:spPr>
+          <a:xfrm>
+            <a:off x="7138504" y="4184750"/>
+            <a:ext cx="365760" cy="365760"/>
+          </a:xfrm>
+          <a:prstGeom prst="rect">
+            <a:avLst/>
+          </a:prstGeom>
+        </p:spPr>
+      </p:pic>
+      <p:sp>
+        <p:nvSpPr>
+          <p:cNvPr id="33" name="TextBox 32">
+            <a:extLst>
+              <a:ext uri="{FF2B5EF4-FFF2-40B4-BE49-F238E27FC236}">
+                <a16:creationId xmlns:a16="http://schemas.microsoft.com/office/drawing/2014/main" id="{3B193927-F4CD-C400-6AE7-41A9B09745FC}"/>
+              </a:ext>
+            </a:extLst>
+          </p:cNvPr>
+          <p:cNvSpPr txBox="1"/>
+          <p:nvPr/>
+        </p:nvSpPr>
+        <p:spPr>
+          <a:xfrm>
+            <a:off x="7504264" y="2694718"/>
+            <a:ext cx="2607048" cy="307777"/>
+          </a:xfrm>
+          <a:prstGeom prst="rect">
+            <a:avLst/>
+          </a:prstGeom>
+          <a:noFill/>
+        </p:spPr>
+        <p:txBody>
+          <a:bodyPr wrap="square" rtlCol="0" anchor="ctr">
+            <a:spAutoFit/>
+          </a:bodyPr>
+          <a:lstStyle/>
+          <a:p>
+            <a:pPr algn="ctr"/>
+            <a:r>
+              <a:rPr lang="en-CA" b="1" dirty="0"/>
+              <a:t>FLIGHT DATE</a:t>
+            </a:r>
+          </a:p>
+        </p:txBody>
+      </p:sp>
+      <p:sp>
+        <p:nvSpPr>
+          <p:cNvPr id="34" name="TextBox 33">
+            <a:extLst>
+              <a:ext uri="{FF2B5EF4-FFF2-40B4-BE49-F238E27FC236}">
+                <a16:creationId xmlns:a16="http://schemas.microsoft.com/office/drawing/2014/main" id="{8CB91061-C724-7852-156E-ADB7FEBB5882}"/>
+              </a:ext>
+            </a:extLst>
+          </p:cNvPr>
+          <p:cNvSpPr txBox="1"/>
+          <p:nvPr/>
+        </p:nvSpPr>
+        <p:spPr>
+          <a:xfrm>
+            <a:off x="7525476" y="3088357"/>
+            <a:ext cx="2607048" cy="307777"/>
+          </a:xfrm>
+          <a:prstGeom prst="rect">
+            <a:avLst/>
+          </a:prstGeom>
+          <a:noFill/>
+        </p:spPr>
+        <p:txBody>
+          <a:bodyPr wrap="square" rtlCol="0" anchor="ctr">
+            <a:spAutoFit/>
+          </a:bodyPr>
+          <a:lstStyle/>
+          <a:p>
+            <a:pPr algn="ctr"/>
+            <a:r>
+              <a:rPr lang="en-CA" b="1" dirty="0"/>
+              <a:t>CARRIER</a:t>
+            </a:r>
+          </a:p>
+        </p:txBody>
+      </p:sp>
+      <p:sp>
+        <p:nvSpPr>
+          <p:cNvPr id="35" name="TextBox 34">
+            <a:extLst>
+              <a:ext uri="{FF2B5EF4-FFF2-40B4-BE49-F238E27FC236}">
+                <a16:creationId xmlns:a16="http://schemas.microsoft.com/office/drawing/2014/main" id="{CE083976-A05A-E3DE-3AD1-B29610BA2F26}"/>
+              </a:ext>
+            </a:extLst>
+          </p:cNvPr>
+          <p:cNvSpPr txBox="1"/>
+          <p:nvPr/>
+        </p:nvSpPr>
+        <p:spPr>
+          <a:xfrm>
+            <a:off x="7525476" y="3464622"/>
+            <a:ext cx="2607048" cy="307777"/>
+          </a:xfrm>
+          <a:prstGeom prst="rect">
+            <a:avLst/>
+          </a:prstGeom>
+          <a:noFill/>
+        </p:spPr>
+        <p:txBody>
+          <a:bodyPr wrap="square" rtlCol="0" anchor="ctr">
+            <a:spAutoFit/>
+          </a:bodyPr>
+          <a:lstStyle/>
+          <a:p>
+            <a:pPr algn="ctr"/>
+            <a:r>
+              <a:rPr lang="en-CA" b="1" dirty="0"/>
+              <a:t>ORIGIN</a:t>
+            </a:r>
+          </a:p>
+        </p:txBody>
+      </p:sp>
+      <p:sp>
+        <p:nvSpPr>
+          <p:cNvPr id="36" name="TextBox 35">
+            <a:extLst>
+              <a:ext uri="{FF2B5EF4-FFF2-40B4-BE49-F238E27FC236}">
+                <a16:creationId xmlns:a16="http://schemas.microsoft.com/office/drawing/2014/main" id="{C7B201E1-21D1-71A7-FFC4-BBEF3E30464D}"/>
+              </a:ext>
+            </a:extLst>
+          </p:cNvPr>
+          <p:cNvSpPr txBox="1"/>
+          <p:nvPr/>
+        </p:nvSpPr>
+        <p:spPr>
+          <a:xfrm>
+            <a:off x="7534708" y="3720141"/>
+            <a:ext cx="2607048" cy="523220"/>
+          </a:xfrm>
+          <a:prstGeom prst="rect">
+            <a:avLst/>
+          </a:prstGeom>
+          <a:noFill/>
+        </p:spPr>
+        <p:txBody>
+          <a:bodyPr wrap="square" rtlCol="0" anchor="ctr">
+            <a:spAutoFit/>
+          </a:bodyPr>
+          <a:lstStyle/>
+          <a:p>
+            <a:pPr algn="ctr"/>
+            <a:r>
+              <a:rPr lang="en-CA" b="1" dirty="0"/>
+              <a:t>SCHEDULED DEPARTURE TIME</a:t>
+            </a:r>
+          </a:p>
+        </p:txBody>
+      </p:sp>
+      <p:sp>
+        <p:nvSpPr>
+          <p:cNvPr id="37" name="TextBox 36">
+            <a:extLst>
+              <a:ext uri="{FF2B5EF4-FFF2-40B4-BE49-F238E27FC236}">
+                <a16:creationId xmlns:a16="http://schemas.microsoft.com/office/drawing/2014/main" id="{33D063DB-3575-7324-EC32-93D124B5C318}"/>
+              </a:ext>
+            </a:extLst>
+          </p:cNvPr>
+          <p:cNvSpPr txBox="1"/>
+          <p:nvPr/>
+        </p:nvSpPr>
+        <p:spPr>
+          <a:xfrm>
+            <a:off x="7599700" y="4208858"/>
+            <a:ext cx="2607048" cy="307777"/>
+          </a:xfrm>
+          <a:prstGeom prst="rect">
+            <a:avLst/>
+          </a:prstGeom>
+          <a:noFill/>
+        </p:spPr>
+        <p:txBody>
+          <a:bodyPr wrap="square" rtlCol="0" anchor="ctr">
+            <a:spAutoFit/>
+          </a:bodyPr>
+          <a:lstStyle/>
+          <a:p>
+            <a:pPr algn="ctr"/>
+            <a:r>
+              <a:rPr lang="en-CA" b="1" dirty="0"/>
+              <a:t>DEPARTURE DELAY</a:t>
+            </a:r>
+          </a:p>
+        </p:txBody>
+      </p:sp>
+      <p:sp>
+        <p:nvSpPr>
+          <p:cNvPr id="38" name="TextBox 37">
+            <a:extLst>
+              <a:ext uri="{FF2B5EF4-FFF2-40B4-BE49-F238E27FC236}">
+                <a16:creationId xmlns:a16="http://schemas.microsoft.com/office/drawing/2014/main" id="{2E092447-F7F3-2FC8-2154-68A219FB0B26}"/>
+              </a:ext>
+            </a:extLst>
+          </p:cNvPr>
+          <p:cNvSpPr txBox="1"/>
+          <p:nvPr/>
+        </p:nvSpPr>
+        <p:spPr>
+          <a:xfrm>
+            <a:off x="2206764" y="2689024"/>
+            <a:ext cx="2607048" cy="307777"/>
+          </a:xfrm>
+          <a:prstGeom prst="rect">
+            <a:avLst/>
+          </a:prstGeom>
+          <a:noFill/>
+        </p:spPr>
+        <p:txBody>
+          <a:bodyPr wrap="square" rtlCol="0" anchor="ctr">
+            <a:spAutoFit/>
+          </a:bodyPr>
+          <a:lstStyle/>
+          <a:p>
+            <a:pPr algn="ctr"/>
+            <a:r>
+              <a:rPr lang="en-CA" b="1" dirty="0"/>
+              <a:t>FLIGHT NUMBER</a:t>
+            </a:r>
+          </a:p>
+        </p:txBody>
+      </p:sp>
+      <p:sp>
+        <p:nvSpPr>
+          <p:cNvPr id="39" name="TextBox 38">
+            <a:extLst>
+              <a:ext uri="{FF2B5EF4-FFF2-40B4-BE49-F238E27FC236}">
+                <a16:creationId xmlns:a16="http://schemas.microsoft.com/office/drawing/2014/main" id="{BAF81FA6-CEC0-D6A2-2109-219692DACF14}"/>
+              </a:ext>
+            </a:extLst>
+          </p:cNvPr>
+          <p:cNvSpPr txBox="1"/>
+          <p:nvPr/>
+        </p:nvSpPr>
+        <p:spPr>
+          <a:xfrm>
+            <a:off x="2227976" y="3082663"/>
+            <a:ext cx="2607048" cy="307777"/>
+          </a:xfrm>
+          <a:prstGeom prst="rect">
+            <a:avLst/>
+          </a:prstGeom>
+          <a:noFill/>
+        </p:spPr>
+        <p:txBody>
+          <a:bodyPr wrap="square" rtlCol="0" anchor="ctr">
+            <a:spAutoFit/>
+          </a:bodyPr>
+          <a:lstStyle/>
+          <a:p>
+            <a:pPr algn="ctr"/>
+            <a:r>
+              <a:rPr lang="en-CA" b="1" dirty="0"/>
+              <a:t>DESTINATION</a:t>
+            </a:r>
+          </a:p>
+        </p:txBody>
+      </p:sp>
+      <p:sp>
+        <p:nvSpPr>
+          <p:cNvPr id="40" name="TextBox 39">
+            <a:extLst>
+              <a:ext uri="{FF2B5EF4-FFF2-40B4-BE49-F238E27FC236}">
+                <a16:creationId xmlns:a16="http://schemas.microsoft.com/office/drawing/2014/main" id="{73A803BB-90C4-E184-75D2-678178547443}"/>
+              </a:ext>
+            </a:extLst>
+          </p:cNvPr>
+          <p:cNvSpPr txBox="1"/>
+          <p:nvPr/>
+        </p:nvSpPr>
+        <p:spPr>
+          <a:xfrm>
+            <a:off x="2187319" y="3470252"/>
+            <a:ext cx="2607048" cy="307777"/>
+          </a:xfrm>
+          <a:prstGeom prst="rect">
+            <a:avLst/>
+          </a:prstGeom>
+          <a:noFill/>
+        </p:spPr>
+        <p:txBody>
+          <a:bodyPr wrap="square" rtlCol="0" anchor="ctr">
+            <a:spAutoFit/>
+          </a:bodyPr>
+          <a:lstStyle/>
+          <a:p>
+            <a:pPr algn="ctr"/>
+            <a:r>
+              <a:rPr lang="en-CA" b="1" dirty="0"/>
+              <a:t>DEPARTURE TIME</a:t>
+            </a:r>
+          </a:p>
+        </p:txBody>
+      </p:sp>
+      <p:sp>
+        <p:nvSpPr>
+          <p:cNvPr id="41" name="TextBox 40">
+            <a:extLst>
+              <a:ext uri="{FF2B5EF4-FFF2-40B4-BE49-F238E27FC236}">
+                <a16:creationId xmlns:a16="http://schemas.microsoft.com/office/drawing/2014/main" id="{164D66B7-6D9F-FC17-276D-4154B86372FB}"/>
+              </a:ext>
+            </a:extLst>
+          </p:cNvPr>
+          <p:cNvSpPr txBox="1"/>
+          <p:nvPr/>
+        </p:nvSpPr>
+        <p:spPr>
+          <a:xfrm>
+            <a:off x="2227976" y="3874858"/>
+            <a:ext cx="2607048" cy="307777"/>
+          </a:xfrm>
+          <a:prstGeom prst="rect">
+            <a:avLst/>
+          </a:prstGeom>
+          <a:noFill/>
+        </p:spPr>
+        <p:txBody>
+          <a:bodyPr wrap="square" rtlCol="0" anchor="ctr">
+            <a:spAutoFit/>
+          </a:bodyPr>
+          <a:lstStyle/>
+          <a:p>
+            <a:pPr algn="ctr"/>
+            <a:r>
+              <a:rPr lang="en-CA" b="1" dirty="0"/>
+              <a:t>CANCELLATION CODE</a:t>
+            </a:r>
+          </a:p>
+        </p:txBody>
+      </p:sp>
+      <p:sp>
+        <p:nvSpPr>
+          <p:cNvPr id="42" name="TextBox 41">
+            <a:extLst>
+              <a:ext uri="{FF2B5EF4-FFF2-40B4-BE49-F238E27FC236}">
+                <a16:creationId xmlns:a16="http://schemas.microsoft.com/office/drawing/2014/main" id="{90801EC9-2FE1-6FDD-13FE-F0F867FD5DF8}"/>
+              </a:ext>
+            </a:extLst>
+          </p:cNvPr>
+          <p:cNvSpPr txBox="1"/>
+          <p:nvPr/>
+        </p:nvSpPr>
+        <p:spPr>
+          <a:xfrm>
+            <a:off x="2206764" y="4269106"/>
+            <a:ext cx="2607048" cy="307777"/>
+          </a:xfrm>
+          <a:prstGeom prst="rect">
+            <a:avLst/>
+          </a:prstGeom>
+          <a:noFill/>
+        </p:spPr>
+        <p:txBody>
+          <a:bodyPr wrap="square" rtlCol="0" anchor="ctr">
+            <a:spAutoFit/>
+          </a:bodyPr>
+          <a:lstStyle/>
+          <a:p>
+            <a:pPr algn="ctr"/>
+            <a:r>
+              <a:rPr lang="en-CA" b="1" dirty="0"/>
+              <a:t>DIVERTED</a:t>
+            </a:r>
+          </a:p>
+        </p:txBody>
+      </p:sp>
+      <p:pic>
+        <p:nvPicPr>
+          <p:cNvPr id="43" name="Graphic 42" descr="Checkbox Crossed with solid fill">
+            <a:extLst>
+              <a:ext uri="{FF2B5EF4-FFF2-40B4-BE49-F238E27FC236}">
+                <a16:creationId xmlns:a16="http://schemas.microsoft.com/office/drawing/2014/main" id="{381EFA88-307B-62DE-70FF-4799F3C7B322}"/>
+              </a:ext>
+            </a:extLst>
+          </p:cNvPr>
+          <p:cNvPicPr>
+            <a:picLocks noChangeAspect="1"/>
+          </p:cNvPicPr>
+          <p:nvPr/>
+        </p:nvPicPr>
+        <p:blipFill>
+          <a:blip r:embed="rId8">
+            <a:extLst>
+              <a:ext uri="{96DAC541-7B7A-43D3-8B79-37D633B846F1}">
+                <asvg:svgBlip xmlns:asvg="http://schemas.microsoft.com/office/drawing/2016/SVG/main" r:embed="rId9"/>
+              </a:ext>
+            </a:extLst>
+          </a:blip>
+          <a:stretch>
+            <a:fillRect/>
+          </a:stretch>
+        </p:blipFill>
+        <p:spPr>
+          <a:xfrm>
+            <a:off x="1982108" y="4671294"/>
+            <a:ext cx="365760" cy="365760"/>
+          </a:xfrm>
+          <a:prstGeom prst="rect">
+            <a:avLst/>
+          </a:prstGeom>
+        </p:spPr>
+      </p:pic>
+      <p:sp>
+        <p:nvSpPr>
+          <p:cNvPr id="44" name="TextBox 43">
+            <a:extLst>
+              <a:ext uri="{FF2B5EF4-FFF2-40B4-BE49-F238E27FC236}">
+                <a16:creationId xmlns:a16="http://schemas.microsoft.com/office/drawing/2014/main" id="{B82DF7BA-561C-D1CA-BD5F-8EE0B51C5B23}"/>
+              </a:ext>
+            </a:extLst>
+          </p:cNvPr>
+          <p:cNvSpPr txBox="1"/>
+          <p:nvPr/>
+        </p:nvSpPr>
+        <p:spPr>
+          <a:xfrm>
+            <a:off x="2227976" y="4575483"/>
+            <a:ext cx="2607048" cy="523220"/>
+          </a:xfrm>
+          <a:prstGeom prst="rect">
+            <a:avLst/>
+          </a:prstGeom>
+          <a:noFill/>
+        </p:spPr>
+        <p:txBody>
+          <a:bodyPr wrap="square" rtlCol="0" anchor="ctr">
+            <a:spAutoFit/>
+          </a:bodyPr>
+          <a:lstStyle/>
+          <a:p>
+            <a:pPr algn="ctr"/>
+            <a:r>
+              <a:rPr lang="en-CA" b="1" dirty="0"/>
+              <a:t>ARRIVAL RELATED FEATURED</a:t>
+            </a:r>
+          </a:p>
+        </p:txBody>
+      </p:sp>
+      <p:pic>
+        <p:nvPicPr>
+          <p:cNvPr id="45" name="Graphic 44" descr="Checkbox Crossed with solid fill">
+            <a:extLst>
+              <a:ext uri="{FF2B5EF4-FFF2-40B4-BE49-F238E27FC236}">
+                <a16:creationId xmlns:a16="http://schemas.microsoft.com/office/drawing/2014/main" id="{53DF3A70-0F92-B097-C83A-07FFC67F012C}"/>
+              </a:ext>
+            </a:extLst>
+          </p:cNvPr>
+          <p:cNvPicPr>
+            <a:picLocks noChangeAspect="1"/>
+          </p:cNvPicPr>
+          <p:nvPr/>
+        </p:nvPicPr>
+        <p:blipFill>
+          <a:blip r:embed="rId8">
+            <a:extLst>
+              <a:ext uri="{96DAC541-7B7A-43D3-8B79-37D633B846F1}">
+                <asvg:svgBlip xmlns:asvg="http://schemas.microsoft.com/office/drawing/2016/SVG/main" r:embed="rId9"/>
+              </a:ext>
+            </a:extLst>
+          </a:blip>
+          <a:stretch>
+            <a:fillRect/>
+          </a:stretch>
+        </p:blipFill>
+        <p:spPr>
+          <a:xfrm>
+            <a:off x="2012017" y="5072024"/>
+            <a:ext cx="365760" cy="365760"/>
+          </a:xfrm>
+          <a:prstGeom prst="rect">
+            <a:avLst/>
+          </a:prstGeom>
+        </p:spPr>
+      </p:pic>
+      <p:sp>
+        <p:nvSpPr>
+          <p:cNvPr id="46" name="TextBox 45">
+            <a:extLst>
+              <a:ext uri="{FF2B5EF4-FFF2-40B4-BE49-F238E27FC236}">
+                <a16:creationId xmlns:a16="http://schemas.microsoft.com/office/drawing/2014/main" id="{7B2FCDBD-1212-31BE-B4B4-39E598F9902D}"/>
+              </a:ext>
+            </a:extLst>
+          </p:cNvPr>
+          <p:cNvSpPr txBox="1"/>
+          <p:nvPr/>
+        </p:nvSpPr>
+        <p:spPr>
+          <a:xfrm>
+            <a:off x="2250189" y="5140848"/>
+            <a:ext cx="2607048" cy="307777"/>
+          </a:xfrm>
+          <a:prstGeom prst="rect">
+            <a:avLst/>
+          </a:prstGeom>
+          <a:noFill/>
+        </p:spPr>
+        <p:txBody>
+          <a:bodyPr wrap="square" rtlCol="0" anchor="ctr">
+            <a:spAutoFit/>
+          </a:bodyPr>
+          <a:lstStyle/>
+          <a:p>
+            <a:pPr algn="ctr"/>
+            <a:r>
+              <a:rPr lang="en-CA" b="1" dirty="0"/>
+              <a:t>TYPES OF DELAYS</a:t>
+            </a:r>
           </a:p>
         </p:txBody>
       </p:sp>
